--- a/ppt/Python08-OO.pptx
+++ b/ppt/Python08-OO.pptx
@@ -637,35 +637,35 @@
           <a:p>
             <a:pPr lvl="0"/>
             <a:r>
-              <a:rPr lang="fr-FR" noProof="0" smtClean="0"/>
+              <a:rPr lang="fr-FR" noProof="0"/>
               <a:t>Cliquez pour modifier les styles du texte du masque</a:t>
             </a:r>
           </a:p>
           <a:p>
             <a:pPr lvl="1"/>
             <a:r>
-              <a:rPr lang="fr-FR" noProof="0" smtClean="0"/>
+              <a:rPr lang="fr-FR" noProof="0"/>
               <a:t>Deuxième niveau</a:t>
             </a:r>
           </a:p>
           <a:p>
             <a:pPr lvl="2"/>
             <a:r>
-              <a:rPr lang="fr-FR" noProof="0" smtClean="0"/>
+              <a:rPr lang="fr-FR" noProof="0"/>
               <a:t>Troisième niveau</a:t>
             </a:r>
           </a:p>
           <a:p>
             <a:pPr lvl="3"/>
             <a:r>
-              <a:rPr lang="fr-FR" noProof="0" smtClean="0"/>
+              <a:rPr lang="fr-FR" noProof="0"/>
               <a:t>Quatrième niveau</a:t>
             </a:r>
           </a:p>
           <a:p>
             <a:pPr lvl="4"/>
             <a:r>
-              <a:rPr lang="fr-FR" noProof="0" smtClean="0"/>
+              <a:rPr lang="fr-FR" noProof="0"/>
               <a:t>Cinquième niveau</a:t>
             </a:r>
           </a:p>
@@ -1094,7 +1094,7 @@
           <a:lstStyle/>
           <a:p>
             <a:pPr eaLnBrk="1" hangingPunct="1"/>
-            <a:endParaRPr lang="en-US" altLang="fr-FR" smtClean="0"/>
+            <a:endParaRPr lang="en-US" altLang="fr-FR"/>
           </a:p>
         </p:txBody>
       </p:sp>
@@ -1290,7 +1290,7 @@
           <a:lstStyle/>
           <a:p>
             <a:pPr eaLnBrk="1" hangingPunct="1"/>
-            <a:endParaRPr lang="en-US" altLang="fr-FR" smtClean="0"/>
+            <a:endParaRPr lang="en-US" altLang="fr-FR"/>
           </a:p>
         </p:txBody>
       </p:sp>
@@ -1486,7 +1486,7 @@
           <a:lstStyle/>
           <a:p>
             <a:pPr eaLnBrk="1" hangingPunct="1"/>
-            <a:endParaRPr lang="en-US" altLang="fr-FR" smtClean="0"/>
+            <a:endParaRPr lang="en-US" altLang="fr-FR"/>
           </a:p>
         </p:txBody>
       </p:sp>
@@ -1678,7 +1678,7 @@
           <a:lstStyle/>
           <a:p>
             <a:pPr eaLnBrk="1" hangingPunct="1"/>
-            <a:endParaRPr lang="en-US" altLang="fr-FR" smtClean="0"/>
+            <a:endParaRPr lang="en-US" altLang="fr-FR"/>
           </a:p>
         </p:txBody>
       </p:sp>
@@ -1874,7 +1874,7 @@
           <a:lstStyle/>
           <a:p>
             <a:pPr eaLnBrk="1" hangingPunct="1"/>
-            <a:endParaRPr lang="en-US" altLang="fr-FR" smtClean="0"/>
+            <a:endParaRPr lang="en-US" altLang="fr-FR"/>
           </a:p>
         </p:txBody>
       </p:sp>
@@ -2066,7 +2066,7 @@
           <a:lstStyle/>
           <a:p>
             <a:pPr eaLnBrk="1" hangingPunct="1"/>
-            <a:endParaRPr lang="en-US" altLang="fr-FR" smtClean="0"/>
+            <a:endParaRPr lang="en-US" altLang="fr-FR"/>
           </a:p>
         </p:txBody>
       </p:sp>
@@ -2262,7 +2262,7 @@
           <a:lstStyle/>
           <a:p>
             <a:pPr eaLnBrk="1" hangingPunct="1"/>
-            <a:endParaRPr lang="en-US" altLang="fr-FR" smtClean="0"/>
+            <a:endParaRPr lang="en-US" altLang="fr-FR"/>
           </a:p>
         </p:txBody>
       </p:sp>
@@ -2458,7 +2458,7 @@
           <a:lstStyle/>
           <a:p>
             <a:pPr eaLnBrk="1" hangingPunct="1"/>
-            <a:endParaRPr lang="en-US" altLang="fr-FR" smtClean="0"/>
+            <a:endParaRPr lang="en-US" altLang="fr-FR"/>
           </a:p>
         </p:txBody>
       </p:sp>
@@ -2650,7 +2650,7 @@
           <a:lstStyle/>
           <a:p>
             <a:pPr eaLnBrk="1" hangingPunct="1"/>
-            <a:endParaRPr lang="en-US" altLang="fr-FR" smtClean="0"/>
+            <a:endParaRPr lang="en-US" altLang="fr-FR"/>
           </a:p>
         </p:txBody>
       </p:sp>
@@ -2842,7 +2842,7 @@
           <a:lstStyle/>
           <a:p>
             <a:pPr eaLnBrk="1" hangingPunct="1"/>
-            <a:endParaRPr lang="en-US" altLang="fr-FR" smtClean="0"/>
+            <a:endParaRPr lang="en-US" altLang="fr-FR"/>
           </a:p>
         </p:txBody>
       </p:sp>
@@ -2931,10 +2931,9 @@
               <a:defRPr/>
             </a:pPr>
             <a:r>
-              <a:rPr lang="fr-FR" smtClean="0"/>
+              <a:rPr lang="fr-FR"/>
               <a:t>© HANDSHAKE - Philippe MASINA</a:t>
             </a:r>
-            <a:endParaRPr lang="fr-FR"/>
           </a:p>
         </p:txBody>
       </p:sp>
@@ -2957,7 +2956,7 @@
               <a:defRPr/>
             </a:pPr>
             <a:r>
-              <a:rPr lang="fr-FR" smtClean="0"/>
+              <a:rPr lang="fr-FR"/>
               <a:t>I-</a:t>
             </a:r>
             <a:fld id="{88B410AF-14E7-4D87-8C8E-6E377E0C2388}" type="slidenum">
@@ -3022,10 +3021,9 @@
           <a:lstStyle/>
           <a:p>
             <a:r>
-              <a:rPr lang="fr-FR" smtClean="0"/>
+              <a:rPr lang="fr-FR"/>
               <a:t>Cliquez pour modifier le style du titre</a:t>
             </a:r>
-            <a:endParaRPr lang="fr-FR"/>
           </a:p>
         </p:txBody>
       </p:sp>
@@ -3087,10 +3085,9 @@
           </a:lstStyle>
           <a:p>
             <a:r>
-              <a:rPr lang="fr-FR" smtClean="0"/>
+              <a:rPr lang="fr-FR"/>
               <a:t>Cliquez pour modifier le style des sous-titres du masque</a:t>
             </a:r>
-            <a:endParaRPr lang="fr-FR"/>
           </a:p>
         </p:txBody>
       </p:sp>
@@ -3145,10 +3142,9 @@
           <a:lstStyle/>
           <a:p>
             <a:r>
-              <a:rPr lang="fr-FR" smtClean="0"/>
+              <a:rPr lang="fr-FR"/>
               <a:t>Cliquez pour modifier le style du titre</a:t>
             </a:r>
-            <a:endParaRPr lang="fr-FR"/>
           </a:p>
         </p:txBody>
       </p:sp>
@@ -3174,38 +3170,37 @@
           <a:p>
             <a:pPr lvl="0"/>
             <a:r>
-              <a:rPr lang="fr-FR" smtClean="0"/>
+              <a:rPr lang="fr-FR"/>
               <a:t>Cliquez pour modifier les styles du texte du masque</a:t>
             </a:r>
           </a:p>
           <a:p>
             <a:pPr lvl="1"/>
             <a:r>
-              <a:rPr lang="fr-FR" smtClean="0"/>
+              <a:rPr lang="fr-FR"/>
               <a:t>Deuxième niveau</a:t>
             </a:r>
           </a:p>
           <a:p>
             <a:pPr lvl="2"/>
             <a:r>
-              <a:rPr lang="fr-FR" smtClean="0"/>
+              <a:rPr lang="fr-FR"/>
               <a:t>Troisième niveau</a:t>
             </a:r>
           </a:p>
           <a:p>
             <a:pPr lvl="3"/>
             <a:r>
-              <a:rPr lang="fr-FR" smtClean="0"/>
+              <a:rPr lang="fr-FR"/>
               <a:t>Quatrième niveau</a:t>
             </a:r>
           </a:p>
           <a:p>
             <a:pPr lvl="4"/>
             <a:r>
-              <a:rPr lang="fr-FR" smtClean="0"/>
+              <a:rPr lang="fr-FR"/>
               <a:t>Cinquième niveau</a:t>
             </a:r>
-            <a:endParaRPr lang="fr-FR"/>
           </a:p>
         </p:txBody>
       </p:sp>
@@ -3264,10 +3259,9 @@
           </a:lstStyle>
           <a:p>
             <a:r>
-              <a:rPr lang="fr-FR" dirty="0" smtClean="0"/>
+              <a:rPr lang="fr-FR" dirty="0"/>
               <a:t>Cliquez pour modifier le style du titre</a:t>
             </a:r>
-            <a:endParaRPr lang="fr-FR" dirty="0"/>
           </a:p>
         </p:txBody>
       </p:sp>
@@ -3293,38 +3287,37 @@
           <a:p>
             <a:pPr lvl="0"/>
             <a:r>
-              <a:rPr lang="fr-FR" dirty="0" smtClean="0"/>
+              <a:rPr lang="fr-FR" dirty="0"/>
               <a:t>Cliquez pour modifier les styles du texte du masque</a:t>
             </a:r>
           </a:p>
           <a:p>
             <a:pPr lvl="1"/>
             <a:r>
-              <a:rPr lang="fr-FR" dirty="0" smtClean="0"/>
+              <a:rPr lang="fr-FR" dirty="0"/>
               <a:t>Deuxième niveau</a:t>
             </a:r>
           </a:p>
           <a:p>
             <a:pPr lvl="2"/>
             <a:r>
-              <a:rPr lang="fr-FR" dirty="0" smtClean="0"/>
+              <a:rPr lang="fr-FR" dirty="0"/>
               <a:t>Troisième niveau</a:t>
             </a:r>
           </a:p>
           <a:p>
             <a:pPr lvl="3"/>
             <a:r>
-              <a:rPr lang="fr-FR" dirty="0" smtClean="0"/>
+              <a:rPr lang="fr-FR" dirty="0"/>
               <a:t>Quatrième niveau</a:t>
             </a:r>
           </a:p>
           <a:p>
             <a:pPr lvl="4"/>
             <a:r>
-              <a:rPr lang="fr-FR" dirty="0" smtClean="0"/>
+              <a:rPr lang="fr-FR" dirty="0"/>
               <a:t>Cinquième niveau</a:t>
             </a:r>
-            <a:endParaRPr lang="fr-FR" dirty="0"/>
           </a:p>
         </p:txBody>
       </p:sp>
@@ -3374,10 +3367,9 @@
           <a:lstStyle/>
           <a:p>
             <a:r>
-              <a:rPr lang="fr-FR" smtClean="0"/>
+              <a:rPr lang="fr-FR"/>
               <a:t>Cliquez pour modifier le style du titre</a:t>
             </a:r>
-            <a:endParaRPr lang="fr-FR"/>
           </a:p>
         </p:txBody>
       </p:sp>
@@ -3431,38 +3423,37 @@
           <a:p>
             <a:pPr lvl="0"/>
             <a:r>
-              <a:rPr lang="fr-FR" smtClean="0"/>
+              <a:rPr lang="fr-FR"/>
               <a:t>Cliquez pour modifier les styles du texte du masque</a:t>
             </a:r>
           </a:p>
           <a:p>
             <a:pPr lvl="1"/>
             <a:r>
-              <a:rPr lang="fr-FR" smtClean="0"/>
+              <a:rPr lang="fr-FR"/>
               <a:t>Deuxième niveau</a:t>
             </a:r>
           </a:p>
           <a:p>
             <a:pPr lvl="2"/>
             <a:r>
-              <a:rPr lang="fr-FR" smtClean="0"/>
+              <a:rPr lang="fr-FR"/>
               <a:t>Troisième niveau</a:t>
             </a:r>
           </a:p>
           <a:p>
             <a:pPr lvl="3"/>
             <a:r>
-              <a:rPr lang="fr-FR" smtClean="0"/>
+              <a:rPr lang="fr-FR"/>
               <a:t>Quatrième niveau</a:t>
             </a:r>
           </a:p>
           <a:p>
             <a:pPr lvl="4"/>
             <a:r>
-              <a:rPr lang="fr-FR" smtClean="0"/>
+              <a:rPr lang="fr-FR"/>
               <a:t>Cinquième niveau</a:t>
             </a:r>
-            <a:endParaRPr lang="fr-FR"/>
           </a:p>
         </p:txBody>
       </p:sp>
@@ -3516,38 +3507,37 @@
           <a:p>
             <a:pPr lvl="0"/>
             <a:r>
-              <a:rPr lang="fr-FR" smtClean="0"/>
+              <a:rPr lang="fr-FR"/>
               <a:t>Cliquez pour modifier les styles du texte du masque</a:t>
             </a:r>
           </a:p>
           <a:p>
             <a:pPr lvl="1"/>
             <a:r>
-              <a:rPr lang="fr-FR" smtClean="0"/>
+              <a:rPr lang="fr-FR"/>
               <a:t>Deuxième niveau</a:t>
             </a:r>
           </a:p>
           <a:p>
             <a:pPr lvl="2"/>
             <a:r>
-              <a:rPr lang="fr-FR" smtClean="0"/>
+              <a:rPr lang="fr-FR"/>
               <a:t>Troisième niveau</a:t>
             </a:r>
           </a:p>
           <a:p>
             <a:pPr lvl="3"/>
             <a:r>
-              <a:rPr lang="fr-FR" smtClean="0"/>
+              <a:rPr lang="fr-FR"/>
               <a:t>Quatrième niveau</a:t>
             </a:r>
           </a:p>
           <a:p>
             <a:pPr lvl="4"/>
             <a:r>
-              <a:rPr lang="fr-FR" smtClean="0"/>
+              <a:rPr lang="fr-FR"/>
               <a:t>Cinquième niveau</a:t>
             </a:r>
-            <a:endParaRPr lang="fr-FR"/>
           </a:p>
         </p:txBody>
       </p:sp>
@@ -3606,10 +3596,9 @@
           </a:lstStyle>
           <a:p>
             <a:r>
-              <a:rPr lang="fr-FR" smtClean="0"/>
+              <a:rPr lang="fr-FR"/>
               <a:t>Cliquez pour modifier le style du titre</a:t>
             </a:r>
-            <a:endParaRPr lang="fr-FR"/>
           </a:p>
         </p:txBody>
       </p:sp>
@@ -3672,7 +3661,7 @@
           <a:p>
             <a:pPr lvl="0"/>
             <a:r>
-              <a:rPr lang="fr-FR" smtClean="0"/>
+              <a:rPr lang="fr-FR"/>
               <a:t>Cliquez pour modifier les styles du texte du masque</a:t>
             </a:r>
           </a:p>
@@ -3728,38 +3717,37 @@
           <a:p>
             <a:pPr lvl="0"/>
             <a:r>
-              <a:rPr lang="fr-FR" smtClean="0"/>
+              <a:rPr lang="fr-FR"/>
               <a:t>Cliquez pour modifier les styles du texte du masque</a:t>
             </a:r>
           </a:p>
           <a:p>
             <a:pPr lvl="1"/>
             <a:r>
-              <a:rPr lang="fr-FR" smtClean="0"/>
+              <a:rPr lang="fr-FR"/>
               <a:t>Deuxième niveau</a:t>
             </a:r>
           </a:p>
           <a:p>
             <a:pPr lvl="2"/>
             <a:r>
-              <a:rPr lang="fr-FR" smtClean="0"/>
+              <a:rPr lang="fr-FR"/>
               <a:t>Troisième niveau</a:t>
             </a:r>
           </a:p>
           <a:p>
             <a:pPr lvl="3"/>
             <a:r>
-              <a:rPr lang="fr-FR" smtClean="0"/>
+              <a:rPr lang="fr-FR"/>
               <a:t>Quatrième niveau</a:t>
             </a:r>
           </a:p>
           <a:p>
             <a:pPr lvl="4"/>
             <a:r>
-              <a:rPr lang="fr-FR" smtClean="0"/>
+              <a:rPr lang="fr-FR"/>
               <a:t>Cinquième niveau</a:t>
             </a:r>
-            <a:endParaRPr lang="fr-FR"/>
           </a:p>
         </p:txBody>
       </p:sp>
@@ -3822,7 +3810,7 @@
           <a:p>
             <a:pPr lvl="0"/>
             <a:r>
-              <a:rPr lang="fr-FR" smtClean="0"/>
+              <a:rPr lang="fr-FR"/>
               <a:t>Cliquez pour modifier les styles du texte du masque</a:t>
             </a:r>
           </a:p>
@@ -3878,38 +3866,37 @@
           <a:p>
             <a:pPr lvl="0"/>
             <a:r>
-              <a:rPr lang="fr-FR" smtClean="0"/>
+              <a:rPr lang="fr-FR"/>
               <a:t>Cliquez pour modifier les styles du texte du masque</a:t>
             </a:r>
           </a:p>
           <a:p>
             <a:pPr lvl="1"/>
             <a:r>
-              <a:rPr lang="fr-FR" smtClean="0"/>
+              <a:rPr lang="fr-FR"/>
               <a:t>Deuxième niveau</a:t>
             </a:r>
           </a:p>
           <a:p>
             <a:pPr lvl="2"/>
             <a:r>
-              <a:rPr lang="fr-FR" smtClean="0"/>
+              <a:rPr lang="fr-FR"/>
               <a:t>Troisième niveau</a:t>
             </a:r>
           </a:p>
           <a:p>
             <a:pPr lvl="3"/>
             <a:r>
-              <a:rPr lang="fr-FR" smtClean="0"/>
+              <a:rPr lang="fr-FR"/>
               <a:t>Quatrième niveau</a:t>
             </a:r>
           </a:p>
           <a:p>
             <a:pPr lvl="4"/>
             <a:r>
-              <a:rPr lang="fr-FR" smtClean="0"/>
+              <a:rPr lang="fr-FR"/>
               <a:t>Cinquième niveau</a:t>
             </a:r>
-            <a:endParaRPr lang="fr-FR"/>
           </a:p>
         </p:txBody>
       </p:sp>
@@ -3959,10 +3946,9 @@
           <a:lstStyle/>
           <a:p>
             <a:r>
-              <a:rPr lang="fr-FR" smtClean="0"/>
+              <a:rPr lang="fr-FR"/>
               <a:t>Cliquez pour modifier le style du titre</a:t>
             </a:r>
-            <a:endParaRPr lang="fr-FR"/>
           </a:p>
         </p:txBody>
       </p:sp>
@@ -4051,10 +4037,9 @@
           </a:lstStyle>
           <a:p>
             <a:r>
-              <a:rPr lang="fr-FR" smtClean="0"/>
+              <a:rPr lang="fr-FR"/>
               <a:t>Cliquez pour modifier le style du titre</a:t>
             </a:r>
-            <a:endParaRPr lang="fr-FR"/>
           </a:p>
         </p:txBody>
       </p:sp>
@@ -4108,38 +4093,37 @@
           <a:p>
             <a:pPr lvl="0"/>
             <a:r>
-              <a:rPr lang="fr-FR" smtClean="0"/>
+              <a:rPr lang="fr-FR"/>
               <a:t>Cliquez pour modifier les styles du texte du masque</a:t>
             </a:r>
           </a:p>
           <a:p>
             <a:pPr lvl="1"/>
             <a:r>
-              <a:rPr lang="fr-FR" smtClean="0"/>
+              <a:rPr lang="fr-FR"/>
               <a:t>Deuxième niveau</a:t>
             </a:r>
           </a:p>
           <a:p>
             <a:pPr lvl="2"/>
             <a:r>
-              <a:rPr lang="fr-FR" smtClean="0"/>
+              <a:rPr lang="fr-FR"/>
               <a:t>Troisième niveau</a:t>
             </a:r>
           </a:p>
           <a:p>
             <a:pPr lvl="3"/>
             <a:r>
-              <a:rPr lang="fr-FR" smtClean="0"/>
+              <a:rPr lang="fr-FR"/>
               <a:t>Quatrième niveau</a:t>
             </a:r>
           </a:p>
           <a:p>
             <a:pPr lvl="4"/>
             <a:r>
-              <a:rPr lang="fr-FR" smtClean="0"/>
+              <a:rPr lang="fr-FR"/>
               <a:t>Cinquième niveau</a:t>
             </a:r>
-            <a:endParaRPr lang="fr-FR"/>
           </a:p>
         </p:txBody>
       </p:sp>
@@ -4202,7 +4186,7 @@
           <a:p>
             <a:pPr lvl="0"/>
             <a:r>
-              <a:rPr lang="fr-FR" smtClean="0"/>
+              <a:rPr lang="fr-FR"/>
               <a:t>Cliquez pour modifier les styles du texte du masque</a:t>
             </a:r>
           </a:p>
@@ -4263,10 +4247,9 @@
           </a:lstStyle>
           <a:p>
             <a:r>
-              <a:rPr lang="fr-FR" smtClean="0"/>
+              <a:rPr lang="fr-FR"/>
               <a:t>Cliquez pour modifier le style du titre</a:t>
             </a:r>
-            <a:endParaRPr lang="fr-FR"/>
           </a:p>
         </p:txBody>
       </p:sp>
@@ -4328,7 +4311,7 @@
           </a:lstStyle>
           <a:p>
             <a:pPr lvl="0"/>
-            <a:endParaRPr lang="fr-FR" noProof="0" smtClean="0"/>
+            <a:endParaRPr lang="fr-FR" noProof="0"/>
           </a:p>
         </p:txBody>
       </p:sp>
@@ -4391,7 +4374,7 @@
           <a:p>
             <a:pPr lvl="0"/>
             <a:r>
-              <a:rPr lang="fr-FR" smtClean="0"/>
+              <a:rPr lang="fr-FR"/>
               <a:t>Cliquez pour modifier les styles du texte du masque</a:t>
             </a:r>
           </a:p>
@@ -4443,10 +4426,9 @@
           <a:lstStyle/>
           <a:p>
             <a:r>
-              <a:rPr lang="fr-FR" smtClean="0"/>
+              <a:rPr lang="fr-FR"/>
               <a:t>Cliquez pour modifier le style du titre</a:t>
             </a:r>
-            <a:endParaRPr lang="fr-FR"/>
           </a:p>
         </p:txBody>
       </p:sp>
@@ -4467,38 +4449,37 @@
           <a:p>
             <a:pPr lvl="0"/>
             <a:r>
-              <a:rPr lang="fr-FR" smtClean="0"/>
+              <a:rPr lang="fr-FR"/>
               <a:t>Cliquez pour modifier les styles du texte du masque</a:t>
             </a:r>
           </a:p>
           <a:p>
             <a:pPr lvl="1"/>
             <a:r>
-              <a:rPr lang="fr-FR" smtClean="0"/>
+              <a:rPr lang="fr-FR"/>
               <a:t>Deuxième niveau</a:t>
             </a:r>
           </a:p>
           <a:p>
             <a:pPr lvl="2"/>
             <a:r>
-              <a:rPr lang="fr-FR" smtClean="0"/>
+              <a:rPr lang="fr-FR"/>
               <a:t>Troisième niveau</a:t>
             </a:r>
           </a:p>
           <a:p>
             <a:pPr lvl="3"/>
             <a:r>
-              <a:rPr lang="fr-FR" smtClean="0"/>
+              <a:rPr lang="fr-FR"/>
               <a:t>Quatrième niveau</a:t>
             </a:r>
           </a:p>
           <a:p>
             <a:pPr lvl="4"/>
             <a:r>
-              <a:rPr lang="fr-FR" smtClean="0"/>
+              <a:rPr lang="fr-FR"/>
               <a:t>Cinquième niveau</a:t>
             </a:r>
-            <a:endParaRPr lang="fr-FR"/>
           </a:p>
         </p:txBody>
       </p:sp>
@@ -4679,7 +4660,7 @@
             <a:pPr eaLnBrk="1" hangingPunct="1">
               <a:defRPr/>
             </a:pPr>
-            <a:endParaRPr lang="fr-FR" altLang="fr-FR" smtClean="0"/>
+            <a:endParaRPr lang="fr-FR" altLang="fr-FR"/>
           </a:p>
         </p:txBody>
       </p:sp>
@@ -4833,7 +4814,7 @@
               <a:defRPr/>
             </a:pPr>
             <a:r>
-              <a:rPr lang="fr-FR" sz="1200" dirty="0" smtClean="0"/>
+              <a:rPr lang="fr-FR" sz="1200" dirty="0"/>
               <a:t>Page </a:t>
             </a:r>
             <a:fld id="{E218E9B1-FD08-4C80-902E-210BA2967D0D}" type="slidenum">
@@ -4846,7 +4827,7 @@
               </a:pPr>
               <a:t>‹N°›</a:t>
             </a:fld>
-            <a:endParaRPr lang="fr-FR" dirty="0" smtClean="0">
+            <a:endParaRPr lang="fr-FR" dirty="0">
               <a:latin typeface="Times New Roman" pitchFamily="18" charset="0"/>
             </a:endParaRPr>
           </a:p>
@@ -5002,10 +4983,10 @@
               <a:defRPr/>
             </a:pPr>
             <a:r>
-              <a:rPr lang="fr-FR" sz="1600" dirty="0" smtClean="0"/>
+              <a:rPr lang="fr-FR" sz="1600" dirty="0"/>
               <a:t>Python</a:t>
             </a:r>
-            <a:endParaRPr lang="fr-FR" dirty="0" smtClean="0">
+            <a:endParaRPr lang="fr-FR" dirty="0">
               <a:latin typeface="Times New Roman" pitchFamily="18" charset="0"/>
             </a:endParaRPr>
           </a:p>
@@ -5063,7 +5044,7 @@
           <a:p>
             <a:pPr lvl="0"/>
             <a:r>
-              <a:rPr lang="fr-FR" altLang="fr-FR" smtClean="0"/>
+              <a:rPr lang="fr-FR" altLang="fr-FR"/>
               <a:t>Cliquez pour modifier le style du titre du masque</a:t>
             </a:r>
           </a:p>
@@ -5121,35 +5102,35 @@
           <a:p>
             <a:pPr lvl="0"/>
             <a:r>
-              <a:rPr lang="fr-FR" altLang="fr-FR" smtClean="0"/>
+              <a:rPr lang="fr-FR" altLang="fr-FR"/>
               <a:t>Cliquez pour modifier les styles du texte du masque</a:t>
             </a:r>
           </a:p>
           <a:p>
             <a:pPr lvl="1"/>
             <a:r>
-              <a:rPr lang="fr-FR" altLang="fr-FR" smtClean="0"/>
+              <a:rPr lang="fr-FR" altLang="fr-FR"/>
               <a:t>Deuxième niveau</a:t>
             </a:r>
           </a:p>
           <a:p>
             <a:pPr lvl="2"/>
             <a:r>
-              <a:rPr lang="fr-FR" altLang="fr-FR" smtClean="0"/>
+              <a:rPr lang="fr-FR" altLang="fr-FR"/>
               <a:t>Troisième niveau</a:t>
             </a:r>
           </a:p>
           <a:p>
             <a:pPr lvl="3"/>
             <a:r>
-              <a:rPr lang="fr-FR" altLang="fr-FR" smtClean="0"/>
+              <a:rPr lang="fr-FR" altLang="fr-FR"/>
               <a:t>Quatrième niveau</a:t>
             </a:r>
           </a:p>
           <a:p>
             <a:pPr lvl="4"/>
             <a:r>
-              <a:rPr lang="fr-FR" altLang="fr-FR" smtClean="0"/>
+              <a:rPr lang="fr-FR" altLang="fr-FR"/>
               <a:t>Cinquième niveau</a:t>
             </a:r>
           </a:p>
@@ -5305,10 +5286,10 @@
               <a:defRPr/>
             </a:pPr>
             <a:r>
-              <a:rPr lang="fr-FR" sz="1200" smtClean="0"/>
+              <a:rPr lang="fr-FR" sz="1200"/>
               <a:t>© Cyril Vincent Conseil</a:t>
             </a:r>
-            <a:endParaRPr lang="fr-FR" smtClean="0">
+            <a:endParaRPr lang="fr-FR">
               <a:latin typeface="Times New Roman" pitchFamily="18" charset="0"/>
             </a:endParaRPr>
           </a:p>
@@ -5790,14 +5771,14 @@
           <a:p>
             <a:pPr eaLnBrk="1" hangingPunct="1"/>
             <a:r>
-              <a:rPr lang="fr-FR" altLang="fr-FR" dirty="0" smtClean="0"/>
+              <a:rPr lang="fr-FR" altLang="fr-FR" dirty="0"/>
               <a:t>Chapitre 8</a:t>
             </a:r>
           </a:p>
           <a:p>
             <a:pPr eaLnBrk="1" hangingPunct="1"/>
             <a:r>
-              <a:rPr lang="fr-FR" altLang="fr-FR" dirty="0" smtClean="0"/>
+              <a:rPr lang="fr-FR" altLang="fr-FR" dirty="0"/>
               <a:t>Objets</a:t>
             </a:r>
           </a:p>
@@ -5849,13 +5830,6 @@
   <p:clrMapOvr>
     <a:masterClrMapping/>
   </p:clrMapOvr>
-  <p:timing>
-    <p:tnLst>
-      <p:par>
-        <p:cTn id="1" dur="indefinite" restart="never" nodeType="tmRoot"/>
-      </p:par>
-    </p:tnLst>
-  </p:timing>
 </p:sld>
 </file>
 
@@ -5892,10 +5866,9 @@
           <a:lstStyle/>
           <a:p>
             <a:r>
-              <a:rPr lang="fr-FR" dirty="0" smtClean="0"/>
+              <a:rPr lang="fr-FR" dirty="0"/>
               <a:t>Les membres</a:t>
             </a:r>
-            <a:endParaRPr lang="fr-FR" dirty="0"/>
           </a:p>
         </p:txBody>
       </p:sp>
@@ -5915,53 +5888,53 @@
           <a:lstStyle/>
           <a:p>
             <a:r>
-              <a:rPr lang="fr-FR" sz="2400" dirty="0" smtClean="0"/>
+              <a:rPr lang="fr-FR" sz="2400" dirty="0"/>
               <a:t>Python possède des membres</a:t>
             </a:r>
           </a:p>
           <a:p>
             <a:pPr lvl="1"/>
             <a:r>
-              <a:rPr lang="fr-FR" sz="2000" dirty="0" smtClean="0"/>
+              <a:rPr lang="fr-FR" sz="2000" dirty="0"/>
               <a:t>Des attributs</a:t>
             </a:r>
           </a:p>
           <a:p>
             <a:pPr lvl="1"/>
             <a:r>
-              <a:rPr lang="fr-FR" sz="2000" dirty="0" smtClean="0"/>
+              <a:rPr lang="fr-FR" sz="2000" dirty="0"/>
               <a:t>Des méthodes</a:t>
             </a:r>
           </a:p>
           <a:p>
             <a:r>
-              <a:rPr lang="fr-FR" sz="2400" dirty="0" smtClean="0"/>
+              <a:rPr lang="fr-FR" sz="2400" dirty="0"/>
               <a:t>Les attributs sont des données de l’instance de la classe</a:t>
             </a:r>
           </a:p>
           <a:p>
             <a:pPr lvl="1"/>
             <a:r>
-              <a:rPr lang="fr-FR" sz="2000" dirty="0" smtClean="0"/>
+              <a:rPr lang="fr-FR" sz="2000" dirty="0"/>
               <a:t>Se sont des variables de la classe</a:t>
             </a:r>
           </a:p>
           <a:p>
             <a:r>
-              <a:rPr lang="fr-FR" sz="2400" dirty="0" smtClean="0"/>
+              <a:rPr lang="fr-FR" sz="2400" dirty="0"/>
               <a:t>Les méthodes sont des fonctions de l’instance de la classe</a:t>
             </a:r>
           </a:p>
           <a:p>
             <a:pPr lvl="1"/>
             <a:r>
-              <a:rPr lang="fr-FR" sz="2000" dirty="0" smtClean="0"/>
+              <a:rPr lang="fr-FR" sz="2000" dirty="0"/>
               <a:t>Se sont des fonctions de la classe</a:t>
             </a:r>
           </a:p>
           <a:p>
             <a:r>
-              <a:rPr lang="fr-FR" sz="2400" dirty="0" smtClean="0"/>
+              <a:rPr lang="fr-FR" sz="2400" dirty="0"/>
               <a:t>En python, il n’y a pas de protection des membres contrairement à Java et les méthodes sont virtuelles comme Java</a:t>
             </a:r>
           </a:p>
@@ -5977,13 +5950,6 @@
   <p:clrMapOvr>
     <a:masterClrMapping/>
   </p:clrMapOvr>
-  <p:timing>
-    <p:tnLst>
-      <p:par>
-        <p:cTn id="1" dur="indefinite" restart="never" nodeType="tmRoot"/>
-      </p:par>
-    </p:tnLst>
-  </p:timing>
 </p:sld>
 </file>
 
@@ -6020,10 +5986,9 @@
           <a:lstStyle/>
           <a:p>
             <a:r>
-              <a:rPr lang="fr-FR" dirty="0" smtClean="0"/>
+              <a:rPr lang="fr-FR" dirty="0"/>
               <a:t>Les attributs</a:t>
             </a:r>
-            <a:endParaRPr lang="fr-FR" dirty="0"/>
           </a:p>
         </p:txBody>
       </p:sp>
@@ -6043,43 +6008,42 @@
           <a:lstStyle/>
           <a:p>
             <a:r>
-              <a:rPr lang="fr-FR" dirty="0" smtClean="0"/>
+              <a:rPr lang="fr-FR" dirty="0"/>
               <a:t>Contrairement à C++, C# et Java les attributs ne sont pas déclarés en Python</a:t>
             </a:r>
           </a:p>
           <a:p>
             <a:pPr lvl="1"/>
             <a:r>
-              <a:rPr lang="fr-FR" dirty="0" smtClean="0"/>
+              <a:rPr lang="fr-FR" dirty="0"/>
               <a:t>Il suffit de les appeler pour qu’ils apparaissaient</a:t>
             </a:r>
           </a:p>
           <a:p>
             <a:pPr lvl="1"/>
             <a:r>
-              <a:rPr lang="fr-FR" dirty="0" smtClean="0"/>
+              <a:rPr lang="fr-FR" dirty="0"/>
               <a:t>Fonctionnalité hérité de Modula 3 et utiliser par </a:t>
             </a:r>
             <a:r>
-              <a:rPr lang="fr-FR" dirty="0" err="1" smtClean="0"/>
+              <a:rPr lang="fr-FR" dirty="0" err="1"/>
               <a:t>Javascript</a:t>
             </a:r>
-            <a:endParaRPr lang="fr-FR" dirty="0" smtClean="0"/>
+            <a:endParaRPr lang="fr-FR" dirty="0"/>
           </a:p>
           <a:p>
             <a:pPr lvl="1"/>
             <a:r>
-              <a:rPr lang="fr-FR" dirty="0" smtClean="0"/>
+              <a:rPr lang="fr-FR" dirty="0"/>
               <a:t>Fonctionnement par prototypage</a:t>
             </a:r>
           </a:p>
           <a:p>
             <a:pPr lvl="1"/>
             <a:r>
-              <a:rPr lang="fr-FR" dirty="0" smtClean="0"/>
+              <a:rPr lang="fr-FR" dirty="0"/>
               <a:t>Assez sale car sujet à erreur</a:t>
             </a:r>
-            <a:endParaRPr lang="fr-FR" dirty="0"/>
           </a:p>
         </p:txBody>
       </p:sp>
@@ -6093,13 +6057,6 @@
   <p:clrMapOvr>
     <a:masterClrMapping/>
   </p:clrMapOvr>
-  <p:timing>
-    <p:tnLst>
-      <p:par>
-        <p:cTn id="1" dur="indefinite" restart="never" nodeType="tmRoot"/>
-      </p:par>
-    </p:tnLst>
-  </p:timing>
 </p:sld>
 </file>
 
@@ -6136,10 +6093,9 @@
           <a:lstStyle/>
           <a:p>
             <a:r>
-              <a:rPr lang="fr-FR" dirty="0" smtClean="0"/>
+              <a:rPr lang="fr-FR" dirty="0"/>
               <a:t>Constructeur</a:t>
             </a:r>
-            <a:endParaRPr lang="fr-FR" dirty="0"/>
           </a:p>
         </p:txBody>
       </p:sp>
@@ -6159,27 +6115,27 @@
           <a:lstStyle/>
           <a:p>
             <a:r>
-              <a:rPr lang="fr-FR" dirty="0" smtClean="0"/>
+              <a:rPr lang="fr-FR" dirty="0"/>
               <a:t>Les constructeur est une méthode appelée automatiquement à l’instanciation de l’objet</a:t>
             </a:r>
           </a:p>
           <a:p>
             <a:r>
-              <a:rPr lang="fr-FR" dirty="0" smtClean="0"/>
+              <a:rPr lang="fr-FR" dirty="0"/>
               <a:t>Permet d’initialiser les attributs</a:t>
             </a:r>
           </a:p>
           <a:p>
             <a:r>
-              <a:rPr lang="fr-FR" dirty="0" smtClean="0"/>
+              <a:rPr lang="fr-FR" dirty="0"/>
               <a:t>Méthode __</a:t>
             </a:r>
             <a:r>
-              <a:rPr lang="fr-FR" dirty="0" err="1" smtClean="0"/>
+              <a:rPr lang="fr-FR" dirty="0" err="1"/>
               <a:t>init</a:t>
             </a:r>
             <a:r>
-              <a:rPr lang="fr-FR" dirty="0" smtClean="0"/>
+              <a:rPr lang="fr-FR" dirty="0"/>
               <a:t>__(self)</a:t>
             </a:r>
           </a:p>
@@ -6222,13 +6178,6 @@
   <p:clrMapOvr>
     <a:masterClrMapping/>
   </p:clrMapOvr>
-  <p:timing>
-    <p:tnLst>
-      <p:par>
-        <p:cTn id="1" dur="indefinite" restart="never" nodeType="tmRoot"/>
-      </p:par>
-    </p:tnLst>
-  </p:timing>
 </p:sld>
 </file>
 
@@ -6265,10 +6214,9 @@
           <a:lstStyle/>
           <a:p>
             <a:r>
-              <a:rPr lang="fr-FR" dirty="0" smtClean="0"/>
+              <a:rPr lang="fr-FR" dirty="0"/>
               <a:t>Appel avec constructeur</a:t>
             </a:r>
-            <a:endParaRPr lang="fr-FR" dirty="0"/>
           </a:p>
         </p:txBody>
       </p:sp>
@@ -6288,17 +6236,16 @@
           <a:lstStyle/>
           <a:p>
             <a:r>
-              <a:rPr lang="fr-FR" dirty="0" smtClean="0"/>
+              <a:rPr lang="fr-FR" dirty="0"/>
               <a:t>L’initialisation des attributs est dans le constructeur</a:t>
             </a:r>
           </a:p>
           <a:p>
             <a:pPr lvl="1"/>
             <a:r>
-              <a:rPr lang="fr-FR" dirty="0" smtClean="0"/>
+              <a:rPr lang="fr-FR" dirty="0"/>
               <a:t>Beaucoup plus propre</a:t>
             </a:r>
-            <a:endParaRPr lang="fr-FR" dirty="0"/>
           </a:p>
         </p:txBody>
       </p:sp>
@@ -6336,13 +6283,6 @@
   <p:clrMapOvr>
     <a:masterClrMapping/>
   </p:clrMapOvr>
-  <p:timing>
-    <p:tnLst>
-      <p:par>
-        <p:cTn id="1" dur="indefinite" restart="never" nodeType="tmRoot"/>
-      </p:par>
-    </p:tnLst>
-  </p:timing>
 </p:sld>
 </file>
 
@@ -6379,10 +6319,9 @@
           <a:lstStyle/>
           <a:p>
             <a:r>
-              <a:rPr lang="fr-FR" dirty="0" smtClean="0"/>
+              <a:rPr lang="fr-FR" dirty="0"/>
               <a:t>Constructeur paramétré</a:t>
             </a:r>
-            <a:endParaRPr lang="fr-FR" dirty="0"/>
           </a:p>
         </p:txBody>
       </p:sp>
@@ -6402,16 +6341,15 @@
           <a:lstStyle/>
           <a:p>
             <a:r>
-              <a:rPr lang="fr-FR" dirty="0" smtClean="0"/>
+              <a:rPr lang="fr-FR" dirty="0"/>
               <a:t>Il suffit de rajouter des paramètres après self</a:t>
             </a:r>
           </a:p>
           <a:p>
             <a:r>
-              <a:rPr lang="fr-FR" dirty="0" smtClean="0"/>
+              <a:rPr lang="fr-FR" dirty="0"/>
               <a:t>Les paramètres peuvent avoir des valeurs par défaut</a:t>
             </a:r>
-            <a:endParaRPr lang="fr-FR" dirty="0"/>
           </a:p>
         </p:txBody>
       </p:sp>
@@ -6473,13 +6411,6 @@
   <p:clrMapOvr>
     <a:masterClrMapping/>
   </p:clrMapOvr>
-  <p:timing>
-    <p:tnLst>
-      <p:par>
-        <p:cTn id="1" dur="indefinite" restart="never" nodeType="tmRoot"/>
-      </p:par>
-    </p:tnLst>
-  </p:timing>
 </p:sld>
 </file>
 
@@ -6516,10 +6447,9 @@
           <a:lstStyle/>
           <a:p>
             <a:r>
-              <a:rPr lang="fr-FR" dirty="0" smtClean="0"/>
+              <a:rPr lang="fr-FR" dirty="0"/>
               <a:t>Méthodes</a:t>
             </a:r>
-            <a:endParaRPr lang="fr-FR" dirty="0"/>
           </a:p>
         </p:txBody>
       </p:sp>
@@ -6539,28 +6469,28 @@
           <a:lstStyle/>
           <a:p>
             <a:r>
-              <a:rPr lang="fr-FR" dirty="0" smtClean="0"/>
+              <a:rPr lang="fr-FR" dirty="0"/>
               <a:t>Les classes possèdent des méthodes</a:t>
             </a:r>
           </a:p>
           <a:p>
             <a:pPr lvl="1"/>
             <a:r>
-              <a:rPr lang="fr-FR" dirty="0" smtClean="0"/>
+              <a:rPr lang="fr-FR" dirty="0"/>
               <a:t>Ce sont des fonctions</a:t>
             </a:r>
           </a:p>
           <a:p>
             <a:pPr lvl="1"/>
             <a:r>
-              <a:rPr lang="fr-FR" dirty="0" smtClean="0"/>
+              <a:rPr lang="fr-FR" dirty="0"/>
               <a:t>Méthodes d’instance</a:t>
             </a:r>
           </a:p>
           <a:p>
             <a:pPr lvl="1"/>
             <a:r>
-              <a:rPr lang="fr-FR" dirty="0" smtClean="0"/>
+              <a:rPr lang="fr-FR" dirty="0"/>
               <a:t>Le premier argument est self</a:t>
             </a:r>
           </a:p>
@@ -6604,13 +6534,6 @@
   <p:clrMapOvr>
     <a:masterClrMapping/>
   </p:clrMapOvr>
-  <p:timing>
-    <p:tnLst>
-      <p:par>
-        <p:cTn id="1" dur="indefinite" restart="never" nodeType="tmRoot"/>
-      </p:par>
-    </p:tnLst>
-  </p:timing>
 </p:sld>
 </file>
 
@@ -6805,14 +6728,14 @@
           <a:lstStyle/>
           <a:p>
             <a:r>
-              <a:rPr lang="en-US" altLang="fr-FR" smtClean="0">
+              <a:rPr lang="en-US" altLang="fr-FR">
                 <a:solidFill>
                   <a:srgbClr val="000000"/>
                 </a:solidFill>
               </a:rPr>
               <a:t>Données d'objet</a:t>
             </a:r>
-            <a:endParaRPr lang="en-GB" altLang="fr-FR" smtClean="0"/>
+            <a:endParaRPr lang="en-GB" altLang="fr-FR"/>
           </a:p>
         </p:txBody>
       </p:sp>
@@ -6837,7 +6760,7 @@
           <a:lstStyle/>
           <a:p>
             <a:r>
-              <a:rPr lang="en-US" altLang="fr-FR" sz="2400" dirty="0" smtClean="0">
+              <a:rPr lang="en-US" altLang="fr-FR" sz="2400" dirty="0">
                 <a:solidFill>
                   <a:srgbClr val="000000"/>
                 </a:solidFill>
@@ -6845,7 +6768,7 @@
               <a:t>Les </a:t>
             </a:r>
             <a:r>
-              <a:rPr lang="en-US" altLang="fr-FR" sz="2400" dirty="0" err="1" smtClean="0">
+              <a:rPr lang="en-US" altLang="fr-FR" sz="2400" dirty="0" err="1">
                 <a:solidFill>
                   <a:srgbClr val="000000"/>
                 </a:solidFill>
@@ -6853,7 +6776,7 @@
               <a:t>données</a:t>
             </a:r>
             <a:r>
-              <a:rPr lang="en-US" altLang="fr-FR" sz="2400" dirty="0" smtClean="0">
+              <a:rPr lang="en-US" altLang="fr-FR" sz="2400" dirty="0">
                 <a:solidFill>
                   <a:srgbClr val="000000"/>
                 </a:solidFill>
@@ -6861,7 +6784,7 @@
               <a:t> </a:t>
             </a:r>
             <a:r>
-              <a:rPr lang="en-US" altLang="fr-FR" sz="2400" dirty="0" err="1" smtClean="0">
+              <a:rPr lang="en-US" altLang="fr-FR" sz="2400" dirty="0" err="1">
                 <a:solidFill>
                   <a:srgbClr val="000000"/>
                 </a:solidFill>
@@ -6869,7 +6792,7 @@
               <a:t>d'objet</a:t>
             </a:r>
             <a:r>
-              <a:rPr lang="en-US" altLang="fr-FR" sz="2400" dirty="0" smtClean="0">
+              <a:rPr lang="en-US" altLang="fr-FR" sz="2400" dirty="0">
                 <a:solidFill>
                   <a:srgbClr val="000000"/>
                 </a:solidFill>
@@ -6877,7 +6800,7 @@
               <a:t> </a:t>
             </a:r>
             <a:r>
-              <a:rPr lang="en-US" altLang="fr-FR" sz="2400" dirty="0" err="1" smtClean="0">
+              <a:rPr lang="en-US" altLang="fr-FR" sz="2400" dirty="0" err="1">
                 <a:solidFill>
                   <a:srgbClr val="000000"/>
                 </a:solidFill>
@@ -6885,7 +6808,7 @@
               <a:t>décrivent</a:t>
             </a:r>
             <a:r>
-              <a:rPr lang="en-US" altLang="fr-FR" sz="2400" dirty="0" smtClean="0">
+              <a:rPr lang="en-US" altLang="fr-FR" sz="2400" dirty="0">
                 <a:solidFill>
                   <a:srgbClr val="000000"/>
                 </a:solidFill>
@@ -6893,7 +6816,7 @@
               <a:t> les </a:t>
             </a:r>
             <a:r>
-              <a:rPr lang="en-US" altLang="fr-FR" sz="2400" dirty="0" err="1" smtClean="0">
+              <a:rPr lang="en-US" altLang="fr-FR" sz="2400" dirty="0" err="1">
                 <a:solidFill>
                   <a:srgbClr val="000000"/>
                 </a:solidFill>
@@ -6901,7 +6824,7 @@
               <a:t>informations</a:t>
             </a:r>
             <a:r>
-              <a:rPr lang="en-US" altLang="fr-FR" sz="2400" dirty="0" smtClean="0">
+              <a:rPr lang="en-US" altLang="fr-FR" sz="2400" dirty="0">
                 <a:solidFill>
                   <a:srgbClr val="000000"/>
                 </a:solidFill>
@@ -6909,14 +6832,14 @@
               <a:t> </a:t>
             </a:r>
             <a:br>
-              <a:rPr lang="en-US" altLang="fr-FR" sz="2400" dirty="0" smtClean="0">
+              <a:rPr lang="en-US" altLang="fr-FR" sz="2400" dirty="0">
                 <a:solidFill>
                   <a:srgbClr val="000000"/>
                 </a:solidFill>
               </a:rPr>
             </a:br>
             <a:r>
-              <a:rPr lang="en-US" altLang="fr-FR" sz="2400" dirty="0" smtClean="0">
+              <a:rPr lang="en-US" altLang="fr-FR" sz="2400" dirty="0">
                 <a:solidFill>
                   <a:srgbClr val="000000"/>
                 </a:solidFill>
@@ -6924,7 +6847,7 @@
               <a:t>relatives aux </a:t>
             </a:r>
             <a:r>
-              <a:rPr lang="en-US" altLang="fr-FR" sz="2400" dirty="0" err="1" smtClean="0">
+              <a:rPr lang="en-US" altLang="fr-FR" sz="2400" dirty="0" err="1">
                 <a:solidFill>
                   <a:srgbClr val="000000"/>
                 </a:solidFill>
@@ -6932,7 +6855,7 @@
               <a:t>objets</a:t>
             </a:r>
             <a:r>
-              <a:rPr lang="en-US" altLang="fr-FR" sz="2400" dirty="0" smtClean="0">
+              <a:rPr lang="en-US" altLang="fr-FR" sz="2400" dirty="0">
                 <a:solidFill>
                   <a:srgbClr val="000000"/>
                 </a:solidFill>
@@ -6940,19 +6863,19 @@
               <a:t> </a:t>
             </a:r>
             <a:r>
-              <a:rPr lang="en-US" altLang="fr-FR" sz="2400" i="1" dirty="0" err="1" smtClean="0">
+              <a:rPr lang="en-US" altLang="fr-FR" sz="2400" i="1" dirty="0" err="1">
                 <a:solidFill>
                   <a:srgbClr val="000000"/>
                 </a:solidFill>
               </a:rPr>
               <a:t>individuels</a:t>
             </a:r>
-            <a:endParaRPr lang="en-GB" altLang="fr-FR" sz="2400" dirty="0" smtClean="0"/>
+            <a:endParaRPr lang="en-GB" altLang="fr-FR" sz="2400" dirty="0"/>
           </a:p>
           <a:p>
             <a:pPr lvl="1"/>
             <a:r>
-              <a:rPr lang="en-US" altLang="fr-FR" sz="2000" dirty="0" smtClean="0">
+              <a:rPr lang="en-US" altLang="fr-FR" sz="2000" dirty="0">
                 <a:solidFill>
                   <a:srgbClr val="000000"/>
                 </a:solidFill>
@@ -6960,7 +6883,7 @@
               <a:t>Par </a:t>
             </a:r>
             <a:r>
-              <a:rPr lang="en-US" altLang="fr-FR" sz="2000" dirty="0" err="1" smtClean="0">
+              <a:rPr lang="en-US" altLang="fr-FR" sz="2000" dirty="0" err="1">
                 <a:solidFill>
                   <a:srgbClr val="000000"/>
                 </a:solidFill>
@@ -6968,7 +6891,7 @@
               <a:t>exemple</a:t>
             </a:r>
             <a:r>
-              <a:rPr lang="en-US" altLang="fr-FR" sz="2000" dirty="0" smtClean="0">
+              <a:rPr lang="en-US" altLang="fr-FR" sz="2000" dirty="0">
                 <a:solidFill>
                   <a:srgbClr val="000000"/>
                 </a:solidFill>
@@ -6976,7 +6899,7 @@
               <a:t>, </a:t>
             </a:r>
             <a:r>
-              <a:rPr lang="en-US" altLang="fr-FR" sz="2000" dirty="0" err="1" smtClean="0">
+              <a:rPr lang="en-US" altLang="fr-FR" sz="2000" dirty="0" err="1">
                 <a:solidFill>
                   <a:srgbClr val="000000"/>
                 </a:solidFill>
@@ -6984,7 +6907,7 @@
               <a:t>chaque</a:t>
             </a:r>
             <a:r>
-              <a:rPr lang="en-US" altLang="fr-FR" sz="2000" dirty="0" smtClean="0">
+              <a:rPr lang="en-US" altLang="fr-FR" sz="2000" dirty="0">
                 <a:solidFill>
                   <a:srgbClr val="000000"/>
                 </a:solidFill>
@@ -6992,7 +6915,7 @@
               <a:t> </a:t>
             </a:r>
             <a:r>
-              <a:rPr lang="en-US" altLang="fr-FR" sz="2000" dirty="0" err="1" smtClean="0">
+              <a:rPr lang="en-US" altLang="fr-FR" sz="2000" dirty="0" err="1">
                 <a:solidFill>
                   <a:srgbClr val="000000"/>
                 </a:solidFill>
@@ -7000,7 +6923,7 @@
               <a:t>compte</a:t>
             </a:r>
             <a:r>
-              <a:rPr lang="en-US" altLang="fr-FR" sz="2000" dirty="0" smtClean="0">
+              <a:rPr lang="en-US" altLang="fr-FR" sz="2000" dirty="0">
                 <a:solidFill>
                   <a:srgbClr val="000000"/>
                 </a:solidFill>
@@ -7008,7 +6931,7 @@
               <a:t> </a:t>
             </a:r>
             <a:r>
-              <a:rPr lang="en-US" altLang="fr-FR" sz="2000" dirty="0" err="1" smtClean="0">
+              <a:rPr lang="en-US" altLang="fr-FR" sz="2000" dirty="0" err="1">
                 <a:solidFill>
                   <a:srgbClr val="000000"/>
                 </a:solidFill>
@@ -7016,7 +6939,7 @@
               <a:t>bancaire</a:t>
             </a:r>
             <a:r>
-              <a:rPr lang="en-US" altLang="fr-FR" sz="2000" dirty="0" smtClean="0">
+              <a:rPr lang="en-US" altLang="fr-FR" sz="2000" dirty="0">
                 <a:solidFill>
                   <a:srgbClr val="000000"/>
                 </a:solidFill>
@@ -7024,7 +6947,7 @@
               <a:t> </a:t>
             </a:r>
             <a:r>
-              <a:rPr lang="en-US" altLang="fr-FR" sz="2000" dirty="0" err="1" smtClean="0">
+              <a:rPr lang="en-US" altLang="fr-FR" sz="2000" dirty="0" err="1">
                 <a:solidFill>
                   <a:srgbClr val="000000"/>
                 </a:solidFill>
@@ -7032,7 +6955,7 @@
               <a:t>possède</a:t>
             </a:r>
             <a:r>
-              <a:rPr lang="en-US" altLang="fr-FR" sz="2000" dirty="0" smtClean="0">
+              <a:rPr lang="en-US" altLang="fr-FR" sz="2000" dirty="0">
                 <a:solidFill>
                   <a:srgbClr val="000000"/>
                 </a:solidFill>
@@ -7040,14 +6963,14 @@
               <a:t> </a:t>
             </a:r>
             <a:br>
-              <a:rPr lang="en-US" altLang="fr-FR" sz="2000" dirty="0" smtClean="0">
+              <a:rPr lang="en-US" altLang="fr-FR" sz="2000" dirty="0">
                 <a:solidFill>
                   <a:srgbClr val="000000"/>
                 </a:solidFill>
               </a:rPr>
             </a:br>
             <a:r>
-              <a:rPr lang="en-US" altLang="fr-FR" sz="2000" dirty="0" smtClean="0">
+              <a:rPr lang="en-US" altLang="fr-FR" sz="2000" dirty="0">
                 <a:solidFill>
                   <a:srgbClr val="000000"/>
                 </a:solidFill>
@@ -7055,7 +6978,7 @@
               <a:t>son </a:t>
             </a:r>
             <a:r>
-              <a:rPr lang="en-US" altLang="fr-FR" sz="2000" u="sng" dirty="0" err="1" smtClean="0">
+              <a:rPr lang="en-US" altLang="fr-FR" sz="2000" u="sng" dirty="0" err="1">
                 <a:solidFill>
                   <a:srgbClr val="000000"/>
                 </a:solidFill>
@@ -7063,7 +6986,7 @@
               <a:t>propre</a:t>
             </a:r>
             <a:r>
-              <a:rPr lang="en-US" altLang="fr-FR" sz="2000" dirty="0" smtClean="0">
+              <a:rPr lang="en-US" altLang="fr-FR" sz="2000" dirty="0">
                 <a:solidFill>
                   <a:srgbClr val="000000"/>
                 </a:solidFill>
@@ -7071,7 +6994,7 @@
               <a:t> </a:t>
             </a:r>
             <a:r>
-              <a:rPr lang="en-US" altLang="fr-FR" sz="2000" dirty="0" err="1" smtClean="0">
+              <a:rPr lang="en-US" altLang="fr-FR" sz="2000" dirty="0" err="1">
                 <a:solidFill>
                   <a:srgbClr val="000000"/>
                 </a:solidFill>
@@ -7079,7 +7002,7 @@
               <a:t>solde</a:t>
             </a:r>
             <a:r>
-              <a:rPr lang="en-US" altLang="fr-FR" sz="2000" dirty="0" smtClean="0">
+              <a:rPr lang="en-US" altLang="fr-FR" sz="2000" dirty="0">
                 <a:solidFill>
                   <a:srgbClr val="000000"/>
                 </a:solidFill>
@@ -7087,11 +7010,11 @@
               <a:t>.</a:t>
             </a:r>
             <a:r>
-              <a:rPr lang="en-GB" altLang="fr-FR" sz="2000" dirty="0" smtClean="0"/>
+              <a:rPr lang="en-GB" altLang="fr-FR" sz="2000" dirty="0"/>
               <a:t> </a:t>
             </a:r>
             <a:r>
-              <a:rPr lang="en-US" altLang="fr-FR" sz="2000" dirty="0" smtClean="0">
+              <a:rPr lang="en-US" altLang="fr-FR" sz="2000" dirty="0">
                 <a:solidFill>
                   <a:srgbClr val="000000"/>
                 </a:solidFill>
@@ -7099,7 +7022,7 @@
               <a:t>Si </a:t>
             </a:r>
             <a:r>
-              <a:rPr lang="en-US" altLang="fr-FR" sz="2000" dirty="0" err="1" smtClean="0">
+              <a:rPr lang="en-US" altLang="fr-FR" sz="2000" dirty="0" err="1">
                 <a:solidFill>
                   <a:srgbClr val="000000"/>
                 </a:solidFill>
@@ -7107,7 +7030,7 @@
               <a:t>deux</a:t>
             </a:r>
             <a:r>
-              <a:rPr lang="en-US" altLang="fr-FR" sz="2000" dirty="0" smtClean="0">
+              <a:rPr lang="en-US" altLang="fr-FR" sz="2000" dirty="0">
                 <a:solidFill>
                   <a:srgbClr val="000000"/>
                 </a:solidFill>
@@ -7115,7 +7038,7 @@
               <a:t> </a:t>
             </a:r>
             <a:r>
-              <a:rPr lang="en-US" altLang="fr-FR" sz="2000" dirty="0" err="1" smtClean="0">
+              <a:rPr lang="en-US" altLang="fr-FR" sz="2000" dirty="0" err="1">
                 <a:solidFill>
                   <a:srgbClr val="000000"/>
                 </a:solidFill>
@@ -7123,7 +7046,7 @@
               <a:t>comptes</a:t>
             </a:r>
             <a:r>
-              <a:rPr lang="en-US" altLang="fr-FR" sz="2000" dirty="0" smtClean="0">
+              <a:rPr lang="en-US" altLang="fr-FR" sz="2000" dirty="0">
                 <a:solidFill>
                   <a:srgbClr val="000000"/>
                 </a:solidFill>
@@ -7131,7 +7054,7 @@
               <a:t> </a:t>
             </a:r>
             <a:r>
-              <a:rPr lang="en-US" altLang="fr-FR" sz="2000" dirty="0" err="1" smtClean="0">
+              <a:rPr lang="en-US" altLang="fr-FR" sz="2000" dirty="0" err="1">
                 <a:solidFill>
                   <a:srgbClr val="000000"/>
                 </a:solidFill>
@@ -7139,7 +7062,7 @@
               <a:t>ont</a:t>
             </a:r>
             <a:r>
-              <a:rPr lang="en-US" altLang="fr-FR" sz="2000" dirty="0" smtClean="0">
+              <a:rPr lang="en-US" altLang="fr-FR" sz="2000" dirty="0">
                 <a:solidFill>
                   <a:srgbClr val="000000"/>
                 </a:solidFill>
@@ -7147,7 +7070,7 @@
               <a:t> le </a:t>
             </a:r>
             <a:r>
-              <a:rPr lang="en-US" altLang="fr-FR" sz="2000" dirty="0" err="1" smtClean="0">
+              <a:rPr lang="en-US" altLang="fr-FR" sz="2000" dirty="0" err="1">
                 <a:solidFill>
                   <a:srgbClr val="000000"/>
                 </a:solidFill>
@@ -7155,7 +7078,7 @@
               <a:t>même</a:t>
             </a:r>
             <a:r>
-              <a:rPr lang="en-US" altLang="fr-FR" sz="2000" dirty="0" smtClean="0">
+              <a:rPr lang="en-US" altLang="fr-FR" sz="2000" dirty="0">
                 <a:solidFill>
                   <a:srgbClr val="000000"/>
                 </a:solidFill>
@@ -7163,14 +7086,14 @@
               <a:t> </a:t>
             </a:r>
             <a:br>
-              <a:rPr lang="en-US" altLang="fr-FR" sz="2000" dirty="0" smtClean="0">
+              <a:rPr lang="en-US" altLang="fr-FR" sz="2000" dirty="0">
                 <a:solidFill>
                   <a:srgbClr val="000000"/>
                 </a:solidFill>
               </a:rPr>
             </a:br>
             <a:r>
-              <a:rPr lang="en-US" altLang="fr-FR" sz="2000" dirty="0" err="1" smtClean="0">
+              <a:rPr lang="en-US" altLang="fr-FR" sz="2000" dirty="0" err="1">
                 <a:solidFill>
                   <a:srgbClr val="000000"/>
                 </a:solidFill>
@@ -7178,7 +7101,7 @@
               <a:t>solde</a:t>
             </a:r>
             <a:r>
-              <a:rPr lang="en-US" altLang="fr-FR" sz="2000" dirty="0" smtClean="0">
+              <a:rPr lang="en-US" altLang="fr-FR" sz="2000" dirty="0">
                 <a:solidFill>
                   <a:srgbClr val="000000"/>
                 </a:solidFill>
@@ -7186,7 +7109,7 @@
               <a:t>, </a:t>
             </a:r>
             <a:r>
-              <a:rPr lang="en-US" altLang="fr-FR" sz="2000" dirty="0" err="1" smtClean="0">
+              <a:rPr lang="en-US" altLang="fr-FR" sz="2000" dirty="0" err="1">
                 <a:solidFill>
                   <a:srgbClr val="000000"/>
                 </a:solidFill>
@@ -7194,7 +7117,7 @@
               <a:t>ce</a:t>
             </a:r>
             <a:r>
-              <a:rPr lang="en-US" altLang="fr-FR" sz="2000" dirty="0" smtClean="0">
+              <a:rPr lang="en-US" altLang="fr-FR" sz="2000" dirty="0">
                 <a:solidFill>
                   <a:srgbClr val="000000"/>
                 </a:solidFill>
@@ -7202,7 +7125,7 @@
               <a:t> </a:t>
             </a:r>
             <a:r>
-              <a:rPr lang="en-US" altLang="fr-FR" sz="2000" dirty="0" err="1" smtClean="0">
+              <a:rPr lang="en-US" altLang="fr-FR" sz="2000" dirty="0" err="1">
                 <a:solidFill>
                   <a:srgbClr val="000000"/>
                 </a:solidFill>
@@ -7210,7 +7133,7 @@
               <a:t>n'est</a:t>
             </a:r>
             <a:r>
-              <a:rPr lang="en-US" altLang="fr-FR" sz="2000" dirty="0" smtClean="0">
+              <a:rPr lang="en-US" altLang="fr-FR" sz="2000" dirty="0">
                 <a:solidFill>
                   <a:srgbClr val="000000"/>
                 </a:solidFill>
@@ -7218,7 +7141,7 @@
               <a:t> </a:t>
             </a:r>
             <a:r>
-              <a:rPr lang="en-US" altLang="fr-FR" sz="2000" dirty="0" err="1" smtClean="0">
+              <a:rPr lang="en-US" altLang="fr-FR" sz="2000" dirty="0" err="1">
                 <a:solidFill>
                   <a:srgbClr val="000000"/>
                 </a:solidFill>
@@ -7226,7 +7149,7 @@
               <a:t>qu'une</a:t>
             </a:r>
             <a:r>
-              <a:rPr lang="en-US" altLang="fr-FR" sz="2000" dirty="0" smtClean="0">
+              <a:rPr lang="en-US" altLang="fr-FR" sz="2000" dirty="0">
                 <a:solidFill>
                   <a:srgbClr val="000000"/>
                 </a:solidFill>
@@ -7234,7 +7157,7 @@
               <a:t> </a:t>
             </a:r>
             <a:r>
-              <a:rPr lang="en-US" altLang="fr-FR" sz="2000" dirty="0" err="1" smtClean="0">
+              <a:rPr lang="en-US" altLang="fr-FR" sz="2000" dirty="0" err="1">
                 <a:solidFill>
                   <a:srgbClr val="000000"/>
                 </a:solidFill>
@@ -7242,14 +7165,14 @@
               <a:t>coïncidence</a:t>
             </a:r>
             <a:r>
-              <a:rPr lang="en-US" altLang="fr-FR" sz="2000" dirty="0" smtClean="0">
+              <a:rPr lang="en-US" altLang="fr-FR" sz="2000" dirty="0">
                 <a:solidFill>
                   <a:srgbClr val="000000"/>
                 </a:solidFill>
               </a:rPr>
               <a:t>.</a:t>
             </a:r>
-            <a:endParaRPr lang="en-GB" altLang="fr-FR" sz="2000" dirty="0" smtClean="0">
+            <a:endParaRPr lang="en-GB" altLang="fr-FR" sz="2000" dirty="0">
               <a:solidFill>
                 <a:srgbClr val="000000"/>
               </a:solidFill>
@@ -8823,13 +8746,6 @@
   <p:clrMapOvr>
     <a:masterClrMapping/>
   </p:clrMapOvr>
-  <p:timing>
-    <p:tnLst>
-      <p:par>
-        <p:cTn id="1" dur="indefinite" restart="never" nodeType="tmRoot"/>
-      </p:par>
-    </p:tnLst>
-  </p:timing>
 </p:sld>
 </file>
 
@@ -8866,10 +8782,9 @@
           <a:lstStyle/>
           <a:p>
             <a:r>
-              <a:rPr lang="fr-FR" dirty="0" smtClean="0"/>
+              <a:rPr lang="fr-FR" dirty="0"/>
               <a:t>self</a:t>
             </a:r>
-            <a:endParaRPr lang="fr-FR" dirty="0"/>
           </a:p>
         </p:txBody>
       </p:sp>
@@ -8890,73 +8805,21 @@
           <a:p>
             <a:r>
               <a:rPr lang="fr-FR" dirty="0"/>
-              <a:t>Q</a:t>
-            </a:r>
-            <a:r>
-              <a:rPr lang="fr-FR" dirty="0" smtClean="0"/>
-              <a:t>uand </a:t>
-            </a:r>
-            <a:r>
-              <a:rPr lang="fr-FR" dirty="0"/>
-              <a:t>vous créez un nouvel objet, </a:t>
-            </a:r>
-            <a:r>
-              <a:rPr lang="fr-FR" dirty="0" smtClean="0"/>
-              <a:t>les </a:t>
-            </a:r>
-            <a:r>
-              <a:rPr lang="fr-FR" dirty="0"/>
-              <a:t>attributs de l'objet sont propres à l'objet </a:t>
-            </a:r>
-            <a:r>
-              <a:rPr lang="fr-FR" dirty="0" smtClean="0"/>
-              <a:t>créé.</a:t>
+              <a:t>Quand vous créez un nouvel objet, les attributs de l'objet sont propres à l'objet créé.</a:t>
             </a:r>
           </a:p>
           <a:p>
             <a:pPr lvl="1"/>
             <a:r>
-              <a:rPr lang="fr-FR" dirty="0" smtClean="0"/>
-              <a:t>C'est </a:t>
-            </a:r>
-            <a:r>
               <a:rPr lang="fr-FR" dirty="0"/>
-              <a:t>logique : si vous créez plusieurs </a:t>
-            </a:r>
-            <a:r>
-              <a:rPr lang="fr-FR" dirty="0" smtClean="0"/>
-              <a:t>objets, </a:t>
-            </a:r>
-            <a:r>
-              <a:rPr lang="fr-FR" dirty="0"/>
-              <a:t>ils </a:t>
-            </a:r>
-            <a:r>
-              <a:rPr lang="fr-FR" dirty="0" smtClean="0"/>
-              <a:t>n’auront pas </a:t>
-            </a:r>
-            <a:r>
-              <a:rPr lang="fr-FR" dirty="0"/>
-              <a:t>tous avoir </a:t>
-            </a:r>
-            <a:r>
-              <a:rPr lang="fr-FR" dirty="0" smtClean="0"/>
-              <a:t>les mêmes données</a:t>
+              <a:t>C'est logique : si vous créez plusieurs objets, ils n’auront pas tous avoir les mêmes données</a:t>
             </a:r>
           </a:p>
           <a:p>
             <a:pPr lvl="1"/>
             <a:r>
-              <a:rPr lang="fr-FR" dirty="0" smtClean="0"/>
-              <a:t>Donc </a:t>
-            </a:r>
-            <a:r>
               <a:rPr lang="fr-FR" dirty="0"/>
-              <a:t>les attributs sont contenus dans </a:t>
-            </a:r>
-            <a:r>
-              <a:rPr lang="fr-FR" dirty="0" smtClean="0"/>
-              <a:t>l'objet</a:t>
+              <a:t>Donc les attributs sont contenus dans l'objet</a:t>
             </a:r>
           </a:p>
           <a:p>
@@ -8966,7 +8829,7 @@
             </a:r>
           </a:p>
           <a:p>
-            <a:endParaRPr lang="fr-FR" dirty="0" smtClean="0"/>
+            <a:endParaRPr lang="fr-FR" dirty="0"/>
           </a:p>
         </p:txBody>
       </p:sp>
@@ -8980,13 +8843,6 @@
   <p:clrMapOvr>
     <a:masterClrMapping/>
   </p:clrMapOvr>
-  <p:timing>
-    <p:tnLst>
-      <p:par>
-        <p:cTn id="1" dur="indefinite" restart="never" nodeType="tmRoot"/>
-      </p:par>
-    </p:tnLst>
-  </p:timing>
 </p:sld>
 </file>
 
@@ -9023,10 +8879,9 @@
           <a:lstStyle/>
           <a:p>
             <a:r>
-              <a:rPr lang="fr-FR" dirty="0" smtClean="0"/>
+              <a:rPr lang="fr-FR" dirty="0"/>
               <a:t>Mécanisme de self</a:t>
             </a:r>
-            <a:endParaRPr lang="fr-FR" dirty="0"/>
           </a:p>
         </p:txBody>
       </p:sp>
@@ -9081,47 +8936,47 @@
           <a:p>
             <a:pPr lvl="1"/>
             <a:r>
-              <a:rPr lang="fr-FR" dirty="0" smtClean="0"/>
+              <a:rPr lang="fr-FR" dirty="0"/>
               <a:t>Verbeux</a:t>
             </a:r>
           </a:p>
           <a:p>
             <a:pPr lvl="1"/>
             <a:r>
-              <a:rPr lang="fr-FR" dirty="0" smtClean="0"/>
+              <a:rPr lang="fr-FR" dirty="0"/>
               <a:t>Très inspiré de Perl </a:t>
             </a:r>
           </a:p>
           <a:p>
             <a:r>
-              <a:rPr lang="fr-FR" dirty="0" err="1" smtClean="0"/>
+              <a:rPr lang="fr-FR" dirty="0" err="1"/>
               <a:t>Instance.methode</a:t>
             </a:r>
             <a:r>
-              <a:rPr lang="fr-FR" dirty="0" smtClean="0"/>
+              <a:rPr lang="fr-FR" dirty="0"/>
               <a:t>(x)</a:t>
             </a:r>
           </a:p>
           <a:p>
             <a:pPr lvl="1"/>
             <a:r>
-              <a:rPr lang="fr-FR" dirty="0" smtClean="0"/>
+              <a:rPr lang="fr-FR" dirty="0"/>
               <a:t>Est équivalent à </a:t>
             </a:r>
             <a:r>
-              <a:rPr lang="fr-FR" dirty="0" err="1" smtClean="0"/>
+              <a:rPr lang="fr-FR" dirty="0" err="1"/>
               <a:t>methode</a:t>
             </a:r>
             <a:r>
-              <a:rPr lang="fr-FR" dirty="0" smtClean="0"/>
+              <a:rPr lang="fr-FR" dirty="0"/>
               <a:t>(</a:t>
             </a:r>
             <a:r>
-              <a:rPr lang="fr-FR" dirty="0" err="1" smtClean="0"/>
+              <a:rPr lang="fr-FR" dirty="0" err="1"/>
               <a:t>instance,x</a:t>
             </a:r>
             <a:r>
-              <a:rPr lang="fr-FR" dirty="0" smtClean="0"/>
+              <a:rPr lang="fr-FR" dirty="0"/>
               <a:t>)</a:t>
             </a:r>
           </a:p>
@@ -9137,13 +8992,6 @@
   <p:clrMapOvr>
     <a:masterClrMapping/>
   </p:clrMapOvr>
-  <p:timing>
-    <p:tnLst>
-      <p:par>
-        <p:cTn id="1" dur="indefinite" restart="never" nodeType="tmRoot"/>
-      </p:par>
-    </p:tnLst>
-  </p:timing>
 </p:sld>
 </file>
 
@@ -9182,13 +9030,8 @@
             <a:pPr eaLnBrk="1" hangingPunct="1"/>
             <a:r>
               <a:rPr lang="fr-FR" altLang="fr-FR" sz="3323" dirty="0"/>
-              <a:t>Le mécanisme </a:t>
-            </a:r>
-            <a:r>
-              <a:rPr lang="fr-FR" altLang="fr-FR" sz="3323" dirty="0" smtClean="0"/>
-              <a:t>du self</a:t>
-            </a:r>
-            <a:endParaRPr lang="fr-FR" altLang="fr-FR" sz="3323" dirty="0"/>
+              <a:t>Le mécanisme du self</a:t>
+            </a:r>
           </a:p>
         </p:txBody>
       </p:sp>
@@ -9213,7 +9056,7 @@
           <a:lstStyle/>
           <a:p>
             <a:pPr eaLnBrk="1" hangingPunct="1"/>
-            <a:endParaRPr lang="fr-FR" altLang="fr-FR" dirty="0" smtClean="0"/>
+            <a:endParaRPr lang="fr-FR" altLang="fr-FR" dirty="0"/>
           </a:p>
         </p:txBody>
       </p:sp>
@@ -9535,13 +9378,6 @@
   <p:clrMapOvr>
     <a:masterClrMapping/>
   </p:clrMapOvr>
-  <p:timing>
-    <p:tnLst>
-      <p:par>
-        <p:cTn id="1" dur="indefinite" restart="never" nodeType="tmRoot"/>
-      </p:par>
-    </p:tnLst>
-  </p:timing>
 </p:sld>
 </file>
 
@@ -9583,7 +9419,7 @@
               </a:buClr>
             </a:pPr>
             <a:r>
-              <a:rPr lang="en-US" altLang="fr-FR" dirty="0" smtClean="0">
+              <a:rPr lang="en-US" altLang="fr-FR" dirty="0">
                 <a:solidFill>
                   <a:srgbClr val="000000"/>
                 </a:solidFill>
@@ -9591,14 +9427,14 @@
               <a:t>Classes et </a:t>
             </a:r>
             <a:r>
-              <a:rPr lang="en-US" altLang="fr-FR" dirty="0" err="1" smtClean="0">
+              <a:rPr lang="en-US" altLang="fr-FR" dirty="0" err="1">
                 <a:solidFill>
                   <a:srgbClr val="000000"/>
                 </a:solidFill>
               </a:rPr>
               <a:t>objets</a:t>
             </a:r>
-            <a:endParaRPr lang="en-US" altLang="fr-FR" dirty="0" smtClean="0"/>
+            <a:endParaRPr lang="en-US" altLang="fr-FR" dirty="0"/>
           </a:p>
         </p:txBody>
       </p:sp>
@@ -9618,47 +9454,116 @@
           <a:lstStyle/>
           <a:p>
             <a:r>
-              <a:rPr lang="en-US" altLang="fr-FR" smtClean="0">
+              <a:rPr lang="en-US" altLang="fr-FR" dirty="0" err="1">
                 <a:solidFill>
                   <a:srgbClr val="000000"/>
                 </a:solidFill>
               </a:rPr>
-              <a:t>Qu'est-ce qu'une classe ?</a:t>
-            </a:r>
-            <a:endParaRPr lang="en-GB" altLang="fr-FR" smtClean="0"/>
+              <a:t>Qu'est-ce</a:t>
+            </a:r>
+            <a:r>
+              <a:rPr lang="en-US" altLang="fr-FR" dirty="0">
+                <a:solidFill>
+                  <a:srgbClr val="000000"/>
+                </a:solidFill>
+              </a:rPr>
+              <a:t> </a:t>
+            </a:r>
+            <a:r>
+              <a:rPr lang="en-US" altLang="fr-FR" dirty="0" err="1">
+                <a:solidFill>
+                  <a:srgbClr val="000000"/>
+                </a:solidFill>
+              </a:rPr>
+              <a:t>qu'une</a:t>
+            </a:r>
+            <a:r>
+              <a:rPr lang="en-US" altLang="fr-FR" dirty="0">
+                <a:solidFill>
+                  <a:srgbClr val="000000"/>
+                </a:solidFill>
+              </a:rPr>
+              <a:t> </a:t>
+            </a:r>
+            <a:r>
+              <a:rPr lang="en-US" altLang="fr-FR" dirty="0" err="1">
+                <a:solidFill>
+                  <a:srgbClr val="000000"/>
+                </a:solidFill>
+              </a:rPr>
+              <a:t>classe</a:t>
+            </a:r>
+            <a:r>
+              <a:rPr lang="en-US" altLang="fr-FR" dirty="0">
+                <a:solidFill>
+                  <a:srgbClr val="000000"/>
+                </a:solidFill>
+              </a:rPr>
+              <a:t> ?</a:t>
+            </a:r>
+            <a:endParaRPr lang="en-GB" altLang="fr-FR" dirty="0"/>
           </a:p>
           <a:p>
             <a:r>
-              <a:rPr lang="en-US" altLang="fr-FR" smtClean="0">
+              <a:rPr lang="en-US" altLang="fr-FR" dirty="0" err="1">
                 <a:solidFill>
                   <a:srgbClr val="000000"/>
                 </a:solidFill>
               </a:rPr>
-              <a:t>Qu'est-ce qu'un objet ?</a:t>
-            </a:r>
-            <a:endParaRPr lang="en-GB" altLang="fr-FR" smtClean="0"/>
+              <a:t>Qu'est-ce</a:t>
+            </a:r>
+            <a:r>
+              <a:rPr lang="en-US" altLang="fr-FR" dirty="0">
+                <a:solidFill>
+                  <a:srgbClr val="000000"/>
+                </a:solidFill>
+              </a:rPr>
+              <a:t> </a:t>
+            </a:r>
+            <a:r>
+              <a:rPr lang="en-US" altLang="fr-FR" dirty="0" err="1">
+                <a:solidFill>
+                  <a:srgbClr val="000000"/>
+                </a:solidFill>
+              </a:rPr>
+              <a:t>qu'un</a:t>
+            </a:r>
+            <a:r>
+              <a:rPr lang="en-US" altLang="fr-FR" dirty="0">
+                <a:solidFill>
+                  <a:srgbClr val="000000"/>
+                </a:solidFill>
+              </a:rPr>
+              <a:t> </a:t>
+            </a:r>
+            <a:r>
+              <a:rPr lang="en-US" altLang="fr-FR" dirty="0" err="1">
+                <a:solidFill>
+                  <a:srgbClr val="000000"/>
+                </a:solidFill>
+              </a:rPr>
+              <a:t>objet</a:t>
+            </a:r>
+            <a:r>
+              <a:rPr lang="en-US" altLang="fr-FR" dirty="0">
+                <a:solidFill>
+                  <a:srgbClr val="000000"/>
+                </a:solidFill>
+              </a:rPr>
+              <a:t> ?</a:t>
+            </a:r>
+            <a:endParaRPr lang="en-GB" altLang="fr-FR" dirty="0"/>
           </a:p>
           <a:p>
             <a:r>
-              <a:rPr lang="en-US" altLang="fr-FR" smtClean="0">
-                <a:solidFill>
-                  <a:srgbClr val="000000"/>
-                </a:solidFill>
-              </a:rPr>
-              <a:t>Comparaison entre classes et structs</a:t>
-            </a:r>
-            <a:endParaRPr lang="en-GB" altLang="fr-FR" smtClean="0"/>
-          </a:p>
-          <a:p>
-            <a:r>
-              <a:rPr lang="en-US" altLang="fr-FR" smtClean="0">
+              <a:rPr lang="en-US" altLang="fr-FR">
                 <a:solidFill>
                   <a:srgbClr val="000000"/>
                 </a:solidFill>
               </a:rPr>
               <a:t>Abstraction</a:t>
             </a:r>
-            <a:endParaRPr lang="en-GB" altLang="fr-FR" smtClean="0">
+            <a:endParaRPr lang="en-GB" altLang="fr-FR" dirty="0">
               <a:solidFill>
                 <a:srgbClr val="000000"/>
               </a:solidFill>
@@ -9676,13 +9581,6 @@
   <p:clrMapOvr>
     <a:masterClrMapping/>
   </p:clrMapOvr>
-  <p:timing>
-    <p:tnLst>
-      <p:par>
-        <p:cTn id="1" dur="indefinite" restart="never" nodeType="tmRoot"/>
-      </p:par>
-    </p:tnLst>
-  </p:timing>
 </p:sld>
 </file>
 
@@ -9877,14 +9775,14 @@
           <a:lstStyle/>
           <a:p>
             <a:r>
-              <a:rPr lang="en-US" altLang="fr-FR" smtClean="0">
+              <a:rPr lang="en-US" altLang="fr-FR">
                 <a:solidFill>
                   <a:srgbClr val="000000"/>
                 </a:solidFill>
               </a:rPr>
               <a:t>Contrôle de la visibilité d'accès</a:t>
             </a:r>
-            <a:endParaRPr lang="en-GB" altLang="fr-FR" smtClean="0"/>
+            <a:endParaRPr lang="en-GB" altLang="fr-FR"/>
           </a:p>
         </p:txBody>
       </p:sp>
@@ -9909,7 +9807,7 @@
           <a:lstStyle/>
           <a:p>
             <a:r>
-              <a:rPr lang="en-US" altLang="fr-FR" smtClean="0">
+              <a:rPr lang="en-US" altLang="fr-FR">
                 <a:solidFill>
                   <a:srgbClr val="000000"/>
                 </a:solidFill>
@@ -9917,7 +9815,7 @@
               <a:t>Les méthodes sont </a:t>
             </a:r>
             <a:r>
-              <a:rPr lang="en-US" altLang="fr-FR" i="1" smtClean="0">
+              <a:rPr lang="en-US" altLang="fr-FR" i="1">
                 <a:solidFill>
                   <a:srgbClr val="000000"/>
                 </a:solidFill>
@@ -9925,18 +9823,18 @@
               <a:t>publiques</a:t>
             </a:r>
             <a:r>
-              <a:rPr lang="en-US" altLang="fr-FR" smtClean="0">
+              <a:rPr lang="en-US" altLang="fr-FR">
                 <a:solidFill>
                   <a:srgbClr val="000000"/>
                 </a:solidFill>
               </a:rPr>
               <a:t>, accessibles de l'extérieur</a:t>
             </a:r>
-            <a:endParaRPr lang="en-GB" altLang="fr-FR" smtClean="0"/>
+            <a:endParaRPr lang="en-GB" altLang="fr-FR"/>
           </a:p>
           <a:p>
             <a:r>
-              <a:rPr lang="en-US" altLang="fr-FR" smtClean="0">
+              <a:rPr lang="en-US" altLang="fr-FR">
                 <a:solidFill>
                   <a:srgbClr val="000000"/>
                 </a:solidFill>
@@ -9944,7 +9842,7 @@
               <a:t>Les données sont </a:t>
             </a:r>
             <a:r>
-              <a:rPr lang="en-US" altLang="fr-FR" i="1" smtClean="0">
+              <a:rPr lang="en-US" altLang="fr-FR" i="1">
                 <a:solidFill>
                   <a:srgbClr val="000000"/>
                 </a:solidFill>
@@ -9952,14 +9850,14 @@
               <a:t>privées</a:t>
             </a:r>
             <a:r>
-              <a:rPr lang="en-US" altLang="fr-FR" smtClean="0">
+              <a:rPr lang="en-US" altLang="fr-FR">
                 <a:solidFill>
                   <a:srgbClr val="000000"/>
                 </a:solidFill>
               </a:rPr>
               <a:t>, accessibles uniquement de l'intérieur</a:t>
             </a:r>
-            <a:endParaRPr lang="en-GB" altLang="fr-FR" smtClean="0">
+            <a:endParaRPr lang="en-GB" altLang="fr-FR">
               <a:solidFill>
                 <a:srgbClr val="000000"/>
               </a:solidFill>
@@ -12348,7 +12246,7 @@
               <a:defRPr/>
             </a:pPr>
             <a:r>
-              <a:rPr lang="en-US" altLang="fr-FR" sz="4400" smtClean="0">
+              <a:rPr lang="en-US" altLang="fr-FR" sz="4400">
                 <a:solidFill>
                   <a:srgbClr val="FF0033"/>
                 </a:solidFill>
@@ -12704,13 +12602,6 @@
   <p:clrMapOvr>
     <a:masterClrMapping/>
   </p:clrMapOvr>
-  <p:timing>
-    <p:tnLst>
-      <p:par>
-        <p:cTn id="1" dur="indefinite" restart="never" nodeType="tmRoot"/>
-      </p:par>
-    </p:tnLst>
-  </p:timing>
 </p:sld>
 </file>
 
@@ -12905,14 +12796,14 @@
           <a:lstStyle/>
           <a:p>
             <a:r>
-              <a:rPr lang="en-US" altLang="fr-FR" smtClean="0">
+              <a:rPr lang="en-US" altLang="fr-FR">
                 <a:solidFill>
                   <a:srgbClr val="000000"/>
                 </a:solidFill>
               </a:rPr>
               <a:t>Pourquoi encapsuler ?</a:t>
             </a:r>
-            <a:endParaRPr lang="en-GB" altLang="fr-FR" smtClean="0"/>
+            <a:endParaRPr lang="en-GB" altLang="fr-FR"/>
           </a:p>
         </p:txBody>
       </p:sp>
@@ -12937,19 +12828,19 @@
           <a:lstStyle/>
           <a:p>
             <a:r>
-              <a:rPr lang="en-US" altLang="fr-FR" smtClean="0">
+              <a:rPr lang="en-US" altLang="fr-FR">
                 <a:solidFill>
                   <a:srgbClr val="000000"/>
                 </a:solidFill>
               </a:rPr>
               <a:t>Contrôle</a:t>
             </a:r>
-            <a:endParaRPr lang="en-US" altLang="fr-FR" smtClean="0"/>
+            <a:endParaRPr lang="en-US" altLang="fr-FR"/>
           </a:p>
           <a:p>
             <a:pPr lvl="1"/>
             <a:r>
-              <a:rPr lang="en-US" altLang="fr-FR" smtClean="0">
+              <a:rPr lang="en-US" altLang="fr-FR">
                 <a:solidFill>
                   <a:srgbClr val="000000"/>
                 </a:solidFill>
@@ -12957,14 +12848,14 @@
               <a:t>L'utilisation de l'objet</a:t>
             </a:r>
             <a:br>
-              <a:rPr lang="en-US" altLang="fr-FR" smtClean="0">
+              <a:rPr lang="en-US" altLang="fr-FR">
                 <a:solidFill>
                   <a:srgbClr val="000000"/>
                 </a:solidFill>
               </a:rPr>
             </a:br>
             <a:r>
-              <a:rPr lang="en-US" altLang="fr-FR" smtClean="0">
+              <a:rPr lang="en-US" altLang="fr-FR">
                 <a:solidFill>
                   <a:srgbClr val="000000"/>
                 </a:solidFill>
@@ -12972,37 +12863,37 @@
               <a:t>se fait exclusivement via </a:t>
             </a:r>
             <a:br>
-              <a:rPr lang="en-US" altLang="fr-FR" smtClean="0">
+              <a:rPr lang="en-US" altLang="fr-FR">
                 <a:solidFill>
                   <a:srgbClr val="000000"/>
                 </a:solidFill>
               </a:rPr>
             </a:br>
             <a:r>
-              <a:rPr lang="en-US" altLang="fr-FR" smtClean="0">
+              <a:rPr lang="en-US" altLang="fr-FR">
                 <a:solidFill>
                   <a:srgbClr val="000000"/>
                 </a:solidFill>
               </a:rPr>
               <a:t>les méthodes publiques</a:t>
             </a:r>
-            <a:endParaRPr lang="en-US" altLang="fr-FR" smtClean="0"/>
+            <a:endParaRPr lang="en-US" altLang="fr-FR"/>
           </a:p>
           <a:p>
             <a:r>
-              <a:rPr lang="en-US" altLang="fr-FR" smtClean="0">
+              <a:rPr lang="en-US" altLang="fr-FR">
                 <a:solidFill>
                   <a:srgbClr val="000000"/>
                 </a:solidFill>
               </a:rPr>
               <a:t>Changement</a:t>
             </a:r>
-            <a:endParaRPr lang="en-US" altLang="fr-FR" smtClean="0"/>
+            <a:endParaRPr lang="en-US" altLang="fr-FR"/>
           </a:p>
           <a:p>
             <a:pPr lvl="1"/>
             <a:r>
-              <a:rPr lang="en-US" altLang="fr-FR" smtClean="0">
+              <a:rPr lang="en-US" altLang="fr-FR">
                 <a:solidFill>
                   <a:srgbClr val="000000"/>
                 </a:solidFill>
@@ -13010,14 +12901,14 @@
               <a:t>L'utilisation de l'objet </a:t>
             </a:r>
             <a:br>
-              <a:rPr lang="en-US" altLang="fr-FR" smtClean="0">
+              <a:rPr lang="en-US" altLang="fr-FR">
                 <a:solidFill>
                   <a:srgbClr val="000000"/>
                 </a:solidFill>
               </a:rPr>
             </a:br>
             <a:r>
-              <a:rPr lang="en-US" altLang="fr-FR" smtClean="0">
+              <a:rPr lang="en-US" altLang="fr-FR">
                 <a:solidFill>
                   <a:srgbClr val="000000"/>
                 </a:solidFill>
@@ -13025,14 +12916,14 @@
               <a:t>n'est pas affectée si</a:t>
             </a:r>
             <a:br>
-              <a:rPr lang="en-US" altLang="fr-FR" smtClean="0">
+              <a:rPr lang="en-US" altLang="fr-FR">
                 <a:solidFill>
                   <a:srgbClr val="000000"/>
                 </a:solidFill>
               </a:rPr>
             </a:br>
             <a:r>
-              <a:rPr lang="en-US" altLang="fr-FR" smtClean="0">
+              <a:rPr lang="en-US" altLang="fr-FR">
                 <a:solidFill>
                   <a:srgbClr val="000000"/>
                 </a:solidFill>
@@ -13040,21 +12931,21 @@
               <a:t>le type des données </a:t>
             </a:r>
             <a:br>
-              <a:rPr lang="en-US" altLang="fr-FR" smtClean="0">
+              <a:rPr lang="en-US" altLang="fr-FR">
                 <a:solidFill>
                   <a:srgbClr val="000000"/>
                 </a:solidFill>
               </a:rPr>
             </a:br>
             <a:r>
-              <a:rPr lang="en-US" altLang="fr-FR" smtClean="0">
+              <a:rPr lang="en-US" altLang="fr-FR">
                 <a:solidFill>
                   <a:srgbClr val="000000"/>
                 </a:solidFill>
               </a:rPr>
               <a:t>privées change</a:t>
             </a:r>
-            <a:endParaRPr lang="en-GB" altLang="fr-FR" smtClean="0">
+            <a:endParaRPr lang="en-GB" altLang="fr-FR">
               <a:solidFill>
                 <a:srgbClr val="000000"/>
               </a:solidFill>
@@ -15179,7 +15070,7 @@
               <a:defRPr/>
             </a:pPr>
             <a:r>
-              <a:rPr lang="en-US" altLang="fr-FR" sz="4400" smtClean="0">
+              <a:rPr lang="en-US" altLang="fr-FR" sz="4400">
                 <a:solidFill>
                   <a:srgbClr val="FF0033"/>
                 </a:solidFill>
@@ -15205,13 +15096,6 @@
   <p:clrMapOvr>
     <a:masterClrMapping/>
   </p:clrMapOvr>
-  <p:timing>
-    <p:tnLst>
-      <p:par>
-        <p:cTn id="1" dur="indefinite" restart="never" nodeType="tmRoot"/>
-      </p:par>
-    </p:tnLst>
-  </p:timing>
 </p:sld>
 </file>
 
@@ -15248,10 +15132,9 @@
           <a:lstStyle/>
           <a:p>
             <a:r>
-              <a:rPr lang="fr-FR" dirty="0" smtClean="0"/>
+              <a:rPr lang="fr-FR" dirty="0"/>
               <a:t>Problème d’encapsulation</a:t>
             </a:r>
-            <a:endParaRPr lang="fr-FR" dirty="0"/>
           </a:p>
         </p:txBody>
       </p:sp>
@@ -15271,49 +15154,48 @@
           <a:lstStyle/>
           <a:p>
             <a:r>
-              <a:rPr lang="fr-FR" dirty="0" smtClean="0"/>
+              <a:rPr lang="fr-FR" dirty="0"/>
               <a:t>Python ne permet pas de modifier la visibilité d’un attribut</a:t>
             </a:r>
           </a:p>
           <a:p>
             <a:pPr lvl="1"/>
             <a:r>
-              <a:rPr lang="fr-FR" dirty="0" smtClean="0"/>
+              <a:rPr lang="fr-FR" dirty="0"/>
               <a:t>Pas de public, </a:t>
             </a:r>
             <a:r>
-              <a:rPr lang="fr-FR" dirty="0" err="1" smtClean="0"/>
+              <a:rPr lang="fr-FR" dirty="0" err="1"/>
               <a:t>private</a:t>
             </a:r>
-            <a:endParaRPr lang="fr-FR" dirty="0" smtClean="0"/>
+            <a:endParaRPr lang="fr-FR" dirty="0"/>
           </a:p>
           <a:p>
             <a:pPr lvl="1"/>
             <a:r>
-              <a:rPr lang="fr-FR" dirty="0" smtClean="0"/>
+              <a:rPr lang="fr-FR" dirty="0"/>
               <a:t>Problème pour une encapsulation correcte</a:t>
             </a:r>
           </a:p>
           <a:p>
             <a:r>
-              <a:rPr lang="fr-FR" dirty="0" smtClean="0"/>
+              <a:rPr lang="fr-FR" dirty="0"/>
               <a:t>Norme de codage</a:t>
             </a:r>
           </a:p>
           <a:p>
             <a:pPr lvl="1"/>
             <a:r>
-              <a:rPr lang="fr-FR" dirty="0" smtClean="0"/>
+              <a:rPr lang="fr-FR" dirty="0"/>
               <a:t>Un attribut ou une méthode privée est préfixée par _</a:t>
             </a:r>
           </a:p>
           <a:p>
             <a:pPr lvl="1"/>
             <a:r>
-              <a:rPr lang="fr-FR" dirty="0" smtClean="0"/>
+              <a:rPr lang="fr-FR" dirty="0"/>
               <a:t>Tous les attributs</a:t>
             </a:r>
-            <a:endParaRPr lang="fr-FR" dirty="0"/>
           </a:p>
         </p:txBody>
       </p:sp>
@@ -15327,13 +15209,6 @@
   <p:clrMapOvr>
     <a:masterClrMapping/>
   </p:clrMapOvr>
-  <p:timing>
-    <p:tnLst>
-      <p:par>
-        <p:cTn id="1" dur="indefinite" restart="never" nodeType="tmRoot"/>
-      </p:par>
-    </p:tnLst>
-  </p:timing>
 </p:sld>
 </file>
 
@@ -15370,10 +15245,9 @@
           <a:lstStyle/>
           <a:p>
             <a:r>
-              <a:rPr lang="fr-FR" dirty="0" smtClean="0"/>
+              <a:rPr lang="fr-FR" dirty="0"/>
               <a:t>Getter et Setter</a:t>
             </a:r>
-            <a:endParaRPr lang="fr-FR" dirty="0"/>
           </a:p>
         </p:txBody>
       </p:sp>
@@ -15393,32 +15267,32 @@
           <a:lstStyle/>
           <a:p>
             <a:r>
-              <a:rPr lang="fr-FR" dirty="0" smtClean="0"/>
+              <a:rPr lang="fr-FR" dirty="0"/>
               <a:t>Les getters et setters permettent d’accéder à un attribut privé</a:t>
             </a:r>
           </a:p>
           <a:p>
             <a:r>
-              <a:rPr lang="fr-FR" dirty="0" smtClean="0"/>
+              <a:rPr lang="fr-FR" dirty="0"/>
               <a:t>C’est une simple norme de codage</a:t>
             </a:r>
           </a:p>
           <a:p>
             <a:r>
-              <a:rPr lang="fr-FR" dirty="0" smtClean="0"/>
+              <a:rPr lang="fr-FR" dirty="0"/>
               <a:t>Getter</a:t>
             </a:r>
           </a:p>
           <a:p>
             <a:pPr lvl="1"/>
             <a:r>
-              <a:rPr lang="fr-FR" dirty="0" smtClean="0"/>
+              <a:rPr lang="fr-FR" dirty="0"/>
               <a:t>Permet d’accéder en lecture à l’attribut</a:t>
             </a:r>
           </a:p>
           <a:p>
             <a:r>
-              <a:rPr lang="fr-FR" dirty="0" smtClean="0"/>
+              <a:rPr lang="fr-FR" dirty="0"/>
               <a:t>Setter</a:t>
             </a:r>
           </a:p>
@@ -15426,23 +15300,15 @@
             <a:pPr lvl="1"/>
             <a:r>
               <a:rPr lang="fr-FR" dirty="0"/>
-              <a:t>Permet d’accéder en </a:t>
-            </a:r>
-            <a:r>
-              <a:rPr lang="fr-FR" dirty="0" smtClean="0"/>
-              <a:t>écriture à </a:t>
-            </a:r>
-            <a:r>
-              <a:rPr lang="fr-FR" dirty="0"/>
-              <a:t>l’attribut</a:t>
+              <a:t>Permet d’accéder en écriture à l’attribut</a:t>
             </a:r>
           </a:p>
           <a:p>
-            <a:endParaRPr lang="fr-FR" dirty="0" smtClean="0"/>
+            <a:endParaRPr lang="fr-FR" dirty="0"/>
           </a:p>
           <a:p>
             <a:pPr lvl="1"/>
-            <a:endParaRPr lang="fr-FR" dirty="0" smtClean="0"/>
+            <a:endParaRPr lang="fr-FR" dirty="0"/>
           </a:p>
         </p:txBody>
       </p:sp>
@@ -15456,13 +15322,6 @@
   <p:clrMapOvr>
     <a:masterClrMapping/>
   </p:clrMapOvr>
-  <p:timing>
-    <p:tnLst>
-      <p:par>
-        <p:cTn id="1" dur="indefinite" restart="never" nodeType="tmRoot"/>
-      </p:par>
-    </p:tnLst>
-  </p:timing>
 </p:sld>
 </file>
 
@@ -15499,10 +15358,9 @@
           <a:lstStyle/>
           <a:p>
             <a:r>
-              <a:rPr lang="fr-FR" dirty="0" smtClean="0"/>
+              <a:rPr lang="fr-FR" dirty="0"/>
               <a:t>Décorateurs</a:t>
             </a:r>
-            <a:endParaRPr lang="fr-FR" dirty="0"/>
           </a:p>
         </p:txBody>
       </p:sp>
@@ -15522,7 +15380,7 @@
           <a:lstStyle/>
           <a:p>
             <a:r>
-              <a:rPr lang="fr-FR" dirty="0" smtClean="0"/>
+              <a:rPr lang="fr-FR" dirty="0"/>
               <a:t>Permet de modifier le comportement d’une méthode ou d’une classe</a:t>
             </a:r>
           </a:p>
@@ -15530,34 +15388,34 @@
             <a:endParaRPr lang="fr-FR" dirty="0"/>
           </a:p>
           <a:p>
-            <a:endParaRPr lang="fr-FR" dirty="0" smtClean="0"/>
+            <a:endParaRPr lang="fr-FR" dirty="0"/>
           </a:p>
           <a:p>
             <a:r>
-              <a:rPr lang="fr-FR" dirty="0" smtClean="0"/>
+              <a:rPr lang="fr-FR" dirty="0"/>
               <a:t>Ce code est identique à fonction = </a:t>
             </a:r>
             <a:r>
-              <a:rPr lang="fr-FR" dirty="0" err="1" smtClean="0"/>
+              <a:rPr lang="fr-FR" dirty="0" err="1"/>
               <a:t>decorateur</a:t>
             </a:r>
             <a:r>
-              <a:rPr lang="fr-FR" dirty="0" smtClean="0"/>
+              <a:rPr lang="fr-FR" dirty="0"/>
               <a:t>(</a:t>
             </a:r>
             <a:r>
-              <a:rPr lang="fr-FR" dirty="0" err="1" smtClean="0"/>
+              <a:rPr lang="fr-FR" dirty="0" err="1"/>
               <a:t>parametre</a:t>
             </a:r>
             <a:r>
-              <a:rPr lang="fr-FR" dirty="0" smtClean="0"/>
+              <a:rPr lang="fr-FR" dirty="0"/>
               <a:t>)(fonction)</a:t>
             </a:r>
           </a:p>
           <a:p>
             <a:pPr lvl="1"/>
             <a:r>
-              <a:rPr lang="fr-FR" dirty="0" smtClean="0"/>
+              <a:rPr lang="fr-FR" dirty="0"/>
               <a:t>C’est une fonction dans une fonction</a:t>
             </a:r>
           </a:p>
@@ -15600,13 +15458,6 @@
   <p:clrMapOvr>
     <a:masterClrMapping/>
   </p:clrMapOvr>
-  <p:timing>
-    <p:tnLst>
-      <p:par>
-        <p:cTn id="1" dur="indefinite" restart="never" nodeType="tmRoot"/>
-      </p:par>
-    </p:tnLst>
-  </p:timing>
 </p:sld>
 </file>
 
@@ -15643,10 +15494,9 @@
           <a:lstStyle/>
           <a:p>
             <a:r>
-              <a:rPr lang="fr-FR" dirty="0" smtClean="0"/>
+              <a:rPr lang="fr-FR" dirty="0"/>
               <a:t>Propriété</a:t>
             </a:r>
-            <a:endParaRPr lang="fr-FR" dirty="0"/>
           </a:p>
         </p:txBody>
       </p:sp>
@@ -15666,55 +15516,55 @@
           <a:lstStyle/>
           <a:p>
             <a:r>
-              <a:rPr lang="fr-FR" dirty="0" smtClean="0"/>
+              <a:rPr lang="fr-FR" dirty="0"/>
               <a:t>L’utilisation des getter et setter est lourde</a:t>
             </a:r>
           </a:p>
           <a:p>
             <a:pPr lvl="1"/>
             <a:r>
-              <a:rPr lang="fr-FR" dirty="0" smtClean="0"/>
+              <a:rPr lang="fr-FR" dirty="0"/>
               <a:t>Comme Java</a:t>
             </a:r>
           </a:p>
           <a:p>
             <a:r>
-              <a:rPr lang="fr-FR" dirty="0" smtClean="0"/>
+              <a:rPr lang="fr-FR" dirty="0"/>
               <a:t>Python possède le concept de propriété qui permet d’avoir une écriture simple</a:t>
             </a:r>
           </a:p>
           <a:p>
             <a:pPr lvl="1"/>
             <a:r>
-              <a:rPr lang="fr-FR" dirty="0" smtClean="0"/>
+              <a:rPr lang="fr-FR" dirty="0"/>
               <a:t>Comme C#</a:t>
             </a:r>
           </a:p>
           <a:p>
             <a:r>
-              <a:rPr lang="fr-FR" dirty="0" smtClean="0"/>
+              <a:rPr lang="fr-FR" dirty="0"/>
               <a:t>Pour cela il faut utiliser les décoration @</a:t>
             </a:r>
             <a:r>
-              <a:rPr lang="fr-FR" dirty="0" err="1" smtClean="0"/>
+              <a:rPr lang="fr-FR" dirty="0" err="1"/>
               <a:t>property</a:t>
             </a:r>
             <a:r>
-              <a:rPr lang="fr-FR" dirty="0" smtClean="0"/>
+              <a:rPr lang="fr-FR" dirty="0"/>
               <a:t> et @.setter</a:t>
             </a:r>
           </a:p>
           <a:p>
             <a:r>
-              <a:rPr lang="fr-FR" dirty="0" err="1" smtClean="0"/>
+              <a:rPr lang="fr-FR" dirty="0" err="1"/>
               <a:t>Snippet</a:t>
             </a:r>
             <a:r>
-              <a:rPr lang="fr-FR" dirty="0" smtClean="0"/>
+              <a:rPr lang="fr-FR" dirty="0"/>
               <a:t> </a:t>
             </a:r>
             <a:r>
-              <a:rPr lang="fr-FR" dirty="0" err="1" smtClean="0"/>
+              <a:rPr lang="fr-FR" dirty="0" err="1"/>
               <a:t>props</a:t>
             </a:r>
             <a:endParaRPr lang="fr-FR" dirty="0"/>
@@ -15731,13 +15581,6 @@
   <p:clrMapOvr>
     <a:masterClrMapping/>
   </p:clrMapOvr>
-  <p:timing>
-    <p:tnLst>
-      <p:par>
-        <p:cTn id="1" dur="indefinite" restart="never" nodeType="tmRoot"/>
-      </p:par>
-    </p:tnLst>
-  </p:timing>
 </p:sld>
 </file>
 
@@ -15774,10 +15617,9 @@
           <a:lstStyle/>
           <a:p>
             <a:r>
-              <a:rPr lang="fr-FR" dirty="0" smtClean="0"/>
+              <a:rPr lang="fr-FR" dirty="0"/>
               <a:t>Exemple de propriété</a:t>
             </a:r>
-            <a:endParaRPr lang="fr-FR" dirty="0"/>
           </a:p>
         </p:txBody>
       </p:sp>
@@ -15841,13 +15683,6 @@
   <p:clrMapOvr>
     <a:masterClrMapping/>
   </p:clrMapOvr>
-  <p:timing>
-    <p:tnLst>
-      <p:par>
-        <p:cTn id="1" dur="indefinite" restart="never" nodeType="tmRoot"/>
-      </p:par>
-    </p:tnLst>
-  </p:timing>
 </p:sld>
 </file>
 
@@ -16042,14 +15877,14 @@
           <a:lstStyle/>
           <a:p>
             <a:r>
-              <a:rPr lang="en-US" altLang="fr-FR" smtClean="0">
+              <a:rPr lang="en-US" altLang="fr-FR">
                 <a:solidFill>
                   <a:srgbClr val="000000"/>
                 </a:solidFill>
               </a:rPr>
               <a:t>Utilisation de données statiques</a:t>
             </a:r>
-            <a:endParaRPr lang="en-GB" altLang="fr-FR" smtClean="0"/>
+            <a:endParaRPr lang="en-GB" altLang="fr-FR"/>
           </a:p>
         </p:txBody>
       </p:sp>
@@ -16074,7 +15909,7 @@
           <a:lstStyle/>
           <a:p>
             <a:r>
-              <a:rPr lang="en-US" altLang="fr-FR" sz="2400" dirty="0" smtClean="0">
+              <a:rPr lang="en-US" altLang="fr-FR" sz="2400" dirty="0">
                 <a:solidFill>
                   <a:srgbClr val="000000"/>
                 </a:solidFill>
@@ -16082,7 +15917,7 @@
               <a:t>Les </a:t>
             </a:r>
             <a:r>
-              <a:rPr lang="en-US" altLang="fr-FR" sz="2400" dirty="0" err="1" smtClean="0">
+              <a:rPr lang="en-US" altLang="fr-FR" sz="2400" dirty="0" err="1">
                 <a:solidFill>
                   <a:srgbClr val="000000"/>
                 </a:solidFill>
@@ -16090,7 +15925,7 @@
               <a:t>données</a:t>
             </a:r>
             <a:r>
-              <a:rPr lang="en-US" altLang="fr-FR" sz="2400" dirty="0" smtClean="0">
+              <a:rPr lang="en-US" altLang="fr-FR" sz="2400" dirty="0">
                 <a:solidFill>
                   <a:srgbClr val="000000"/>
                 </a:solidFill>
@@ -16098,7 +15933,7 @@
               <a:t> </a:t>
             </a:r>
             <a:r>
-              <a:rPr lang="en-US" altLang="fr-FR" sz="2400" dirty="0" err="1" smtClean="0">
+              <a:rPr lang="en-US" altLang="fr-FR" sz="2400" dirty="0" err="1">
                 <a:solidFill>
                   <a:srgbClr val="000000"/>
                 </a:solidFill>
@@ -16106,7 +15941,7 @@
               <a:t>statiques</a:t>
             </a:r>
             <a:r>
-              <a:rPr lang="en-US" altLang="fr-FR" sz="2400" dirty="0" smtClean="0">
+              <a:rPr lang="en-US" altLang="fr-FR" sz="2400" dirty="0">
                 <a:solidFill>
                   <a:srgbClr val="000000"/>
                 </a:solidFill>
@@ -16114,7 +15949,7 @@
               <a:t> </a:t>
             </a:r>
             <a:r>
-              <a:rPr lang="en-US" altLang="fr-FR" sz="2400" dirty="0" err="1" smtClean="0">
+              <a:rPr lang="en-US" altLang="fr-FR" sz="2400" dirty="0" err="1">
                 <a:solidFill>
                   <a:srgbClr val="000000"/>
                 </a:solidFill>
@@ -16122,7 +15957,7 @@
               <a:t>décrivent</a:t>
             </a:r>
             <a:r>
-              <a:rPr lang="en-US" altLang="fr-FR" sz="2400" dirty="0" smtClean="0">
+              <a:rPr lang="en-US" altLang="fr-FR" sz="2400" dirty="0">
                 <a:solidFill>
                   <a:srgbClr val="000000"/>
                 </a:solidFill>
@@ -16130,7 +15965,7 @@
               <a:t> les </a:t>
             </a:r>
             <a:r>
-              <a:rPr lang="en-US" altLang="fr-FR" sz="2400" dirty="0" err="1" smtClean="0">
+              <a:rPr lang="en-US" altLang="fr-FR" sz="2400" dirty="0" err="1">
                 <a:solidFill>
                   <a:srgbClr val="000000"/>
                 </a:solidFill>
@@ -16138,7 +15973,7 @@
               <a:t>informations</a:t>
             </a:r>
             <a:r>
-              <a:rPr lang="en-US" altLang="fr-FR" sz="2400" dirty="0" smtClean="0">
+              <a:rPr lang="en-US" altLang="fr-FR" sz="2400" dirty="0">
                 <a:solidFill>
                   <a:srgbClr val="000000"/>
                 </a:solidFill>
@@ -16146,7 +15981,7 @@
               <a:t> relatives à </a:t>
             </a:r>
             <a:r>
-              <a:rPr lang="en-US" altLang="fr-FR" sz="2400" i="1" dirty="0" err="1" smtClean="0">
+              <a:rPr lang="en-US" altLang="fr-FR" sz="2400" i="1" dirty="0" err="1">
                 <a:solidFill>
                   <a:srgbClr val="000000"/>
                 </a:solidFill>
@@ -16154,7 +15989,7 @@
               <a:t>tous</a:t>
             </a:r>
             <a:r>
-              <a:rPr lang="en-US" altLang="fr-FR" sz="2400" dirty="0" smtClean="0">
+              <a:rPr lang="en-US" altLang="fr-FR" sz="2400" dirty="0">
                 <a:solidFill>
                   <a:srgbClr val="000000"/>
                 </a:solidFill>
@@ -16162,7 +15997,7 @@
               <a:t> les </a:t>
             </a:r>
             <a:r>
-              <a:rPr lang="en-US" altLang="fr-FR" sz="2400" dirty="0" err="1" smtClean="0">
+              <a:rPr lang="en-US" altLang="fr-FR" sz="2400" dirty="0" err="1">
                 <a:solidFill>
                   <a:srgbClr val="000000"/>
                 </a:solidFill>
@@ -16170,7 +16005,7 @@
               <a:t>objets</a:t>
             </a:r>
             <a:r>
-              <a:rPr lang="en-US" altLang="fr-FR" sz="2400" dirty="0" smtClean="0">
+              <a:rPr lang="en-US" altLang="fr-FR" sz="2400" dirty="0">
                 <a:solidFill>
                   <a:srgbClr val="000000"/>
                 </a:solidFill>
@@ -16178,7 +16013,7 @@
               <a:t> </a:t>
             </a:r>
             <a:r>
-              <a:rPr lang="en-US" altLang="fr-FR" sz="2400" dirty="0" err="1" smtClean="0">
+              <a:rPr lang="en-US" altLang="fr-FR" sz="2400" dirty="0" err="1">
                 <a:solidFill>
                   <a:srgbClr val="000000"/>
                 </a:solidFill>
@@ -16186,7 +16021,7 @@
               <a:t>d'une</a:t>
             </a:r>
             <a:r>
-              <a:rPr lang="en-US" altLang="fr-FR" sz="2400" dirty="0" smtClean="0">
+              <a:rPr lang="en-US" altLang="fr-FR" sz="2400" dirty="0">
                 <a:solidFill>
                   <a:srgbClr val="000000"/>
                 </a:solidFill>
@@ -16194,19 +16029,19 @@
               <a:t> </a:t>
             </a:r>
             <a:r>
-              <a:rPr lang="en-US" altLang="fr-FR" sz="2400" dirty="0" err="1" smtClean="0">
+              <a:rPr lang="en-US" altLang="fr-FR" sz="2400" dirty="0" err="1">
                 <a:solidFill>
                   <a:srgbClr val="000000"/>
                 </a:solidFill>
               </a:rPr>
               <a:t>classe</a:t>
             </a:r>
-            <a:endParaRPr lang="en-GB" altLang="fr-FR" sz="2400" dirty="0" smtClean="0"/>
+            <a:endParaRPr lang="en-GB" altLang="fr-FR" sz="2400" dirty="0"/>
           </a:p>
           <a:p>
             <a:pPr lvl="1"/>
             <a:r>
-              <a:rPr lang="en-US" altLang="fr-FR" sz="2000" dirty="0" smtClean="0">
+              <a:rPr lang="en-US" altLang="fr-FR" sz="2000" dirty="0">
                 <a:solidFill>
                   <a:srgbClr val="000000"/>
                 </a:solidFill>
@@ -16214,7 +16049,7 @@
               <a:t>Par </a:t>
             </a:r>
             <a:r>
-              <a:rPr lang="en-US" altLang="fr-FR" sz="2000" dirty="0" err="1" smtClean="0">
+              <a:rPr lang="en-US" altLang="fr-FR" sz="2000" dirty="0" err="1">
                 <a:solidFill>
                   <a:srgbClr val="000000"/>
                 </a:solidFill>
@@ -16222,7 +16057,7 @@
               <a:t>exemple</a:t>
             </a:r>
             <a:r>
-              <a:rPr lang="en-US" altLang="fr-FR" sz="2000" dirty="0" smtClean="0">
+              <a:rPr lang="en-US" altLang="fr-FR" sz="2000" dirty="0">
                 <a:solidFill>
                   <a:srgbClr val="000000"/>
                 </a:solidFill>
@@ -16230,7 +16065,7 @@
               <a:t>, </a:t>
             </a:r>
             <a:r>
-              <a:rPr lang="en-US" altLang="fr-FR" sz="2000" dirty="0" err="1" smtClean="0">
+              <a:rPr lang="en-US" altLang="fr-FR" sz="2000" dirty="0" err="1">
                 <a:solidFill>
                   <a:srgbClr val="000000"/>
                 </a:solidFill>
@@ -16238,7 +16073,7 @@
               <a:t>supposons</a:t>
             </a:r>
             <a:r>
-              <a:rPr lang="en-US" altLang="fr-FR" sz="2000" dirty="0" smtClean="0">
+              <a:rPr lang="en-US" altLang="fr-FR" sz="2000" dirty="0">
                 <a:solidFill>
                   <a:srgbClr val="000000"/>
                 </a:solidFill>
@@ -16246,7 +16081,7 @@
               <a:t> que </a:t>
             </a:r>
             <a:r>
-              <a:rPr lang="en-US" altLang="fr-FR" sz="2000" dirty="0" err="1" smtClean="0">
+              <a:rPr lang="en-US" altLang="fr-FR" sz="2000" dirty="0" err="1">
                 <a:solidFill>
                   <a:srgbClr val="000000"/>
                 </a:solidFill>
@@ -16254,7 +16089,7 @@
               <a:t>tous</a:t>
             </a:r>
             <a:r>
-              <a:rPr lang="en-US" altLang="fr-FR" sz="2000" dirty="0" smtClean="0">
+              <a:rPr lang="en-US" altLang="fr-FR" sz="2000" dirty="0">
                 <a:solidFill>
                   <a:srgbClr val="000000"/>
                 </a:solidFill>
@@ -16262,7 +16097,7 @@
               <a:t> les </a:t>
             </a:r>
             <a:r>
-              <a:rPr lang="en-US" altLang="fr-FR" sz="2000" dirty="0" err="1" smtClean="0">
+              <a:rPr lang="en-US" altLang="fr-FR" sz="2000" dirty="0" err="1">
                 <a:solidFill>
                   <a:srgbClr val="000000"/>
                 </a:solidFill>
@@ -16270,7 +16105,7 @@
               <a:t>comptes</a:t>
             </a:r>
             <a:r>
-              <a:rPr lang="en-US" altLang="fr-FR" sz="2000" dirty="0" smtClean="0">
+              <a:rPr lang="en-US" altLang="fr-FR" sz="2000" dirty="0">
                 <a:solidFill>
                   <a:srgbClr val="000000"/>
                 </a:solidFill>
@@ -16278,7 +16113,7 @@
               <a:t> </a:t>
             </a:r>
             <a:r>
-              <a:rPr lang="en-US" altLang="fr-FR" sz="2000" u="sng" dirty="0" err="1" smtClean="0">
+              <a:rPr lang="en-US" altLang="fr-FR" sz="2000" u="sng" dirty="0" err="1">
                 <a:solidFill>
                   <a:srgbClr val="000000"/>
                 </a:solidFill>
@@ -16286,7 +16121,7 @@
               <a:t>partagent</a:t>
             </a:r>
             <a:r>
-              <a:rPr lang="en-US" altLang="fr-FR" sz="2000" dirty="0" smtClean="0">
+              <a:rPr lang="en-US" altLang="fr-FR" sz="2000" dirty="0">
                 <a:solidFill>
                   <a:srgbClr val="000000"/>
                 </a:solidFill>
@@ -16294,7 +16129,7 @@
               <a:t> le </a:t>
             </a:r>
             <a:r>
-              <a:rPr lang="en-US" altLang="fr-FR" sz="2000" dirty="0" err="1" smtClean="0">
+              <a:rPr lang="en-US" altLang="fr-FR" sz="2000" dirty="0" err="1">
                 <a:solidFill>
                   <a:srgbClr val="000000"/>
                 </a:solidFill>
@@ -16302,7 +16137,7 @@
               <a:t>même</a:t>
             </a:r>
             <a:r>
-              <a:rPr lang="en-US" altLang="fr-FR" sz="2000" dirty="0" smtClean="0">
+              <a:rPr lang="en-US" altLang="fr-FR" sz="2000" dirty="0">
                 <a:solidFill>
                   <a:srgbClr val="000000"/>
                 </a:solidFill>
@@ -16310,7 +16145,7 @@
               <a:t> </a:t>
             </a:r>
             <a:r>
-              <a:rPr lang="en-US" altLang="fr-FR" sz="2000" dirty="0" err="1" smtClean="0">
+              <a:rPr lang="en-US" altLang="fr-FR" sz="2000" dirty="0" err="1">
                 <a:solidFill>
                   <a:srgbClr val="000000"/>
                 </a:solidFill>
@@ -16318,7 +16153,7 @@
               <a:t>taux</a:t>
             </a:r>
             <a:r>
-              <a:rPr lang="en-US" altLang="fr-FR" sz="2000" dirty="0" smtClean="0">
+              <a:rPr lang="en-US" altLang="fr-FR" sz="2000" dirty="0">
                 <a:solidFill>
                   <a:srgbClr val="000000"/>
                 </a:solidFill>
@@ -16326,7 +16161,7 @@
               <a:t> </a:t>
             </a:r>
             <a:r>
-              <a:rPr lang="en-US" altLang="fr-FR" sz="2000" dirty="0" err="1" smtClean="0">
+              <a:rPr lang="en-US" altLang="fr-FR" sz="2000" dirty="0" err="1">
                 <a:solidFill>
                   <a:srgbClr val="000000"/>
                 </a:solidFill>
@@ -16334,7 +16169,7 @@
               <a:t>d'intérêt</a:t>
             </a:r>
             <a:r>
-              <a:rPr lang="en-US" altLang="fr-FR" sz="2000" dirty="0" smtClean="0">
+              <a:rPr lang="en-US" altLang="fr-FR" sz="2000" dirty="0">
                 <a:solidFill>
                   <a:srgbClr val="000000"/>
                 </a:solidFill>
@@ -16342,11 +16177,11 @@
               <a:t>.</a:t>
             </a:r>
             <a:r>
-              <a:rPr lang="en-GB" altLang="fr-FR" sz="2000" dirty="0" smtClean="0"/>
+              <a:rPr lang="en-GB" altLang="fr-FR" sz="2000" dirty="0"/>
               <a:t> </a:t>
             </a:r>
             <a:r>
-              <a:rPr lang="en-US" altLang="fr-FR" sz="2000" dirty="0" smtClean="0">
+              <a:rPr lang="en-US" altLang="fr-FR" sz="2000" dirty="0">
                 <a:solidFill>
                   <a:srgbClr val="000000"/>
                 </a:solidFill>
@@ -16354,7 +16189,7 @@
               <a:t>Stocker le </a:t>
             </a:r>
             <a:r>
-              <a:rPr lang="en-US" altLang="fr-FR" sz="2000" dirty="0" err="1" smtClean="0">
+              <a:rPr lang="en-US" altLang="fr-FR" sz="2000" dirty="0" err="1">
                 <a:solidFill>
                   <a:srgbClr val="000000"/>
                 </a:solidFill>
@@ -16362,7 +16197,7 @@
               <a:t>taux</a:t>
             </a:r>
             <a:r>
-              <a:rPr lang="en-US" altLang="fr-FR" sz="2000" dirty="0" smtClean="0">
+              <a:rPr lang="en-US" altLang="fr-FR" sz="2000" dirty="0">
                 <a:solidFill>
                   <a:srgbClr val="000000"/>
                 </a:solidFill>
@@ -16370,7 +16205,7 @@
               <a:t> </a:t>
             </a:r>
             <a:r>
-              <a:rPr lang="en-US" altLang="fr-FR" sz="2000" dirty="0" err="1" smtClean="0">
+              <a:rPr lang="en-US" altLang="fr-FR" sz="2000" dirty="0" err="1">
                 <a:solidFill>
                   <a:srgbClr val="000000"/>
                 </a:solidFill>
@@ -16378,7 +16213,7 @@
               <a:t>d'intérêt</a:t>
             </a:r>
             <a:r>
-              <a:rPr lang="en-US" altLang="fr-FR" sz="2000" dirty="0" smtClean="0">
+              <a:rPr lang="en-US" altLang="fr-FR" sz="2000" dirty="0">
                 <a:solidFill>
                   <a:srgbClr val="000000"/>
                 </a:solidFill>
@@ -16386,7 +16221,7 @@
               <a:t> </a:t>
             </a:r>
             <a:r>
-              <a:rPr lang="en-US" altLang="fr-FR" sz="2000" dirty="0" err="1" smtClean="0">
+              <a:rPr lang="en-US" altLang="fr-FR" sz="2000" dirty="0" err="1">
                 <a:solidFill>
                   <a:srgbClr val="000000"/>
                 </a:solidFill>
@@ -16394,7 +16229,7 @@
               <a:t>dans</a:t>
             </a:r>
             <a:r>
-              <a:rPr lang="en-US" altLang="fr-FR" sz="2000" dirty="0" smtClean="0">
+              <a:rPr lang="en-US" altLang="fr-FR" sz="2000" dirty="0">
                 <a:solidFill>
                   <a:srgbClr val="000000"/>
                 </a:solidFill>
@@ -16402,7 +16237,7 @@
               <a:t> </a:t>
             </a:r>
             <a:r>
-              <a:rPr lang="en-US" altLang="fr-FR" sz="2000" dirty="0" err="1" smtClean="0">
+              <a:rPr lang="en-US" altLang="fr-FR" sz="2000" dirty="0" err="1">
                 <a:solidFill>
                   <a:srgbClr val="000000"/>
                 </a:solidFill>
@@ -16410,7 +16245,7 @@
               <a:t>chaque</a:t>
             </a:r>
             <a:r>
-              <a:rPr lang="en-US" altLang="fr-FR" sz="2000" dirty="0" smtClean="0">
+              <a:rPr lang="en-US" altLang="fr-FR" sz="2000" dirty="0">
                 <a:solidFill>
                   <a:srgbClr val="000000"/>
                 </a:solidFill>
@@ -16418,7 +16253,7 @@
               <a:t> </a:t>
             </a:r>
             <a:r>
-              <a:rPr lang="en-US" altLang="fr-FR" sz="2000" dirty="0" err="1" smtClean="0">
+              <a:rPr lang="en-US" altLang="fr-FR" sz="2000" dirty="0" err="1">
                 <a:solidFill>
                   <a:srgbClr val="000000"/>
                 </a:solidFill>
@@ -16426,7 +16261,7 @@
               <a:t>compte</a:t>
             </a:r>
             <a:r>
-              <a:rPr lang="en-US" altLang="fr-FR" sz="2000" dirty="0" smtClean="0">
+              <a:rPr lang="en-US" altLang="fr-FR" sz="2000" dirty="0">
                 <a:solidFill>
                   <a:srgbClr val="000000"/>
                 </a:solidFill>
@@ -16434,7 +16269,7 @@
               <a:t> </a:t>
             </a:r>
             <a:r>
-              <a:rPr lang="en-US" altLang="fr-FR" sz="2000" dirty="0" err="1" smtClean="0">
+              <a:rPr lang="en-US" altLang="fr-FR" sz="2000" dirty="0" err="1">
                 <a:solidFill>
                   <a:srgbClr val="000000"/>
                 </a:solidFill>
@@ -16442,7 +16277,7 @@
               <a:t>serait</a:t>
             </a:r>
             <a:r>
-              <a:rPr lang="en-US" altLang="fr-FR" sz="2000" dirty="0" smtClean="0">
+              <a:rPr lang="en-US" altLang="fr-FR" sz="2000" dirty="0">
                 <a:solidFill>
                   <a:srgbClr val="000000"/>
                 </a:solidFill>
@@ -16450,7 +16285,7 @@
               <a:t> </a:t>
             </a:r>
             <a:r>
-              <a:rPr lang="en-US" altLang="fr-FR" sz="2000" dirty="0" err="1" smtClean="0">
+              <a:rPr lang="en-US" altLang="fr-FR" sz="2000" dirty="0" err="1">
                 <a:solidFill>
                   <a:srgbClr val="000000"/>
                 </a:solidFill>
@@ -16458,7 +16293,7 @@
               <a:t>une</a:t>
             </a:r>
             <a:r>
-              <a:rPr lang="en-US" altLang="fr-FR" sz="2000" dirty="0" smtClean="0">
+              <a:rPr lang="en-US" altLang="fr-FR" sz="2000" dirty="0">
                 <a:solidFill>
                   <a:srgbClr val="000000"/>
                 </a:solidFill>
@@ -16466,7 +16301,7 @@
               <a:t> </a:t>
             </a:r>
             <a:r>
-              <a:rPr lang="en-US" altLang="fr-FR" sz="2000" dirty="0" err="1" smtClean="0">
+              <a:rPr lang="en-US" altLang="fr-FR" sz="2000" dirty="0" err="1">
                 <a:solidFill>
                   <a:srgbClr val="000000"/>
                 </a:solidFill>
@@ -16474,7 +16309,7 @@
               <a:t>mauvaise</a:t>
             </a:r>
             <a:r>
-              <a:rPr lang="en-US" altLang="fr-FR" sz="2000" dirty="0" smtClean="0">
+              <a:rPr lang="en-US" altLang="fr-FR" sz="2000" dirty="0">
                 <a:solidFill>
                   <a:srgbClr val="000000"/>
                 </a:solidFill>
@@ -16482,11 +16317,11 @@
               <a:t> idée.</a:t>
             </a:r>
             <a:r>
-              <a:rPr lang="en-GB" altLang="fr-FR" sz="2000" dirty="0" smtClean="0"/>
+              <a:rPr lang="en-GB" altLang="fr-FR" sz="2000" dirty="0"/>
               <a:t> </a:t>
             </a:r>
             <a:r>
-              <a:rPr lang="en-US" altLang="fr-FR" sz="2000" dirty="0" err="1" smtClean="0">
+              <a:rPr lang="en-US" altLang="fr-FR" sz="2000" dirty="0" err="1">
                 <a:solidFill>
                   <a:srgbClr val="000000"/>
                 </a:solidFill>
@@ -16494,14 +16329,14 @@
               <a:t>Pourquoi</a:t>
             </a:r>
             <a:r>
-              <a:rPr lang="en-US" altLang="fr-FR" sz="2000" dirty="0" smtClean="0">
+              <a:rPr lang="en-US" altLang="fr-FR" sz="2000" dirty="0">
                 <a:solidFill>
                   <a:srgbClr val="000000"/>
                 </a:solidFill>
               </a:rPr>
               <a:t> ?</a:t>
             </a:r>
-            <a:endParaRPr lang="en-GB" altLang="fr-FR" sz="2000" dirty="0" smtClean="0">
+            <a:endParaRPr lang="en-GB" altLang="fr-FR" sz="2000" dirty="0">
               <a:solidFill>
                 <a:srgbClr val="000000"/>
               </a:solidFill>
@@ -18224,7 +18059,7 @@
               <a:defRPr/>
             </a:pPr>
             <a:r>
-              <a:rPr lang="en-US" altLang="fr-FR" sz="4400" smtClean="0">
+              <a:rPr lang="en-US" altLang="fr-FR" sz="4400">
                 <a:solidFill>
                   <a:srgbClr val="FF0033"/>
                 </a:solidFill>
@@ -18397,7 +18232,7 @@
               <a:defRPr/>
             </a:pPr>
             <a:r>
-              <a:rPr lang="en-US" altLang="fr-FR" sz="4400" smtClean="0">
+              <a:rPr lang="en-US" altLang="fr-FR" sz="4400">
                 <a:solidFill>
                   <a:srgbClr val="FF0033"/>
                 </a:solidFill>
@@ -18423,13 +18258,6 @@
   <p:clrMapOvr>
     <a:masterClrMapping/>
   </p:clrMapOvr>
-  <p:timing>
-    <p:tnLst>
-      <p:par>
-        <p:cTn id="1" dur="indefinite" restart="never" nodeType="tmRoot"/>
-      </p:par>
-    </p:tnLst>
-  </p:timing>
 </p:sld>
 </file>
 
@@ -18466,10 +18294,9 @@
           <a:lstStyle/>
           <a:p>
             <a:r>
-              <a:rPr lang="fr-FR" dirty="0" smtClean="0"/>
+              <a:rPr lang="fr-FR" dirty="0"/>
               <a:t>Attributs statiques</a:t>
             </a:r>
-            <a:endParaRPr lang="fr-FR" dirty="0"/>
           </a:p>
         </p:txBody>
       </p:sp>
@@ -18489,28 +18316,28 @@
           <a:lstStyle/>
           <a:p>
             <a:r>
-              <a:rPr lang="fr-FR" dirty="0" smtClean="0"/>
+              <a:rPr lang="fr-FR" dirty="0"/>
               <a:t>En Python, les attributs statiques sont des variables de la classe</a:t>
             </a:r>
           </a:p>
           <a:p>
             <a:pPr lvl="1"/>
             <a:r>
-              <a:rPr lang="fr-FR" dirty="0" smtClean="0"/>
+              <a:rPr lang="fr-FR" dirty="0"/>
               <a:t>Pas de mot clé </a:t>
             </a:r>
             <a:r>
-              <a:rPr lang="fr-FR" dirty="0" err="1" smtClean="0"/>
+              <a:rPr lang="fr-FR" dirty="0" err="1"/>
               <a:t>static</a:t>
             </a:r>
             <a:r>
-              <a:rPr lang="fr-FR" dirty="0" smtClean="0"/>
+              <a:rPr lang="fr-FR" dirty="0"/>
               <a:t> contrairement à C#, C++ et Java</a:t>
             </a:r>
           </a:p>
           <a:p>
             <a:pPr lvl="1"/>
-            <a:endParaRPr lang="fr-FR" dirty="0" smtClean="0"/>
+            <a:endParaRPr lang="fr-FR" dirty="0"/>
           </a:p>
         </p:txBody>
       </p:sp>
@@ -18548,13 +18375,6 @@
   <p:clrMapOvr>
     <a:masterClrMapping/>
   </p:clrMapOvr>
-  <p:timing>
-    <p:tnLst>
-      <p:par>
-        <p:cTn id="1" dur="indefinite" restart="never" nodeType="tmRoot"/>
-      </p:par>
-    </p:tnLst>
-  </p:timing>
 </p:sld>
 </file>
 
@@ -18749,14 +18569,14 @@
           <a:lstStyle/>
           <a:p>
             <a:r>
-              <a:rPr lang="en-US" altLang="fr-FR" smtClean="0">
+              <a:rPr lang="en-US" altLang="fr-FR">
                 <a:solidFill>
                   <a:srgbClr val="000000"/>
                 </a:solidFill>
               </a:rPr>
               <a:t>Utilisation de méthodes statiques</a:t>
             </a:r>
-            <a:endParaRPr lang="en-GB" altLang="fr-FR" smtClean="0"/>
+            <a:endParaRPr lang="en-GB" altLang="fr-FR"/>
           </a:p>
         </p:txBody>
       </p:sp>
@@ -18781,7 +18601,7 @@
           <a:lstStyle/>
           <a:p>
             <a:r>
-              <a:rPr lang="en-US" altLang="fr-FR" sz="2400" dirty="0" smtClean="0">
+              <a:rPr lang="en-US" altLang="fr-FR" sz="2400" dirty="0">
                 <a:solidFill>
                   <a:srgbClr val="000000"/>
                 </a:solidFill>
@@ -18789,7 +18609,7 @@
               <a:t>Les </a:t>
             </a:r>
             <a:r>
-              <a:rPr lang="en-US" altLang="fr-FR" sz="2400" dirty="0" err="1" smtClean="0">
+              <a:rPr lang="en-US" altLang="fr-FR" sz="2400" dirty="0" err="1">
                 <a:solidFill>
                   <a:srgbClr val="000000"/>
                 </a:solidFill>
@@ -18797,7 +18617,7 @@
               <a:t>méthodes</a:t>
             </a:r>
             <a:r>
-              <a:rPr lang="en-US" altLang="fr-FR" sz="2400" dirty="0" smtClean="0">
+              <a:rPr lang="en-US" altLang="fr-FR" sz="2400" dirty="0">
                 <a:solidFill>
                   <a:srgbClr val="000000"/>
                 </a:solidFill>
@@ -18805,7 +18625,7 @@
               <a:t> </a:t>
             </a:r>
             <a:r>
-              <a:rPr lang="en-US" altLang="fr-FR" sz="2400" dirty="0" err="1" smtClean="0">
+              <a:rPr lang="en-US" altLang="fr-FR" sz="2400" dirty="0" err="1">
                 <a:solidFill>
                   <a:srgbClr val="000000"/>
                 </a:solidFill>
@@ -18813,7 +18633,7 @@
               <a:t>statiques</a:t>
             </a:r>
             <a:r>
-              <a:rPr lang="en-US" altLang="fr-FR" sz="2400" dirty="0" smtClean="0">
+              <a:rPr lang="en-US" altLang="fr-FR" sz="2400" dirty="0">
                 <a:solidFill>
                   <a:srgbClr val="000000"/>
                 </a:solidFill>
@@ -18821,7 +18641,7 @@
               <a:t> </a:t>
             </a:r>
             <a:r>
-              <a:rPr lang="en-US" altLang="fr-FR" sz="2400" dirty="0" err="1" smtClean="0">
+              <a:rPr lang="en-US" altLang="fr-FR" sz="2400" dirty="0" err="1">
                 <a:solidFill>
                   <a:srgbClr val="000000"/>
                 </a:solidFill>
@@ -18829,7 +18649,7 @@
               <a:t>peuvent</a:t>
             </a:r>
             <a:r>
-              <a:rPr lang="en-US" altLang="fr-FR" sz="2400" dirty="0" smtClean="0">
+              <a:rPr lang="en-US" altLang="fr-FR" sz="2400" dirty="0">
                 <a:solidFill>
                   <a:srgbClr val="000000"/>
                 </a:solidFill>
@@ -18837,7 +18657,7 @@
               <a:t> </a:t>
             </a:r>
             <a:r>
-              <a:rPr lang="en-US" altLang="fr-FR" sz="2400" dirty="0" err="1" smtClean="0">
+              <a:rPr lang="en-US" altLang="fr-FR" sz="2400" dirty="0" err="1">
                 <a:solidFill>
                   <a:srgbClr val="000000"/>
                 </a:solidFill>
@@ -18845,7 +18665,7 @@
               <a:t>uniquement</a:t>
             </a:r>
             <a:r>
-              <a:rPr lang="en-US" altLang="fr-FR" sz="2400" dirty="0" smtClean="0">
+              <a:rPr lang="en-US" altLang="fr-FR" sz="2400" dirty="0">
                 <a:solidFill>
                   <a:srgbClr val="000000"/>
                 </a:solidFill>
@@ -18853,7 +18673,7 @@
               <a:t> </a:t>
             </a:r>
             <a:r>
-              <a:rPr lang="en-US" altLang="fr-FR" sz="2400" dirty="0" err="1" smtClean="0">
+              <a:rPr lang="en-US" altLang="fr-FR" sz="2400" dirty="0" err="1">
                 <a:solidFill>
                   <a:srgbClr val="000000"/>
                 </a:solidFill>
@@ -18861,7 +18681,7 @@
               <a:t>accéder</a:t>
             </a:r>
             <a:r>
-              <a:rPr lang="en-US" altLang="fr-FR" sz="2400" dirty="0" smtClean="0">
+              <a:rPr lang="en-US" altLang="fr-FR" sz="2400" dirty="0">
                 <a:solidFill>
                   <a:srgbClr val="000000"/>
                 </a:solidFill>
@@ -18869,7 +18689,7 @@
               <a:t> aux </a:t>
             </a:r>
             <a:r>
-              <a:rPr lang="en-US" altLang="fr-FR" sz="2400" dirty="0" err="1" smtClean="0">
+              <a:rPr lang="en-US" altLang="fr-FR" sz="2400" dirty="0" err="1">
                 <a:solidFill>
                   <a:srgbClr val="000000"/>
                 </a:solidFill>
@@ -18877,7 +18697,7 @@
               <a:t>données</a:t>
             </a:r>
             <a:r>
-              <a:rPr lang="en-US" altLang="fr-FR" sz="2400" dirty="0" smtClean="0">
+              <a:rPr lang="en-US" altLang="fr-FR" sz="2400" dirty="0">
                 <a:solidFill>
                   <a:srgbClr val="000000"/>
                 </a:solidFill>
@@ -18885,19 +18705,19 @@
               <a:t> </a:t>
             </a:r>
             <a:r>
-              <a:rPr lang="en-US" altLang="fr-FR" sz="2400" dirty="0" err="1" smtClean="0">
+              <a:rPr lang="en-US" altLang="fr-FR" sz="2400" dirty="0" err="1">
                 <a:solidFill>
                   <a:srgbClr val="000000"/>
                 </a:solidFill>
               </a:rPr>
               <a:t>statiques</a:t>
             </a:r>
-            <a:endParaRPr lang="en-GB" altLang="fr-FR" sz="2400" dirty="0" smtClean="0"/>
+            <a:endParaRPr lang="en-GB" altLang="fr-FR" sz="2400" dirty="0"/>
           </a:p>
           <a:p>
             <a:pPr lvl="1"/>
             <a:r>
-              <a:rPr lang="en-US" altLang="fr-FR" sz="2000" dirty="0" err="1" smtClean="0">
+              <a:rPr lang="en-US" altLang="fr-FR" sz="2000" dirty="0" err="1">
                 <a:solidFill>
                   <a:srgbClr val="000000"/>
                 </a:solidFill>
@@ -18905,7 +18725,7 @@
               <a:t>Une</a:t>
             </a:r>
             <a:r>
-              <a:rPr lang="en-US" altLang="fr-FR" sz="2000" dirty="0" smtClean="0">
+              <a:rPr lang="en-US" altLang="fr-FR" sz="2000" dirty="0">
                 <a:solidFill>
                   <a:srgbClr val="000000"/>
                 </a:solidFill>
@@ -18913,7 +18733,7 @@
               <a:t> </a:t>
             </a:r>
             <a:r>
-              <a:rPr lang="en-US" altLang="fr-FR" sz="2000" dirty="0" err="1" smtClean="0">
+              <a:rPr lang="en-US" altLang="fr-FR" sz="2000" dirty="0" err="1">
                 <a:solidFill>
                   <a:srgbClr val="000000"/>
                 </a:solidFill>
@@ -18921,7 +18741,7 @@
               <a:t>méthode</a:t>
             </a:r>
             <a:r>
-              <a:rPr lang="en-US" altLang="fr-FR" sz="2000" dirty="0" smtClean="0">
+              <a:rPr lang="en-US" altLang="fr-FR" sz="2000" dirty="0">
                 <a:solidFill>
                   <a:srgbClr val="000000"/>
                 </a:solidFill>
@@ -18929,7 +18749,7 @@
               <a:t> </a:t>
             </a:r>
             <a:r>
-              <a:rPr lang="en-US" altLang="fr-FR" sz="2000" dirty="0" err="1" smtClean="0">
+              <a:rPr lang="en-US" altLang="fr-FR" sz="2000" dirty="0" err="1">
                 <a:solidFill>
                   <a:srgbClr val="000000"/>
                 </a:solidFill>
@@ -18937,7 +18757,7 @@
               <a:t>statique</a:t>
             </a:r>
             <a:r>
-              <a:rPr lang="en-US" altLang="fr-FR" sz="2000" dirty="0" smtClean="0">
+              <a:rPr lang="en-US" altLang="fr-FR" sz="2000" dirty="0">
                 <a:solidFill>
                   <a:srgbClr val="000000"/>
                 </a:solidFill>
@@ -18945,7 +18765,7 @@
               <a:t> </a:t>
             </a:r>
             <a:r>
-              <a:rPr lang="en-US" altLang="fr-FR" sz="2000" dirty="0" err="1" smtClean="0">
+              <a:rPr lang="en-US" altLang="fr-FR" sz="2000" dirty="0" err="1">
                 <a:solidFill>
                   <a:srgbClr val="000000"/>
                 </a:solidFill>
@@ -18953,7 +18773,7 @@
               <a:t>est</a:t>
             </a:r>
             <a:r>
-              <a:rPr lang="en-US" altLang="fr-FR" sz="2000" dirty="0" smtClean="0">
+              <a:rPr lang="en-US" altLang="fr-FR" sz="2000" dirty="0">
                 <a:solidFill>
                   <a:srgbClr val="000000"/>
                 </a:solidFill>
@@ -18961,7 +18781,7 @@
               <a:t> </a:t>
             </a:r>
             <a:r>
-              <a:rPr lang="en-US" altLang="fr-FR" sz="2000" dirty="0" err="1" smtClean="0">
+              <a:rPr lang="en-US" altLang="fr-FR" sz="2000" dirty="0" err="1">
                 <a:solidFill>
                   <a:srgbClr val="000000"/>
                 </a:solidFill>
@@ -18969,7 +18789,7 @@
               <a:t>appelée</a:t>
             </a:r>
             <a:r>
-              <a:rPr lang="en-US" altLang="fr-FR" sz="2000" dirty="0" smtClean="0">
+              <a:rPr lang="en-US" altLang="fr-FR" sz="2000" dirty="0">
                 <a:solidFill>
                   <a:srgbClr val="000000"/>
                 </a:solidFill>
@@ -18977,7 +18797,7 @@
               <a:t> sur la </a:t>
             </a:r>
             <a:r>
-              <a:rPr lang="en-US" altLang="fr-FR" sz="2000" dirty="0" err="1" smtClean="0">
+              <a:rPr lang="en-US" altLang="fr-FR" sz="2000" dirty="0" err="1">
                 <a:solidFill>
                   <a:srgbClr val="000000"/>
                 </a:solidFill>
@@ -18985,7 +18805,7 @@
               <a:t>classe</a:t>
             </a:r>
             <a:r>
-              <a:rPr lang="en-US" altLang="fr-FR" sz="2000" dirty="0" smtClean="0">
+              <a:rPr lang="en-US" altLang="fr-FR" sz="2000" dirty="0">
                 <a:solidFill>
                   <a:srgbClr val="000000"/>
                 </a:solidFill>
@@ -18993,14 +18813,14 @@
               <a:t>, </a:t>
             </a:r>
             <a:br>
-              <a:rPr lang="en-US" altLang="fr-FR" sz="2000" dirty="0" smtClean="0">
+              <a:rPr lang="en-US" altLang="fr-FR" sz="2000" dirty="0">
                 <a:solidFill>
                   <a:srgbClr val="000000"/>
                 </a:solidFill>
               </a:rPr>
             </a:br>
             <a:r>
-              <a:rPr lang="en-US" altLang="fr-FR" sz="2000" dirty="0" smtClean="0">
+              <a:rPr lang="en-US" altLang="fr-FR" sz="2000" dirty="0">
                 <a:solidFill>
                   <a:srgbClr val="000000"/>
                 </a:solidFill>
@@ -19008,14 +18828,14 @@
               <a:t>pas sur </a:t>
             </a:r>
             <a:r>
-              <a:rPr lang="en-US" altLang="fr-FR" sz="2000" dirty="0" err="1" smtClean="0">
+              <a:rPr lang="en-US" altLang="fr-FR" sz="2000" dirty="0" err="1">
                 <a:solidFill>
                   <a:srgbClr val="000000"/>
                 </a:solidFill>
               </a:rPr>
               <a:t>l'objet</a:t>
             </a:r>
-            <a:endParaRPr lang="en-GB" altLang="fr-FR" sz="2000" dirty="0" smtClean="0">
+            <a:endParaRPr lang="en-GB" altLang="fr-FR" sz="2000" dirty="0">
               <a:solidFill>
                 <a:srgbClr val="000000"/>
               </a:solidFill>
@@ -21176,7 +20996,7 @@
               <a:defRPr/>
             </a:pPr>
             <a:r>
-              <a:rPr lang="en-US" altLang="fr-FR" sz="4400" smtClean="0">
+              <a:rPr lang="en-US" altLang="fr-FR" sz="4400">
                 <a:solidFill>
                   <a:srgbClr val="FF0033"/>
                 </a:solidFill>
@@ -21451,7 +21271,7 @@
               <a:defRPr/>
             </a:pPr>
             <a:r>
-              <a:rPr lang="en-US" altLang="fr-FR" sz="4400" smtClean="0">
+              <a:rPr lang="en-US" altLang="fr-FR" sz="4400">
                 <a:solidFill>
                   <a:srgbClr val="FF0033"/>
                 </a:solidFill>
@@ -21628,7 +21448,7 @@
               <a:defRPr/>
             </a:pPr>
             <a:r>
-              <a:rPr lang="en-US" altLang="fr-FR" sz="3600" smtClean="0">
+              <a:rPr lang="en-US" altLang="fr-FR" sz="3600">
                 <a:solidFill>
                   <a:srgbClr val="FF3300"/>
                 </a:solidFill>
@@ -21654,13 +21474,6 @@
   <p:clrMapOvr>
     <a:masterClrMapping/>
   </p:clrMapOvr>
-  <p:timing>
-    <p:tnLst>
-      <p:par>
-        <p:cTn id="1" dur="indefinite" restart="never" nodeType="tmRoot"/>
-      </p:par>
-    </p:tnLst>
-  </p:timing>
 </p:sld>
 </file>
 
@@ -21855,14 +21668,14 @@
           <a:lstStyle/>
           <a:p>
             <a:r>
-              <a:rPr lang="en-US" altLang="fr-FR" smtClean="0">
+              <a:rPr lang="en-US" altLang="fr-FR">
                 <a:solidFill>
                   <a:srgbClr val="000000"/>
                 </a:solidFill>
               </a:rPr>
               <a:t>Qu'est-ce qu'un objet ?</a:t>
             </a:r>
-            <a:endParaRPr lang="en-GB" altLang="fr-FR" smtClean="0"/>
+            <a:endParaRPr lang="en-GB" altLang="fr-FR"/>
           </a:p>
         </p:txBody>
       </p:sp>
@@ -21887,30 +21700,30 @@
           <a:lstStyle/>
           <a:p>
             <a:r>
-              <a:rPr lang="en-US" altLang="fr-FR" smtClean="0">
+              <a:rPr lang="en-US" altLang="fr-FR">
                 <a:solidFill>
                   <a:srgbClr val="000000"/>
                 </a:solidFill>
               </a:rPr>
               <a:t>Un objet est une instance d'une classe</a:t>
             </a:r>
-            <a:endParaRPr lang="en-GB" altLang="fr-FR" smtClean="0"/>
+            <a:endParaRPr lang="en-GB" altLang="fr-FR"/>
           </a:p>
           <a:p>
             <a:r>
-              <a:rPr lang="en-US" altLang="fr-FR" smtClean="0">
+              <a:rPr lang="en-US" altLang="fr-FR">
                 <a:solidFill>
                   <a:srgbClr val="000000"/>
                 </a:solidFill>
               </a:rPr>
               <a:t>Les objets ont :</a:t>
             </a:r>
-            <a:endParaRPr lang="en-GB" altLang="fr-FR" smtClean="0"/>
+            <a:endParaRPr lang="en-GB" altLang="fr-FR"/>
           </a:p>
           <a:p>
             <a:pPr lvl="1"/>
             <a:r>
-              <a:rPr lang="en-US" altLang="fr-FR" smtClean="0">
+              <a:rPr lang="en-US" altLang="fr-FR">
                 <a:solidFill>
                   <a:srgbClr val="000000"/>
                 </a:solidFill>
@@ -21918,11 +21731,11 @@
               <a:t>Une identité :</a:t>
             </a:r>
             <a:r>
-              <a:rPr lang="en-GB" altLang="fr-FR" smtClean="0"/>
+              <a:rPr lang="en-GB" altLang="fr-FR"/>
               <a:t> </a:t>
             </a:r>
             <a:r>
-              <a:rPr lang="fr-FR" altLang="fr-FR" smtClean="0">
+              <a:rPr lang="fr-FR" altLang="fr-FR">
                 <a:solidFill>
                   <a:srgbClr val="000000"/>
                 </a:solidFill>
@@ -21930,19 +21743,19 @@
               <a:t>ils </a:t>
             </a:r>
             <a:r>
-              <a:rPr lang="en-US" altLang="fr-FR" smtClean="0">
+              <a:rPr lang="en-US" altLang="fr-FR">
                 <a:solidFill>
                   <a:srgbClr val="000000"/>
                 </a:solidFill>
               </a:rPr>
               <a:t>sont reconnaissables les uns des autres</a:t>
             </a:r>
-            <a:endParaRPr lang="en-GB" altLang="fr-FR" smtClean="0"/>
+            <a:endParaRPr lang="en-GB" altLang="fr-FR"/>
           </a:p>
           <a:p>
             <a:pPr lvl="1"/>
             <a:r>
-              <a:rPr lang="en-US" altLang="fr-FR" smtClean="0">
+              <a:rPr lang="en-US" altLang="fr-FR">
                 <a:solidFill>
                   <a:srgbClr val="000000"/>
                 </a:solidFill>
@@ -21950,11 +21763,11 @@
               <a:t>Un comportement :</a:t>
             </a:r>
             <a:r>
-              <a:rPr lang="en-GB" altLang="fr-FR" smtClean="0"/>
+              <a:rPr lang="en-GB" altLang="fr-FR"/>
               <a:t> </a:t>
             </a:r>
             <a:r>
-              <a:rPr lang="fr-FR" altLang="fr-FR" smtClean="0">
+              <a:rPr lang="fr-FR" altLang="fr-FR">
                 <a:solidFill>
                   <a:srgbClr val="000000"/>
                 </a:solidFill>
@@ -21962,19 +21775,19 @@
               <a:t>ils </a:t>
             </a:r>
             <a:r>
-              <a:rPr lang="en-US" altLang="fr-FR" smtClean="0">
+              <a:rPr lang="en-US" altLang="fr-FR">
                 <a:solidFill>
                   <a:srgbClr val="000000"/>
                 </a:solidFill>
               </a:rPr>
               <a:t>peuvent réaliser des tâches</a:t>
             </a:r>
-            <a:endParaRPr lang="en-GB" altLang="fr-FR" smtClean="0"/>
+            <a:endParaRPr lang="en-GB" altLang="fr-FR"/>
           </a:p>
           <a:p>
             <a:pPr lvl="1"/>
             <a:r>
-              <a:rPr lang="en-US" altLang="fr-FR" smtClean="0">
+              <a:rPr lang="en-US" altLang="fr-FR">
                 <a:solidFill>
                   <a:srgbClr val="000000"/>
                 </a:solidFill>
@@ -21982,11 +21795,11 @@
               <a:t>Un état :</a:t>
             </a:r>
             <a:r>
-              <a:rPr lang="en-GB" altLang="fr-FR" smtClean="0"/>
+              <a:rPr lang="en-GB" altLang="fr-FR"/>
               <a:t> </a:t>
             </a:r>
             <a:r>
-              <a:rPr lang="fr-FR" altLang="fr-FR" smtClean="0">
+              <a:rPr lang="fr-FR" altLang="fr-FR">
                 <a:solidFill>
                   <a:srgbClr val="000000"/>
                 </a:solidFill>
@@ -21994,14 +21807,14 @@
               <a:t>ils </a:t>
             </a:r>
             <a:r>
-              <a:rPr lang="en-US" altLang="fr-FR" smtClean="0">
+              <a:rPr lang="en-US" altLang="fr-FR">
                 <a:solidFill>
                   <a:srgbClr val="000000"/>
                 </a:solidFill>
               </a:rPr>
               <a:t>stockent des informations</a:t>
             </a:r>
-            <a:endParaRPr lang="en-GB" altLang="fr-FR" smtClean="0">
+            <a:endParaRPr lang="en-GB" altLang="fr-FR">
               <a:solidFill>
                 <a:srgbClr val="000000"/>
               </a:solidFill>
@@ -22211,13 +22024,6 @@
   <p:clrMapOvr>
     <a:masterClrMapping/>
   </p:clrMapOvr>
-  <p:timing>
-    <p:tnLst>
-      <p:par>
-        <p:cTn id="1" dur="indefinite" restart="never" nodeType="tmRoot"/>
-      </p:par>
-    </p:tnLst>
-  </p:timing>
 </p:sld>
 </file>
 
@@ -22254,10 +22060,9 @@
           <a:lstStyle/>
           <a:p>
             <a:r>
-              <a:rPr lang="fr-FR" dirty="0" smtClean="0"/>
+              <a:rPr lang="fr-FR" dirty="0"/>
               <a:t>Méthodes statiques</a:t>
             </a:r>
-            <a:endParaRPr lang="fr-FR" dirty="0"/>
           </a:p>
         </p:txBody>
       </p:sp>
@@ -22277,42 +22082,42 @@
           <a:lstStyle/>
           <a:p>
             <a:r>
-              <a:rPr lang="fr-FR" dirty="0" smtClean="0"/>
+              <a:rPr lang="fr-FR" dirty="0"/>
               <a:t>En Python, les méthodes statiques sont des méthodes de la classe sans self</a:t>
             </a:r>
           </a:p>
           <a:p>
             <a:pPr lvl="1"/>
             <a:r>
-              <a:rPr lang="fr-FR" dirty="0" smtClean="0"/>
+              <a:rPr lang="fr-FR" dirty="0"/>
               <a:t>Décoration @</a:t>
             </a:r>
             <a:r>
-              <a:rPr lang="fr-FR" dirty="0" err="1" smtClean="0"/>
+              <a:rPr lang="fr-FR" dirty="0" err="1"/>
               <a:t>staticmethod</a:t>
             </a:r>
             <a:r>
-              <a:rPr lang="fr-FR" dirty="0" smtClean="0"/>
+              <a:rPr lang="fr-FR" dirty="0"/>
               <a:t> ou @</a:t>
             </a:r>
             <a:r>
-              <a:rPr lang="fr-FR" dirty="0" err="1" smtClean="0"/>
+              <a:rPr lang="fr-FR" dirty="0" err="1"/>
               <a:t>classmethod</a:t>
             </a:r>
-            <a:endParaRPr lang="fr-FR" dirty="0" smtClean="0"/>
+            <a:endParaRPr lang="fr-FR" dirty="0"/>
           </a:p>
           <a:p>
             <a:pPr lvl="1"/>
             <a:r>
-              <a:rPr lang="fr-FR" dirty="0" smtClean="0"/>
+              <a:rPr lang="fr-FR" dirty="0"/>
               <a:t>@</a:t>
             </a:r>
             <a:r>
-              <a:rPr lang="fr-FR" dirty="0" err="1" smtClean="0"/>
+              <a:rPr lang="fr-FR" dirty="0" err="1"/>
               <a:t>classmethod</a:t>
             </a:r>
             <a:r>
-              <a:rPr lang="fr-FR" dirty="0" smtClean="0"/>
+              <a:rPr lang="fr-FR" dirty="0"/>
               <a:t> prend comme premier argument la classe</a:t>
             </a:r>
           </a:p>
@@ -22352,13 +22157,6 @@
   <p:clrMapOvr>
     <a:masterClrMapping/>
   </p:clrMapOvr>
-  <p:timing>
-    <p:tnLst>
-      <p:par>
-        <p:cTn id="1" dur="indefinite" restart="never" nodeType="tmRoot"/>
-      </p:par>
-    </p:tnLst>
-  </p:timing>
 </p:sld>
 </file>
 
@@ -22395,7 +22193,7 @@
           <a:lstStyle/>
           <a:p>
             <a:r>
-              <a:rPr lang="fr-FR" dirty="0" err="1" smtClean="0"/>
+              <a:rPr lang="fr-FR" dirty="0" err="1"/>
               <a:t>Enum</a:t>
             </a:r>
             <a:endParaRPr lang="fr-FR" dirty="0"/>
@@ -22418,14 +22216,14 @@
           <a:lstStyle/>
           <a:p>
             <a:r>
-              <a:rPr lang="fr-FR" dirty="0" smtClean="0"/>
+              <a:rPr lang="fr-FR" dirty="0"/>
               <a:t>Enumération de valeurs</a:t>
             </a:r>
           </a:p>
           <a:p>
             <a:pPr lvl="1"/>
             <a:r>
-              <a:rPr lang="fr-FR" dirty="0" smtClean="0"/>
+              <a:rPr lang="fr-FR" dirty="0"/>
               <a:t>Python 3.4</a:t>
             </a:r>
           </a:p>
@@ -22469,13 +22267,6 @@
   <p:clrMapOvr>
     <a:masterClrMapping/>
   </p:clrMapOvr>
-  <p:timing>
-    <p:tnLst>
-      <p:par>
-        <p:cTn id="1" dur="indefinite" restart="never" nodeType="tmRoot"/>
-      </p:par>
-    </p:tnLst>
-  </p:timing>
 </p:sld>
 </file>
 
@@ -22512,10 +22303,9 @@
           <a:lstStyle/>
           <a:p>
             <a:r>
-              <a:rPr lang="fr-FR" dirty="0" smtClean="0"/>
+              <a:rPr lang="fr-FR" dirty="0"/>
               <a:t>Associations</a:t>
             </a:r>
-            <a:endParaRPr lang="fr-FR" dirty="0"/>
           </a:p>
         </p:txBody>
       </p:sp>
@@ -22535,37 +22325,37 @@
           <a:lstStyle/>
           <a:p>
             <a:r>
-              <a:rPr lang="fr-FR" dirty="0" smtClean="0"/>
+              <a:rPr lang="fr-FR" dirty="0"/>
               <a:t>Les classes peuvent être liées par association</a:t>
             </a:r>
           </a:p>
           <a:p>
             <a:r>
-              <a:rPr lang="fr-FR" dirty="0" smtClean="0"/>
+              <a:rPr lang="fr-FR" dirty="0"/>
               <a:t>Relation 1</a:t>
             </a:r>
           </a:p>
           <a:p>
             <a:pPr lvl="1"/>
             <a:r>
-              <a:rPr lang="fr-FR" dirty="0" smtClean="0"/>
+              <a:rPr lang="fr-FR" dirty="0"/>
               <a:t>Attribut du type de la classe lié</a:t>
             </a:r>
           </a:p>
           <a:p>
             <a:r>
-              <a:rPr lang="fr-FR" dirty="0" smtClean="0"/>
+              <a:rPr lang="fr-FR" dirty="0"/>
               <a:t>Relation *</a:t>
             </a:r>
           </a:p>
           <a:p>
             <a:pPr lvl="1"/>
             <a:r>
-              <a:rPr lang="fr-FR" dirty="0" smtClean="0"/>
+              <a:rPr lang="fr-FR" dirty="0"/>
               <a:t>Attribut du type </a:t>
             </a:r>
             <a:r>
-              <a:rPr lang="fr-FR" dirty="0" err="1" smtClean="0"/>
+              <a:rPr lang="fr-FR" dirty="0" err="1"/>
               <a:t>list</a:t>
             </a:r>
             <a:endParaRPr lang="fr-FR" dirty="0"/>
@@ -22582,13 +22372,6 @@
   <p:clrMapOvr>
     <a:masterClrMapping/>
   </p:clrMapOvr>
-  <p:timing>
-    <p:tnLst>
-      <p:par>
-        <p:cTn id="1" dur="indefinite" restart="never" nodeType="tmRoot"/>
-      </p:par>
-    </p:tnLst>
-  </p:timing>
 </p:sld>
 </file>
 
@@ -22625,10 +22408,9 @@
           <a:lstStyle/>
           <a:p>
             <a:r>
-              <a:rPr lang="fr-FR" dirty="0" smtClean="0"/>
+              <a:rPr lang="fr-FR" dirty="0"/>
               <a:t>Annotations des types complexe</a:t>
             </a:r>
-            <a:endParaRPr lang="fr-FR" dirty="0"/>
           </a:p>
         </p:txBody>
       </p:sp>
@@ -22648,85 +22430,85 @@
           <a:lstStyle/>
           <a:p>
             <a:r>
-              <a:rPr lang="fr-FR" dirty="0" smtClean="0"/>
+              <a:rPr lang="fr-FR" dirty="0"/>
               <a:t>Nouveau en Python 3.6</a:t>
             </a:r>
           </a:p>
           <a:p>
             <a:r>
-              <a:rPr lang="fr-FR" dirty="0" smtClean="0"/>
+              <a:rPr lang="fr-FR" dirty="0"/>
               <a:t>Possibilité de typer les types complexes</a:t>
             </a:r>
           </a:p>
           <a:p>
             <a:pPr lvl="1"/>
             <a:r>
-              <a:rPr lang="fr-FR" dirty="0" err="1" smtClean="0"/>
+              <a:rPr lang="fr-FR" dirty="0" err="1"/>
               <a:t>my_list</a:t>
             </a:r>
             <a:r>
-              <a:rPr lang="fr-FR" dirty="0" smtClean="0"/>
+              <a:rPr lang="fr-FR" dirty="0"/>
               <a:t> : List[</a:t>
             </a:r>
             <a:r>
-              <a:rPr lang="fr-FR" dirty="0" err="1" smtClean="0"/>
+              <a:rPr lang="fr-FR" dirty="0" err="1"/>
               <a:t>int</a:t>
             </a:r>
             <a:r>
-              <a:rPr lang="fr-FR" dirty="0" smtClean="0"/>
+              <a:rPr lang="fr-FR" dirty="0"/>
               <a:t>] = []</a:t>
             </a:r>
           </a:p>
           <a:p>
             <a:pPr lvl="1"/>
             <a:r>
-              <a:rPr lang="fr-FR" dirty="0" err="1" smtClean="0"/>
+              <a:rPr lang="fr-FR" dirty="0" err="1"/>
               <a:t>m</a:t>
             </a:r>
             <a:r>
-              <a:rPr lang="fr-FR" smtClean="0"/>
+              <a:rPr lang="fr-FR"/>
               <a:t>y_dict</a:t>
             </a:r>
             <a:r>
-              <a:rPr lang="fr-FR" dirty="0" smtClean="0"/>
+              <a:rPr lang="fr-FR" dirty="0"/>
               <a:t> = </a:t>
             </a:r>
             <a:r>
-              <a:rPr lang="fr-FR" dirty="0" err="1" smtClean="0"/>
+              <a:rPr lang="fr-FR" dirty="0" err="1"/>
               <a:t>Dict</a:t>
             </a:r>
             <a:r>
-              <a:rPr lang="fr-FR" dirty="0" smtClean="0"/>
+              <a:rPr lang="fr-FR" dirty="0"/>
               <a:t>[</a:t>
             </a:r>
             <a:r>
-              <a:rPr lang="fr-FR" dirty="0" err="1" smtClean="0"/>
+              <a:rPr lang="fr-FR" dirty="0" err="1"/>
               <a:t>str</a:t>
             </a:r>
             <a:r>
-              <a:rPr lang="fr-FR" dirty="0" smtClean="0"/>
+              <a:rPr lang="fr-FR" dirty="0"/>
               <a:t>, </a:t>
             </a:r>
             <a:r>
-              <a:rPr lang="fr-FR" dirty="0" err="1" smtClean="0"/>
+              <a:rPr lang="fr-FR" dirty="0" err="1"/>
               <a:t>int</a:t>
             </a:r>
             <a:r>
-              <a:rPr lang="fr-FR" dirty="0" smtClean="0"/>
+              <a:rPr lang="fr-FR" dirty="0"/>
               <a:t>] = {}</a:t>
             </a:r>
           </a:p>
           <a:p>
             <a:pPr lvl="1"/>
             <a:r>
-              <a:rPr lang="fr-FR" dirty="0" smtClean="0"/>
+              <a:rPr lang="fr-FR" dirty="0"/>
               <a:t>Il ne s’agit pas d’un typage fort</a:t>
             </a:r>
           </a:p>
           <a:p>
             <a:pPr lvl="1"/>
             <a:r>
-              <a:rPr lang="fr-FR" dirty="0" smtClean="0"/>
+              <a:rPr lang="fr-FR" dirty="0"/>
               <a:t>C’est juste une annotation</a:t>
             </a:r>
           </a:p>
@@ -22734,11 +22516,7 @@
             <a:pPr lvl="1"/>
             <a:r>
               <a:rPr lang="fr-FR" dirty="0"/>
-              <a:t>P</a:t>
-            </a:r>
-            <a:r>
-              <a:rPr lang="fr-FR" dirty="0" smtClean="0"/>
-              <a:t>eut pas s’utiliser avec une initialisation</a:t>
+              <a:t>Peut pas s’utiliser avec une initialisation</a:t>
             </a:r>
           </a:p>
           <a:p>
@@ -22757,13 +22535,6 @@
   <p:clrMapOvr>
     <a:masterClrMapping/>
   </p:clrMapOvr>
-  <p:timing>
-    <p:tnLst>
-      <p:par>
-        <p:cTn id="1" dur="indefinite" restart="never" nodeType="tmRoot"/>
-      </p:par>
-    </p:tnLst>
-  </p:timing>
 </p:sld>
 </file>
 
@@ -22800,10 +22571,9 @@
           <a:lstStyle/>
           <a:p>
             <a:r>
-              <a:rPr lang="fr-FR" dirty="0" smtClean="0"/>
+              <a:rPr lang="fr-FR" dirty="0"/>
               <a:t>Qualité du code</a:t>
             </a:r>
-            <a:endParaRPr lang="fr-FR" dirty="0"/>
           </a:p>
         </p:txBody>
       </p:sp>
@@ -22823,37 +22593,37 @@
           <a:lstStyle/>
           <a:p>
             <a:r>
-              <a:rPr lang="fr-FR" smtClean="0"/>
+              <a:rPr lang="fr-FR"/>
               <a:t>Faut il </a:t>
             </a:r>
             <a:r>
-              <a:rPr lang="fr-FR" dirty="0" smtClean="0"/>
+              <a:rPr lang="fr-FR" dirty="0"/>
               <a:t>passer par les propriétés et attributs privés ?</a:t>
             </a:r>
           </a:p>
           <a:p>
             <a:r>
-              <a:rPr lang="fr-FR" dirty="0" smtClean="0"/>
+              <a:rPr lang="fr-FR" dirty="0"/>
               <a:t>Peut on programmer avec des attributs publiques ?</a:t>
             </a:r>
           </a:p>
           <a:p>
             <a:r>
-              <a:rPr lang="fr-FR" dirty="0" smtClean="0"/>
+              <a:rPr lang="fr-FR" dirty="0"/>
               <a:t>Peut on se passer du __</a:t>
             </a:r>
             <a:r>
-              <a:rPr lang="fr-FR" dirty="0" err="1" smtClean="0"/>
+              <a:rPr lang="fr-FR" dirty="0" err="1"/>
               <a:t>init</a:t>
             </a:r>
             <a:r>
-              <a:rPr lang="fr-FR" dirty="0" smtClean="0"/>
+              <a:rPr lang="fr-FR" dirty="0"/>
               <a:t>__ ?</a:t>
             </a:r>
           </a:p>
           <a:p>
             <a:r>
-              <a:rPr lang="fr-FR" dirty="0" smtClean="0"/>
+              <a:rPr lang="fr-FR" dirty="0"/>
               <a:t>Peut on programmer uniquement par prototypage ?</a:t>
             </a:r>
           </a:p>
@@ -22872,13 +22642,6 @@
   <p:clrMapOvr>
     <a:masterClrMapping/>
   </p:clrMapOvr>
-  <p:timing>
-    <p:tnLst>
-      <p:par>
-        <p:cTn id="1" dur="indefinite" restart="never" nodeType="tmRoot"/>
-      </p:par>
-    </p:tnLst>
-  </p:timing>
 </p:sld>
 </file>
 
@@ -22915,14 +22678,14 @@
           <a:lstStyle/>
           <a:p>
             <a:r>
-              <a:rPr lang="en-US" altLang="fr-FR" smtClean="0">
+              <a:rPr lang="en-US" altLang="fr-FR">
                 <a:solidFill>
                   <a:srgbClr val="000000"/>
                 </a:solidFill>
               </a:rPr>
               <a:t>Qu'est-ce qu'une classe ?</a:t>
             </a:r>
-            <a:endParaRPr lang="en-GB" altLang="fr-FR" smtClean="0"/>
+            <a:endParaRPr lang="en-GB" altLang="fr-FR"/>
           </a:p>
         </p:txBody>
       </p:sp>
@@ -22952,14 +22715,14 @@
               </a:lnSpc>
             </a:pPr>
             <a:r>
-              <a:rPr lang="en-US" altLang="fr-FR" sz="2200" smtClean="0">
+              <a:rPr lang="en-US" altLang="fr-FR" sz="2200">
                 <a:solidFill>
                   <a:srgbClr val="000000"/>
                 </a:solidFill>
               </a:rPr>
               <a:t>Pour le philosophe…</a:t>
             </a:r>
-            <a:endParaRPr lang="en-GB" altLang="fr-FR" sz="2200" smtClean="0"/>
+            <a:endParaRPr lang="en-GB" altLang="fr-FR" sz="2200"/>
           </a:p>
           <a:p>
             <a:pPr lvl="1">
@@ -22968,7 +22731,7 @@
               </a:lnSpc>
             </a:pPr>
             <a:r>
-              <a:rPr lang="en-US" altLang="fr-FR" sz="2200" smtClean="0">
+              <a:rPr lang="en-US" altLang="fr-FR" sz="2200">
                 <a:solidFill>
                   <a:srgbClr val="000000"/>
                 </a:solidFill>
@@ -22976,7 +22739,7 @@
               <a:t>Un artéfact de la </a:t>
             </a:r>
             <a:r>
-              <a:rPr lang="en-US" altLang="fr-FR" sz="2200" i="1" smtClean="0">
+              <a:rPr lang="en-US" altLang="fr-FR" sz="2200" i="1">
                 <a:solidFill>
                   <a:srgbClr val="000000"/>
                 </a:solidFill>
@@ -22984,14 +22747,14 @@
               <a:t>class</a:t>
             </a:r>
             <a:r>
-              <a:rPr lang="en-US" altLang="fr-FR" sz="2200" smtClean="0">
+              <a:rPr lang="en-US" altLang="fr-FR" sz="2200">
                 <a:solidFill>
                   <a:srgbClr val="000000"/>
                 </a:solidFill>
               </a:rPr>
               <a:t>ification humaine !</a:t>
             </a:r>
-            <a:endParaRPr lang="en-GB" altLang="fr-FR" sz="2200" smtClean="0"/>
+            <a:endParaRPr lang="en-GB" altLang="fr-FR" sz="2200"/>
           </a:p>
           <a:p>
             <a:pPr lvl="1">
@@ -23000,7 +22763,7 @@
               </a:lnSpc>
             </a:pPr>
             <a:r>
-              <a:rPr lang="en-US" altLang="fr-FR" sz="2200" smtClean="0">
+              <a:rPr lang="en-US" altLang="fr-FR" sz="2200">
                 <a:solidFill>
                   <a:srgbClr val="000000"/>
                 </a:solidFill>
@@ -23008,7 +22771,7 @@
               <a:t>Une </a:t>
             </a:r>
             <a:r>
-              <a:rPr lang="en-US" altLang="fr-FR" sz="2200" i="1" smtClean="0">
+              <a:rPr lang="en-US" altLang="fr-FR" sz="2200" i="1">
                 <a:solidFill>
                   <a:srgbClr val="000000"/>
                 </a:solidFill>
@@ -23016,7 +22779,7 @@
               <a:t>class</a:t>
             </a:r>
             <a:r>
-              <a:rPr lang="en-US" altLang="fr-FR" sz="2200" smtClean="0">
+              <a:rPr lang="en-US" altLang="fr-FR" sz="2200">
                 <a:solidFill>
                   <a:srgbClr val="000000"/>
                 </a:solidFill>
@@ -23024,21 +22787,21 @@
               <a:t>ification en fonction d'un </a:t>
             </a:r>
             <a:br>
-              <a:rPr lang="en-US" altLang="fr-FR" sz="2200" smtClean="0">
+              <a:rPr lang="en-US" altLang="fr-FR" sz="2200">
                 <a:solidFill>
                   <a:srgbClr val="000000"/>
                 </a:solidFill>
               </a:rPr>
             </a:br>
             <a:r>
-              <a:rPr lang="en-US" altLang="fr-FR" sz="2200" smtClean="0">
+              <a:rPr lang="en-US" altLang="fr-FR" sz="2200">
                 <a:solidFill>
                   <a:srgbClr val="000000"/>
                 </a:solidFill>
               </a:rPr>
               <a:t>comportement ou d'attributs communs</a:t>
             </a:r>
-            <a:endParaRPr lang="en-GB" altLang="fr-FR" sz="2200" smtClean="0"/>
+            <a:endParaRPr lang="en-GB" altLang="fr-FR" sz="2200"/>
           </a:p>
           <a:p>
             <a:pPr lvl="1">
@@ -23047,7 +22810,7 @@
               </a:lnSpc>
             </a:pPr>
             <a:r>
-              <a:rPr lang="en-US" altLang="fr-FR" sz="2200" smtClean="0">
+              <a:rPr lang="en-US" altLang="fr-FR" sz="2200">
                 <a:solidFill>
                   <a:srgbClr val="000000"/>
                 </a:solidFill>
@@ -23055,14 +22818,14 @@
               <a:t>Un accord portant sur les descriptions et les noms </a:t>
             </a:r>
             <a:br>
-              <a:rPr lang="en-US" altLang="fr-FR" sz="2200" smtClean="0">
+              <a:rPr lang="en-US" altLang="fr-FR" sz="2200">
                 <a:solidFill>
                   <a:srgbClr val="000000"/>
                 </a:solidFill>
               </a:rPr>
             </a:br>
             <a:r>
-              <a:rPr lang="en-US" altLang="fr-FR" sz="2200" smtClean="0">
+              <a:rPr lang="en-US" altLang="fr-FR" sz="2200">
                 <a:solidFill>
                   <a:srgbClr val="000000"/>
                 </a:solidFill>
@@ -23070,7 +22833,7 @@
               <a:t>des </a:t>
             </a:r>
             <a:r>
-              <a:rPr lang="en-US" altLang="fr-FR" sz="2200" i="1" smtClean="0">
+              <a:rPr lang="en-US" altLang="fr-FR" sz="2200" i="1">
                 <a:solidFill>
                   <a:srgbClr val="000000"/>
                 </a:solidFill>
@@ -23078,14 +22841,14 @@
               <a:t>class</a:t>
             </a:r>
             <a:r>
-              <a:rPr lang="en-US" altLang="fr-FR" sz="2200" smtClean="0">
+              <a:rPr lang="en-US" altLang="fr-FR" sz="2200">
                 <a:solidFill>
                   <a:srgbClr val="000000"/>
                 </a:solidFill>
               </a:rPr>
               <a:t>es utiles</a:t>
             </a:r>
-            <a:endParaRPr lang="en-GB" altLang="fr-FR" sz="2200" smtClean="0"/>
+            <a:endParaRPr lang="en-GB" altLang="fr-FR" sz="2200"/>
           </a:p>
           <a:p>
             <a:pPr lvl="1">
@@ -23094,7 +22857,7 @@
               </a:lnSpc>
             </a:pPr>
             <a:r>
-              <a:rPr lang="en-US" altLang="fr-FR" sz="2200" smtClean="0">
+              <a:rPr lang="en-US" altLang="fr-FR" sz="2200">
                 <a:solidFill>
                   <a:srgbClr val="000000"/>
                 </a:solidFill>
@@ -23102,21 +22865,21 @@
               <a:t>La création d'un vocabulaire ; nous communiquons ; </a:t>
             </a:r>
             <a:br>
-              <a:rPr lang="en-US" altLang="fr-FR" sz="2200" smtClean="0">
+              <a:rPr lang="en-US" altLang="fr-FR" sz="2200">
                 <a:solidFill>
                   <a:srgbClr val="000000"/>
                 </a:solidFill>
               </a:rPr>
             </a:br>
             <a:r>
-              <a:rPr lang="en-US" altLang="fr-FR" sz="2200" smtClean="0">
+              <a:rPr lang="en-US" altLang="fr-FR" sz="2200">
                 <a:solidFill>
                   <a:srgbClr val="000000"/>
                 </a:solidFill>
               </a:rPr>
               <a:t>nous pensons !</a:t>
             </a:r>
-            <a:endParaRPr lang="en-GB" altLang="fr-FR" sz="2200" smtClean="0"/>
+            <a:endParaRPr lang="en-GB" altLang="fr-FR" sz="2200"/>
           </a:p>
           <a:p>
             <a:pPr>
@@ -23125,14 +22888,14 @@
               </a:lnSpc>
             </a:pPr>
             <a:r>
-              <a:rPr lang="en-US" altLang="fr-FR" sz="2200" smtClean="0">
+              <a:rPr lang="en-US" altLang="fr-FR" sz="2200">
                 <a:solidFill>
                   <a:srgbClr val="000000"/>
                 </a:solidFill>
               </a:rPr>
               <a:t>Pour le programmeur orienté objet…</a:t>
             </a:r>
-            <a:endParaRPr lang="en-GB" altLang="fr-FR" sz="2200" smtClean="0"/>
+            <a:endParaRPr lang="en-GB" altLang="fr-FR" sz="2200"/>
           </a:p>
           <a:p>
             <a:pPr lvl="1">
@@ -23141,7 +22904,7 @@
               </a:lnSpc>
             </a:pPr>
             <a:r>
-              <a:rPr lang="en-US" altLang="fr-FR" sz="2200" smtClean="0">
+              <a:rPr lang="en-US" altLang="fr-FR" sz="2200">
                 <a:solidFill>
                   <a:srgbClr val="000000"/>
                 </a:solidFill>
@@ -23149,21 +22912,21 @@
               <a:t>Une construction syntaxique nommée qui décrit </a:t>
             </a:r>
             <a:br>
-              <a:rPr lang="en-US" altLang="fr-FR" sz="2200" smtClean="0">
+              <a:rPr lang="en-US" altLang="fr-FR" sz="2200">
                 <a:solidFill>
                   <a:srgbClr val="000000"/>
                 </a:solidFill>
               </a:rPr>
             </a:br>
             <a:r>
-              <a:rPr lang="en-US" altLang="fr-FR" sz="2200" smtClean="0">
+              <a:rPr lang="en-US" altLang="fr-FR" sz="2200">
                 <a:solidFill>
                   <a:srgbClr val="000000"/>
                 </a:solidFill>
               </a:rPr>
               <a:t>un comportement et des attributs communs</a:t>
             </a:r>
-            <a:endParaRPr lang="en-GB" altLang="fr-FR" sz="2200" smtClean="0"/>
+            <a:endParaRPr lang="en-GB" altLang="fr-FR" sz="2200"/>
           </a:p>
           <a:p>
             <a:pPr lvl="1">
@@ -23172,7 +22935,7 @@
               </a:lnSpc>
             </a:pPr>
             <a:r>
-              <a:rPr lang="en-US" altLang="fr-FR" sz="2200" smtClean="0">
+              <a:rPr lang="en-US" altLang="fr-FR" sz="2200">
                 <a:solidFill>
                   <a:srgbClr val="000000"/>
                 </a:solidFill>
@@ -23180,21 +22943,21 @@
               <a:t>Une structure de données qui inclut les données </a:t>
             </a:r>
             <a:br>
-              <a:rPr lang="en-US" altLang="fr-FR" sz="2200" smtClean="0">
+              <a:rPr lang="en-US" altLang="fr-FR" sz="2200">
                 <a:solidFill>
                   <a:srgbClr val="000000"/>
                 </a:solidFill>
               </a:rPr>
             </a:br>
             <a:r>
-              <a:rPr lang="en-US" altLang="fr-FR" sz="2200" smtClean="0">
+              <a:rPr lang="en-US" altLang="fr-FR" sz="2200">
                 <a:solidFill>
                   <a:srgbClr val="000000"/>
                 </a:solidFill>
               </a:rPr>
               <a:t>et les fonctions</a:t>
             </a:r>
-            <a:endParaRPr lang="en-GB" altLang="fr-FR" sz="2200" smtClean="0">
+            <a:endParaRPr lang="en-GB" altLang="fr-FR" sz="2200">
               <a:solidFill>
                 <a:srgbClr val="000000"/>
               </a:solidFill>
@@ -40966,13 +40729,6 @@
   <p:clrMapOvr>
     <a:masterClrMapping/>
   </p:clrMapOvr>
-  <p:timing>
-    <p:tnLst>
-      <p:par>
-        <p:cTn id="1" dur="indefinite" restart="never" nodeType="tmRoot"/>
-      </p:par>
-    </p:tnLst>
-  </p:timing>
 </p:sld>
 </file>
 
@@ -41167,14 +40923,14 @@
           <a:lstStyle/>
           <a:p>
             <a:r>
-              <a:rPr lang="en-US" altLang="fr-FR" smtClean="0">
+              <a:rPr lang="en-US" altLang="fr-FR">
                 <a:solidFill>
                   <a:srgbClr val="000000"/>
                 </a:solidFill>
               </a:rPr>
               <a:t>Abstraction</a:t>
             </a:r>
-            <a:endParaRPr lang="en-GB" altLang="fr-FR" smtClean="0"/>
+            <a:endParaRPr lang="en-GB" altLang="fr-FR"/>
           </a:p>
         </p:txBody>
       </p:sp>
@@ -41199,31 +40955,31 @@
           <a:lstStyle/>
           <a:p>
             <a:r>
-              <a:rPr lang="en-US" altLang="fr-FR" smtClean="0">
+              <a:rPr lang="en-US" altLang="fr-FR">
                 <a:solidFill>
                   <a:srgbClr val="000000"/>
                 </a:solidFill>
               </a:rPr>
               <a:t>L'abstraction est une ignorance sélective</a:t>
             </a:r>
-            <a:endParaRPr lang="en-GB" altLang="fr-FR" smtClean="0"/>
+            <a:endParaRPr lang="en-GB" altLang="fr-FR"/>
           </a:p>
           <a:p>
             <a:pPr lvl="1"/>
             <a:r>
-              <a:rPr lang="en-US" altLang="fr-FR" smtClean="0">
+              <a:rPr lang="en-US" altLang="fr-FR">
                 <a:solidFill>
                   <a:srgbClr val="000000"/>
                 </a:solidFill>
               </a:rPr>
               <a:t>Décidez ce qui est important et ce qui ne l'est pas</a:t>
             </a:r>
-            <a:endParaRPr lang="en-GB" altLang="fr-FR" smtClean="0"/>
+            <a:endParaRPr lang="en-GB" altLang="fr-FR"/>
           </a:p>
           <a:p>
             <a:pPr lvl="1"/>
             <a:r>
-              <a:rPr lang="en-US" altLang="fr-FR" smtClean="0">
+              <a:rPr lang="en-US" altLang="fr-FR">
                 <a:solidFill>
                   <a:srgbClr val="000000"/>
                 </a:solidFill>
@@ -41231,7 +40987,7 @@
               <a:t>Concentrez-vous </a:t>
             </a:r>
             <a:r>
-              <a:rPr lang="fr-FR" altLang="fr-FR" smtClean="0">
+              <a:rPr lang="fr-FR" altLang="fr-FR">
                 <a:solidFill>
                   <a:srgbClr val="000000"/>
                 </a:solidFill>
@@ -41239,7 +40995,7 @@
               <a:t>sur </a:t>
             </a:r>
             <a:r>
-              <a:rPr lang="en-US" altLang="fr-FR" smtClean="0">
+              <a:rPr lang="en-US" altLang="fr-FR">
                 <a:solidFill>
                   <a:srgbClr val="000000"/>
                 </a:solidFill>
@@ -41247,7 +41003,7 @@
               <a:t>ce qui est important</a:t>
             </a:r>
             <a:r>
-              <a:rPr lang="fr-FR" altLang="fr-FR" smtClean="0">
+              <a:rPr lang="fr-FR" altLang="fr-FR">
                 <a:solidFill>
                   <a:srgbClr val="000000"/>
                 </a:solidFill>
@@ -41255,45 +41011,45 @@
               <a:t> et agissez </a:t>
             </a:r>
             <a:br>
-              <a:rPr lang="fr-FR" altLang="fr-FR" smtClean="0">
+              <a:rPr lang="fr-FR" altLang="fr-FR">
                 <a:solidFill>
                   <a:srgbClr val="000000"/>
                 </a:solidFill>
               </a:rPr>
             </a:br>
             <a:r>
-              <a:rPr lang="fr-FR" altLang="fr-FR" smtClean="0">
+              <a:rPr lang="fr-FR" altLang="fr-FR">
                 <a:solidFill>
                   <a:srgbClr val="000000"/>
                 </a:solidFill>
               </a:rPr>
               <a:t>en fonction</a:t>
             </a:r>
-            <a:endParaRPr lang="en-GB" altLang="fr-FR" smtClean="0"/>
+            <a:endParaRPr lang="en-GB" altLang="fr-FR"/>
           </a:p>
           <a:p>
             <a:pPr lvl="1"/>
             <a:r>
-              <a:rPr lang="en-US" altLang="fr-FR" smtClean="0">
+              <a:rPr lang="en-US" altLang="fr-FR">
                 <a:solidFill>
                   <a:srgbClr val="000000"/>
                 </a:solidFill>
               </a:rPr>
               <a:t>Ignorez et ne dépendez pas de ce qui est sans importance</a:t>
             </a:r>
-            <a:endParaRPr lang="en-GB" altLang="fr-FR" smtClean="0"/>
+            <a:endParaRPr lang="en-GB" altLang="fr-FR"/>
           </a:p>
           <a:p>
             <a:pPr lvl="1"/>
             <a:r>
-              <a:rPr lang="en-US" altLang="fr-FR" smtClean="0">
+              <a:rPr lang="en-US" altLang="fr-FR">
                 <a:solidFill>
                   <a:srgbClr val="000000"/>
                 </a:solidFill>
               </a:rPr>
               <a:t>Utilisez l'encapsulation pour mettre en œuvre l'abstraction</a:t>
             </a:r>
-            <a:endParaRPr lang="en-GB" altLang="fr-FR" smtClean="0">
+            <a:endParaRPr lang="en-GB" altLang="fr-FR">
               <a:solidFill>
                 <a:srgbClr val="000000"/>
               </a:solidFill>
@@ -41639,10 +41395,9 @@
           <a:lstStyle/>
           <a:p>
             <a:r>
-              <a:rPr lang="fr-FR" dirty="0" smtClean="0"/>
+              <a:rPr lang="fr-FR" dirty="0"/>
               <a:t>Classe</a:t>
             </a:r>
-            <a:endParaRPr lang="fr-FR" dirty="0"/>
           </a:p>
         </p:txBody>
       </p:sp>
@@ -41662,14 +41417,14 @@
           <a:lstStyle/>
           <a:p>
             <a:r>
-              <a:rPr lang="fr-FR" dirty="0" smtClean="0"/>
+              <a:rPr lang="fr-FR" dirty="0"/>
               <a:t>Syntaxe</a:t>
             </a:r>
           </a:p>
           <a:p>
             <a:pPr lvl="1"/>
             <a:r>
-              <a:rPr lang="fr-FR" dirty="0" smtClean="0"/>
+              <a:rPr lang="fr-FR" dirty="0"/>
               <a:t>Par convention les classes commencent par une majuscule</a:t>
             </a:r>
           </a:p>
@@ -41769,7 +41524,7 @@
               <a:t>instructionN</a:t>
             </a:r>
             <a:r>
-              <a:rPr lang="fr-BE" altLang="fr-FR" dirty="0" smtClean="0">
+              <a:rPr lang="fr-BE" altLang="fr-FR" dirty="0">
                 <a:solidFill>
                   <a:schemeClr val="accent2"/>
                 </a:solidFill>
@@ -41799,13 +41554,6 @@
   <p:clrMapOvr>
     <a:masterClrMapping/>
   </p:clrMapOvr>
-  <p:timing>
-    <p:tnLst>
-      <p:par>
-        <p:cTn id="1" dur="indefinite" restart="never" nodeType="tmRoot"/>
-      </p:par>
-    </p:tnLst>
-  </p:timing>
 </p:sld>
 </file>
 
@@ -41842,10 +41590,9 @@
           <a:lstStyle/>
           <a:p>
             <a:r>
-              <a:rPr lang="fr-FR" dirty="0" smtClean="0"/>
+              <a:rPr lang="fr-FR" dirty="0"/>
               <a:t>Exemple de classe</a:t>
             </a:r>
-            <a:endParaRPr lang="fr-FR" dirty="0"/>
           </a:p>
         </p:txBody>
       </p:sp>
@@ -41902,13 +41649,6 @@
   <p:clrMapOvr>
     <a:masterClrMapping/>
   </p:clrMapOvr>
-  <p:timing>
-    <p:tnLst>
-      <p:par>
-        <p:cTn id="1" dur="indefinite" restart="never" nodeType="tmRoot"/>
-      </p:par>
-    </p:tnLst>
-  </p:timing>
 </p:sld>
 </file>
 
@@ -41945,10 +41685,9 @@
           <a:lstStyle/>
           <a:p>
             <a:r>
-              <a:rPr lang="fr-FR" dirty="0" smtClean="0"/>
+              <a:rPr lang="fr-FR" dirty="0"/>
               <a:t>Instanciation</a:t>
             </a:r>
-            <a:endParaRPr lang="fr-FR" dirty="0"/>
           </a:p>
         </p:txBody>
       </p:sp>
@@ -41968,24 +41707,23 @@
           <a:lstStyle/>
           <a:p>
             <a:r>
-              <a:rPr lang="fr-FR" dirty="0" smtClean="0"/>
+              <a:rPr lang="fr-FR" dirty="0"/>
               <a:t>Contrairement à la plupart des langages il n’y a pas de mot clé new pour instancier une classe</a:t>
             </a:r>
           </a:p>
           <a:p>
             <a:r>
-              <a:rPr lang="fr-FR" dirty="0" smtClean="0"/>
+              <a:rPr lang="fr-FR" dirty="0"/>
               <a:t>Il suffit de faire x = </a:t>
             </a:r>
             <a:r>
-              <a:rPr lang="fr-FR" dirty="0" err="1" smtClean="0"/>
+              <a:rPr lang="fr-FR" dirty="0" err="1"/>
               <a:t>NomClasse</a:t>
             </a:r>
             <a:r>
-              <a:rPr lang="fr-FR" dirty="0" smtClean="0"/>
+              <a:rPr lang="fr-FR" dirty="0"/>
               <a:t>()</a:t>
             </a:r>
-            <a:endParaRPr lang="fr-FR" dirty="0"/>
           </a:p>
         </p:txBody>
       </p:sp>
@@ -42023,13 +41761,6 @@
   <p:clrMapOvr>
     <a:masterClrMapping/>
   </p:clrMapOvr>
-  <p:timing>
-    <p:tnLst>
-      <p:par>
-        <p:cTn id="1" dur="indefinite" restart="never" nodeType="tmRoot"/>
-      </p:par>
-    </p:tnLst>
-  </p:timing>
 </p:sld>
 </file>
 
@@ -42224,14 +41955,14 @@
           <a:lstStyle/>
           <a:p>
             <a:r>
-              <a:rPr lang="en-US" altLang="fr-FR" smtClean="0">
+              <a:rPr lang="en-US" altLang="fr-FR">
                 <a:solidFill>
                   <a:srgbClr val="000000"/>
                 </a:solidFill>
               </a:rPr>
               <a:t>Combinaison de données et de méthodes</a:t>
             </a:r>
-            <a:endParaRPr lang="en-GB" altLang="fr-FR" smtClean="0"/>
+            <a:endParaRPr lang="en-GB" altLang="fr-FR"/>
           </a:p>
         </p:txBody>
       </p:sp>
@@ -42256,7 +41987,7 @@
           <a:lstStyle/>
           <a:p>
             <a:r>
-              <a:rPr lang="en-US" altLang="fr-FR" smtClean="0">
+              <a:rPr lang="en-US" altLang="fr-FR">
                 <a:solidFill>
                   <a:srgbClr val="000000"/>
                 </a:solidFill>
@@ -42264,14 +41995,14 @@
               <a:t>Combiner données et méthodes au sein d'une </a:t>
             </a:r>
             <a:br>
-              <a:rPr lang="en-US" altLang="fr-FR" smtClean="0">
+              <a:rPr lang="en-US" altLang="fr-FR">
                 <a:solidFill>
                   <a:srgbClr val="000000"/>
                 </a:solidFill>
               </a:rPr>
             </a:br>
             <a:r>
-              <a:rPr lang="en-US" altLang="fr-FR" smtClean="0">
+              <a:rPr lang="en-US" altLang="fr-FR">
                 <a:solidFill>
                   <a:srgbClr val="000000"/>
                 </a:solidFill>
@@ -42279,18 +42010,18 @@
               <a:t>même </a:t>
             </a:r>
             <a:r>
-              <a:rPr lang="en-US" altLang="fr-FR" i="1" smtClean="0">
+              <a:rPr lang="en-US" altLang="fr-FR" i="1">
                 <a:solidFill>
                   <a:srgbClr val="000000"/>
                 </a:solidFill>
               </a:rPr>
               <a:t>capsule</a:t>
             </a:r>
-            <a:endParaRPr lang="en-GB" altLang="fr-FR" i="1" smtClean="0"/>
+            <a:endParaRPr lang="en-GB" altLang="fr-FR" i="1"/>
           </a:p>
           <a:p>
             <a:r>
-              <a:rPr lang="en-US" altLang="fr-FR" smtClean="0">
+              <a:rPr lang="en-US" altLang="fr-FR">
                 <a:solidFill>
                   <a:srgbClr val="000000"/>
                 </a:solidFill>
@@ -42298,24 +42029,24 @@
               <a:t>Les limites de la capsule forment un intérieur </a:t>
             </a:r>
             <a:br>
-              <a:rPr lang="en-US" altLang="fr-FR" smtClean="0">
+              <a:rPr lang="en-US" altLang="fr-FR">
                 <a:solidFill>
                   <a:srgbClr val="000000"/>
                 </a:solidFill>
               </a:rPr>
             </a:br>
             <a:r>
-              <a:rPr lang="en-US" altLang="fr-FR" smtClean="0">
+              <a:rPr lang="en-US" altLang="fr-FR">
                 <a:solidFill>
                   <a:srgbClr val="000000"/>
                 </a:solidFill>
               </a:rPr>
               <a:t>et un extérieur</a:t>
             </a:r>
-            <a:endParaRPr lang="en-GB" altLang="fr-FR" smtClean="0"/>
+            <a:endParaRPr lang="en-GB" altLang="fr-FR"/>
           </a:p>
           <a:p>
-            <a:endParaRPr lang="en-GB" altLang="fr-FR" smtClean="0"/>
+            <a:endParaRPr lang="en-GB" altLang="fr-FR"/>
           </a:p>
         </p:txBody>
       </p:sp>
@@ -44430,13 +44161,6 @@
   <p:clrMapOvr>
     <a:masterClrMapping/>
   </p:clrMapOvr>
-  <p:timing>
-    <p:tnLst>
-      <p:par>
-        <p:cTn id="1" dur="indefinite" restart="never" nodeType="tmRoot"/>
-      </p:par>
-    </p:tnLst>
-  </p:timing>
 </p:sld>
 </file>
 

--- a/ppt/Python08-OO.pptx
+++ b/ppt/Python08-OO.pptx
@@ -5,10 +5,10 @@
     <p:sldMasterId id="2147483653" r:id="rId1"/>
   </p:sldMasterIdLst>
   <p:notesMasterIdLst>
-    <p:notesMasterId r:id="rId36"/>
+    <p:notesMasterId r:id="rId33"/>
   </p:notesMasterIdLst>
   <p:handoutMasterIdLst>
-    <p:handoutMasterId r:id="rId37"/>
+    <p:handoutMasterId r:id="rId34"/>
   </p:handoutMasterIdLst>
   <p:sldIdLst>
     <p:sldId id="264" r:id="rId2"/>
@@ -29,22 +29,19 @@
     <p:sldId id="306" r:id="rId17"/>
     <p:sldId id="305" r:id="rId18"/>
     <p:sldId id="309" r:id="rId19"/>
-    <p:sldId id="310" r:id="rId20"/>
-    <p:sldId id="274" r:id="rId21"/>
-    <p:sldId id="275" r:id="rId22"/>
-    <p:sldId id="303" r:id="rId23"/>
-    <p:sldId id="313" r:id="rId24"/>
-    <p:sldId id="316" r:id="rId25"/>
-    <p:sldId id="314" r:id="rId26"/>
-    <p:sldId id="315" r:id="rId27"/>
-    <p:sldId id="277" r:id="rId28"/>
-    <p:sldId id="308" r:id="rId29"/>
-    <p:sldId id="278" r:id="rId30"/>
-    <p:sldId id="311" r:id="rId31"/>
-    <p:sldId id="320" r:id="rId32"/>
-    <p:sldId id="317" r:id="rId33"/>
-    <p:sldId id="321" r:id="rId34"/>
-    <p:sldId id="318" r:id="rId35"/>
+    <p:sldId id="274" r:id="rId20"/>
+    <p:sldId id="275" r:id="rId21"/>
+    <p:sldId id="303" r:id="rId22"/>
+    <p:sldId id="313" r:id="rId23"/>
+    <p:sldId id="316" r:id="rId24"/>
+    <p:sldId id="314" r:id="rId25"/>
+    <p:sldId id="315" r:id="rId26"/>
+    <p:sldId id="277" r:id="rId27"/>
+    <p:sldId id="308" r:id="rId28"/>
+    <p:sldId id="278" r:id="rId29"/>
+    <p:sldId id="311" r:id="rId30"/>
+    <p:sldId id="320" r:id="rId31"/>
+    <p:sldId id="317" r:id="rId32"/>
   </p:sldIdLst>
   <p:sldSz cx="9144000" cy="6858000" type="screen4x3"/>
   <p:notesSz cx="6648450" cy="9782175"/>
@@ -1248,7 +1245,7 @@
             <a:fld id="{128995A5-4EA1-46DC-8F5B-4368CF269E26}" type="slidenum">
               <a:rPr lang="en-US" altLang="fr-FR" sz="1200"/>
               <a:pPr/>
-              <a:t>27</a:t>
+              <a:t>26</a:t>
             </a:fld>
             <a:endParaRPr lang="en-US" altLang="fr-FR" sz="1200"/>
           </a:p>
@@ -1444,7 +1441,7 @@
             <a:fld id="{E0672C6E-802E-4888-B97E-D5F7E1E72B2C}" type="slidenum">
               <a:rPr lang="en-US" altLang="fr-FR" sz="1200"/>
               <a:pPr/>
-              <a:t>29</a:t>
+              <a:t>28</a:t>
             </a:fld>
             <a:endParaRPr lang="en-US" altLang="fr-FR" sz="1200"/>
           </a:p>
@@ -2612,7 +2609,7 @@
             <a:fld id="{A4B48C2A-19D1-4E4F-B24E-950A3389DC51}" type="slidenum">
               <a:rPr lang="en-US" altLang="fr-FR" sz="1200"/>
               <a:pPr/>
-              <a:t>20</a:t>
+              <a:t>19</a:t>
             </a:fld>
             <a:endParaRPr lang="en-US" altLang="fr-FR" sz="1200"/>
           </a:p>
@@ -2804,7 +2801,7 @@
             <a:fld id="{552CC702-C254-450D-BCA7-2A0DFB582A06}" type="slidenum">
               <a:rPr lang="en-US" altLang="fr-FR" sz="1200"/>
               <a:pPr/>
-              <a:t>21</a:t>
+              <a:t>20</a:t>
             </a:fld>
             <a:endParaRPr lang="en-US" altLang="fr-FR" sz="1200"/>
           </a:p>
@@ -2964,7 +2961,7 @@
               <a:pPr>
                 <a:defRPr/>
               </a:pPr>
-              <a:t>24</a:t>
+              <a:t>23</a:t>
             </a:fld>
             <a:endParaRPr lang="fr-FR"/>
           </a:p>
@@ -9014,595 +9011,6 @@
       </p:grpSpPr>
       <p:sp>
         <p:nvSpPr>
-          <p:cNvPr id="4098" name="Rectangle 2"/>
-          <p:cNvSpPr>
-            <a:spLocks noGrp="1" noChangeArrowheads="1"/>
-          </p:cNvSpPr>
-          <p:nvPr>
-            <p:ph type="title"/>
-          </p:nvPr>
-        </p:nvSpPr>
-        <p:spPr/>
-        <p:txBody>
-          <a:bodyPr/>
-          <a:lstStyle/>
-          <a:p>
-            <a:pPr eaLnBrk="1" hangingPunct="1"/>
-            <a:r>
-              <a:rPr lang="fr-FR" altLang="fr-FR" sz="3323" dirty="0"/>
-              <a:t>Le mécanisme du self</a:t>
-            </a:r>
-          </a:p>
-        </p:txBody>
-      </p:sp>
-      <p:sp>
-        <p:nvSpPr>
-          <p:cNvPr id="4099" name="Rectangle 3"/>
-          <p:cNvSpPr>
-            <a:spLocks noGrp="1" noChangeArrowheads="1"/>
-          </p:cNvSpPr>
-          <p:nvPr>
-            <p:ph type="body" idx="1"/>
-          </p:nvPr>
-        </p:nvSpPr>
-        <p:spPr>
-          <a:xfrm>
-            <a:off x="451339" y="2032489"/>
-            <a:ext cx="3389435" cy="3798277"/>
-          </a:xfrm>
-        </p:spPr>
-        <p:txBody>
-          <a:bodyPr/>
-          <a:lstStyle/>
-          <a:p>
-            <a:pPr eaLnBrk="1" hangingPunct="1"/>
-            <a:endParaRPr lang="fr-FR" altLang="fr-FR" dirty="0"/>
-          </a:p>
-        </p:txBody>
-      </p:sp>
-      <p:sp>
-        <p:nvSpPr>
-          <p:cNvPr id="4100" name="Rectangle 4"/>
-          <p:cNvSpPr>
-            <a:spLocks noChangeArrowheads="1"/>
-          </p:cNvSpPr>
-          <p:nvPr/>
-        </p:nvSpPr>
-        <p:spPr bwMode="auto">
-          <a:xfrm>
-            <a:off x="4506058" y="1833197"/>
-            <a:ext cx="4120662" cy="2127738"/>
-          </a:xfrm>
-          <a:prstGeom prst="rect">
-            <a:avLst/>
-          </a:prstGeom>
-          <a:gradFill rotWithShape="0">
-            <a:gsLst>
-              <a:gs pos="0">
-                <a:schemeClr val="accent1"/>
-              </a:gs>
-              <a:gs pos="100000">
-                <a:schemeClr val="bg1"/>
-              </a:gs>
-            </a:gsLst>
-            <a:lin ang="5400000" scaled="1"/>
-          </a:gradFill>
-          <a:ln w="9525">
-            <a:solidFill>
-              <a:schemeClr val="tx1"/>
-            </a:solidFill>
-            <a:miter lim="800000"/>
-            <a:headEnd/>
-            <a:tailEnd/>
-          </a:ln>
-          <a:effectLst/>
-          <a:extLst>
-            <a:ext uri="{AF507438-7753-43E0-B8FC-AC1667EBCBE1}">
-              <a14:hiddenEffects xmlns:a14="http://schemas.microsoft.com/office/drawing/2010/main">
-                <a:effectLst>
-                  <a:outerShdw dist="35921" dir="2700000" algn="ctr" rotWithShape="0">
-                    <a:schemeClr val="bg2"/>
-                  </a:outerShdw>
-                </a:effectLst>
-              </a14:hiddenEffects>
-            </a:ext>
-          </a:extLst>
-        </p:spPr>
-        <p:txBody>
-          <a:bodyPr wrap="none" anchor="ctr"/>
-          <a:lstStyle>
-            <a:lvl1pPr eaLnBrk="0" hangingPunct="0">
-              <a:defRPr sz="2400">
-                <a:solidFill>
-                  <a:schemeClr val="tx1"/>
-                </a:solidFill>
-                <a:latin typeface="Arial" panose="020B0604020202020204" pitchFamily="34" charset="0"/>
-              </a:defRPr>
-            </a:lvl1pPr>
-            <a:lvl2pPr marL="742950" indent="-285750" eaLnBrk="0" hangingPunct="0">
-              <a:defRPr sz="2400">
-                <a:solidFill>
-                  <a:schemeClr val="tx1"/>
-                </a:solidFill>
-                <a:latin typeface="Arial" panose="020B0604020202020204" pitchFamily="34" charset="0"/>
-              </a:defRPr>
-            </a:lvl2pPr>
-            <a:lvl3pPr marL="1143000" indent="-228600" eaLnBrk="0" hangingPunct="0">
-              <a:defRPr sz="2400">
-                <a:solidFill>
-                  <a:schemeClr val="tx1"/>
-                </a:solidFill>
-                <a:latin typeface="Arial" panose="020B0604020202020204" pitchFamily="34" charset="0"/>
-              </a:defRPr>
-            </a:lvl3pPr>
-            <a:lvl4pPr marL="1600200" indent="-228600" eaLnBrk="0" hangingPunct="0">
-              <a:defRPr sz="2400">
-                <a:solidFill>
-                  <a:schemeClr val="tx1"/>
-                </a:solidFill>
-                <a:latin typeface="Arial" panose="020B0604020202020204" pitchFamily="34" charset="0"/>
-              </a:defRPr>
-            </a:lvl4pPr>
-            <a:lvl5pPr marL="2057400" indent="-228600" eaLnBrk="0" hangingPunct="0">
-              <a:defRPr sz="2400">
-                <a:solidFill>
-                  <a:schemeClr val="tx1"/>
-                </a:solidFill>
-                <a:latin typeface="Arial" panose="020B0604020202020204" pitchFamily="34" charset="0"/>
-              </a:defRPr>
-            </a:lvl5pPr>
-            <a:lvl6pPr marL="2514600" indent="-228600" eaLnBrk="0" fontAlgn="base" hangingPunct="0">
-              <a:spcBef>
-                <a:spcPct val="0"/>
-              </a:spcBef>
-              <a:spcAft>
-                <a:spcPct val="0"/>
-              </a:spcAft>
-              <a:defRPr sz="2400">
-                <a:solidFill>
-                  <a:schemeClr val="tx1"/>
-                </a:solidFill>
-                <a:latin typeface="Arial" panose="020B0604020202020204" pitchFamily="34" charset="0"/>
-              </a:defRPr>
-            </a:lvl6pPr>
-            <a:lvl7pPr marL="2971800" indent="-228600" eaLnBrk="0" fontAlgn="base" hangingPunct="0">
-              <a:spcBef>
-                <a:spcPct val="0"/>
-              </a:spcBef>
-              <a:spcAft>
-                <a:spcPct val="0"/>
-              </a:spcAft>
-              <a:defRPr sz="2400">
-                <a:solidFill>
-                  <a:schemeClr val="tx1"/>
-                </a:solidFill>
-                <a:latin typeface="Arial" panose="020B0604020202020204" pitchFamily="34" charset="0"/>
-              </a:defRPr>
-            </a:lvl7pPr>
-            <a:lvl8pPr marL="3429000" indent="-228600" eaLnBrk="0" fontAlgn="base" hangingPunct="0">
-              <a:spcBef>
-                <a:spcPct val="0"/>
-              </a:spcBef>
-              <a:spcAft>
-                <a:spcPct val="0"/>
-              </a:spcAft>
-              <a:defRPr sz="2400">
-                <a:solidFill>
-                  <a:schemeClr val="tx1"/>
-                </a:solidFill>
-                <a:latin typeface="Arial" panose="020B0604020202020204" pitchFamily="34" charset="0"/>
-              </a:defRPr>
-            </a:lvl8pPr>
-            <a:lvl9pPr marL="3886200" indent="-228600" eaLnBrk="0" fontAlgn="base" hangingPunct="0">
-              <a:spcBef>
-                <a:spcPct val="0"/>
-              </a:spcBef>
-              <a:spcAft>
-                <a:spcPct val="0"/>
-              </a:spcAft>
-              <a:defRPr sz="2400">
-                <a:solidFill>
-                  <a:schemeClr val="tx1"/>
-                </a:solidFill>
-                <a:latin typeface="Arial" panose="020B0604020202020204" pitchFamily="34" charset="0"/>
-              </a:defRPr>
-            </a:lvl9pPr>
-          </a:lstStyle>
-          <a:p>
-            <a:pPr eaLnBrk="1" hangingPunct="1"/>
-            <a:endParaRPr lang="fr-FR" altLang="fr-FR" sz="2215"/>
-          </a:p>
-        </p:txBody>
-      </p:sp>
-      <p:sp>
-        <p:nvSpPr>
-          <p:cNvPr id="4101" name="Rectangle 5"/>
-          <p:cNvSpPr>
-            <a:spLocks noChangeArrowheads="1"/>
-          </p:cNvSpPr>
-          <p:nvPr/>
-        </p:nvSpPr>
-        <p:spPr bwMode="auto">
-          <a:xfrm>
-            <a:off x="4506058" y="3960935"/>
-            <a:ext cx="4120662" cy="2060331"/>
-          </a:xfrm>
-          <a:prstGeom prst="rect">
-            <a:avLst/>
-          </a:prstGeom>
-          <a:gradFill rotWithShape="0">
-            <a:gsLst>
-              <a:gs pos="0">
-                <a:schemeClr val="accent1"/>
-              </a:gs>
-              <a:gs pos="100000">
-                <a:schemeClr val="bg1"/>
-              </a:gs>
-            </a:gsLst>
-            <a:lin ang="5400000" scaled="1"/>
-          </a:gradFill>
-          <a:ln w="9525">
-            <a:solidFill>
-              <a:schemeClr val="tx1"/>
-            </a:solidFill>
-            <a:miter lim="800000"/>
-            <a:headEnd/>
-            <a:tailEnd/>
-          </a:ln>
-          <a:effectLst/>
-          <a:extLst>
-            <a:ext uri="{AF507438-7753-43E0-B8FC-AC1667EBCBE1}">
-              <a14:hiddenEffects xmlns:a14="http://schemas.microsoft.com/office/drawing/2010/main">
-                <a:effectLst>
-                  <a:outerShdw dist="35921" dir="2700000" algn="ctr" rotWithShape="0">
-                    <a:schemeClr val="bg2"/>
-                  </a:outerShdw>
-                </a:effectLst>
-              </a14:hiddenEffects>
-            </a:ext>
-          </a:extLst>
-        </p:spPr>
-        <p:txBody>
-          <a:bodyPr wrap="none" anchor="ctr"/>
-          <a:lstStyle>
-            <a:lvl1pPr eaLnBrk="0" hangingPunct="0">
-              <a:defRPr sz="2400">
-                <a:solidFill>
-                  <a:schemeClr val="tx1"/>
-                </a:solidFill>
-                <a:latin typeface="Arial" panose="020B0604020202020204" pitchFamily="34" charset="0"/>
-              </a:defRPr>
-            </a:lvl1pPr>
-            <a:lvl2pPr marL="742950" indent="-285750" eaLnBrk="0" hangingPunct="0">
-              <a:defRPr sz="2400">
-                <a:solidFill>
-                  <a:schemeClr val="tx1"/>
-                </a:solidFill>
-                <a:latin typeface="Arial" panose="020B0604020202020204" pitchFamily="34" charset="0"/>
-              </a:defRPr>
-            </a:lvl2pPr>
-            <a:lvl3pPr marL="1143000" indent="-228600" eaLnBrk="0" hangingPunct="0">
-              <a:defRPr sz="2400">
-                <a:solidFill>
-                  <a:schemeClr val="tx1"/>
-                </a:solidFill>
-                <a:latin typeface="Arial" panose="020B0604020202020204" pitchFamily="34" charset="0"/>
-              </a:defRPr>
-            </a:lvl3pPr>
-            <a:lvl4pPr marL="1600200" indent="-228600" eaLnBrk="0" hangingPunct="0">
-              <a:defRPr sz="2400">
-                <a:solidFill>
-                  <a:schemeClr val="tx1"/>
-                </a:solidFill>
-                <a:latin typeface="Arial" panose="020B0604020202020204" pitchFamily="34" charset="0"/>
-              </a:defRPr>
-            </a:lvl4pPr>
-            <a:lvl5pPr marL="2057400" indent="-228600" eaLnBrk="0" hangingPunct="0">
-              <a:defRPr sz="2400">
-                <a:solidFill>
-                  <a:schemeClr val="tx1"/>
-                </a:solidFill>
-                <a:latin typeface="Arial" panose="020B0604020202020204" pitchFamily="34" charset="0"/>
-              </a:defRPr>
-            </a:lvl5pPr>
-            <a:lvl6pPr marL="2514600" indent="-228600" eaLnBrk="0" fontAlgn="base" hangingPunct="0">
-              <a:spcBef>
-                <a:spcPct val="0"/>
-              </a:spcBef>
-              <a:spcAft>
-                <a:spcPct val="0"/>
-              </a:spcAft>
-              <a:defRPr sz="2400">
-                <a:solidFill>
-                  <a:schemeClr val="tx1"/>
-                </a:solidFill>
-                <a:latin typeface="Arial" panose="020B0604020202020204" pitchFamily="34" charset="0"/>
-              </a:defRPr>
-            </a:lvl6pPr>
-            <a:lvl7pPr marL="2971800" indent="-228600" eaLnBrk="0" fontAlgn="base" hangingPunct="0">
-              <a:spcBef>
-                <a:spcPct val="0"/>
-              </a:spcBef>
-              <a:spcAft>
-                <a:spcPct val="0"/>
-              </a:spcAft>
-              <a:defRPr sz="2400">
-                <a:solidFill>
-                  <a:schemeClr val="tx1"/>
-                </a:solidFill>
-                <a:latin typeface="Arial" panose="020B0604020202020204" pitchFamily="34" charset="0"/>
-              </a:defRPr>
-            </a:lvl7pPr>
-            <a:lvl8pPr marL="3429000" indent="-228600" eaLnBrk="0" fontAlgn="base" hangingPunct="0">
-              <a:spcBef>
-                <a:spcPct val="0"/>
-              </a:spcBef>
-              <a:spcAft>
-                <a:spcPct val="0"/>
-              </a:spcAft>
-              <a:defRPr sz="2400">
-                <a:solidFill>
-                  <a:schemeClr val="tx1"/>
-                </a:solidFill>
-                <a:latin typeface="Arial" panose="020B0604020202020204" pitchFamily="34" charset="0"/>
-              </a:defRPr>
-            </a:lvl8pPr>
-            <a:lvl9pPr marL="3886200" indent="-228600" eaLnBrk="0" fontAlgn="base" hangingPunct="0">
-              <a:spcBef>
-                <a:spcPct val="0"/>
-              </a:spcBef>
-              <a:spcAft>
-                <a:spcPct val="0"/>
-              </a:spcAft>
-              <a:defRPr sz="2400">
-                <a:solidFill>
-                  <a:schemeClr val="tx1"/>
-                </a:solidFill>
-                <a:latin typeface="Arial" panose="020B0604020202020204" pitchFamily="34" charset="0"/>
-              </a:defRPr>
-            </a:lvl9pPr>
-          </a:lstStyle>
-          <a:p>
-            <a:pPr eaLnBrk="1" hangingPunct="1"/>
-            <a:endParaRPr lang="fr-FR" altLang="fr-FR" sz="2215"/>
-          </a:p>
-        </p:txBody>
-      </p:sp>
-    </p:spTree>
-    <p:extLst>
-      <p:ext uri="{BB962C8B-B14F-4D97-AF65-F5344CB8AC3E}">
-        <p14:creationId xmlns:p14="http://schemas.microsoft.com/office/powerpoint/2010/main" val="4270029022"/>
-      </p:ext>
-    </p:extLst>
-  </p:cSld>
-  <p:clrMapOvr>
-    <a:masterClrMapping/>
-  </p:clrMapOvr>
-</p:sld>
-</file>
-
-<file path=ppt/slides/slide2.xml><?xml version="1.0" encoding="utf-8"?>
-<p:sld xmlns:a="http://schemas.openxmlformats.org/drawingml/2006/main" xmlns:r="http://schemas.openxmlformats.org/officeDocument/2006/relationships" xmlns:p="http://schemas.openxmlformats.org/presentationml/2006/main">
-  <p:cSld>
-    <p:spTree>
-      <p:nvGrpSpPr>
-        <p:cNvPr id="1" name=""/>
-        <p:cNvGrpSpPr/>
-        <p:nvPr/>
-      </p:nvGrpSpPr>
-      <p:grpSpPr>
-        <a:xfrm>
-          <a:off x="0" y="0"/>
-          <a:ext cx="0" cy="0"/>
-          <a:chOff x="0" y="0"/>
-          <a:chExt cx="0" cy="0"/>
-        </a:xfrm>
-      </p:grpSpPr>
-      <p:sp>
-        <p:nvSpPr>
-          <p:cNvPr id="8194" name="Rectangle 2"/>
-          <p:cNvSpPr>
-            <a:spLocks noGrp="1" noChangeArrowheads="1"/>
-          </p:cNvSpPr>
-          <p:nvPr>
-            <p:ph type="title"/>
-          </p:nvPr>
-        </p:nvSpPr>
-        <p:spPr/>
-        <p:txBody>
-          <a:bodyPr/>
-          <a:lstStyle/>
-          <a:p>
-            <a:pPr>
-              <a:buClr>
-                <a:schemeClr val="accent2"/>
-              </a:buClr>
-            </a:pPr>
-            <a:r>
-              <a:rPr lang="en-US" altLang="fr-FR" dirty="0">
-                <a:solidFill>
-                  <a:srgbClr val="000000"/>
-                </a:solidFill>
-              </a:rPr>
-              <a:t>Classes et </a:t>
-            </a:r>
-            <a:r>
-              <a:rPr lang="en-US" altLang="fr-FR" dirty="0" err="1">
-                <a:solidFill>
-                  <a:srgbClr val="000000"/>
-                </a:solidFill>
-              </a:rPr>
-              <a:t>objets</a:t>
-            </a:r>
-            <a:endParaRPr lang="en-US" altLang="fr-FR" dirty="0"/>
-          </a:p>
-        </p:txBody>
-      </p:sp>
-      <p:sp>
-        <p:nvSpPr>
-          <p:cNvPr id="8195" name="Rectangle 3"/>
-          <p:cNvSpPr>
-            <a:spLocks noGrp="1" noChangeArrowheads="1"/>
-          </p:cNvSpPr>
-          <p:nvPr>
-            <p:ph type="body" idx="1"/>
-          </p:nvPr>
-        </p:nvSpPr>
-        <p:spPr/>
-        <p:txBody>
-          <a:bodyPr/>
-          <a:lstStyle/>
-          <a:p>
-            <a:r>
-              <a:rPr lang="en-US" altLang="fr-FR" dirty="0" err="1">
-                <a:solidFill>
-                  <a:srgbClr val="000000"/>
-                </a:solidFill>
-              </a:rPr>
-              <a:t>Qu'est-ce</a:t>
-            </a:r>
-            <a:r>
-              <a:rPr lang="en-US" altLang="fr-FR" dirty="0">
-                <a:solidFill>
-                  <a:srgbClr val="000000"/>
-                </a:solidFill>
-              </a:rPr>
-              <a:t> </a:t>
-            </a:r>
-            <a:r>
-              <a:rPr lang="en-US" altLang="fr-FR" dirty="0" err="1">
-                <a:solidFill>
-                  <a:srgbClr val="000000"/>
-                </a:solidFill>
-              </a:rPr>
-              <a:t>qu'une</a:t>
-            </a:r>
-            <a:r>
-              <a:rPr lang="en-US" altLang="fr-FR" dirty="0">
-                <a:solidFill>
-                  <a:srgbClr val="000000"/>
-                </a:solidFill>
-              </a:rPr>
-              <a:t> </a:t>
-            </a:r>
-            <a:r>
-              <a:rPr lang="en-US" altLang="fr-FR" dirty="0" err="1">
-                <a:solidFill>
-                  <a:srgbClr val="000000"/>
-                </a:solidFill>
-              </a:rPr>
-              <a:t>classe</a:t>
-            </a:r>
-            <a:r>
-              <a:rPr lang="en-US" altLang="fr-FR" dirty="0">
-                <a:solidFill>
-                  <a:srgbClr val="000000"/>
-                </a:solidFill>
-              </a:rPr>
-              <a:t> ?</a:t>
-            </a:r>
-            <a:endParaRPr lang="en-GB" altLang="fr-FR" dirty="0"/>
-          </a:p>
-          <a:p>
-            <a:r>
-              <a:rPr lang="en-US" altLang="fr-FR" dirty="0" err="1">
-                <a:solidFill>
-                  <a:srgbClr val="000000"/>
-                </a:solidFill>
-              </a:rPr>
-              <a:t>Qu'est-ce</a:t>
-            </a:r>
-            <a:r>
-              <a:rPr lang="en-US" altLang="fr-FR" dirty="0">
-                <a:solidFill>
-                  <a:srgbClr val="000000"/>
-                </a:solidFill>
-              </a:rPr>
-              <a:t> </a:t>
-            </a:r>
-            <a:r>
-              <a:rPr lang="en-US" altLang="fr-FR" dirty="0" err="1">
-                <a:solidFill>
-                  <a:srgbClr val="000000"/>
-                </a:solidFill>
-              </a:rPr>
-              <a:t>qu'un</a:t>
-            </a:r>
-            <a:r>
-              <a:rPr lang="en-US" altLang="fr-FR" dirty="0">
-                <a:solidFill>
-                  <a:srgbClr val="000000"/>
-                </a:solidFill>
-              </a:rPr>
-              <a:t> </a:t>
-            </a:r>
-            <a:r>
-              <a:rPr lang="en-US" altLang="fr-FR" dirty="0" err="1">
-                <a:solidFill>
-                  <a:srgbClr val="000000"/>
-                </a:solidFill>
-              </a:rPr>
-              <a:t>objet</a:t>
-            </a:r>
-            <a:r>
-              <a:rPr lang="en-US" altLang="fr-FR" dirty="0">
-                <a:solidFill>
-                  <a:srgbClr val="000000"/>
-                </a:solidFill>
-              </a:rPr>
-              <a:t> ?</a:t>
-            </a:r>
-            <a:endParaRPr lang="en-GB" altLang="fr-FR" dirty="0"/>
-          </a:p>
-          <a:p>
-            <a:r>
-              <a:rPr lang="en-US" altLang="fr-FR">
-                <a:solidFill>
-                  <a:srgbClr val="000000"/>
-                </a:solidFill>
-              </a:rPr>
-              <a:t>Abstraction</a:t>
-            </a:r>
-            <a:endParaRPr lang="en-GB" altLang="fr-FR" dirty="0">
-              <a:solidFill>
-                <a:srgbClr val="000000"/>
-              </a:solidFill>
-            </a:endParaRPr>
-          </a:p>
-        </p:txBody>
-      </p:sp>
-    </p:spTree>
-    <p:extLst>
-      <p:ext uri="{BB962C8B-B14F-4D97-AF65-F5344CB8AC3E}">
-        <p14:creationId xmlns:p14="http://schemas.microsoft.com/office/powerpoint/2010/main" val="3024284210"/>
-      </p:ext>
-    </p:extLst>
-  </p:cSld>
-  <p:clrMapOvr>
-    <a:masterClrMapping/>
-  </p:clrMapOvr>
-</p:sld>
-</file>
-
-<file path=ppt/slides/slide20.xml><?xml version="1.0" encoding="utf-8"?>
-<p:sld xmlns:a="http://schemas.openxmlformats.org/drawingml/2006/main" xmlns:r="http://schemas.openxmlformats.org/officeDocument/2006/relationships" xmlns:p="http://schemas.openxmlformats.org/presentationml/2006/main">
-  <p:cSld>
-    <p:spTree>
-      <p:nvGrpSpPr>
-        <p:cNvPr id="1" name=""/>
-        <p:cNvGrpSpPr/>
-        <p:nvPr/>
-      </p:nvGrpSpPr>
-      <p:grpSpPr>
-        <a:xfrm>
-          <a:off x="0" y="0"/>
-          <a:ext cx="0" cy="0"/>
-          <a:chOff x="0" y="0"/>
-          <a:chExt cx="0" cy="0"/>
-        </a:xfrm>
-      </p:grpSpPr>
-      <p:sp>
-        <p:nvSpPr>
           <p:cNvPr id="22530" name="Rectangle 28"/>
           <p:cNvSpPr>
             <a:spLocks noChangeArrowheads="1"/>
@@ -12605,7 +12013,210 @@
 </p:sld>
 </file>
 
-<file path=ppt/slides/slide21.xml><?xml version="1.0" encoding="utf-8"?>
+<file path=ppt/slides/slide2.xml><?xml version="1.0" encoding="utf-8"?>
+<p:sld xmlns:a="http://schemas.openxmlformats.org/drawingml/2006/main" xmlns:r="http://schemas.openxmlformats.org/officeDocument/2006/relationships" xmlns:p="http://schemas.openxmlformats.org/presentationml/2006/main">
+  <p:cSld>
+    <p:spTree>
+      <p:nvGrpSpPr>
+        <p:cNvPr id="1" name=""/>
+        <p:cNvGrpSpPr/>
+        <p:nvPr/>
+      </p:nvGrpSpPr>
+      <p:grpSpPr>
+        <a:xfrm>
+          <a:off x="0" y="0"/>
+          <a:ext cx="0" cy="0"/>
+          <a:chOff x="0" y="0"/>
+          <a:chExt cx="0" cy="0"/>
+        </a:xfrm>
+      </p:grpSpPr>
+      <p:sp>
+        <p:nvSpPr>
+          <p:cNvPr id="8194" name="Rectangle 2"/>
+          <p:cNvSpPr>
+            <a:spLocks noGrp="1" noChangeArrowheads="1"/>
+          </p:cNvSpPr>
+          <p:nvPr>
+            <p:ph type="title"/>
+          </p:nvPr>
+        </p:nvSpPr>
+        <p:spPr/>
+        <p:txBody>
+          <a:bodyPr/>
+          <a:lstStyle/>
+          <a:p>
+            <a:pPr>
+              <a:buClr>
+                <a:schemeClr val="accent2"/>
+              </a:buClr>
+            </a:pPr>
+            <a:r>
+              <a:rPr lang="en-US" altLang="fr-FR" dirty="0">
+                <a:solidFill>
+                  <a:srgbClr val="000000"/>
+                </a:solidFill>
+              </a:rPr>
+              <a:t>Classes et </a:t>
+            </a:r>
+            <a:r>
+              <a:rPr lang="en-US" altLang="fr-FR" dirty="0" err="1">
+                <a:solidFill>
+                  <a:srgbClr val="000000"/>
+                </a:solidFill>
+              </a:rPr>
+              <a:t>objets</a:t>
+            </a:r>
+            <a:endParaRPr lang="en-US" altLang="fr-FR" dirty="0"/>
+          </a:p>
+        </p:txBody>
+      </p:sp>
+      <p:sp>
+        <p:nvSpPr>
+          <p:cNvPr id="8195" name="Rectangle 3"/>
+          <p:cNvSpPr>
+            <a:spLocks noGrp="1" noChangeArrowheads="1"/>
+          </p:cNvSpPr>
+          <p:nvPr>
+            <p:ph type="body" idx="1"/>
+          </p:nvPr>
+        </p:nvSpPr>
+        <p:spPr/>
+        <p:txBody>
+          <a:bodyPr/>
+          <a:lstStyle/>
+          <a:p>
+            <a:r>
+              <a:rPr lang="en-US" altLang="fr-FR" dirty="0" err="1">
+                <a:solidFill>
+                  <a:srgbClr val="000000"/>
+                </a:solidFill>
+              </a:rPr>
+              <a:t>Qu'est-ce</a:t>
+            </a:r>
+            <a:r>
+              <a:rPr lang="en-US" altLang="fr-FR" dirty="0">
+                <a:solidFill>
+                  <a:srgbClr val="000000"/>
+                </a:solidFill>
+              </a:rPr>
+              <a:t> </a:t>
+            </a:r>
+            <a:r>
+              <a:rPr lang="en-US" altLang="fr-FR" dirty="0" err="1">
+                <a:solidFill>
+                  <a:srgbClr val="000000"/>
+                </a:solidFill>
+              </a:rPr>
+              <a:t>qu'une</a:t>
+            </a:r>
+            <a:r>
+              <a:rPr lang="en-US" altLang="fr-FR" dirty="0">
+                <a:solidFill>
+                  <a:srgbClr val="000000"/>
+                </a:solidFill>
+              </a:rPr>
+              <a:t> </a:t>
+            </a:r>
+            <a:r>
+              <a:rPr lang="en-US" altLang="fr-FR" dirty="0" err="1">
+                <a:solidFill>
+                  <a:srgbClr val="000000"/>
+                </a:solidFill>
+              </a:rPr>
+              <a:t>classe</a:t>
+            </a:r>
+            <a:r>
+              <a:rPr lang="en-US" altLang="fr-FR" dirty="0">
+                <a:solidFill>
+                  <a:srgbClr val="000000"/>
+                </a:solidFill>
+              </a:rPr>
+              <a:t> ?</a:t>
+            </a:r>
+            <a:endParaRPr lang="en-GB" altLang="fr-FR" dirty="0"/>
+          </a:p>
+          <a:p>
+            <a:r>
+              <a:rPr lang="en-US" altLang="fr-FR" dirty="0" err="1">
+                <a:solidFill>
+                  <a:srgbClr val="000000"/>
+                </a:solidFill>
+              </a:rPr>
+              <a:t>Qu'est-ce</a:t>
+            </a:r>
+            <a:r>
+              <a:rPr lang="en-US" altLang="fr-FR" dirty="0">
+                <a:solidFill>
+                  <a:srgbClr val="000000"/>
+                </a:solidFill>
+              </a:rPr>
+              <a:t> </a:t>
+            </a:r>
+            <a:r>
+              <a:rPr lang="en-US" altLang="fr-FR" dirty="0" err="1">
+                <a:solidFill>
+                  <a:srgbClr val="000000"/>
+                </a:solidFill>
+              </a:rPr>
+              <a:t>qu'un</a:t>
+            </a:r>
+            <a:r>
+              <a:rPr lang="en-US" altLang="fr-FR" dirty="0">
+                <a:solidFill>
+                  <a:srgbClr val="000000"/>
+                </a:solidFill>
+              </a:rPr>
+              <a:t> </a:t>
+            </a:r>
+            <a:r>
+              <a:rPr lang="en-US" altLang="fr-FR" dirty="0" err="1">
+                <a:solidFill>
+                  <a:srgbClr val="000000"/>
+                </a:solidFill>
+              </a:rPr>
+              <a:t>objet</a:t>
+            </a:r>
+            <a:r>
+              <a:rPr lang="en-US" altLang="fr-FR" dirty="0">
+                <a:solidFill>
+                  <a:srgbClr val="000000"/>
+                </a:solidFill>
+              </a:rPr>
+              <a:t> ?</a:t>
+            </a:r>
+            <a:endParaRPr lang="en-GB" altLang="fr-FR" dirty="0"/>
+          </a:p>
+          <a:p>
+            <a:r>
+              <a:rPr lang="en-US" altLang="fr-FR" dirty="0">
+                <a:solidFill>
+                  <a:srgbClr val="000000"/>
+                </a:solidFill>
+              </a:rPr>
+              <a:t>Abstraction</a:t>
+            </a:r>
+            <a:endParaRPr lang="en-GB" altLang="fr-FR" dirty="0">
+              <a:solidFill>
+                <a:srgbClr val="000000"/>
+              </a:solidFill>
+            </a:endParaRPr>
+          </a:p>
+        </p:txBody>
+      </p:sp>
+    </p:spTree>
+    <p:extLst>
+      <p:ext uri="{BB962C8B-B14F-4D97-AF65-F5344CB8AC3E}">
+        <p14:creationId xmlns:p14="http://schemas.microsoft.com/office/powerpoint/2010/main" val="3024284210"/>
+      </p:ext>
+    </p:extLst>
+  </p:cSld>
+  <p:clrMapOvr>
+    <a:masterClrMapping/>
+  </p:clrMapOvr>
+</p:sld>
+</file>
+
+<file path=ppt/slides/slide20.xml><?xml version="1.0" encoding="utf-8"?>
 <p:sld xmlns:a="http://schemas.openxmlformats.org/drawingml/2006/main" xmlns:r="http://schemas.openxmlformats.org/officeDocument/2006/relationships" xmlns:p="http://schemas.openxmlformats.org/presentationml/2006/main">
   <p:cSld>
     <p:spTree>
@@ -15099,6 +14710,119 @@
 </p:sld>
 </file>
 
+<file path=ppt/slides/slide21.xml><?xml version="1.0" encoding="utf-8"?>
+<p:sld xmlns:a="http://schemas.openxmlformats.org/drawingml/2006/main" xmlns:r="http://schemas.openxmlformats.org/officeDocument/2006/relationships" xmlns:p="http://schemas.openxmlformats.org/presentationml/2006/main">
+  <p:cSld>
+    <p:spTree>
+      <p:nvGrpSpPr>
+        <p:cNvPr id="1" name=""/>
+        <p:cNvGrpSpPr/>
+        <p:nvPr/>
+      </p:nvGrpSpPr>
+      <p:grpSpPr>
+        <a:xfrm>
+          <a:off x="0" y="0"/>
+          <a:ext cx="0" cy="0"/>
+          <a:chOff x="0" y="0"/>
+          <a:chExt cx="0" cy="0"/>
+        </a:xfrm>
+      </p:grpSpPr>
+      <p:sp>
+        <p:nvSpPr>
+          <p:cNvPr id="2" name="Titre 1"/>
+          <p:cNvSpPr>
+            <a:spLocks noGrp="1"/>
+          </p:cNvSpPr>
+          <p:nvPr>
+            <p:ph type="title"/>
+          </p:nvPr>
+        </p:nvSpPr>
+        <p:spPr/>
+        <p:txBody>
+          <a:bodyPr/>
+          <a:lstStyle/>
+          <a:p>
+            <a:r>
+              <a:rPr lang="fr-FR" dirty="0"/>
+              <a:t>Problème d’encapsulation</a:t>
+            </a:r>
+          </a:p>
+        </p:txBody>
+      </p:sp>
+      <p:sp>
+        <p:nvSpPr>
+          <p:cNvPr id="3" name="Espace réservé du contenu 2"/>
+          <p:cNvSpPr>
+            <a:spLocks noGrp="1"/>
+          </p:cNvSpPr>
+          <p:nvPr>
+            <p:ph idx="1"/>
+          </p:nvPr>
+        </p:nvSpPr>
+        <p:spPr/>
+        <p:txBody>
+          <a:bodyPr/>
+          <a:lstStyle/>
+          <a:p>
+            <a:r>
+              <a:rPr lang="fr-FR" dirty="0"/>
+              <a:t>Python ne permet pas de modifier la visibilité d’un attribut</a:t>
+            </a:r>
+          </a:p>
+          <a:p>
+            <a:pPr lvl="1"/>
+            <a:r>
+              <a:rPr lang="fr-FR" dirty="0"/>
+              <a:t>Pas de public, </a:t>
+            </a:r>
+            <a:r>
+              <a:rPr lang="fr-FR" dirty="0" err="1"/>
+              <a:t>private</a:t>
+            </a:r>
+            <a:endParaRPr lang="fr-FR" dirty="0"/>
+          </a:p>
+          <a:p>
+            <a:pPr lvl="1"/>
+            <a:r>
+              <a:rPr lang="fr-FR" dirty="0"/>
+              <a:t>Problème pour une encapsulation correcte</a:t>
+            </a:r>
+          </a:p>
+          <a:p>
+            <a:r>
+              <a:rPr lang="fr-FR" dirty="0"/>
+              <a:t>Norme de codage</a:t>
+            </a:r>
+          </a:p>
+          <a:p>
+            <a:pPr lvl="1"/>
+            <a:r>
+              <a:rPr lang="fr-FR" dirty="0"/>
+              <a:t>Un attribut ou une méthode privée est préfixée par _</a:t>
+            </a:r>
+          </a:p>
+          <a:p>
+            <a:pPr lvl="1"/>
+            <a:r>
+              <a:rPr lang="fr-FR" dirty="0"/>
+              <a:t>Tous les attributs</a:t>
+            </a:r>
+          </a:p>
+        </p:txBody>
+      </p:sp>
+    </p:spTree>
+    <p:extLst>
+      <p:ext uri="{BB962C8B-B14F-4D97-AF65-F5344CB8AC3E}">
+        <p14:creationId xmlns:p14="http://schemas.microsoft.com/office/powerpoint/2010/main" val="1684608354"/>
+      </p:ext>
+    </p:extLst>
+  </p:cSld>
+  <p:clrMapOvr>
+    <a:masterClrMapping/>
+  </p:clrMapOvr>
+</p:sld>
+</file>
+
 <file path=ppt/slides/slide22.xml><?xml version="1.0" encoding="utf-8"?>
 <p:sld xmlns:a="http://schemas.openxmlformats.org/drawingml/2006/main" xmlns:r="http://schemas.openxmlformats.org/officeDocument/2006/relationships" xmlns:p="http://schemas.openxmlformats.org/presentationml/2006/main">
   <p:cSld>
@@ -15133,119 +14857,6 @@
           <a:p>
             <a:r>
               <a:rPr lang="fr-FR" dirty="0"/>
-              <a:t>Problème d’encapsulation</a:t>
-            </a:r>
-          </a:p>
-        </p:txBody>
-      </p:sp>
-      <p:sp>
-        <p:nvSpPr>
-          <p:cNvPr id="3" name="Espace réservé du contenu 2"/>
-          <p:cNvSpPr>
-            <a:spLocks noGrp="1"/>
-          </p:cNvSpPr>
-          <p:nvPr>
-            <p:ph idx="1"/>
-          </p:nvPr>
-        </p:nvSpPr>
-        <p:spPr/>
-        <p:txBody>
-          <a:bodyPr/>
-          <a:lstStyle/>
-          <a:p>
-            <a:r>
-              <a:rPr lang="fr-FR" dirty="0"/>
-              <a:t>Python ne permet pas de modifier la visibilité d’un attribut</a:t>
-            </a:r>
-          </a:p>
-          <a:p>
-            <a:pPr lvl="1"/>
-            <a:r>
-              <a:rPr lang="fr-FR" dirty="0"/>
-              <a:t>Pas de public, </a:t>
-            </a:r>
-            <a:r>
-              <a:rPr lang="fr-FR" dirty="0" err="1"/>
-              <a:t>private</a:t>
-            </a:r>
-            <a:endParaRPr lang="fr-FR" dirty="0"/>
-          </a:p>
-          <a:p>
-            <a:pPr lvl="1"/>
-            <a:r>
-              <a:rPr lang="fr-FR" dirty="0"/>
-              <a:t>Problème pour une encapsulation correcte</a:t>
-            </a:r>
-          </a:p>
-          <a:p>
-            <a:r>
-              <a:rPr lang="fr-FR" dirty="0"/>
-              <a:t>Norme de codage</a:t>
-            </a:r>
-          </a:p>
-          <a:p>
-            <a:pPr lvl="1"/>
-            <a:r>
-              <a:rPr lang="fr-FR" dirty="0"/>
-              <a:t>Un attribut ou une méthode privée est préfixée par _</a:t>
-            </a:r>
-          </a:p>
-          <a:p>
-            <a:pPr lvl="1"/>
-            <a:r>
-              <a:rPr lang="fr-FR" dirty="0"/>
-              <a:t>Tous les attributs</a:t>
-            </a:r>
-          </a:p>
-        </p:txBody>
-      </p:sp>
-    </p:spTree>
-    <p:extLst>
-      <p:ext uri="{BB962C8B-B14F-4D97-AF65-F5344CB8AC3E}">
-        <p14:creationId xmlns:p14="http://schemas.microsoft.com/office/powerpoint/2010/main" val="1684608354"/>
-      </p:ext>
-    </p:extLst>
-  </p:cSld>
-  <p:clrMapOvr>
-    <a:masterClrMapping/>
-  </p:clrMapOvr>
-</p:sld>
-</file>
-
-<file path=ppt/slides/slide23.xml><?xml version="1.0" encoding="utf-8"?>
-<p:sld xmlns:a="http://schemas.openxmlformats.org/drawingml/2006/main" xmlns:r="http://schemas.openxmlformats.org/officeDocument/2006/relationships" xmlns:p="http://schemas.openxmlformats.org/presentationml/2006/main">
-  <p:cSld>
-    <p:spTree>
-      <p:nvGrpSpPr>
-        <p:cNvPr id="1" name=""/>
-        <p:cNvGrpSpPr/>
-        <p:nvPr/>
-      </p:nvGrpSpPr>
-      <p:grpSpPr>
-        <a:xfrm>
-          <a:off x="0" y="0"/>
-          <a:ext cx="0" cy="0"/>
-          <a:chOff x="0" y="0"/>
-          <a:chExt cx="0" cy="0"/>
-        </a:xfrm>
-      </p:grpSpPr>
-      <p:sp>
-        <p:nvSpPr>
-          <p:cNvPr id="2" name="Titre 1"/>
-          <p:cNvSpPr>
-            <a:spLocks noGrp="1"/>
-          </p:cNvSpPr>
-          <p:nvPr>
-            <p:ph type="title"/>
-          </p:nvPr>
-        </p:nvSpPr>
-        <p:spPr/>
-        <p:txBody>
-          <a:bodyPr/>
-          <a:lstStyle/>
-          <a:p>
-            <a:r>
-              <a:rPr lang="fr-FR" dirty="0"/>
               <a:t>Getter et Setter</a:t>
             </a:r>
           </a:p>
@@ -15325,7 +14936,7 @@
 </p:sld>
 </file>
 
-<file path=ppt/slides/slide24.xml><?xml version="1.0" encoding="utf-8"?>
+<file path=ppt/slides/slide23.xml><?xml version="1.0" encoding="utf-8"?>
 <p:sld xmlns:a="http://schemas.openxmlformats.org/drawingml/2006/main" xmlns:r="http://schemas.openxmlformats.org/officeDocument/2006/relationships" xmlns:p="http://schemas.openxmlformats.org/presentationml/2006/main">
   <p:cSld>
     <p:spTree>
@@ -15461,7 +15072,7 @@
 </p:sld>
 </file>
 
-<file path=ppt/slides/slide25.xml><?xml version="1.0" encoding="utf-8"?>
+<file path=ppt/slides/slide24.xml><?xml version="1.0" encoding="utf-8"?>
 <p:sld xmlns:a="http://schemas.openxmlformats.org/drawingml/2006/main" xmlns:r="http://schemas.openxmlformats.org/officeDocument/2006/relationships" xmlns:p="http://schemas.openxmlformats.org/presentationml/2006/main">
   <p:cSld>
     <p:spTree>
@@ -15584,7 +15195,7 @@
 </p:sld>
 </file>
 
-<file path=ppt/slides/slide26.xml><?xml version="1.0" encoding="utf-8"?>
+<file path=ppt/slides/slide25.xml><?xml version="1.0" encoding="utf-8"?>
 <p:sld xmlns:a="http://schemas.openxmlformats.org/drawingml/2006/main" xmlns:r="http://schemas.openxmlformats.org/officeDocument/2006/relationships" xmlns:p="http://schemas.openxmlformats.org/presentationml/2006/main">
   <p:cSld>
     <p:spTree>
@@ -15686,7 +15297,7 @@
 </p:sld>
 </file>
 
-<file path=ppt/slides/slide27.xml><?xml version="1.0" encoding="utf-8"?>
+<file path=ppt/slides/slide26.xml><?xml version="1.0" encoding="utf-8"?>
 <p:sld xmlns:a="http://schemas.openxmlformats.org/drawingml/2006/main" xmlns:r="http://schemas.openxmlformats.org/officeDocument/2006/relationships" xmlns:p="http://schemas.openxmlformats.org/presentationml/2006/main">
   <p:cSld>
     <p:spTree>
@@ -18261,7 +17872,7 @@
 </p:sld>
 </file>
 
-<file path=ppt/slides/slide28.xml><?xml version="1.0" encoding="utf-8"?>
+<file path=ppt/slides/slide27.xml><?xml version="1.0" encoding="utf-8"?>
 <p:sld xmlns:a="http://schemas.openxmlformats.org/drawingml/2006/main" xmlns:r="http://schemas.openxmlformats.org/officeDocument/2006/relationships" xmlns:p="http://schemas.openxmlformats.org/presentationml/2006/main">
   <p:cSld>
     <p:spTree>
@@ -18378,7 +17989,7 @@
 </p:sld>
 </file>
 
-<file path=ppt/slides/slide29.xml><?xml version="1.0" encoding="utf-8"?>
+<file path=ppt/slides/slide28.xml><?xml version="1.0" encoding="utf-8"?>
 <p:sld xmlns:a="http://schemas.openxmlformats.org/drawingml/2006/main" xmlns:r="http://schemas.openxmlformats.org/officeDocument/2006/relationships" xmlns:p="http://schemas.openxmlformats.org/presentationml/2006/main">
   <p:cSld>
     <p:spTree>
@@ -21477,6 +21088,139 @@
 </p:sld>
 </file>
 
+<file path=ppt/slides/slide29.xml><?xml version="1.0" encoding="utf-8"?>
+<p:sld xmlns:a="http://schemas.openxmlformats.org/drawingml/2006/main" xmlns:r="http://schemas.openxmlformats.org/officeDocument/2006/relationships" xmlns:p="http://schemas.openxmlformats.org/presentationml/2006/main">
+  <p:cSld>
+    <p:spTree>
+      <p:nvGrpSpPr>
+        <p:cNvPr id="1" name=""/>
+        <p:cNvGrpSpPr/>
+        <p:nvPr/>
+      </p:nvGrpSpPr>
+      <p:grpSpPr>
+        <a:xfrm>
+          <a:off x="0" y="0"/>
+          <a:ext cx="0" cy="0"/>
+          <a:chOff x="0" y="0"/>
+          <a:chExt cx="0" cy="0"/>
+        </a:xfrm>
+      </p:grpSpPr>
+      <p:sp>
+        <p:nvSpPr>
+          <p:cNvPr id="2" name="Titre 1"/>
+          <p:cNvSpPr>
+            <a:spLocks noGrp="1"/>
+          </p:cNvSpPr>
+          <p:nvPr>
+            <p:ph type="title"/>
+          </p:nvPr>
+        </p:nvSpPr>
+        <p:spPr/>
+        <p:txBody>
+          <a:bodyPr/>
+          <a:lstStyle/>
+          <a:p>
+            <a:r>
+              <a:rPr lang="fr-FR" dirty="0"/>
+              <a:t>Méthodes statiques</a:t>
+            </a:r>
+          </a:p>
+        </p:txBody>
+      </p:sp>
+      <p:sp>
+        <p:nvSpPr>
+          <p:cNvPr id="3" name="Espace réservé du contenu 2"/>
+          <p:cNvSpPr>
+            <a:spLocks noGrp="1"/>
+          </p:cNvSpPr>
+          <p:nvPr>
+            <p:ph idx="1"/>
+          </p:nvPr>
+        </p:nvSpPr>
+        <p:spPr/>
+        <p:txBody>
+          <a:bodyPr/>
+          <a:lstStyle/>
+          <a:p>
+            <a:r>
+              <a:rPr lang="fr-FR" dirty="0"/>
+              <a:t>En Python, les méthodes statiques sont des méthodes de la classe sans self</a:t>
+            </a:r>
+          </a:p>
+          <a:p>
+            <a:pPr lvl="1"/>
+            <a:r>
+              <a:rPr lang="fr-FR" dirty="0"/>
+              <a:t>Décoration @</a:t>
+            </a:r>
+            <a:r>
+              <a:rPr lang="fr-FR" dirty="0" err="1"/>
+              <a:t>staticmethod</a:t>
+            </a:r>
+            <a:r>
+              <a:rPr lang="fr-FR" dirty="0"/>
+              <a:t> ou @</a:t>
+            </a:r>
+            <a:r>
+              <a:rPr lang="fr-FR" dirty="0" err="1"/>
+              <a:t>classmethod</a:t>
+            </a:r>
+            <a:endParaRPr lang="fr-FR" dirty="0"/>
+          </a:p>
+          <a:p>
+            <a:pPr lvl="1"/>
+            <a:r>
+              <a:rPr lang="fr-FR" dirty="0"/>
+              <a:t>@</a:t>
+            </a:r>
+            <a:r>
+              <a:rPr lang="fr-FR" dirty="0" err="1"/>
+              <a:t>classmethod</a:t>
+            </a:r>
+            <a:r>
+              <a:rPr lang="fr-FR" dirty="0"/>
+              <a:t> prend comme premier argument la classe</a:t>
+            </a:r>
+          </a:p>
+        </p:txBody>
+      </p:sp>
+      <p:pic>
+        <p:nvPicPr>
+          <p:cNvPr id="4" name="Image 3"/>
+          <p:cNvPicPr>
+            <a:picLocks noChangeAspect="1"/>
+          </p:cNvPicPr>
+          <p:nvPr/>
+        </p:nvPicPr>
+        <p:blipFill>
+          <a:blip r:embed="rId2"/>
+          <a:stretch>
+            <a:fillRect/>
+          </a:stretch>
+        </p:blipFill>
+        <p:spPr>
+          <a:xfrm>
+            <a:off x="2771800" y="3356992"/>
+            <a:ext cx="3257354" cy="3096344"/>
+          </a:xfrm>
+          <a:prstGeom prst="rect">
+            <a:avLst/>
+          </a:prstGeom>
+        </p:spPr>
+      </p:pic>
+    </p:spTree>
+    <p:extLst>
+      <p:ext uri="{BB962C8B-B14F-4D97-AF65-F5344CB8AC3E}">
+        <p14:creationId xmlns:p14="http://schemas.microsoft.com/office/powerpoint/2010/main" val="1800326302"/>
+      </p:ext>
+    </p:extLst>
+  </p:cSld>
+  <p:clrMapOvr>
+    <a:masterClrMapping/>
+  </p:clrMapOvr>
+</p:sld>
+</file>
+
 <file path=ppt/slides/slide3.xml><?xml version="1.0" encoding="utf-8"?>
 <p:sld xmlns:a="http://schemas.openxmlformats.org/drawingml/2006/main" xmlns:r="http://schemas.openxmlformats.org/officeDocument/2006/relationships" xmlns:p="http://schemas.openxmlformats.org/presentationml/2006/main">
   <p:cSld>
@@ -22060,139 +21804,6 @@
           <a:lstStyle/>
           <a:p>
             <a:r>
-              <a:rPr lang="fr-FR" dirty="0"/>
-              <a:t>Méthodes statiques</a:t>
-            </a:r>
-          </a:p>
-        </p:txBody>
-      </p:sp>
-      <p:sp>
-        <p:nvSpPr>
-          <p:cNvPr id="3" name="Espace réservé du contenu 2"/>
-          <p:cNvSpPr>
-            <a:spLocks noGrp="1"/>
-          </p:cNvSpPr>
-          <p:nvPr>
-            <p:ph idx="1"/>
-          </p:nvPr>
-        </p:nvSpPr>
-        <p:spPr/>
-        <p:txBody>
-          <a:bodyPr/>
-          <a:lstStyle/>
-          <a:p>
-            <a:r>
-              <a:rPr lang="fr-FR" dirty="0"/>
-              <a:t>En Python, les méthodes statiques sont des méthodes de la classe sans self</a:t>
-            </a:r>
-          </a:p>
-          <a:p>
-            <a:pPr lvl="1"/>
-            <a:r>
-              <a:rPr lang="fr-FR" dirty="0"/>
-              <a:t>Décoration @</a:t>
-            </a:r>
-            <a:r>
-              <a:rPr lang="fr-FR" dirty="0" err="1"/>
-              <a:t>staticmethod</a:t>
-            </a:r>
-            <a:r>
-              <a:rPr lang="fr-FR" dirty="0"/>
-              <a:t> ou @</a:t>
-            </a:r>
-            <a:r>
-              <a:rPr lang="fr-FR" dirty="0" err="1"/>
-              <a:t>classmethod</a:t>
-            </a:r>
-            <a:endParaRPr lang="fr-FR" dirty="0"/>
-          </a:p>
-          <a:p>
-            <a:pPr lvl="1"/>
-            <a:r>
-              <a:rPr lang="fr-FR" dirty="0"/>
-              <a:t>@</a:t>
-            </a:r>
-            <a:r>
-              <a:rPr lang="fr-FR" dirty="0" err="1"/>
-              <a:t>classmethod</a:t>
-            </a:r>
-            <a:r>
-              <a:rPr lang="fr-FR" dirty="0"/>
-              <a:t> prend comme premier argument la classe</a:t>
-            </a:r>
-          </a:p>
-        </p:txBody>
-      </p:sp>
-      <p:pic>
-        <p:nvPicPr>
-          <p:cNvPr id="4" name="Image 3"/>
-          <p:cNvPicPr>
-            <a:picLocks noChangeAspect="1"/>
-          </p:cNvPicPr>
-          <p:nvPr/>
-        </p:nvPicPr>
-        <p:blipFill>
-          <a:blip r:embed="rId2"/>
-          <a:stretch>
-            <a:fillRect/>
-          </a:stretch>
-        </p:blipFill>
-        <p:spPr>
-          <a:xfrm>
-            <a:off x="2771800" y="3356992"/>
-            <a:ext cx="3257354" cy="3096344"/>
-          </a:xfrm>
-          <a:prstGeom prst="rect">
-            <a:avLst/>
-          </a:prstGeom>
-        </p:spPr>
-      </p:pic>
-    </p:spTree>
-    <p:extLst>
-      <p:ext uri="{BB962C8B-B14F-4D97-AF65-F5344CB8AC3E}">
-        <p14:creationId xmlns:p14="http://schemas.microsoft.com/office/powerpoint/2010/main" val="1800326302"/>
-      </p:ext>
-    </p:extLst>
-  </p:cSld>
-  <p:clrMapOvr>
-    <a:masterClrMapping/>
-  </p:clrMapOvr>
-</p:sld>
-</file>
-
-<file path=ppt/slides/slide31.xml><?xml version="1.0" encoding="utf-8"?>
-<p:sld xmlns:a="http://schemas.openxmlformats.org/drawingml/2006/main" xmlns:r="http://schemas.openxmlformats.org/officeDocument/2006/relationships" xmlns:p="http://schemas.openxmlformats.org/presentationml/2006/main">
-  <p:cSld>
-    <p:spTree>
-      <p:nvGrpSpPr>
-        <p:cNvPr id="1" name=""/>
-        <p:cNvGrpSpPr/>
-        <p:nvPr/>
-      </p:nvGrpSpPr>
-      <p:grpSpPr>
-        <a:xfrm>
-          <a:off x="0" y="0"/>
-          <a:ext cx="0" cy="0"/>
-          <a:chOff x="0" y="0"/>
-          <a:chExt cx="0" cy="0"/>
-        </a:xfrm>
-      </p:grpSpPr>
-      <p:sp>
-        <p:nvSpPr>
-          <p:cNvPr id="2" name="Titre 1"/>
-          <p:cNvSpPr>
-            <a:spLocks noGrp="1"/>
-          </p:cNvSpPr>
-          <p:nvPr>
-            <p:ph type="title"/>
-          </p:nvPr>
-        </p:nvSpPr>
-        <p:spPr/>
-        <p:txBody>
-          <a:bodyPr/>
-          <a:lstStyle/>
-          <a:p>
-            <a:r>
               <a:rPr lang="fr-FR" dirty="0" err="1"/>
               <a:t>Enum</a:t>
             </a:r>
@@ -22270,7 +21881,7 @@
 </p:sld>
 </file>
 
-<file path=ppt/slides/slide32.xml><?xml version="1.0" encoding="utf-8"?>
+<file path=ppt/slides/slide31.xml><?xml version="1.0" encoding="utf-8"?>
 <p:sld xmlns:a="http://schemas.openxmlformats.org/drawingml/2006/main" xmlns:r="http://schemas.openxmlformats.org/officeDocument/2006/relationships" xmlns:p="http://schemas.openxmlformats.org/presentationml/2006/main">
   <p:cSld>
     <p:spTree>
@@ -22366,276 +21977,6 @@
     <p:extLst>
       <p:ext uri="{BB962C8B-B14F-4D97-AF65-F5344CB8AC3E}">
         <p14:creationId xmlns:p14="http://schemas.microsoft.com/office/powerpoint/2010/main" val="62270567"/>
-      </p:ext>
-    </p:extLst>
-  </p:cSld>
-  <p:clrMapOvr>
-    <a:masterClrMapping/>
-  </p:clrMapOvr>
-</p:sld>
-</file>
-
-<file path=ppt/slides/slide33.xml><?xml version="1.0" encoding="utf-8"?>
-<p:sld xmlns:a="http://schemas.openxmlformats.org/drawingml/2006/main" xmlns:r="http://schemas.openxmlformats.org/officeDocument/2006/relationships" xmlns:p="http://schemas.openxmlformats.org/presentationml/2006/main">
-  <p:cSld>
-    <p:spTree>
-      <p:nvGrpSpPr>
-        <p:cNvPr id="1" name=""/>
-        <p:cNvGrpSpPr/>
-        <p:nvPr/>
-      </p:nvGrpSpPr>
-      <p:grpSpPr>
-        <a:xfrm>
-          <a:off x="0" y="0"/>
-          <a:ext cx="0" cy="0"/>
-          <a:chOff x="0" y="0"/>
-          <a:chExt cx="0" cy="0"/>
-        </a:xfrm>
-      </p:grpSpPr>
-      <p:sp>
-        <p:nvSpPr>
-          <p:cNvPr id="2" name="Titre 1"/>
-          <p:cNvSpPr>
-            <a:spLocks noGrp="1"/>
-          </p:cNvSpPr>
-          <p:nvPr>
-            <p:ph type="title"/>
-          </p:nvPr>
-        </p:nvSpPr>
-        <p:spPr/>
-        <p:txBody>
-          <a:bodyPr/>
-          <a:lstStyle/>
-          <a:p>
-            <a:r>
-              <a:rPr lang="fr-FR" dirty="0"/>
-              <a:t>Annotations des types complexe</a:t>
-            </a:r>
-          </a:p>
-        </p:txBody>
-      </p:sp>
-      <p:sp>
-        <p:nvSpPr>
-          <p:cNvPr id="3" name="Espace réservé du contenu 2"/>
-          <p:cNvSpPr>
-            <a:spLocks noGrp="1"/>
-          </p:cNvSpPr>
-          <p:nvPr>
-            <p:ph idx="1"/>
-          </p:nvPr>
-        </p:nvSpPr>
-        <p:spPr/>
-        <p:txBody>
-          <a:bodyPr/>
-          <a:lstStyle/>
-          <a:p>
-            <a:r>
-              <a:rPr lang="fr-FR" dirty="0"/>
-              <a:t>Nouveau en Python 3.6</a:t>
-            </a:r>
-          </a:p>
-          <a:p>
-            <a:r>
-              <a:rPr lang="fr-FR" dirty="0"/>
-              <a:t>Possibilité de typer les types complexes</a:t>
-            </a:r>
-          </a:p>
-          <a:p>
-            <a:pPr lvl="1"/>
-            <a:r>
-              <a:rPr lang="fr-FR" dirty="0" err="1"/>
-              <a:t>my_list</a:t>
-            </a:r>
-            <a:r>
-              <a:rPr lang="fr-FR" dirty="0"/>
-              <a:t> : List[</a:t>
-            </a:r>
-            <a:r>
-              <a:rPr lang="fr-FR" dirty="0" err="1"/>
-              <a:t>int</a:t>
-            </a:r>
-            <a:r>
-              <a:rPr lang="fr-FR" dirty="0"/>
-              <a:t>] = []</a:t>
-            </a:r>
-          </a:p>
-          <a:p>
-            <a:pPr lvl="1"/>
-            <a:r>
-              <a:rPr lang="fr-FR" dirty="0" err="1"/>
-              <a:t>m</a:t>
-            </a:r>
-            <a:r>
-              <a:rPr lang="fr-FR"/>
-              <a:t>y_dict</a:t>
-            </a:r>
-            <a:r>
-              <a:rPr lang="fr-FR" dirty="0"/>
-              <a:t> = </a:t>
-            </a:r>
-            <a:r>
-              <a:rPr lang="fr-FR" dirty="0" err="1"/>
-              <a:t>Dict</a:t>
-            </a:r>
-            <a:r>
-              <a:rPr lang="fr-FR" dirty="0"/>
-              <a:t>[</a:t>
-            </a:r>
-            <a:r>
-              <a:rPr lang="fr-FR" dirty="0" err="1"/>
-              <a:t>str</a:t>
-            </a:r>
-            <a:r>
-              <a:rPr lang="fr-FR" dirty="0"/>
-              <a:t>, </a:t>
-            </a:r>
-            <a:r>
-              <a:rPr lang="fr-FR" dirty="0" err="1"/>
-              <a:t>int</a:t>
-            </a:r>
-            <a:r>
-              <a:rPr lang="fr-FR" dirty="0"/>
-              <a:t>] = {}</a:t>
-            </a:r>
-          </a:p>
-          <a:p>
-            <a:pPr lvl="1"/>
-            <a:r>
-              <a:rPr lang="fr-FR" dirty="0"/>
-              <a:t>Il ne s’agit pas d’un typage fort</a:t>
-            </a:r>
-          </a:p>
-          <a:p>
-            <a:pPr lvl="1"/>
-            <a:r>
-              <a:rPr lang="fr-FR" dirty="0"/>
-              <a:t>C’est juste une annotation</a:t>
-            </a:r>
-          </a:p>
-          <a:p>
-            <a:pPr lvl="1"/>
-            <a:r>
-              <a:rPr lang="fr-FR" dirty="0"/>
-              <a:t>Peut pas s’utiliser avec une initialisation</a:t>
-            </a:r>
-          </a:p>
-          <a:p>
-            <a:pPr lvl="1"/>
-            <a:endParaRPr lang="fr-FR" dirty="0"/>
-          </a:p>
-        </p:txBody>
-      </p:sp>
-    </p:spTree>
-    <p:extLst>
-      <p:ext uri="{BB962C8B-B14F-4D97-AF65-F5344CB8AC3E}">
-        <p14:creationId xmlns:p14="http://schemas.microsoft.com/office/powerpoint/2010/main" val="806311911"/>
-      </p:ext>
-    </p:extLst>
-  </p:cSld>
-  <p:clrMapOvr>
-    <a:masterClrMapping/>
-  </p:clrMapOvr>
-</p:sld>
-</file>
-
-<file path=ppt/slides/slide34.xml><?xml version="1.0" encoding="utf-8"?>
-<p:sld xmlns:a="http://schemas.openxmlformats.org/drawingml/2006/main" xmlns:r="http://schemas.openxmlformats.org/officeDocument/2006/relationships" xmlns:p="http://schemas.openxmlformats.org/presentationml/2006/main">
-  <p:cSld>
-    <p:spTree>
-      <p:nvGrpSpPr>
-        <p:cNvPr id="1" name=""/>
-        <p:cNvGrpSpPr/>
-        <p:nvPr/>
-      </p:nvGrpSpPr>
-      <p:grpSpPr>
-        <a:xfrm>
-          <a:off x="0" y="0"/>
-          <a:ext cx="0" cy="0"/>
-          <a:chOff x="0" y="0"/>
-          <a:chExt cx="0" cy="0"/>
-        </a:xfrm>
-      </p:grpSpPr>
-      <p:sp>
-        <p:nvSpPr>
-          <p:cNvPr id="2" name="Titre 1"/>
-          <p:cNvSpPr>
-            <a:spLocks noGrp="1"/>
-          </p:cNvSpPr>
-          <p:nvPr>
-            <p:ph type="title"/>
-          </p:nvPr>
-        </p:nvSpPr>
-        <p:spPr/>
-        <p:txBody>
-          <a:bodyPr/>
-          <a:lstStyle/>
-          <a:p>
-            <a:r>
-              <a:rPr lang="fr-FR" dirty="0"/>
-              <a:t>Qualité du code</a:t>
-            </a:r>
-          </a:p>
-        </p:txBody>
-      </p:sp>
-      <p:sp>
-        <p:nvSpPr>
-          <p:cNvPr id="3" name="Espace réservé du contenu 2"/>
-          <p:cNvSpPr>
-            <a:spLocks noGrp="1"/>
-          </p:cNvSpPr>
-          <p:nvPr>
-            <p:ph idx="1"/>
-          </p:nvPr>
-        </p:nvSpPr>
-        <p:spPr/>
-        <p:txBody>
-          <a:bodyPr/>
-          <a:lstStyle/>
-          <a:p>
-            <a:r>
-              <a:rPr lang="fr-FR"/>
-              <a:t>Faut il </a:t>
-            </a:r>
-            <a:r>
-              <a:rPr lang="fr-FR" dirty="0"/>
-              <a:t>passer par les propriétés et attributs privés ?</a:t>
-            </a:r>
-          </a:p>
-          <a:p>
-            <a:r>
-              <a:rPr lang="fr-FR" dirty="0"/>
-              <a:t>Peut on programmer avec des attributs publiques ?</a:t>
-            </a:r>
-          </a:p>
-          <a:p>
-            <a:r>
-              <a:rPr lang="fr-FR" dirty="0"/>
-              <a:t>Peut on se passer du __</a:t>
-            </a:r>
-            <a:r>
-              <a:rPr lang="fr-FR" dirty="0" err="1"/>
-              <a:t>init</a:t>
-            </a:r>
-            <a:r>
-              <a:rPr lang="fr-FR" dirty="0"/>
-              <a:t>__ ?</a:t>
-            </a:r>
-          </a:p>
-          <a:p>
-            <a:r>
-              <a:rPr lang="fr-FR" dirty="0"/>
-              <a:t>Peut on programmer uniquement par prototypage ?</a:t>
-            </a:r>
-          </a:p>
-          <a:p>
-            <a:endParaRPr lang="fr-FR" dirty="0"/>
-          </a:p>
-        </p:txBody>
-      </p:sp>
-    </p:spTree>
-    <p:extLst>
-      <p:ext uri="{BB962C8B-B14F-4D97-AF65-F5344CB8AC3E}">
-        <p14:creationId xmlns:p14="http://schemas.microsoft.com/office/powerpoint/2010/main" val="1822016816"/>
       </p:ext>
     </p:extLst>
   </p:cSld>

--- a/ppt/Python08-OO.pptx
+++ b/ppt/Python08-OO.pptx
@@ -5,10 +5,10 @@
     <p:sldMasterId id="2147483653" r:id="rId1"/>
   </p:sldMasterIdLst>
   <p:notesMasterIdLst>
-    <p:notesMasterId r:id="rId33"/>
+    <p:notesMasterId r:id="rId32"/>
   </p:notesMasterIdLst>
   <p:handoutMasterIdLst>
-    <p:handoutMasterId r:id="rId34"/>
+    <p:handoutMasterId r:id="rId33"/>
   </p:handoutMasterIdLst>
   <p:sldIdLst>
     <p:sldId id="264" r:id="rId2"/>
@@ -21,27 +21,26 @@
     <p:sldId id="299" r:id="rId9"/>
     <p:sldId id="273" r:id="rId10"/>
     <p:sldId id="297" r:id="rId11"/>
-    <p:sldId id="298" r:id="rId12"/>
-    <p:sldId id="301" r:id="rId13"/>
-    <p:sldId id="302" r:id="rId14"/>
-    <p:sldId id="304" r:id="rId15"/>
-    <p:sldId id="319" r:id="rId16"/>
-    <p:sldId id="306" r:id="rId17"/>
-    <p:sldId id="305" r:id="rId18"/>
-    <p:sldId id="309" r:id="rId19"/>
-    <p:sldId id="274" r:id="rId20"/>
-    <p:sldId id="275" r:id="rId21"/>
-    <p:sldId id="303" r:id="rId22"/>
-    <p:sldId id="313" r:id="rId23"/>
-    <p:sldId id="316" r:id="rId24"/>
-    <p:sldId id="314" r:id="rId25"/>
-    <p:sldId id="315" r:id="rId26"/>
-    <p:sldId id="277" r:id="rId27"/>
-    <p:sldId id="308" r:id="rId28"/>
-    <p:sldId id="278" r:id="rId29"/>
-    <p:sldId id="311" r:id="rId30"/>
-    <p:sldId id="320" r:id="rId31"/>
-    <p:sldId id="317" r:id="rId32"/>
+    <p:sldId id="301" r:id="rId12"/>
+    <p:sldId id="302" r:id="rId13"/>
+    <p:sldId id="304" r:id="rId14"/>
+    <p:sldId id="319" r:id="rId15"/>
+    <p:sldId id="306" r:id="rId16"/>
+    <p:sldId id="305" r:id="rId17"/>
+    <p:sldId id="309" r:id="rId18"/>
+    <p:sldId id="274" r:id="rId19"/>
+    <p:sldId id="275" r:id="rId20"/>
+    <p:sldId id="303" r:id="rId21"/>
+    <p:sldId id="313" r:id="rId22"/>
+    <p:sldId id="316" r:id="rId23"/>
+    <p:sldId id="314" r:id="rId24"/>
+    <p:sldId id="315" r:id="rId25"/>
+    <p:sldId id="277" r:id="rId26"/>
+    <p:sldId id="308" r:id="rId27"/>
+    <p:sldId id="278" r:id="rId28"/>
+    <p:sldId id="311" r:id="rId29"/>
+    <p:sldId id="320" r:id="rId30"/>
+    <p:sldId id="317" r:id="rId31"/>
   </p:sldIdLst>
   <p:sldSz cx="9144000" cy="6858000" type="screen4x3"/>
   <p:notesSz cx="6648450" cy="9782175"/>
@@ -1245,7 +1244,7 @@
             <a:fld id="{128995A5-4EA1-46DC-8F5B-4368CF269E26}" type="slidenum">
               <a:rPr lang="en-US" altLang="fr-FR" sz="1200"/>
               <a:pPr/>
-              <a:t>26</a:t>
+              <a:t>25</a:t>
             </a:fld>
             <a:endParaRPr lang="en-US" altLang="fr-FR" sz="1200"/>
           </a:p>
@@ -1441,7 +1440,7 @@
             <a:fld id="{E0672C6E-802E-4888-B97E-D5F7E1E72B2C}" type="slidenum">
               <a:rPr lang="en-US" altLang="fr-FR" sz="1200"/>
               <a:pPr/>
-              <a:t>28</a:t>
+              <a:t>27</a:t>
             </a:fld>
             <a:endParaRPr lang="en-US" altLang="fr-FR" sz="1200"/>
           </a:p>
@@ -2413,7 +2412,7 @@
             <a:fld id="{3A84676C-26EA-4F1E-852E-D91B357FF269}" type="slidenum">
               <a:rPr lang="en-US" altLang="fr-FR" sz="1200"/>
               <a:pPr/>
-              <a:t>16</a:t>
+              <a:t>15</a:t>
             </a:fld>
             <a:endParaRPr lang="en-US" altLang="fr-FR" sz="1200"/>
           </a:p>
@@ -2609,7 +2608,7 @@
             <a:fld id="{A4B48C2A-19D1-4E4F-B24E-950A3389DC51}" type="slidenum">
               <a:rPr lang="en-US" altLang="fr-FR" sz="1200"/>
               <a:pPr/>
-              <a:t>19</a:t>
+              <a:t>18</a:t>
             </a:fld>
             <a:endParaRPr lang="en-US" altLang="fr-FR" sz="1200"/>
           </a:p>
@@ -2801,7 +2800,7 @@
             <a:fld id="{552CC702-C254-450D-BCA7-2A0DFB582A06}" type="slidenum">
               <a:rPr lang="en-US" altLang="fr-FR" sz="1200"/>
               <a:pPr/>
-              <a:t>20</a:t>
+              <a:t>19</a:t>
             </a:fld>
             <a:endParaRPr lang="en-US" altLang="fr-FR" sz="1200"/>
           </a:p>
@@ -2961,7 +2960,7 @@
               <a:pPr>
                 <a:defRPr/>
               </a:pPr>
-              <a:t>23</a:t>
+              <a:t>22</a:t>
             </a:fld>
             <a:endParaRPr lang="fr-FR"/>
           </a:p>
@@ -5984,113 +5983,6 @@
           <a:p>
             <a:r>
               <a:rPr lang="fr-FR" dirty="0"/>
-              <a:t>Les attributs</a:t>
-            </a:r>
-          </a:p>
-        </p:txBody>
-      </p:sp>
-      <p:sp>
-        <p:nvSpPr>
-          <p:cNvPr id="3" name="Espace réservé du contenu 2"/>
-          <p:cNvSpPr>
-            <a:spLocks noGrp="1"/>
-          </p:cNvSpPr>
-          <p:nvPr>
-            <p:ph idx="1"/>
-          </p:nvPr>
-        </p:nvSpPr>
-        <p:spPr/>
-        <p:txBody>
-          <a:bodyPr/>
-          <a:lstStyle/>
-          <a:p>
-            <a:r>
-              <a:rPr lang="fr-FR" dirty="0"/>
-              <a:t>Contrairement à C++, C# et Java les attributs ne sont pas déclarés en Python</a:t>
-            </a:r>
-          </a:p>
-          <a:p>
-            <a:pPr lvl="1"/>
-            <a:r>
-              <a:rPr lang="fr-FR" dirty="0"/>
-              <a:t>Il suffit de les appeler pour qu’ils apparaissaient</a:t>
-            </a:r>
-          </a:p>
-          <a:p>
-            <a:pPr lvl="1"/>
-            <a:r>
-              <a:rPr lang="fr-FR" dirty="0"/>
-              <a:t>Fonctionnalité hérité de Modula 3 et utiliser par </a:t>
-            </a:r>
-            <a:r>
-              <a:rPr lang="fr-FR" dirty="0" err="1"/>
-              <a:t>Javascript</a:t>
-            </a:r>
-            <a:endParaRPr lang="fr-FR" dirty="0"/>
-          </a:p>
-          <a:p>
-            <a:pPr lvl="1"/>
-            <a:r>
-              <a:rPr lang="fr-FR" dirty="0"/>
-              <a:t>Fonctionnement par prototypage</a:t>
-            </a:r>
-          </a:p>
-          <a:p>
-            <a:pPr lvl="1"/>
-            <a:r>
-              <a:rPr lang="fr-FR" dirty="0"/>
-              <a:t>Assez sale car sujet à erreur</a:t>
-            </a:r>
-          </a:p>
-        </p:txBody>
-      </p:sp>
-    </p:spTree>
-    <p:extLst>
-      <p:ext uri="{BB962C8B-B14F-4D97-AF65-F5344CB8AC3E}">
-        <p14:creationId xmlns:p14="http://schemas.microsoft.com/office/powerpoint/2010/main" val="3485763734"/>
-      </p:ext>
-    </p:extLst>
-  </p:cSld>
-  <p:clrMapOvr>
-    <a:masterClrMapping/>
-  </p:clrMapOvr>
-</p:sld>
-</file>
-
-<file path=ppt/slides/slide12.xml><?xml version="1.0" encoding="utf-8"?>
-<p:sld xmlns:a="http://schemas.openxmlformats.org/drawingml/2006/main" xmlns:r="http://schemas.openxmlformats.org/officeDocument/2006/relationships" xmlns:p="http://schemas.openxmlformats.org/presentationml/2006/main">
-  <p:cSld>
-    <p:spTree>
-      <p:nvGrpSpPr>
-        <p:cNvPr id="1" name=""/>
-        <p:cNvGrpSpPr/>
-        <p:nvPr/>
-      </p:nvGrpSpPr>
-      <p:grpSpPr>
-        <a:xfrm>
-          <a:off x="0" y="0"/>
-          <a:ext cx="0" cy="0"/>
-          <a:chOff x="0" y="0"/>
-          <a:chExt cx="0" cy="0"/>
-        </a:xfrm>
-      </p:grpSpPr>
-      <p:sp>
-        <p:nvSpPr>
-          <p:cNvPr id="2" name="Titre 1"/>
-          <p:cNvSpPr>
-            <a:spLocks noGrp="1"/>
-          </p:cNvSpPr>
-          <p:nvPr>
-            <p:ph type="title"/>
-          </p:nvPr>
-        </p:nvSpPr>
-        <p:spPr/>
-        <p:txBody>
-          <a:bodyPr/>
-          <a:lstStyle/>
-          <a:p>
-            <a:r>
-              <a:rPr lang="fr-FR" dirty="0"/>
               <a:t>Constructeur</a:t>
             </a:r>
           </a:p>
@@ -6178,7 +6070,7 @@
 </p:sld>
 </file>
 
-<file path=ppt/slides/slide13.xml><?xml version="1.0" encoding="utf-8"?>
+<file path=ppt/slides/slide12.xml><?xml version="1.0" encoding="utf-8"?>
 <p:sld xmlns:a="http://schemas.openxmlformats.org/drawingml/2006/main" xmlns:r="http://schemas.openxmlformats.org/officeDocument/2006/relationships" xmlns:p="http://schemas.openxmlformats.org/presentationml/2006/main">
   <p:cSld>
     <p:spTree>
@@ -6283,7 +6175,7 @@
 </p:sld>
 </file>
 
-<file path=ppt/slides/slide14.xml><?xml version="1.0" encoding="utf-8"?>
+<file path=ppt/slides/slide13.xml><?xml version="1.0" encoding="utf-8"?>
 <p:sld xmlns:a="http://schemas.openxmlformats.org/drawingml/2006/main" xmlns:r="http://schemas.openxmlformats.org/officeDocument/2006/relationships" xmlns:p="http://schemas.openxmlformats.org/presentationml/2006/main">
   <p:cSld>
     <p:spTree>
@@ -6411,7 +6303,7 @@
 </p:sld>
 </file>
 
-<file path=ppt/slides/slide15.xml><?xml version="1.0" encoding="utf-8"?>
+<file path=ppt/slides/slide14.xml><?xml version="1.0" encoding="utf-8"?>
 <p:sld xmlns:a="http://schemas.openxmlformats.org/drawingml/2006/main" xmlns:r="http://schemas.openxmlformats.org/officeDocument/2006/relationships" xmlns:p="http://schemas.openxmlformats.org/presentationml/2006/main">
   <p:cSld>
     <p:spTree>
@@ -6534,7 +6426,7 @@
 </p:sld>
 </file>
 
-<file path=ppt/slides/slide16.xml><?xml version="1.0" encoding="utf-8"?>
+<file path=ppt/slides/slide15.xml><?xml version="1.0" encoding="utf-8"?>
 <p:sld xmlns:a="http://schemas.openxmlformats.org/drawingml/2006/main" xmlns:r="http://schemas.openxmlformats.org/officeDocument/2006/relationships" xmlns:p="http://schemas.openxmlformats.org/presentationml/2006/main">
   <p:cSld>
     <p:spTree>
@@ -8746,6 +8638,103 @@
 </p:sld>
 </file>
 
+<file path=ppt/slides/slide16.xml><?xml version="1.0" encoding="utf-8"?>
+<p:sld xmlns:a="http://schemas.openxmlformats.org/drawingml/2006/main" xmlns:r="http://schemas.openxmlformats.org/officeDocument/2006/relationships" xmlns:p="http://schemas.openxmlformats.org/presentationml/2006/main">
+  <p:cSld>
+    <p:spTree>
+      <p:nvGrpSpPr>
+        <p:cNvPr id="1" name=""/>
+        <p:cNvGrpSpPr/>
+        <p:nvPr/>
+      </p:nvGrpSpPr>
+      <p:grpSpPr>
+        <a:xfrm>
+          <a:off x="0" y="0"/>
+          <a:ext cx="0" cy="0"/>
+          <a:chOff x="0" y="0"/>
+          <a:chExt cx="0" cy="0"/>
+        </a:xfrm>
+      </p:grpSpPr>
+      <p:sp>
+        <p:nvSpPr>
+          <p:cNvPr id="2" name="Titre 1"/>
+          <p:cNvSpPr>
+            <a:spLocks noGrp="1"/>
+          </p:cNvSpPr>
+          <p:nvPr>
+            <p:ph type="title"/>
+          </p:nvPr>
+        </p:nvSpPr>
+        <p:spPr/>
+        <p:txBody>
+          <a:bodyPr/>
+          <a:lstStyle/>
+          <a:p>
+            <a:r>
+              <a:rPr lang="fr-FR" dirty="0"/>
+              <a:t>self</a:t>
+            </a:r>
+          </a:p>
+        </p:txBody>
+      </p:sp>
+      <p:sp>
+        <p:nvSpPr>
+          <p:cNvPr id="3" name="Espace réservé du contenu 2"/>
+          <p:cNvSpPr>
+            <a:spLocks noGrp="1"/>
+          </p:cNvSpPr>
+          <p:nvPr>
+            <p:ph idx="1"/>
+          </p:nvPr>
+        </p:nvSpPr>
+        <p:spPr/>
+        <p:txBody>
+          <a:bodyPr/>
+          <a:lstStyle/>
+          <a:p>
+            <a:r>
+              <a:rPr lang="fr-FR" dirty="0"/>
+              <a:t>Quand vous créez un nouvel objet, les attributs de l'objet sont propres à l'objet créé.</a:t>
+            </a:r>
+          </a:p>
+          <a:p>
+            <a:pPr lvl="1"/>
+            <a:r>
+              <a:rPr lang="fr-FR" dirty="0"/>
+              <a:t>C'est logique : si vous créez plusieurs objets, ils n’auront pas tous avoir les mêmes données</a:t>
+            </a:r>
+          </a:p>
+          <a:p>
+            <a:pPr lvl="1"/>
+            <a:r>
+              <a:rPr lang="fr-FR" dirty="0"/>
+              <a:t>Donc les attributs sont contenus dans l'objet</a:t>
+            </a:r>
+          </a:p>
+          <a:p>
+            <a:r>
+              <a:rPr lang="fr-FR" dirty="0"/>
+              <a:t>Self est la référence de l’instance</a:t>
+            </a:r>
+          </a:p>
+          <a:p>
+            <a:endParaRPr lang="fr-FR" dirty="0"/>
+          </a:p>
+        </p:txBody>
+      </p:sp>
+    </p:spTree>
+    <p:extLst>
+      <p:ext uri="{BB962C8B-B14F-4D97-AF65-F5344CB8AC3E}">
+        <p14:creationId xmlns:p14="http://schemas.microsoft.com/office/powerpoint/2010/main" val="3291891387"/>
+      </p:ext>
+    </p:extLst>
+  </p:cSld>
+  <p:clrMapOvr>
+    <a:masterClrMapping/>
+  </p:clrMapOvr>
+</p:sld>
+</file>
+
 <file path=ppt/slides/slide17.xml><?xml version="1.0" encoding="utf-8"?>
 <p:sld xmlns:a="http://schemas.openxmlformats.org/drawingml/2006/main" xmlns:r="http://schemas.openxmlformats.org/officeDocument/2006/relationships" xmlns:p="http://schemas.openxmlformats.org/presentationml/2006/main">
   <p:cSld>
@@ -8780,7 +8769,7 @@
           <a:p>
             <a:r>
               <a:rPr lang="fr-FR" dirty="0"/>
-              <a:t>self</a:t>
+              <a:t>Mécanisme de self</a:t>
             </a:r>
           </a:p>
         </p:txBody>
@@ -8802,103 +8791,6 @@
           <a:p>
             <a:r>
               <a:rPr lang="fr-FR" dirty="0"/>
-              <a:t>Quand vous créez un nouvel objet, les attributs de l'objet sont propres à l'objet créé.</a:t>
-            </a:r>
-          </a:p>
-          <a:p>
-            <a:pPr lvl="1"/>
-            <a:r>
-              <a:rPr lang="fr-FR" dirty="0"/>
-              <a:t>C'est logique : si vous créez plusieurs objets, ils n’auront pas tous avoir les mêmes données</a:t>
-            </a:r>
-          </a:p>
-          <a:p>
-            <a:pPr lvl="1"/>
-            <a:r>
-              <a:rPr lang="fr-FR" dirty="0"/>
-              <a:t>Donc les attributs sont contenus dans l'objet</a:t>
-            </a:r>
-          </a:p>
-          <a:p>
-            <a:r>
-              <a:rPr lang="fr-FR" dirty="0"/>
-              <a:t>Self est la référence de l’instance</a:t>
-            </a:r>
-          </a:p>
-          <a:p>
-            <a:endParaRPr lang="fr-FR" dirty="0"/>
-          </a:p>
-        </p:txBody>
-      </p:sp>
-    </p:spTree>
-    <p:extLst>
-      <p:ext uri="{BB962C8B-B14F-4D97-AF65-F5344CB8AC3E}">
-        <p14:creationId xmlns:p14="http://schemas.microsoft.com/office/powerpoint/2010/main" val="3291891387"/>
-      </p:ext>
-    </p:extLst>
-  </p:cSld>
-  <p:clrMapOvr>
-    <a:masterClrMapping/>
-  </p:clrMapOvr>
-</p:sld>
-</file>
-
-<file path=ppt/slides/slide18.xml><?xml version="1.0" encoding="utf-8"?>
-<p:sld xmlns:a="http://schemas.openxmlformats.org/drawingml/2006/main" xmlns:r="http://schemas.openxmlformats.org/officeDocument/2006/relationships" xmlns:p="http://schemas.openxmlformats.org/presentationml/2006/main">
-  <p:cSld>
-    <p:spTree>
-      <p:nvGrpSpPr>
-        <p:cNvPr id="1" name=""/>
-        <p:cNvGrpSpPr/>
-        <p:nvPr/>
-      </p:nvGrpSpPr>
-      <p:grpSpPr>
-        <a:xfrm>
-          <a:off x="0" y="0"/>
-          <a:ext cx="0" cy="0"/>
-          <a:chOff x="0" y="0"/>
-          <a:chExt cx="0" cy="0"/>
-        </a:xfrm>
-      </p:grpSpPr>
-      <p:sp>
-        <p:nvSpPr>
-          <p:cNvPr id="2" name="Titre 1"/>
-          <p:cNvSpPr>
-            <a:spLocks noGrp="1"/>
-          </p:cNvSpPr>
-          <p:nvPr>
-            <p:ph type="title"/>
-          </p:nvPr>
-        </p:nvSpPr>
-        <p:spPr/>
-        <p:txBody>
-          <a:bodyPr/>
-          <a:lstStyle/>
-          <a:p>
-            <a:r>
-              <a:rPr lang="fr-FR" dirty="0"/>
-              <a:t>Mécanisme de self</a:t>
-            </a:r>
-          </a:p>
-        </p:txBody>
-      </p:sp>
-      <p:sp>
-        <p:nvSpPr>
-          <p:cNvPr id="3" name="Espace réservé du contenu 2"/>
-          <p:cNvSpPr>
-            <a:spLocks noGrp="1"/>
-          </p:cNvSpPr>
-          <p:nvPr>
-            <p:ph idx="1"/>
-          </p:nvPr>
-        </p:nvSpPr>
-        <p:spPr/>
-        <p:txBody>
-          <a:bodyPr/>
-          <a:lstStyle/>
-          <a:p>
-            <a:r>
-              <a:rPr lang="fr-FR" dirty="0"/>
               <a:t>Self est la référence de l’instance</a:t>
             </a:r>
           </a:p>
@@ -8992,7 +8884,7 @@
 </p:sld>
 </file>
 
-<file path=ppt/slides/slide19.xml><?xml version="1.0" encoding="utf-8"?>
+<file path=ppt/slides/slide18.xml><?xml version="1.0" encoding="utf-8"?>
 <p:sld xmlns:a="http://schemas.openxmlformats.org/drawingml/2006/main" xmlns:r="http://schemas.openxmlformats.org/officeDocument/2006/relationships" xmlns:p="http://schemas.openxmlformats.org/presentationml/2006/main">
   <p:cSld>
     <p:spTree>
@@ -12013,210 +11905,7 @@
 </p:sld>
 </file>
 
-<file path=ppt/slides/slide2.xml><?xml version="1.0" encoding="utf-8"?>
-<p:sld xmlns:a="http://schemas.openxmlformats.org/drawingml/2006/main" xmlns:r="http://schemas.openxmlformats.org/officeDocument/2006/relationships" xmlns:p="http://schemas.openxmlformats.org/presentationml/2006/main">
-  <p:cSld>
-    <p:spTree>
-      <p:nvGrpSpPr>
-        <p:cNvPr id="1" name=""/>
-        <p:cNvGrpSpPr/>
-        <p:nvPr/>
-      </p:nvGrpSpPr>
-      <p:grpSpPr>
-        <a:xfrm>
-          <a:off x="0" y="0"/>
-          <a:ext cx="0" cy="0"/>
-          <a:chOff x="0" y="0"/>
-          <a:chExt cx="0" cy="0"/>
-        </a:xfrm>
-      </p:grpSpPr>
-      <p:sp>
-        <p:nvSpPr>
-          <p:cNvPr id="8194" name="Rectangle 2"/>
-          <p:cNvSpPr>
-            <a:spLocks noGrp="1" noChangeArrowheads="1"/>
-          </p:cNvSpPr>
-          <p:nvPr>
-            <p:ph type="title"/>
-          </p:nvPr>
-        </p:nvSpPr>
-        <p:spPr/>
-        <p:txBody>
-          <a:bodyPr/>
-          <a:lstStyle/>
-          <a:p>
-            <a:pPr>
-              <a:buClr>
-                <a:schemeClr val="accent2"/>
-              </a:buClr>
-            </a:pPr>
-            <a:r>
-              <a:rPr lang="en-US" altLang="fr-FR" dirty="0">
-                <a:solidFill>
-                  <a:srgbClr val="000000"/>
-                </a:solidFill>
-              </a:rPr>
-              <a:t>Classes et </a:t>
-            </a:r>
-            <a:r>
-              <a:rPr lang="en-US" altLang="fr-FR" dirty="0" err="1">
-                <a:solidFill>
-                  <a:srgbClr val="000000"/>
-                </a:solidFill>
-              </a:rPr>
-              <a:t>objets</a:t>
-            </a:r>
-            <a:endParaRPr lang="en-US" altLang="fr-FR" dirty="0"/>
-          </a:p>
-        </p:txBody>
-      </p:sp>
-      <p:sp>
-        <p:nvSpPr>
-          <p:cNvPr id="8195" name="Rectangle 3"/>
-          <p:cNvSpPr>
-            <a:spLocks noGrp="1" noChangeArrowheads="1"/>
-          </p:cNvSpPr>
-          <p:nvPr>
-            <p:ph type="body" idx="1"/>
-          </p:nvPr>
-        </p:nvSpPr>
-        <p:spPr/>
-        <p:txBody>
-          <a:bodyPr/>
-          <a:lstStyle/>
-          <a:p>
-            <a:r>
-              <a:rPr lang="en-US" altLang="fr-FR" dirty="0" err="1">
-                <a:solidFill>
-                  <a:srgbClr val="000000"/>
-                </a:solidFill>
-              </a:rPr>
-              <a:t>Qu'est-ce</a:t>
-            </a:r>
-            <a:r>
-              <a:rPr lang="en-US" altLang="fr-FR" dirty="0">
-                <a:solidFill>
-                  <a:srgbClr val="000000"/>
-                </a:solidFill>
-              </a:rPr>
-              <a:t> </a:t>
-            </a:r>
-            <a:r>
-              <a:rPr lang="en-US" altLang="fr-FR" dirty="0" err="1">
-                <a:solidFill>
-                  <a:srgbClr val="000000"/>
-                </a:solidFill>
-              </a:rPr>
-              <a:t>qu'une</a:t>
-            </a:r>
-            <a:r>
-              <a:rPr lang="en-US" altLang="fr-FR" dirty="0">
-                <a:solidFill>
-                  <a:srgbClr val="000000"/>
-                </a:solidFill>
-              </a:rPr>
-              <a:t> </a:t>
-            </a:r>
-            <a:r>
-              <a:rPr lang="en-US" altLang="fr-FR" dirty="0" err="1">
-                <a:solidFill>
-                  <a:srgbClr val="000000"/>
-                </a:solidFill>
-              </a:rPr>
-              <a:t>classe</a:t>
-            </a:r>
-            <a:r>
-              <a:rPr lang="en-US" altLang="fr-FR" dirty="0">
-                <a:solidFill>
-                  <a:srgbClr val="000000"/>
-                </a:solidFill>
-              </a:rPr>
-              <a:t> ?</a:t>
-            </a:r>
-            <a:endParaRPr lang="en-GB" altLang="fr-FR" dirty="0"/>
-          </a:p>
-          <a:p>
-            <a:r>
-              <a:rPr lang="en-US" altLang="fr-FR" dirty="0" err="1">
-                <a:solidFill>
-                  <a:srgbClr val="000000"/>
-                </a:solidFill>
-              </a:rPr>
-              <a:t>Qu'est-ce</a:t>
-            </a:r>
-            <a:r>
-              <a:rPr lang="en-US" altLang="fr-FR" dirty="0">
-                <a:solidFill>
-                  <a:srgbClr val="000000"/>
-                </a:solidFill>
-              </a:rPr>
-              <a:t> </a:t>
-            </a:r>
-            <a:r>
-              <a:rPr lang="en-US" altLang="fr-FR" dirty="0" err="1">
-                <a:solidFill>
-                  <a:srgbClr val="000000"/>
-                </a:solidFill>
-              </a:rPr>
-              <a:t>qu'un</a:t>
-            </a:r>
-            <a:r>
-              <a:rPr lang="en-US" altLang="fr-FR" dirty="0">
-                <a:solidFill>
-                  <a:srgbClr val="000000"/>
-                </a:solidFill>
-              </a:rPr>
-              <a:t> </a:t>
-            </a:r>
-            <a:r>
-              <a:rPr lang="en-US" altLang="fr-FR" dirty="0" err="1">
-                <a:solidFill>
-                  <a:srgbClr val="000000"/>
-                </a:solidFill>
-              </a:rPr>
-              <a:t>objet</a:t>
-            </a:r>
-            <a:r>
-              <a:rPr lang="en-US" altLang="fr-FR" dirty="0">
-                <a:solidFill>
-                  <a:srgbClr val="000000"/>
-                </a:solidFill>
-              </a:rPr>
-              <a:t> ?</a:t>
-            </a:r>
-            <a:endParaRPr lang="en-GB" altLang="fr-FR" dirty="0"/>
-          </a:p>
-          <a:p>
-            <a:r>
-              <a:rPr lang="en-US" altLang="fr-FR" dirty="0">
-                <a:solidFill>
-                  <a:srgbClr val="000000"/>
-                </a:solidFill>
-              </a:rPr>
-              <a:t>Abstraction</a:t>
-            </a:r>
-            <a:endParaRPr lang="en-GB" altLang="fr-FR" dirty="0">
-              <a:solidFill>
-                <a:srgbClr val="000000"/>
-              </a:solidFill>
-            </a:endParaRPr>
-          </a:p>
-        </p:txBody>
-      </p:sp>
-    </p:spTree>
-    <p:extLst>
-      <p:ext uri="{BB962C8B-B14F-4D97-AF65-F5344CB8AC3E}">
-        <p14:creationId xmlns:p14="http://schemas.microsoft.com/office/powerpoint/2010/main" val="3024284210"/>
-      </p:ext>
-    </p:extLst>
-  </p:cSld>
-  <p:clrMapOvr>
-    <a:masterClrMapping/>
-  </p:clrMapOvr>
-</p:sld>
-</file>
-
-<file path=ppt/slides/slide20.xml><?xml version="1.0" encoding="utf-8"?>
+<file path=ppt/slides/slide19.xml><?xml version="1.0" encoding="utf-8"?>
 <p:sld xmlns:a="http://schemas.openxmlformats.org/drawingml/2006/main" xmlns:r="http://schemas.openxmlformats.org/officeDocument/2006/relationships" xmlns:p="http://schemas.openxmlformats.org/presentationml/2006/main">
   <p:cSld>
     <p:spTree>
@@ -14710,6 +14399,322 @@
 </p:sld>
 </file>
 
+<file path=ppt/slides/slide2.xml><?xml version="1.0" encoding="utf-8"?>
+<p:sld xmlns:a="http://schemas.openxmlformats.org/drawingml/2006/main" xmlns:r="http://schemas.openxmlformats.org/officeDocument/2006/relationships" xmlns:p="http://schemas.openxmlformats.org/presentationml/2006/main">
+  <p:cSld>
+    <p:spTree>
+      <p:nvGrpSpPr>
+        <p:cNvPr id="1" name=""/>
+        <p:cNvGrpSpPr/>
+        <p:nvPr/>
+      </p:nvGrpSpPr>
+      <p:grpSpPr>
+        <a:xfrm>
+          <a:off x="0" y="0"/>
+          <a:ext cx="0" cy="0"/>
+          <a:chOff x="0" y="0"/>
+          <a:chExt cx="0" cy="0"/>
+        </a:xfrm>
+      </p:grpSpPr>
+      <p:sp>
+        <p:nvSpPr>
+          <p:cNvPr id="8194" name="Rectangle 2"/>
+          <p:cNvSpPr>
+            <a:spLocks noGrp="1" noChangeArrowheads="1"/>
+          </p:cNvSpPr>
+          <p:nvPr>
+            <p:ph type="title"/>
+          </p:nvPr>
+        </p:nvSpPr>
+        <p:spPr/>
+        <p:txBody>
+          <a:bodyPr/>
+          <a:lstStyle/>
+          <a:p>
+            <a:pPr>
+              <a:buClr>
+                <a:schemeClr val="accent2"/>
+              </a:buClr>
+            </a:pPr>
+            <a:r>
+              <a:rPr lang="en-US" altLang="fr-FR" dirty="0">
+                <a:solidFill>
+                  <a:srgbClr val="000000"/>
+                </a:solidFill>
+              </a:rPr>
+              <a:t>Classes et </a:t>
+            </a:r>
+            <a:r>
+              <a:rPr lang="en-US" altLang="fr-FR" dirty="0" err="1">
+                <a:solidFill>
+                  <a:srgbClr val="000000"/>
+                </a:solidFill>
+              </a:rPr>
+              <a:t>objets</a:t>
+            </a:r>
+            <a:endParaRPr lang="en-US" altLang="fr-FR" dirty="0"/>
+          </a:p>
+        </p:txBody>
+      </p:sp>
+      <p:sp>
+        <p:nvSpPr>
+          <p:cNvPr id="8195" name="Rectangle 3"/>
+          <p:cNvSpPr>
+            <a:spLocks noGrp="1" noChangeArrowheads="1"/>
+          </p:cNvSpPr>
+          <p:nvPr>
+            <p:ph type="body" idx="1"/>
+          </p:nvPr>
+        </p:nvSpPr>
+        <p:spPr/>
+        <p:txBody>
+          <a:bodyPr/>
+          <a:lstStyle/>
+          <a:p>
+            <a:r>
+              <a:rPr lang="en-US" altLang="fr-FR" dirty="0" err="1">
+                <a:solidFill>
+                  <a:srgbClr val="000000"/>
+                </a:solidFill>
+              </a:rPr>
+              <a:t>Qu'est-ce</a:t>
+            </a:r>
+            <a:r>
+              <a:rPr lang="en-US" altLang="fr-FR" dirty="0">
+                <a:solidFill>
+                  <a:srgbClr val="000000"/>
+                </a:solidFill>
+              </a:rPr>
+              <a:t> </a:t>
+            </a:r>
+            <a:r>
+              <a:rPr lang="en-US" altLang="fr-FR" dirty="0" err="1">
+                <a:solidFill>
+                  <a:srgbClr val="000000"/>
+                </a:solidFill>
+              </a:rPr>
+              <a:t>qu'une</a:t>
+            </a:r>
+            <a:r>
+              <a:rPr lang="en-US" altLang="fr-FR" dirty="0">
+                <a:solidFill>
+                  <a:srgbClr val="000000"/>
+                </a:solidFill>
+              </a:rPr>
+              <a:t> </a:t>
+            </a:r>
+            <a:r>
+              <a:rPr lang="en-US" altLang="fr-FR" dirty="0" err="1">
+                <a:solidFill>
+                  <a:srgbClr val="000000"/>
+                </a:solidFill>
+              </a:rPr>
+              <a:t>classe</a:t>
+            </a:r>
+            <a:r>
+              <a:rPr lang="en-US" altLang="fr-FR" dirty="0">
+                <a:solidFill>
+                  <a:srgbClr val="000000"/>
+                </a:solidFill>
+              </a:rPr>
+              <a:t> ?</a:t>
+            </a:r>
+            <a:endParaRPr lang="en-GB" altLang="fr-FR" dirty="0"/>
+          </a:p>
+          <a:p>
+            <a:r>
+              <a:rPr lang="en-US" altLang="fr-FR" dirty="0" err="1">
+                <a:solidFill>
+                  <a:srgbClr val="000000"/>
+                </a:solidFill>
+              </a:rPr>
+              <a:t>Qu'est-ce</a:t>
+            </a:r>
+            <a:r>
+              <a:rPr lang="en-US" altLang="fr-FR" dirty="0">
+                <a:solidFill>
+                  <a:srgbClr val="000000"/>
+                </a:solidFill>
+              </a:rPr>
+              <a:t> </a:t>
+            </a:r>
+            <a:r>
+              <a:rPr lang="en-US" altLang="fr-FR" dirty="0" err="1">
+                <a:solidFill>
+                  <a:srgbClr val="000000"/>
+                </a:solidFill>
+              </a:rPr>
+              <a:t>qu'un</a:t>
+            </a:r>
+            <a:r>
+              <a:rPr lang="en-US" altLang="fr-FR" dirty="0">
+                <a:solidFill>
+                  <a:srgbClr val="000000"/>
+                </a:solidFill>
+              </a:rPr>
+              <a:t> </a:t>
+            </a:r>
+            <a:r>
+              <a:rPr lang="en-US" altLang="fr-FR" dirty="0" err="1">
+                <a:solidFill>
+                  <a:srgbClr val="000000"/>
+                </a:solidFill>
+              </a:rPr>
+              <a:t>objet</a:t>
+            </a:r>
+            <a:r>
+              <a:rPr lang="en-US" altLang="fr-FR" dirty="0">
+                <a:solidFill>
+                  <a:srgbClr val="000000"/>
+                </a:solidFill>
+              </a:rPr>
+              <a:t> ?</a:t>
+            </a:r>
+            <a:endParaRPr lang="en-GB" altLang="fr-FR" dirty="0"/>
+          </a:p>
+          <a:p>
+            <a:r>
+              <a:rPr lang="en-US" altLang="fr-FR" dirty="0">
+                <a:solidFill>
+                  <a:srgbClr val="000000"/>
+                </a:solidFill>
+              </a:rPr>
+              <a:t>Abstraction</a:t>
+            </a:r>
+            <a:endParaRPr lang="en-GB" altLang="fr-FR" dirty="0">
+              <a:solidFill>
+                <a:srgbClr val="000000"/>
+              </a:solidFill>
+            </a:endParaRPr>
+          </a:p>
+        </p:txBody>
+      </p:sp>
+    </p:spTree>
+    <p:extLst>
+      <p:ext uri="{BB962C8B-B14F-4D97-AF65-F5344CB8AC3E}">
+        <p14:creationId xmlns:p14="http://schemas.microsoft.com/office/powerpoint/2010/main" val="3024284210"/>
+      </p:ext>
+    </p:extLst>
+  </p:cSld>
+  <p:clrMapOvr>
+    <a:masterClrMapping/>
+  </p:clrMapOvr>
+</p:sld>
+</file>
+
+<file path=ppt/slides/slide20.xml><?xml version="1.0" encoding="utf-8"?>
+<p:sld xmlns:a="http://schemas.openxmlformats.org/drawingml/2006/main" xmlns:r="http://schemas.openxmlformats.org/officeDocument/2006/relationships" xmlns:p="http://schemas.openxmlformats.org/presentationml/2006/main">
+  <p:cSld>
+    <p:spTree>
+      <p:nvGrpSpPr>
+        <p:cNvPr id="1" name=""/>
+        <p:cNvGrpSpPr/>
+        <p:nvPr/>
+      </p:nvGrpSpPr>
+      <p:grpSpPr>
+        <a:xfrm>
+          <a:off x="0" y="0"/>
+          <a:ext cx="0" cy="0"/>
+          <a:chOff x="0" y="0"/>
+          <a:chExt cx="0" cy="0"/>
+        </a:xfrm>
+      </p:grpSpPr>
+      <p:sp>
+        <p:nvSpPr>
+          <p:cNvPr id="2" name="Titre 1"/>
+          <p:cNvSpPr>
+            <a:spLocks noGrp="1"/>
+          </p:cNvSpPr>
+          <p:nvPr>
+            <p:ph type="title"/>
+          </p:nvPr>
+        </p:nvSpPr>
+        <p:spPr/>
+        <p:txBody>
+          <a:bodyPr/>
+          <a:lstStyle/>
+          <a:p>
+            <a:r>
+              <a:rPr lang="fr-FR" dirty="0"/>
+              <a:t>Problème d’encapsulation</a:t>
+            </a:r>
+          </a:p>
+        </p:txBody>
+      </p:sp>
+      <p:sp>
+        <p:nvSpPr>
+          <p:cNvPr id="3" name="Espace réservé du contenu 2"/>
+          <p:cNvSpPr>
+            <a:spLocks noGrp="1"/>
+          </p:cNvSpPr>
+          <p:nvPr>
+            <p:ph idx="1"/>
+          </p:nvPr>
+        </p:nvSpPr>
+        <p:spPr/>
+        <p:txBody>
+          <a:bodyPr/>
+          <a:lstStyle/>
+          <a:p>
+            <a:r>
+              <a:rPr lang="fr-FR" dirty="0"/>
+              <a:t>Python ne permet pas de modifier la visibilité d’un attribut</a:t>
+            </a:r>
+          </a:p>
+          <a:p>
+            <a:pPr lvl="1"/>
+            <a:r>
+              <a:rPr lang="fr-FR" dirty="0"/>
+              <a:t>Pas de public, </a:t>
+            </a:r>
+            <a:r>
+              <a:rPr lang="fr-FR" dirty="0" err="1"/>
+              <a:t>private</a:t>
+            </a:r>
+            <a:endParaRPr lang="fr-FR" dirty="0"/>
+          </a:p>
+          <a:p>
+            <a:pPr lvl="1"/>
+            <a:r>
+              <a:rPr lang="fr-FR" dirty="0"/>
+              <a:t>Problème pour une encapsulation correcte</a:t>
+            </a:r>
+          </a:p>
+          <a:p>
+            <a:r>
+              <a:rPr lang="fr-FR" dirty="0"/>
+              <a:t>Norme de codage</a:t>
+            </a:r>
+          </a:p>
+          <a:p>
+            <a:pPr lvl="1"/>
+            <a:r>
+              <a:rPr lang="fr-FR" dirty="0"/>
+              <a:t>Un attribut ou une méthode privée est préfixée par _</a:t>
+            </a:r>
+          </a:p>
+          <a:p>
+            <a:pPr lvl="1"/>
+            <a:r>
+              <a:rPr lang="fr-FR" dirty="0"/>
+              <a:t>Tous les attributs</a:t>
+            </a:r>
+          </a:p>
+        </p:txBody>
+      </p:sp>
+    </p:spTree>
+    <p:extLst>
+      <p:ext uri="{BB962C8B-B14F-4D97-AF65-F5344CB8AC3E}">
+        <p14:creationId xmlns:p14="http://schemas.microsoft.com/office/powerpoint/2010/main" val="1684608354"/>
+      </p:ext>
+    </p:extLst>
+  </p:cSld>
+  <p:clrMapOvr>
+    <a:masterClrMapping/>
+  </p:clrMapOvr>
+</p:sld>
+</file>
+
 <file path=ppt/slides/slide21.xml><?xml version="1.0" encoding="utf-8"?>
 <p:sld xmlns:a="http://schemas.openxmlformats.org/drawingml/2006/main" xmlns:r="http://schemas.openxmlformats.org/officeDocument/2006/relationships" xmlns:p="http://schemas.openxmlformats.org/presentationml/2006/main">
   <p:cSld>
@@ -14744,119 +14749,6 @@
           <a:p>
             <a:r>
               <a:rPr lang="fr-FR" dirty="0"/>
-              <a:t>Problème d’encapsulation</a:t>
-            </a:r>
-          </a:p>
-        </p:txBody>
-      </p:sp>
-      <p:sp>
-        <p:nvSpPr>
-          <p:cNvPr id="3" name="Espace réservé du contenu 2"/>
-          <p:cNvSpPr>
-            <a:spLocks noGrp="1"/>
-          </p:cNvSpPr>
-          <p:nvPr>
-            <p:ph idx="1"/>
-          </p:nvPr>
-        </p:nvSpPr>
-        <p:spPr/>
-        <p:txBody>
-          <a:bodyPr/>
-          <a:lstStyle/>
-          <a:p>
-            <a:r>
-              <a:rPr lang="fr-FR" dirty="0"/>
-              <a:t>Python ne permet pas de modifier la visibilité d’un attribut</a:t>
-            </a:r>
-          </a:p>
-          <a:p>
-            <a:pPr lvl="1"/>
-            <a:r>
-              <a:rPr lang="fr-FR" dirty="0"/>
-              <a:t>Pas de public, </a:t>
-            </a:r>
-            <a:r>
-              <a:rPr lang="fr-FR" dirty="0" err="1"/>
-              <a:t>private</a:t>
-            </a:r>
-            <a:endParaRPr lang="fr-FR" dirty="0"/>
-          </a:p>
-          <a:p>
-            <a:pPr lvl="1"/>
-            <a:r>
-              <a:rPr lang="fr-FR" dirty="0"/>
-              <a:t>Problème pour une encapsulation correcte</a:t>
-            </a:r>
-          </a:p>
-          <a:p>
-            <a:r>
-              <a:rPr lang="fr-FR" dirty="0"/>
-              <a:t>Norme de codage</a:t>
-            </a:r>
-          </a:p>
-          <a:p>
-            <a:pPr lvl="1"/>
-            <a:r>
-              <a:rPr lang="fr-FR" dirty="0"/>
-              <a:t>Un attribut ou une méthode privée est préfixée par _</a:t>
-            </a:r>
-          </a:p>
-          <a:p>
-            <a:pPr lvl="1"/>
-            <a:r>
-              <a:rPr lang="fr-FR" dirty="0"/>
-              <a:t>Tous les attributs</a:t>
-            </a:r>
-          </a:p>
-        </p:txBody>
-      </p:sp>
-    </p:spTree>
-    <p:extLst>
-      <p:ext uri="{BB962C8B-B14F-4D97-AF65-F5344CB8AC3E}">
-        <p14:creationId xmlns:p14="http://schemas.microsoft.com/office/powerpoint/2010/main" val="1684608354"/>
-      </p:ext>
-    </p:extLst>
-  </p:cSld>
-  <p:clrMapOvr>
-    <a:masterClrMapping/>
-  </p:clrMapOvr>
-</p:sld>
-</file>
-
-<file path=ppt/slides/slide22.xml><?xml version="1.0" encoding="utf-8"?>
-<p:sld xmlns:a="http://schemas.openxmlformats.org/drawingml/2006/main" xmlns:r="http://schemas.openxmlformats.org/officeDocument/2006/relationships" xmlns:p="http://schemas.openxmlformats.org/presentationml/2006/main">
-  <p:cSld>
-    <p:spTree>
-      <p:nvGrpSpPr>
-        <p:cNvPr id="1" name=""/>
-        <p:cNvGrpSpPr/>
-        <p:nvPr/>
-      </p:nvGrpSpPr>
-      <p:grpSpPr>
-        <a:xfrm>
-          <a:off x="0" y="0"/>
-          <a:ext cx="0" cy="0"/>
-          <a:chOff x="0" y="0"/>
-          <a:chExt cx="0" cy="0"/>
-        </a:xfrm>
-      </p:grpSpPr>
-      <p:sp>
-        <p:nvSpPr>
-          <p:cNvPr id="2" name="Titre 1"/>
-          <p:cNvSpPr>
-            <a:spLocks noGrp="1"/>
-          </p:cNvSpPr>
-          <p:nvPr>
-            <p:ph type="title"/>
-          </p:nvPr>
-        </p:nvSpPr>
-        <p:spPr/>
-        <p:txBody>
-          <a:bodyPr/>
-          <a:lstStyle/>
-          <a:p>
-            <a:r>
-              <a:rPr lang="fr-FR" dirty="0"/>
               <a:t>Getter et Setter</a:t>
             </a:r>
           </a:p>
@@ -14936,7 +14828,7 @@
 </p:sld>
 </file>
 
-<file path=ppt/slides/slide23.xml><?xml version="1.0" encoding="utf-8"?>
+<file path=ppt/slides/slide22.xml><?xml version="1.0" encoding="utf-8"?>
 <p:sld xmlns:a="http://schemas.openxmlformats.org/drawingml/2006/main" xmlns:r="http://schemas.openxmlformats.org/officeDocument/2006/relationships" xmlns:p="http://schemas.openxmlformats.org/presentationml/2006/main">
   <p:cSld>
     <p:spTree>
@@ -15072,7 +14964,7 @@
 </p:sld>
 </file>
 
-<file path=ppt/slides/slide24.xml><?xml version="1.0" encoding="utf-8"?>
+<file path=ppt/slides/slide23.xml><?xml version="1.0" encoding="utf-8"?>
 <p:sld xmlns:a="http://schemas.openxmlformats.org/drawingml/2006/main" xmlns:r="http://schemas.openxmlformats.org/officeDocument/2006/relationships" xmlns:p="http://schemas.openxmlformats.org/presentationml/2006/main">
   <p:cSld>
     <p:spTree>
@@ -15195,7 +15087,7 @@
 </p:sld>
 </file>
 
-<file path=ppt/slides/slide25.xml><?xml version="1.0" encoding="utf-8"?>
+<file path=ppt/slides/slide24.xml><?xml version="1.0" encoding="utf-8"?>
 <p:sld xmlns:a="http://schemas.openxmlformats.org/drawingml/2006/main" xmlns:r="http://schemas.openxmlformats.org/officeDocument/2006/relationships" xmlns:p="http://schemas.openxmlformats.org/presentationml/2006/main">
   <p:cSld>
     <p:spTree>
@@ -15297,7 +15189,7 @@
 </p:sld>
 </file>
 
-<file path=ppt/slides/slide26.xml><?xml version="1.0" encoding="utf-8"?>
+<file path=ppt/slides/slide25.xml><?xml version="1.0" encoding="utf-8"?>
 <p:sld xmlns:a="http://schemas.openxmlformats.org/drawingml/2006/main" xmlns:r="http://schemas.openxmlformats.org/officeDocument/2006/relationships" xmlns:p="http://schemas.openxmlformats.org/presentationml/2006/main">
   <p:cSld>
     <p:spTree>
@@ -17872,7 +17764,7 @@
 </p:sld>
 </file>
 
-<file path=ppt/slides/slide27.xml><?xml version="1.0" encoding="utf-8"?>
+<file path=ppt/slides/slide26.xml><?xml version="1.0" encoding="utf-8"?>
 <p:sld xmlns:a="http://schemas.openxmlformats.org/drawingml/2006/main" xmlns:r="http://schemas.openxmlformats.org/officeDocument/2006/relationships" xmlns:p="http://schemas.openxmlformats.org/presentationml/2006/main">
   <p:cSld>
     <p:spTree>
@@ -17989,7 +17881,7 @@
 </p:sld>
 </file>
 
-<file path=ppt/slides/slide28.xml><?xml version="1.0" encoding="utf-8"?>
+<file path=ppt/slides/slide27.xml><?xml version="1.0" encoding="utf-8"?>
 <p:sld xmlns:a="http://schemas.openxmlformats.org/drawingml/2006/main" xmlns:r="http://schemas.openxmlformats.org/officeDocument/2006/relationships" xmlns:p="http://schemas.openxmlformats.org/presentationml/2006/main">
   <p:cSld>
     <p:spTree>
@@ -21088,6 +20980,139 @@
 </p:sld>
 </file>
 
+<file path=ppt/slides/slide28.xml><?xml version="1.0" encoding="utf-8"?>
+<p:sld xmlns:a="http://schemas.openxmlformats.org/drawingml/2006/main" xmlns:r="http://schemas.openxmlformats.org/officeDocument/2006/relationships" xmlns:p="http://schemas.openxmlformats.org/presentationml/2006/main">
+  <p:cSld>
+    <p:spTree>
+      <p:nvGrpSpPr>
+        <p:cNvPr id="1" name=""/>
+        <p:cNvGrpSpPr/>
+        <p:nvPr/>
+      </p:nvGrpSpPr>
+      <p:grpSpPr>
+        <a:xfrm>
+          <a:off x="0" y="0"/>
+          <a:ext cx="0" cy="0"/>
+          <a:chOff x="0" y="0"/>
+          <a:chExt cx="0" cy="0"/>
+        </a:xfrm>
+      </p:grpSpPr>
+      <p:sp>
+        <p:nvSpPr>
+          <p:cNvPr id="2" name="Titre 1"/>
+          <p:cNvSpPr>
+            <a:spLocks noGrp="1"/>
+          </p:cNvSpPr>
+          <p:nvPr>
+            <p:ph type="title"/>
+          </p:nvPr>
+        </p:nvSpPr>
+        <p:spPr/>
+        <p:txBody>
+          <a:bodyPr/>
+          <a:lstStyle/>
+          <a:p>
+            <a:r>
+              <a:rPr lang="fr-FR" dirty="0"/>
+              <a:t>Méthodes statiques</a:t>
+            </a:r>
+          </a:p>
+        </p:txBody>
+      </p:sp>
+      <p:sp>
+        <p:nvSpPr>
+          <p:cNvPr id="3" name="Espace réservé du contenu 2"/>
+          <p:cNvSpPr>
+            <a:spLocks noGrp="1"/>
+          </p:cNvSpPr>
+          <p:nvPr>
+            <p:ph idx="1"/>
+          </p:nvPr>
+        </p:nvSpPr>
+        <p:spPr/>
+        <p:txBody>
+          <a:bodyPr/>
+          <a:lstStyle/>
+          <a:p>
+            <a:r>
+              <a:rPr lang="fr-FR" dirty="0"/>
+              <a:t>En Python, les méthodes statiques sont des méthodes de la classe sans self</a:t>
+            </a:r>
+          </a:p>
+          <a:p>
+            <a:pPr lvl="1"/>
+            <a:r>
+              <a:rPr lang="fr-FR" dirty="0"/>
+              <a:t>Décoration @</a:t>
+            </a:r>
+            <a:r>
+              <a:rPr lang="fr-FR" dirty="0" err="1"/>
+              <a:t>staticmethod</a:t>
+            </a:r>
+            <a:r>
+              <a:rPr lang="fr-FR" dirty="0"/>
+              <a:t> ou @</a:t>
+            </a:r>
+            <a:r>
+              <a:rPr lang="fr-FR" dirty="0" err="1"/>
+              <a:t>classmethod</a:t>
+            </a:r>
+            <a:endParaRPr lang="fr-FR" dirty="0"/>
+          </a:p>
+          <a:p>
+            <a:pPr lvl="1"/>
+            <a:r>
+              <a:rPr lang="fr-FR" dirty="0"/>
+              <a:t>@</a:t>
+            </a:r>
+            <a:r>
+              <a:rPr lang="fr-FR" dirty="0" err="1"/>
+              <a:t>classmethod</a:t>
+            </a:r>
+            <a:r>
+              <a:rPr lang="fr-FR" dirty="0"/>
+              <a:t> prend comme premier argument la classe</a:t>
+            </a:r>
+          </a:p>
+        </p:txBody>
+      </p:sp>
+      <p:pic>
+        <p:nvPicPr>
+          <p:cNvPr id="4" name="Image 3"/>
+          <p:cNvPicPr>
+            <a:picLocks noChangeAspect="1"/>
+          </p:cNvPicPr>
+          <p:nvPr/>
+        </p:nvPicPr>
+        <p:blipFill>
+          <a:blip r:embed="rId2"/>
+          <a:stretch>
+            <a:fillRect/>
+          </a:stretch>
+        </p:blipFill>
+        <p:spPr>
+          <a:xfrm>
+            <a:off x="2771800" y="3356992"/>
+            <a:ext cx="3257354" cy="3096344"/>
+          </a:xfrm>
+          <a:prstGeom prst="rect">
+            <a:avLst/>
+          </a:prstGeom>
+        </p:spPr>
+      </p:pic>
+    </p:spTree>
+    <p:extLst>
+      <p:ext uri="{BB962C8B-B14F-4D97-AF65-F5344CB8AC3E}">
+        <p14:creationId xmlns:p14="http://schemas.microsoft.com/office/powerpoint/2010/main" val="1800326302"/>
+      </p:ext>
+    </p:extLst>
+  </p:cSld>
+  <p:clrMapOvr>
+    <a:masterClrMapping/>
+  </p:clrMapOvr>
+</p:sld>
+</file>
+
 <file path=ppt/slides/slide29.xml><?xml version="1.0" encoding="utf-8"?>
 <p:sld xmlns:a="http://schemas.openxmlformats.org/drawingml/2006/main" xmlns:r="http://schemas.openxmlformats.org/officeDocument/2006/relationships" xmlns:p="http://schemas.openxmlformats.org/presentationml/2006/main">
   <p:cSld>
@@ -21121,9 +21146,10 @@
           <a:lstStyle/>
           <a:p>
             <a:r>
-              <a:rPr lang="fr-FR" dirty="0"/>
-              <a:t>Méthodes statiques</a:t>
-            </a:r>
+              <a:rPr lang="fr-FR" dirty="0" err="1"/>
+              <a:t>Enum</a:t>
+            </a:r>
+            <a:endParaRPr lang="fr-FR" dirty="0"/>
           </a:p>
         </p:txBody>
       </p:sp>
@@ -21144,43 +21170,19 @@
           <a:p>
             <a:r>
               <a:rPr lang="fr-FR" dirty="0"/>
-              <a:t>En Python, les méthodes statiques sont des méthodes de la classe sans self</a:t>
+              <a:t>Enumération de valeurs</a:t>
             </a:r>
           </a:p>
           <a:p>
             <a:pPr lvl="1"/>
             <a:r>
               <a:rPr lang="fr-FR" dirty="0"/>
-              <a:t>Décoration @</a:t>
-            </a:r>
-            <a:r>
-              <a:rPr lang="fr-FR" dirty="0" err="1"/>
-              <a:t>staticmethod</a:t>
-            </a:r>
-            <a:r>
-              <a:rPr lang="fr-FR" dirty="0"/>
-              <a:t> ou @</a:t>
-            </a:r>
-            <a:r>
-              <a:rPr lang="fr-FR" dirty="0" err="1"/>
-              <a:t>classmethod</a:t>
-            </a:r>
-            <a:endParaRPr lang="fr-FR" dirty="0"/>
+              <a:t>Python 3.4</a:t>
+            </a:r>
           </a:p>
           <a:p>
             <a:pPr lvl="1"/>
-            <a:r>
-              <a:rPr lang="fr-FR" dirty="0"/>
-              <a:t>@</a:t>
-            </a:r>
-            <a:r>
-              <a:rPr lang="fr-FR" dirty="0" err="1"/>
-              <a:t>classmethod</a:t>
-            </a:r>
-            <a:r>
-              <a:rPr lang="fr-FR" dirty="0"/>
-              <a:t> prend comme premier argument la classe</a:t>
-            </a:r>
+            <a:endParaRPr lang="fr-FR" dirty="0"/>
           </a:p>
         </p:txBody>
       </p:sp>
@@ -21200,8 +21202,8 @@
         </p:blipFill>
         <p:spPr>
           <a:xfrm>
-            <a:off x="2771800" y="3356992"/>
-            <a:ext cx="3257354" cy="3096344"/>
+            <a:off x="2339752" y="2636912"/>
+            <a:ext cx="4847815" cy="2664295"/>
           </a:xfrm>
           <a:prstGeom prst="rect">
             <a:avLst/>
@@ -21211,7 +21213,7 @@
     </p:spTree>
     <p:extLst>
       <p:ext uri="{BB962C8B-B14F-4D97-AF65-F5344CB8AC3E}">
-        <p14:creationId xmlns:p14="http://schemas.microsoft.com/office/powerpoint/2010/main" val="1800326302"/>
+        <p14:creationId xmlns:p14="http://schemas.microsoft.com/office/powerpoint/2010/main" val="195516760"/>
       </p:ext>
     </p:extLst>
   </p:cSld>
@@ -21772,116 +21774,6 @@
 </file>
 
 <file path=ppt/slides/slide30.xml><?xml version="1.0" encoding="utf-8"?>
-<p:sld xmlns:a="http://schemas.openxmlformats.org/drawingml/2006/main" xmlns:r="http://schemas.openxmlformats.org/officeDocument/2006/relationships" xmlns:p="http://schemas.openxmlformats.org/presentationml/2006/main">
-  <p:cSld>
-    <p:spTree>
-      <p:nvGrpSpPr>
-        <p:cNvPr id="1" name=""/>
-        <p:cNvGrpSpPr/>
-        <p:nvPr/>
-      </p:nvGrpSpPr>
-      <p:grpSpPr>
-        <a:xfrm>
-          <a:off x="0" y="0"/>
-          <a:ext cx="0" cy="0"/>
-          <a:chOff x="0" y="0"/>
-          <a:chExt cx="0" cy="0"/>
-        </a:xfrm>
-      </p:grpSpPr>
-      <p:sp>
-        <p:nvSpPr>
-          <p:cNvPr id="2" name="Titre 1"/>
-          <p:cNvSpPr>
-            <a:spLocks noGrp="1"/>
-          </p:cNvSpPr>
-          <p:nvPr>
-            <p:ph type="title"/>
-          </p:nvPr>
-        </p:nvSpPr>
-        <p:spPr/>
-        <p:txBody>
-          <a:bodyPr/>
-          <a:lstStyle/>
-          <a:p>
-            <a:r>
-              <a:rPr lang="fr-FR" dirty="0" err="1"/>
-              <a:t>Enum</a:t>
-            </a:r>
-            <a:endParaRPr lang="fr-FR" dirty="0"/>
-          </a:p>
-        </p:txBody>
-      </p:sp>
-      <p:sp>
-        <p:nvSpPr>
-          <p:cNvPr id="3" name="Espace réservé du contenu 2"/>
-          <p:cNvSpPr>
-            <a:spLocks noGrp="1"/>
-          </p:cNvSpPr>
-          <p:nvPr>
-            <p:ph idx="1"/>
-          </p:nvPr>
-        </p:nvSpPr>
-        <p:spPr/>
-        <p:txBody>
-          <a:bodyPr/>
-          <a:lstStyle/>
-          <a:p>
-            <a:r>
-              <a:rPr lang="fr-FR" dirty="0"/>
-              <a:t>Enumération de valeurs</a:t>
-            </a:r>
-          </a:p>
-          <a:p>
-            <a:pPr lvl="1"/>
-            <a:r>
-              <a:rPr lang="fr-FR" dirty="0"/>
-              <a:t>Python 3.4</a:t>
-            </a:r>
-          </a:p>
-          <a:p>
-            <a:pPr lvl="1"/>
-            <a:endParaRPr lang="fr-FR" dirty="0"/>
-          </a:p>
-        </p:txBody>
-      </p:sp>
-      <p:pic>
-        <p:nvPicPr>
-          <p:cNvPr id="4" name="Image 3"/>
-          <p:cNvPicPr>
-            <a:picLocks noChangeAspect="1"/>
-          </p:cNvPicPr>
-          <p:nvPr/>
-        </p:nvPicPr>
-        <p:blipFill>
-          <a:blip r:embed="rId2"/>
-          <a:stretch>
-            <a:fillRect/>
-          </a:stretch>
-        </p:blipFill>
-        <p:spPr>
-          <a:xfrm>
-            <a:off x="2339752" y="2636912"/>
-            <a:ext cx="4847815" cy="2664295"/>
-          </a:xfrm>
-          <a:prstGeom prst="rect">
-            <a:avLst/>
-          </a:prstGeom>
-        </p:spPr>
-      </p:pic>
-    </p:spTree>
-    <p:extLst>
-      <p:ext uri="{BB962C8B-B14F-4D97-AF65-F5344CB8AC3E}">
-        <p14:creationId xmlns:p14="http://schemas.microsoft.com/office/powerpoint/2010/main" val="195516760"/>
-      </p:ext>
-    </p:extLst>
-  </p:cSld>
-  <p:clrMapOvr>
-    <a:masterClrMapping/>
-  </p:clrMapOvr>
-</p:sld>
-</file>
-
-<file path=ppt/slides/slide31.xml><?xml version="1.0" encoding="utf-8"?>
 <p:sld xmlns:a="http://schemas.openxmlformats.org/drawingml/2006/main" xmlns:r="http://schemas.openxmlformats.org/officeDocument/2006/relationships" xmlns:p="http://schemas.openxmlformats.org/presentationml/2006/main">
   <p:cSld>
     <p:spTree>

--- a/ppt/Python08-OO.pptx
+++ b/ppt/Python08-OO.pptx
@@ -5,10 +5,10 @@
     <p:sldMasterId id="2147483653" r:id="rId1"/>
   </p:sldMasterIdLst>
   <p:notesMasterIdLst>
-    <p:notesMasterId r:id="rId32"/>
+    <p:notesMasterId r:id="rId31"/>
   </p:notesMasterIdLst>
   <p:handoutMasterIdLst>
-    <p:handoutMasterId r:id="rId33"/>
+    <p:handoutMasterId r:id="rId32"/>
   </p:handoutMasterIdLst>
   <p:sldIdLst>
     <p:sldId id="264" r:id="rId2"/>
@@ -39,8 +39,7 @@
     <p:sldId id="308" r:id="rId27"/>
     <p:sldId id="278" r:id="rId28"/>
     <p:sldId id="311" r:id="rId29"/>
-    <p:sldId id="320" r:id="rId30"/>
-    <p:sldId id="317" r:id="rId31"/>
+    <p:sldId id="317" r:id="rId30"/>
   </p:sldIdLst>
   <p:sldSz cx="9144000" cy="6858000" type="screen4x3"/>
   <p:notesSz cx="6648450" cy="9782175"/>
@@ -21146,10 +21145,9 @@
           <a:lstStyle/>
           <a:p>
             <a:r>
-              <a:rPr lang="fr-FR" dirty="0" err="1"/>
-              <a:t>Enum</a:t>
-            </a:r>
-            <a:endParaRPr lang="fr-FR" dirty="0"/>
+              <a:rPr lang="fr-FR" dirty="0"/>
+              <a:t>Associations</a:t>
+            </a:r>
           </a:p>
         </p:txBody>
       </p:sp>
@@ -21170,50 +21168,46 @@
           <a:p>
             <a:r>
               <a:rPr lang="fr-FR" dirty="0"/>
-              <a:t>Enumération de valeurs</a:t>
+              <a:t>Les classes peuvent être liées par association</a:t>
+            </a:r>
+          </a:p>
+          <a:p>
+            <a:r>
+              <a:rPr lang="fr-FR" dirty="0"/>
+              <a:t>Relation 1</a:t>
             </a:r>
           </a:p>
           <a:p>
             <a:pPr lvl="1"/>
             <a:r>
               <a:rPr lang="fr-FR" dirty="0"/>
-              <a:t>Python 3.4</a:t>
+              <a:t>Attribut du type de la classe lié</a:t>
+            </a:r>
+          </a:p>
+          <a:p>
+            <a:r>
+              <a:rPr lang="fr-FR" dirty="0"/>
+              <a:t>Relation *</a:t>
             </a:r>
           </a:p>
           <a:p>
             <a:pPr lvl="1"/>
+            <a:r>
+              <a:rPr lang="fr-FR" dirty="0"/>
+              <a:t>Attribut du type </a:t>
+            </a:r>
+            <a:r>
+              <a:rPr lang="fr-FR" dirty="0" err="1"/>
+              <a:t>list</a:t>
+            </a:r>
             <a:endParaRPr lang="fr-FR" dirty="0"/>
           </a:p>
         </p:txBody>
       </p:sp>
-      <p:pic>
-        <p:nvPicPr>
-          <p:cNvPr id="4" name="Image 3"/>
-          <p:cNvPicPr>
-            <a:picLocks noChangeAspect="1"/>
-          </p:cNvPicPr>
-          <p:nvPr/>
-        </p:nvPicPr>
-        <p:blipFill>
-          <a:blip r:embed="rId2"/>
-          <a:stretch>
-            <a:fillRect/>
-          </a:stretch>
-        </p:blipFill>
-        <p:spPr>
-          <a:xfrm>
-            <a:off x="2339752" y="2636912"/>
-            <a:ext cx="4847815" cy="2664295"/>
-          </a:xfrm>
-          <a:prstGeom prst="rect">
-            <a:avLst/>
-          </a:prstGeom>
-        </p:spPr>
-      </p:pic>
     </p:spTree>
     <p:extLst>
       <p:ext uri="{BB962C8B-B14F-4D97-AF65-F5344CB8AC3E}">
-        <p14:creationId xmlns:p14="http://schemas.microsoft.com/office/powerpoint/2010/main" val="195516760"/>
+        <p14:creationId xmlns:p14="http://schemas.microsoft.com/office/powerpoint/2010/main" val="62270567"/>
       </p:ext>
     </p:extLst>
   </p:cSld>
@@ -21764,111 +21758,6 @@
     <p:extLst>
       <p:ext uri="{BB962C8B-B14F-4D97-AF65-F5344CB8AC3E}">
         <p14:creationId xmlns:p14="http://schemas.microsoft.com/office/powerpoint/2010/main" val="2140405800"/>
-      </p:ext>
-    </p:extLst>
-  </p:cSld>
-  <p:clrMapOvr>
-    <a:masterClrMapping/>
-  </p:clrMapOvr>
-</p:sld>
-</file>
-
-<file path=ppt/slides/slide30.xml><?xml version="1.0" encoding="utf-8"?>
-<p:sld xmlns:a="http://schemas.openxmlformats.org/drawingml/2006/main" xmlns:r="http://schemas.openxmlformats.org/officeDocument/2006/relationships" xmlns:p="http://schemas.openxmlformats.org/presentationml/2006/main">
-  <p:cSld>
-    <p:spTree>
-      <p:nvGrpSpPr>
-        <p:cNvPr id="1" name=""/>
-        <p:cNvGrpSpPr/>
-        <p:nvPr/>
-      </p:nvGrpSpPr>
-      <p:grpSpPr>
-        <a:xfrm>
-          <a:off x="0" y="0"/>
-          <a:ext cx="0" cy="0"/>
-          <a:chOff x="0" y="0"/>
-          <a:chExt cx="0" cy="0"/>
-        </a:xfrm>
-      </p:grpSpPr>
-      <p:sp>
-        <p:nvSpPr>
-          <p:cNvPr id="2" name="Titre 1"/>
-          <p:cNvSpPr>
-            <a:spLocks noGrp="1"/>
-          </p:cNvSpPr>
-          <p:nvPr>
-            <p:ph type="title"/>
-          </p:nvPr>
-        </p:nvSpPr>
-        <p:spPr/>
-        <p:txBody>
-          <a:bodyPr/>
-          <a:lstStyle/>
-          <a:p>
-            <a:r>
-              <a:rPr lang="fr-FR" dirty="0"/>
-              <a:t>Associations</a:t>
-            </a:r>
-          </a:p>
-        </p:txBody>
-      </p:sp>
-      <p:sp>
-        <p:nvSpPr>
-          <p:cNvPr id="3" name="Espace réservé du contenu 2"/>
-          <p:cNvSpPr>
-            <a:spLocks noGrp="1"/>
-          </p:cNvSpPr>
-          <p:nvPr>
-            <p:ph idx="1"/>
-          </p:nvPr>
-        </p:nvSpPr>
-        <p:spPr/>
-        <p:txBody>
-          <a:bodyPr/>
-          <a:lstStyle/>
-          <a:p>
-            <a:r>
-              <a:rPr lang="fr-FR" dirty="0"/>
-              <a:t>Les classes peuvent être liées par association</a:t>
-            </a:r>
-          </a:p>
-          <a:p>
-            <a:r>
-              <a:rPr lang="fr-FR" dirty="0"/>
-              <a:t>Relation 1</a:t>
-            </a:r>
-          </a:p>
-          <a:p>
-            <a:pPr lvl="1"/>
-            <a:r>
-              <a:rPr lang="fr-FR" dirty="0"/>
-              <a:t>Attribut du type de la classe lié</a:t>
-            </a:r>
-          </a:p>
-          <a:p>
-            <a:r>
-              <a:rPr lang="fr-FR" dirty="0"/>
-              <a:t>Relation *</a:t>
-            </a:r>
-          </a:p>
-          <a:p>
-            <a:pPr lvl="1"/>
-            <a:r>
-              <a:rPr lang="fr-FR" dirty="0"/>
-              <a:t>Attribut du type </a:t>
-            </a:r>
-            <a:r>
-              <a:rPr lang="fr-FR" dirty="0" err="1"/>
-              <a:t>list</a:t>
-            </a:r>
-            <a:endParaRPr lang="fr-FR" dirty="0"/>
-          </a:p>
-        </p:txBody>
-      </p:sp>
-    </p:spTree>
-    <p:extLst>
-      <p:ext uri="{BB962C8B-B14F-4D97-AF65-F5344CB8AC3E}">
-        <p14:creationId xmlns:p14="http://schemas.microsoft.com/office/powerpoint/2010/main" val="62270567"/>
       </p:ext>
     </p:extLst>
   </p:cSld>

--- a/ppt/Python08-OO.pptx
+++ b/ppt/Python08-OO.pptx
@@ -5,10 +5,10 @@
     <p:sldMasterId id="2147483653" r:id="rId1"/>
   </p:sldMasterIdLst>
   <p:notesMasterIdLst>
-    <p:notesMasterId r:id="rId31"/>
+    <p:notesMasterId r:id="rId24"/>
   </p:notesMasterIdLst>
   <p:handoutMasterIdLst>
-    <p:handoutMasterId r:id="rId32"/>
+    <p:handoutMasterId r:id="rId25"/>
   </p:handoutMasterIdLst>
   <p:sldIdLst>
     <p:sldId id="264" r:id="rId2"/>
@@ -30,16 +30,9 @@
     <p:sldId id="309" r:id="rId18"/>
     <p:sldId id="274" r:id="rId19"/>
     <p:sldId id="275" r:id="rId20"/>
-    <p:sldId id="303" r:id="rId21"/>
-    <p:sldId id="313" r:id="rId22"/>
-    <p:sldId id="316" r:id="rId23"/>
-    <p:sldId id="314" r:id="rId24"/>
-    <p:sldId id="315" r:id="rId25"/>
-    <p:sldId id="277" r:id="rId26"/>
-    <p:sldId id="308" r:id="rId27"/>
-    <p:sldId id="278" r:id="rId28"/>
-    <p:sldId id="311" r:id="rId29"/>
-    <p:sldId id="317" r:id="rId30"/>
+    <p:sldId id="277" r:id="rId21"/>
+    <p:sldId id="308" r:id="rId22"/>
+    <p:sldId id="317" r:id="rId23"/>
   </p:sldIdLst>
   <p:sldSz cx="9144000" cy="6858000" type="screen4x3"/>
   <p:notesSz cx="6648450" cy="9782175"/>
@@ -1106,398 +1099,6 @@
 </p:notes>
 </file>
 
-<file path=ppt/notesSlides/notesSlide10.xml><?xml version="1.0" encoding="utf-8"?>
-<p:notes xmlns:a="http://schemas.openxmlformats.org/drawingml/2006/main" xmlns:r="http://schemas.openxmlformats.org/officeDocument/2006/relationships" xmlns:p="http://schemas.openxmlformats.org/presentationml/2006/main">
-  <p:cSld>
-    <p:spTree>
-      <p:nvGrpSpPr>
-        <p:cNvPr id="1" name=""/>
-        <p:cNvGrpSpPr/>
-        <p:nvPr/>
-      </p:nvGrpSpPr>
-      <p:grpSpPr>
-        <a:xfrm>
-          <a:off x="0" y="0"/>
-          <a:ext cx="0" cy="0"/>
-          <a:chOff x="0" y="0"/>
-          <a:chExt cx="0" cy="0"/>
-        </a:xfrm>
-      </p:grpSpPr>
-      <p:sp>
-        <p:nvSpPr>
-          <p:cNvPr id="29698" name="Rectangle 7"/>
-          <p:cNvSpPr>
-            <a:spLocks noGrp="1" noChangeArrowheads="1"/>
-          </p:cNvSpPr>
-          <p:nvPr>
-            <p:ph type="sldNum" sz="quarter" idx="5"/>
-            <p:custDataLst>
-              <p:tags r:id="rId1"/>
-            </p:custDataLst>
-          </p:nvPr>
-        </p:nvSpPr>
-        <p:spPr>
-          <a:noFill/>
-        </p:spPr>
-        <p:txBody>
-          <a:bodyPr/>
-          <a:lstStyle>
-            <a:lvl1pPr>
-              <a:defRPr sz="3000">
-                <a:solidFill>
-                  <a:schemeClr val="tx1"/>
-                </a:solidFill>
-                <a:latin typeface="Arial Narrow" panose="020B0606020202030204" pitchFamily="34" charset="0"/>
-              </a:defRPr>
-            </a:lvl1pPr>
-            <a:lvl2pPr marL="742950" indent="-285750">
-              <a:defRPr sz="3000">
-                <a:solidFill>
-                  <a:schemeClr val="tx1"/>
-                </a:solidFill>
-                <a:latin typeface="Arial Narrow" panose="020B0606020202030204" pitchFamily="34" charset="0"/>
-              </a:defRPr>
-            </a:lvl2pPr>
-            <a:lvl3pPr marL="1143000" indent="-228600">
-              <a:defRPr sz="3000">
-                <a:solidFill>
-                  <a:schemeClr val="tx1"/>
-                </a:solidFill>
-                <a:latin typeface="Arial Narrow" panose="020B0606020202030204" pitchFamily="34" charset="0"/>
-              </a:defRPr>
-            </a:lvl3pPr>
-            <a:lvl4pPr marL="1600200" indent="-228600">
-              <a:defRPr sz="3000">
-                <a:solidFill>
-                  <a:schemeClr val="tx1"/>
-                </a:solidFill>
-                <a:latin typeface="Arial Narrow" panose="020B0606020202030204" pitchFamily="34" charset="0"/>
-              </a:defRPr>
-            </a:lvl4pPr>
-            <a:lvl5pPr marL="2057400" indent="-228600">
-              <a:defRPr sz="3000">
-                <a:solidFill>
-                  <a:schemeClr val="tx1"/>
-                </a:solidFill>
-                <a:latin typeface="Arial Narrow" panose="020B0606020202030204" pitchFamily="34" charset="0"/>
-              </a:defRPr>
-            </a:lvl5pPr>
-            <a:lvl6pPr marL="2514600" indent="-228600" eaLnBrk="0" fontAlgn="base" hangingPunct="0">
-              <a:spcBef>
-                <a:spcPct val="0"/>
-              </a:spcBef>
-              <a:spcAft>
-                <a:spcPct val="0"/>
-              </a:spcAft>
-              <a:defRPr sz="3000">
-                <a:solidFill>
-                  <a:schemeClr val="tx1"/>
-                </a:solidFill>
-                <a:latin typeface="Arial Narrow" panose="020B0606020202030204" pitchFamily="34" charset="0"/>
-              </a:defRPr>
-            </a:lvl6pPr>
-            <a:lvl7pPr marL="2971800" indent="-228600" eaLnBrk="0" fontAlgn="base" hangingPunct="0">
-              <a:spcBef>
-                <a:spcPct val="0"/>
-              </a:spcBef>
-              <a:spcAft>
-                <a:spcPct val="0"/>
-              </a:spcAft>
-              <a:defRPr sz="3000">
-                <a:solidFill>
-                  <a:schemeClr val="tx1"/>
-                </a:solidFill>
-                <a:latin typeface="Arial Narrow" panose="020B0606020202030204" pitchFamily="34" charset="0"/>
-              </a:defRPr>
-            </a:lvl7pPr>
-            <a:lvl8pPr marL="3429000" indent="-228600" eaLnBrk="0" fontAlgn="base" hangingPunct="0">
-              <a:spcBef>
-                <a:spcPct val="0"/>
-              </a:spcBef>
-              <a:spcAft>
-                <a:spcPct val="0"/>
-              </a:spcAft>
-              <a:defRPr sz="3000">
-                <a:solidFill>
-                  <a:schemeClr val="tx1"/>
-                </a:solidFill>
-                <a:latin typeface="Arial Narrow" panose="020B0606020202030204" pitchFamily="34" charset="0"/>
-              </a:defRPr>
-            </a:lvl8pPr>
-            <a:lvl9pPr marL="3886200" indent="-228600" eaLnBrk="0" fontAlgn="base" hangingPunct="0">
-              <a:spcBef>
-                <a:spcPct val="0"/>
-              </a:spcBef>
-              <a:spcAft>
-                <a:spcPct val="0"/>
-              </a:spcAft>
-              <a:defRPr sz="3000">
-                <a:solidFill>
-                  <a:schemeClr val="tx1"/>
-                </a:solidFill>
-                <a:latin typeface="Arial Narrow" panose="020B0606020202030204" pitchFamily="34" charset="0"/>
-              </a:defRPr>
-            </a:lvl9pPr>
-          </a:lstStyle>
-          <a:p>
-            <a:fld id="{128995A5-4EA1-46DC-8F5B-4368CF269E26}" type="slidenum">
-              <a:rPr lang="en-US" altLang="fr-FR" sz="1200"/>
-              <a:pPr/>
-              <a:t>25</a:t>
-            </a:fld>
-            <a:endParaRPr lang="en-US" altLang="fr-FR" sz="1200"/>
-          </a:p>
-        </p:txBody>
-      </p:sp>
-      <p:sp>
-        <p:nvSpPr>
-          <p:cNvPr id="29699" name="Rectangle 2"/>
-          <p:cNvSpPr>
-            <a:spLocks noGrp="1" noRot="1" noChangeAspect="1" noChangeArrowheads="1" noTextEdit="1"/>
-          </p:cNvSpPr>
-          <p:nvPr>
-            <p:ph type="sldImg"/>
-          </p:nvPr>
-        </p:nvSpPr>
-        <p:spPr>
-          <a:xfrm>
-            <a:off x="877888" y="733425"/>
-            <a:ext cx="4892675" cy="3670300"/>
-          </a:xfrm>
-          <a:ln/>
-        </p:spPr>
-      </p:sp>
-      <p:sp>
-        <p:nvSpPr>
-          <p:cNvPr id="29700" name="Rectangle 3"/>
-          <p:cNvSpPr>
-            <a:spLocks noGrp="1" noChangeArrowheads="1"/>
-          </p:cNvSpPr>
-          <p:nvPr>
-            <p:ph type="body" idx="1"/>
-          </p:nvPr>
-        </p:nvSpPr>
-        <p:spPr>
-          <a:noFill/>
-        </p:spPr>
-        <p:txBody>
-          <a:bodyPr/>
-          <a:lstStyle/>
-          <a:p>
-            <a:pPr eaLnBrk="1" hangingPunct="1"/>
-            <a:endParaRPr lang="en-US" altLang="fr-FR"/>
-          </a:p>
-        </p:txBody>
-      </p:sp>
-    </p:spTree>
-    <p:extLst>
-      <p:ext uri="{BB962C8B-B14F-4D97-AF65-F5344CB8AC3E}">
-        <p14:creationId xmlns:p14="http://schemas.microsoft.com/office/powerpoint/2010/main" val="196649283"/>
-      </p:ext>
-    </p:extLst>
-  </p:cSld>
-  <p:clrMapOvr>
-    <a:masterClrMapping/>
-  </p:clrMapOvr>
-</p:notes>
-</file>
-
-<file path=ppt/notesSlides/notesSlide11.xml><?xml version="1.0" encoding="utf-8"?>
-<p:notes xmlns:a="http://schemas.openxmlformats.org/drawingml/2006/main" xmlns:r="http://schemas.openxmlformats.org/officeDocument/2006/relationships" xmlns:p="http://schemas.openxmlformats.org/presentationml/2006/main">
-  <p:cSld>
-    <p:spTree>
-      <p:nvGrpSpPr>
-        <p:cNvPr id="1" name=""/>
-        <p:cNvGrpSpPr/>
-        <p:nvPr/>
-      </p:nvGrpSpPr>
-      <p:grpSpPr>
-        <a:xfrm>
-          <a:off x="0" y="0"/>
-          <a:ext cx="0" cy="0"/>
-          <a:chOff x="0" y="0"/>
-          <a:chExt cx="0" cy="0"/>
-        </a:xfrm>
-      </p:grpSpPr>
-      <p:sp>
-        <p:nvSpPr>
-          <p:cNvPr id="31746" name="Rectangle 7"/>
-          <p:cNvSpPr>
-            <a:spLocks noGrp="1" noChangeArrowheads="1"/>
-          </p:cNvSpPr>
-          <p:nvPr>
-            <p:ph type="sldNum" sz="quarter" idx="5"/>
-            <p:custDataLst>
-              <p:tags r:id="rId1"/>
-            </p:custDataLst>
-          </p:nvPr>
-        </p:nvSpPr>
-        <p:spPr>
-          <a:noFill/>
-        </p:spPr>
-        <p:txBody>
-          <a:bodyPr/>
-          <a:lstStyle>
-            <a:lvl1pPr>
-              <a:defRPr sz="3000">
-                <a:solidFill>
-                  <a:schemeClr val="tx1"/>
-                </a:solidFill>
-                <a:latin typeface="Arial Narrow" panose="020B0606020202030204" pitchFamily="34" charset="0"/>
-              </a:defRPr>
-            </a:lvl1pPr>
-            <a:lvl2pPr marL="742950" indent="-285750">
-              <a:defRPr sz="3000">
-                <a:solidFill>
-                  <a:schemeClr val="tx1"/>
-                </a:solidFill>
-                <a:latin typeface="Arial Narrow" panose="020B0606020202030204" pitchFamily="34" charset="0"/>
-              </a:defRPr>
-            </a:lvl2pPr>
-            <a:lvl3pPr marL="1143000" indent="-228600">
-              <a:defRPr sz="3000">
-                <a:solidFill>
-                  <a:schemeClr val="tx1"/>
-                </a:solidFill>
-                <a:latin typeface="Arial Narrow" panose="020B0606020202030204" pitchFamily="34" charset="0"/>
-              </a:defRPr>
-            </a:lvl3pPr>
-            <a:lvl4pPr marL="1600200" indent="-228600">
-              <a:defRPr sz="3000">
-                <a:solidFill>
-                  <a:schemeClr val="tx1"/>
-                </a:solidFill>
-                <a:latin typeface="Arial Narrow" panose="020B0606020202030204" pitchFamily="34" charset="0"/>
-              </a:defRPr>
-            </a:lvl4pPr>
-            <a:lvl5pPr marL="2057400" indent="-228600">
-              <a:defRPr sz="3000">
-                <a:solidFill>
-                  <a:schemeClr val="tx1"/>
-                </a:solidFill>
-                <a:latin typeface="Arial Narrow" panose="020B0606020202030204" pitchFamily="34" charset="0"/>
-              </a:defRPr>
-            </a:lvl5pPr>
-            <a:lvl6pPr marL="2514600" indent="-228600" eaLnBrk="0" fontAlgn="base" hangingPunct="0">
-              <a:spcBef>
-                <a:spcPct val="0"/>
-              </a:spcBef>
-              <a:spcAft>
-                <a:spcPct val="0"/>
-              </a:spcAft>
-              <a:defRPr sz="3000">
-                <a:solidFill>
-                  <a:schemeClr val="tx1"/>
-                </a:solidFill>
-                <a:latin typeface="Arial Narrow" panose="020B0606020202030204" pitchFamily="34" charset="0"/>
-              </a:defRPr>
-            </a:lvl6pPr>
-            <a:lvl7pPr marL="2971800" indent="-228600" eaLnBrk="0" fontAlgn="base" hangingPunct="0">
-              <a:spcBef>
-                <a:spcPct val="0"/>
-              </a:spcBef>
-              <a:spcAft>
-                <a:spcPct val="0"/>
-              </a:spcAft>
-              <a:defRPr sz="3000">
-                <a:solidFill>
-                  <a:schemeClr val="tx1"/>
-                </a:solidFill>
-                <a:latin typeface="Arial Narrow" panose="020B0606020202030204" pitchFamily="34" charset="0"/>
-              </a:defRPr>
-            </a:lvl7pPr>
-            <a:lvl8pPr marL="3429000" indent="-228600" eaLnBrk="0" fontAlgn="base" hangingPunct="0">
-              <a:spcBef>
-                <a:spcPct val="0"/>
-              </a:spcBef>
-              <a:spcAft>
-                <a:spcPct val="0"/>
-              </a:spcAft>
-              <a:defRPr sz="3000">
-                <a:solidFill>
-                  <a:schemeClr val="tx1"/>
-                </a:solidFill>
-                <a:latin typeface="Arial Narrow" panose="020B0606020202030204" pitchFamily="34" charset="0"/>
-              </a:defRPr>
-            </a:lvl8pPr>
-            <a:lvl9pPr marL="3886200" indent="-228600" eaLnBrk="0" fontAlgn="base" hangingPunct="0">
-              <a:spcBef>
-                <a:spcPct val="0"/>
-              </a:spcBef>
-              <a:spcAft>
-                <a:spcPct val="0"/>
-              </a:spcAft>
-              <a:defRPr sz="3000">
-                <a:solidFill>
-                  <a:schemeClr val="tx1"/>
-                </a:solidFill>
-                <a:latin typeface="Arial Narrow" panose="020B0606020202030204" pitchFamily="34" charset="0"/>
-              </a:defRPr>
-            </a:lvl9pPr>
-          </a:lstStyle>
-          <a:p>
-            <a:fld id="{E0672C6E-802E-4888-B97E-D5F7E1E72B2C}" type="slidenum">
-              <a:rPr lang="en-US" altLang="fr-FR" sz="1200"/>
-              <a:pPr/>
-              <a:t>27</a:t>
-            </a:fld>
-            <a:endParaRPr lang="en-US" altLang="fr-FR" sz="1200"/>
-          </a:p>
-        </p:txBody>
-      </p:sp>
-      <p:sp>
-        <p:nvSpPr>
-          <p:cNvPr id="31747" name="Rectangle 2"/>
-          <p:cNvSpPr>
-            <a:spLocks noGrp="1" noRot="1" noChangeAspect="1" noChangeArrowheads="1" noTextEdit="1"/>
-          </p:cNvSpPr>
-          <p:nvPr>
-            <p:ph type="sldImg"/>
-          </p:nvPr>
-        </p:nvSpPr>
-        <p:spPr>
-          <a:xfrm>
-            <a:off x="877888" y="733425"/>
-            <a:ext cx="4892675" cy="3670300"/>
-          </a:xfrm>
-          <a:ln/>
-        </p:spPr>
-      </p:sp>
-      <p:sp>
-        <p:nvSpPr>
-          <p:cNvPr id="31748" name="Rectangle 3"/>
-          <p:cNvSpPr>
-            <a:spLocks noGrp="1" noChangeArrowheads="1"/>
-          </p:cNvSpPr>
-          <p:nvPr>
-            <p:ph type="body" idx="1"/>
-          </p:nvPr>
-        </p:nvSpPr>
-        <p:spPr>
-          <a:noFill/>
-        </p:spPr>
-        <p:txBody>
-          <a:bodyPr/>
-          <a:lstStyle/>
-          <a:p>
-            <a:pPr eaLnBrk="1" hangingPunct="1"/>
-            <a:endParaRPr lang="en-US" altLang="fr-FR"/>
-          </a:p>
-        </p:txBody>
-      </p:sp>
-    </p:spTree>
-    <p:extLst>
-      <p:ext uri="{BB962C8B-B14F-4D97-AF65-F5344CB8AC3E}">
-        <p14:creationId xmlns:p14="http://schemas.microsoft.com/office/powerpoint/2010/main" val="2545764591"/>
-      </p:ext>
-    </p:extLst>
-  </p:cSld>
-  <p:clrMapOvr>
-    <a:masterClrMapping/>
-  </p:clrMapOvr>
-</p:notes>
-</file>
-
 <file path=ppt/notesSlides/notesSlide2.xml><?xml version="1.0" encoding="utf-8"?>
 <p:notes xmlns:a="http://schemas.openxmlformats.org/drawingml/2006/main" xmlns:r="http://schemas.openxmlformats.org/officeDocument/2006/relationships" xmlns:p="http://schemas.openxmlformats.org/presentationml/2006/main">
   <p:cSld>
@@ -2873,9 +2474,135 @@
       </p:grpSpPr>
       <p:sp>
         <p:nvSpPr>
-          <p:cNvPr id="2" name="Espace réservé de l'image des diapositives 1"/>
+          <p:cNvPr id="29698" name="Rectangle 7"/>
           <p:cNvSpPr>
-            <a:spLocks noGrp="1" noRot="1" noChangeAspect="1"/>
+            <a:spLocks noGrp="1" noChangeArrowheads="1"/>
+          </p:cNvSpPr>
+          <p:nvPr>
+            <p:ph type="sldNum" sz="quarter" idx="5"/>
+            <p:custDataLst>
+              <p:tags r:id="rId1"/>
+            </p:custDataLst>
+          </p:nvPr>
+        </p:nvSpPr>
+        <p:spPr>
+          <a:noFill/>
+        </p:spPr>
+        <p:txBody>
+          <a:bodyPr/>
+          <a:lstStyle>
+            <a:lvl1pPr>
+              <a:defRPr sz="3000">
+                <a:solidFill>
+                  <a:schemeClr val="tx1"/>
+                </a:solidFill>
+                <a:latin typeface="Arial Narrow" panose="020B0606020202030204" pitchFamily="34" charset="0"/>
+              </a:defRPr>
+            </a:lvl1pPr>
+            <a:lvl2pPr marL="742950" indent="-285750">
+              <a:defRPr sz="3000">
+                <a:solidFill>
+                  <a:schemeClr val="tx1"/>
+                </a:solidFill>
+                <a:latin typeface="Arial Narrow" panose="020B0606020202030204" pitchFamily="34" charset="0"/>
+              </a:defRPr>
+            </a:lvl2pPr>
+            <a:lvl3pPr marL="1143000" indent="-228600">
+              <a:defRPr sz="3000">
+                <a:solidFill>
+                  <a:schemeClr val="tx1"/>
+                </a:solidFill>
+                <a:latin typeface="Arial Narrow" panose="020B0606020202030204" pitchFamily="34" charset="0"/>
+              </a:defRPr>
+            </a:lvl3pPr>
+            <a:lvl4pPr marL="1600200" indent="-228600">
+              <a:defRPr sz="3000">
+                <a:solidFill>
+                  <a:schemeClr val="tx1"/>
+                </a:solidFill>
+                <a:latin typeface="Arial Narrow" panose="020B0606020202030204" pitchFamily="34" charset="0"/>
+              </a:defRPr>
+            </a:lvl4pPr>
+            <a:lvl5pPr marL="2057400" indent="-228600">
+              <a:defRPr sz="3000">
+                <a:solidFill>
+                  <a:schemeClr val="tx1"/>
+                </a:solidFill>
+                <a:latin typeface="Arial Narrow" panose="020B0606020202030204" pitchFamily="34" charset="0"/>
+              </a:defRPr>
+            </a:lvl5pPr>
+            <a:lvl6pPr marL="2514600" indent="-228600" eaLnBrk="0" fontAlgn="base" hangingPunct="0">
+              <a:spcBef>
+                <a:spcPct val="0"/>
+              </a:spcBef>
+              <a:spcAft>
+                <a:spcPct val="0"/>
+              </a:spcAft>
+              <a:defRPr sz="3000">
+                <a:solidFill>
+                  <a:schemeClr val="tx1"/>
+                </a:solidFill>
+                <a:latin typeface="Arial Narrow" panose="020B0606020202030204" pitchFamily="34" charset="0"/>
+              </a:defRPr>
+            </a:lvl6pPr>
+            <a:lvl7pPr marL="2971800" indent="-228600" eaLnBrk="0" fontAlgn="base" hangingPunct="0">
+              <a:spcBef>
+                <a:spcPct val="0"/>
+              </a:spcBef>
+              <a:spcAft>
+                <a:spcPct val="0"/>
+              </a:spcAft>
+              <a:defRPr sz="3000">
+                <a:solidFill>
+                  <a:schemeClr val="tx1"/>
+                </a:solidFill>
+                <a:latin typeface="Arial Narrow" panose="020B0606020202030204" pitchFamily="34" charset="0"/>
+              </a:defRPr>
+            </a:lvl7pPr>
+            <a:lvl8pPr marL="3429000" indent="-228600" eaLnBrk="0" fontAlgn="base" hangingPunct="0">
+              <a:spcBef>
+                <a:spcPct val="0"/>
+              </a:spcBef>
+              <a:spcAft>
+                <a:spcPct val="0"/>
+              </a:spcAft>
+              <a:defRPr sz="3000">
+                <a:solidFill>
+                  <a:schemeClr val="tx1"/>
+                </a:solidFill>
+                <a:latin typeface="Arial Narrow" panose="020B0606020202030204" pitchFamily="34" charset="0"/>
+              </a:defRPr>
+            </a:lvl8pPr>
+            <a:lvl9pPr marL="3886200" indent="-228600" eaLnBrk="0" fontAlgn="base" hangingPunct="0">
+              <a:spcBef>
+                <a:spcPct val="0"/>
+              </a:spcBef>
+              <a:spcAft>
+                <a:spcPct val="0"/>
+              </a:spcAft>
+              <a:defRPr sz="3000">
+                <a:solidFill>
+                  <a:schemeClr val="tx1"/>
+                </a:solidFill>
+                <a:latin typeface="Arial Narrow" panose="020B0606020202030204" pitchFamily="34" charset="0"/>
+              </a:defRPr>
+            </a:lvl9pPr>
+          </a:lstStyle>
+          <a:p>
+            <a:fld id="{128995A5-4EA1-46DC-8F5B-4368CF269E26}" type="slidenum">
+              <a:rPr lang="en-US" altLang="fr-FR" sz="1200"/>
+              <a:pPr/>
+              <a:t>20</a:t>
+            </a:fld>
+            <a:endParaRPr lang="en-US" altLang="fr-FR" sz="1200"/>
+          </a:p>
+        </p:txBody>
+      </p:sp>
+      <p:sp>
+        <p:nvSpPr>
+          <p:cNvPr id="29699" name="Rectangle 2"/>
+          <p:cNvSpPr>
+            <a:spLocks noGrp="1" noRot="1" noChangeAspect="1" noChangeArrowheads="1" noTextEdit="1"/>
           </p:cNvSpPr>
           <p:nvPr>
             <p:ph type="sldImg"/>
@@ -2886,89 +2613,35 @@
             <a:off x="877888" y="733425"/>
             <a:ext cx="4892675" cy="3670300"/>
           </a:xfrm>
+          <a:ln/>
         </p:spPr>
       </p:sp>
       <p:sp>
         <p:nvSpPr>
-          <p:cNvPr id="3" name="Espace réservé des commentaires 2"/>
+          <p:cNvPr id="29700" name="Rectangle 3"/>
           <p:cNvSpPr>
-            <a:spLocks noGrp="1"/>
+            <a:spLocks noGrp="1" noChangeArrowheads="1"/>
           </p:cNvSpPr>
           <p:nvPr>
             <p:ph type="body" idx="1"/>
           </p:nvPr>
         </p:nvSpPr>
-        <p:spPr/>
+        <p:spPr>
+          <a:noFill/>
+        </p:spPr>
         <p:txBody>
           <a:bodyPr/>
           <a:lstStyle/>
           <a:p>
-            <a:endParaRPr lang="fr-FR" dirty="0"/>
-          </a:p>
-        </p:txBody>
-      </p:sp>
-      <p:sp>
-        <p:nvSpPr>
-          <p:cNvPr id="4" name="Espace réservé du pied de page 3"/>
-          <p:cNvSpPr>
-            <a:spLocks noGrp="1"/>
-          </p:cNvSpPr>
-          <p:nvPr>
-            <p:ph type="ftr" sz="quarter" idx="10"/>
-          </p:nvPr>
-        </p:nvSpPr>
-        <p:spPr/>
-        <p:txBody>
-          <a:bodyPr/>
-          <a:lstStyle/>
-          <a:p>
-            <a:pPr>
-              <a:defRPr/>
-            </a:pPr>
-            <a:r>
-              <a:rPr lang="fr-FR"/>
-              <a:t>© HANDSHAKE - Philippe MASINA</a:t>
-            </a:r>
-          </a:p>
-        </p:txBody>
-      </p:sp>
-      <p:sp>
-        <p:nvSpPr>
-          <p:cNvPr id="5" name="Espace réservé du numéro de diapositive 4"/>
-          <p:cNvSpPr>
-            <a:spLocks noGrp="1"/>
-          </p:cNvSpPr>
-          <p:nvPr>
-            <p:ph type="sldNum" sz="quarter" idx="11"/>
-          </p:nvPr>
-        </p:nvSpPr>
-        <p:spPr/>
-        <p:txBody>
-          <a:bodyPr/>
-          <a:lstStyle/>
-          <a:p>
-            <a:pPr>
-              <a:defRPr/>
-            </a:pPr>
-            <a:r>
-              <a:rPr lang="fr-FR"/>
-              <a:t>I-</a:t>
-            </a:r>
-            <a:fld id="{88B410AF-14E7-4D87-8C8E-6E377E0C2388}" type="slidenum">
-              <a:rPr lang="fr-FR" smtClean="0"/>
-              <a:pPr>
-                <a:defRPr/>
-              </a:pPr>
-              <a:t>22</a:t>
-            </a:fld>
-            <a:endParaRPr lang="fr-FR"/>
+            <a:pPr eaLnBrk="1" hangingPunct="1"/>
+            <a:endParaRPr lang="en-US" altLang="fr-FR"/>
           </a:p>
         </p:txBody>
       </p:sp>
     </p:spTree>
     <p:extLst>
       <p:ext uri="{BB962C8B-B14F-4D97-AF65-F5344CB8AC3E}">
-        <p14:creationId xmlns:p14="http://schemas.microsoft.com/office/powerpoint/2010/main" val="221260208"/>
+        <p14:creationId xmlns:p14="http://schemas.microsoft.com/office/powerpoint/2010/main" val="196649283"/>
       </p:ext>
     </p:extLst>
   </p:cSld>
@@ -14620,593 +14293,6 @@
       </p:grpSpPr>
       <p:sp>
         <p:nvSpPr>
-          <p:cNvPr id="2" name="Titre 1"/>
-          <p:cNvSpPr>
-            <a:spLocks noGrp="1"/>
-          </p:cNvSpPr>
-          <p:nvPr>
-            <p:ph type="title"/>
-          </p:nvPr>
-        </p:nvSpPr>
-        <p:spPr/>
-        <p:txBody>
-          <a:bodyPr/>
-          <a:lstStyle/>
-          <a:p>
-            <a:r>
-              <a:rPr lang="fr-FR" dirty="0"/>
-              <a:t>Problème d’encapsulation</a:t>
-            </a:r>
-          </a:p>
-        </p:txBody>
-      </p:sp>
-      <p:sp>
-        <p:nvSpPr>
-          <p:cNvPr id="3" name="Espace réservé du contenu 2"/>
-          <p:cNvSpPr>
-            <a:spLocks noGrp="1"/>
-          </p:cNvSpPr>
-          <p:nvPr>
-            <p:ph idx="1"/>
-          </p:nvPr>
-        </p:nvSpPr>
-        <p:spPr/>
-        <p:txBody>
-          <a:bodyPr/>
-          <a:lstStyle/>
-          <a:p>
-            <a:r>
-              <a:rPr lang="fr-FR" dirty="0"/>
-              <a:t>Python ne permet pas de modifier la visibilité d’un attribut</a:t>
-            </a:r>
-          </a:p>
-          <a:p>
-            <a:pPr lvl="1"/>
-            <a:r>
-              <a:rPr lang="fr-FR" dirty="0"/>
-              <a:t>Pas de public, </a:t>
-            </a:r>
-            <a:r>
-              <a:rPr lang="fr-FR" dirty="0" err="1"/>
-              <a:t>private</a:t>
-            </a:r>
-            <a:endParaRPr lang="fr-FR" dirty="0"/>
-          </a:p>
-          <a:p>
-            <a:pPr lvl="1"/>
-            <a:r>
-              <a:rPr lang="fr-FR" dirty="0"/>
-              <a:t>Problème pour une encapsulation correcte</a:t>
-            </a:r>
-          </a:p>
-          <a:p>
-            <a:r>
-              <a:rPr lang="fr-FR" dirty="0"/>
-              <a:t>Norme de codage</a:t>
-            </a:r>
-          </a:p>
-          <a:p>
-            <a:pPr lvl="1"/>
-            <a:r>
-              <a:rPr lang="fr-FR" dirty="0"/>
-              <a:t>Un attribut ou une méthode privée est préfixée par _</a:t>
-            </a:r>
-          </a:p>
-          <a:p>
-            <a:pPr lvl="1"/>
-            <a:r>
-              <a:rPr lang="fr-FR" dirty="0"/>
-              <a:t>Tous les attributs</a:t>
-            </a:r>
-          </a:p>
-        </p:txBody>
-      </p:sp>
-    </p:spTree>
-    <p:extLst>
-      <p:ext uri="{BB962C8B-B14F-4D97-AF65-F5344CB8AC3E}">
-        <p14:creationId xmlns:p14="http://schemas.microsoft.com/office/powerpoint/2010/main" val="1684608354"/>
-      </p:ext>
-    </p:extLst>
-  </p:cSld>
-  <p:clrMapOvr>
-    <a:masterClrMapping/>
-  </p:clrMapOvr>
-</p:sld>
-</file>
-
-<file path=ppt/slides/slide21.xml><?xml version="1.0" encoding="utf-8"?>
-<p:sld xmlns:a="http://schemas.openxmlformats.org/drawingml/2006/main" xmlns:r="http://schemas.openxmlformats.org/officeDocument/2006/relationships" xmlns:p="http://schemas.openxmlformats.org/presentationml/2006/main">
-  <p:cSld>
-    <p:spTree>
-      <p:nvGrpSpPr>
-        <p:cNvPr id="1" name=""/>
-        <p:cNvGrpSpPr/>
-        <p:nvPr/>
-      </p:nvGrpSpPr>
-      <p:grpSpPr>
-        <a:xfrm>
-          <a:off x="0" y="0"/>
-          <a:ext cx="0" cy="0"/>
-          <a:chOff x="0" y="0"/>
-          <a:chExt cx="0" cy="0"/>
-        </a:xfrm>
-      </p:grpSpPr>
-      <p:sp>
-        <p:nvSpPr>
-          <p:cNvPr id="2" name="Titre 1"/>
-          <p:cNvSpPr>
-            <a:spLocks noGrp="1"/>
-          </p:cNvSpPr>
-          <p:nvPr>
-            <p:ph type="title"/>
-          </p:nvPr>
-        </p:nvSpPr>
-        <p:spPr/>
-        <p:txBody>
-          <a:bodyPr/>
-          <a:lstStyle/>
-          <a:p>
-            <a:r>
-              <a:rPr lang="fr-FR" dirty="0"/>
-              <a:t>Getter et Setter</a:t>
-            </a:r>
-          </a:p>
-        </p:txBody>
-      </p:sp>
-      <p:sp>
-        <p:nvSpPr>
-          <p:cNvPr id="3" name="Espace réservé du contenu 2"/>
-          <p:cNvSpPr>
-            <a:spLocks noGrp="1"/>
-          </p:cNvSpPr>
-          <p:nvPr>
-            <p:ph idx="1"/>
-          </p:nvPr>
-        </p:nvSpPr>
-        <p:spPr/>
-        <p:txBody>
-          <a:bodyPr/>
-          <a:lstStyle/>
-          <a:p>
-            <a:r>
-              <a:rPr lang="fr-FR" dirty="0"/>
-              <a:t>Les getters et setters permettent d’accéder à un attribut privé</a:t>
-            </a:r>
-          </a:p>
-          <a:p>
-            <a:r>
-              <a:rPr lang="fr-FR" dirty="0"/>
-              <a:t>C’est une simple norme de codage</a:t>
-            </a:r>
-          </a:p>
-          <a:p>
-            <a:r>
-              <a:rPr lang="fr-FR" dirty="0"/>
-              <a:t>Getter</a:t>
-            </a:r>
-          </a:p>
-          <a:p>
-            <a:pPr lvl="1"/>
-            <a:r>
-              <a:rPr lang="fr-FR" dirty="0"/>
-              <a:t>Permet d’accéder en lecture à l’attribut</a:t>
-            </a:r>
-          </a:p>
-          <a:p>
-            <a:r>
-              <a:rPr lang="fr-FR" dirty="0"/>
-              <a:t>Setter</a:t>
-            </a:r>
-          </a:p>
-          <a:p>
-            <a:pPr lvl="1"/>
-            <a:r>
-              <a:rPr lang="fr-FR" dirty="0"/>
-              <a:t>Permet d’accéder en écriture à l’attribut</a:t>
-            </a:r>
-          </a:p>
-          <a:p>
-            <a:endParaRPr lang="fr-FR" dirty="0"/>
-          </a:p>
-          <a:p>
-            <a:pPr lvl="1"/>
-            <a:endParaRPr lang="fr-FR" dirty="0"/>
-          </a:p>
-        </p:txBody>
-      </p:sp>
-    </p:spTree>
-    <p:extLst>
-      <p:ext uri="{BB962C8B-B14F-4D97-AF65-F5344CB8AC3E}">
-        <p14:creationId xmlns:p14="http://schemas.microsoft.com/office/powerpoint/2010/main" val="136380460"/>
-      </p:ext>
-    </p:extLst>
-  </p:cSld>
-  <p:clrMapOvr>
-    <a:masterClrMapping/>
-  </p:clrMapOvr>
-</p:sld>
-</file>
-
-<file path=ppt/slides/slide22.xml><?xml version="1.0" encoding="utf-8"?>
-<p:sld xmlns:a="http://schemas.openxmlformats.org/drawingml/2006/main" xmlns:r="http://schemas.openxmlformats.org/officeDocument/2006/relationships" xmlns:p="http://schemas.openxmlformats.org/presentationml/2006/main">
-  <p:cSld>
-    <p:spTree>
-      <p:nvGrpSpPr>
-        <p:cNvPr id="1" name=""/>
-        <p:cNvGrpSpPr/>
-        <p:nvPr/>
-      </p:nvGrpSpPr>
-      <p:grpSpPr>
-        <a:xfrm>
-          <a:off x="0" y="0"/>
-          <a:ext cx="0" cy="0"/>
-          <a:chOff x="0" y="0"/>
-          <a:chExt cx="0" cy="0"/>
-        </a:xfrm>
-      </p:grpSpPr>
-      <p:sp>
-        <p:nvSpPr>
-          <p:cNvPr id="2" name="Titre 1"/>
-          <p:cNvSpPr>
-            <a:spLocks noGrp="1"/>
-          </p:cNvSpPr>
-          <p:nvPr>
-            <p:ph type="title"/>
-          </p:nvPr>
-        </p:nvSpPr>
-        <p:spPr/>
-        <p:txBody>
-          <a:bodyPr/>
-          <a:lstStyle/>
-          <a:p>
-            <a:r>
-              <a:rPr lang="fr-FR" dirty="0"/>
-              <a:t>Décorateurs</a:t>
-            </a:r>
-          </a:p>
-        </p:txBody>
-      </p:sp>
-      <p:sp>
-        <p:nvSpPr>
-          <p:cNvPr id="3" name="Espace réservé du contenu 2"/>
-          <p:cNvSpPr>
-            <a:spLocks noGrp="1"/>
-          </p:cNvSpPr>
-          <p:nvPr>
-            <p:ph idx="1"/>
-          </p:nvPr>
-        </p:nvSpPr>
-        <p:spPr/>
-        <p:txBody>
-          <a:bodyPr/>
-          <a:lstStyle/>
-          <a:p>
-            <a:r>
-              <a:rPr lang="fr-FR" dirty="0"/>
-              <a:t>Permet de modifier le comportement d’une méthode ou d’une classe</a:t>
-            </a:r>
-          </a:p>
-          <a:p>
-            <a:endParaRPr lang="fr-FR" dirty="0"/>
-          </a:p>
-          <a:p>
-            <a:endParaRPr lang="fr-FR" dirty="0"/>
-          </a:p>
-          <a:p>
-            <a:r>
-              <a:rPr lang="fr-FR" dirty="0"/>
-              <a:t>Ce code est identique à fonction = </a:t>
-            </a:r>
-            <a:r>
-              <a:rPr lang="fr-FR" dirty="0" err="1"/>
-              <a:t>decorateur</a:t>
-            </a:r>
-            <a:r>
-              <a:rPr lang="fr-FR" dirty="0"/>
-              <a:t>(</a:t>
-            </a:r>
-            <a:r>
-              <a:rPr lang="fr-FR" dirty="0" err="1"/>
-              <a:t>parametre</a:t>
-            </a:r>
-            <a:r>
-              <a:rPr lang="fr-FR" dirty="0"/>
-              <a:t>)(fonction)</a:t>
-            </a:r>
-          </a:p>
-          <a:p>
-            <a:pPr lvl="1"/>
-            <a:r>
-              <a:rPr lang="fr-FR" dirty="0"/>
-              <a:t>C’est une fonction dans une fonction</a:t>
-            </a:r>
-          </a:p>
-          <a:p>
-            <a:endParaRPr lang="fr-FR" dirty="0"/>
-          </a:p>
-        </p:txBody>
-      </p:sp>
-      <p:pic>
-        <p:nvPicPr>
-          <p:cNvPr id="4" name="Image 3"/>
-          <p:cNvPicPr>
-            <a:picLocks noChangeAspect="1"/>
-          </p:cNvPicPr>
-          <p:nvPr/>
-        </p:nvPicPr>
-        <p:blipFill>
-          <a:blip r:embed="rId3"/>
-          <a:stretch>
-            <a:fillRect/>
-          </a:stretch>
-        </p:blipFill>
-        <p:spPr>
-          <a:xfrm>
-            <a:off x="2627784" y="2492896"/>
-            <a:ext cx="3133761" cy="852859"/>
-          </a:xfrm>
-          <a:prstGeom prst="rect">
-            <a:avLst/>
-          </a:prstGeom>
-        </p:spPr>
-      </p:pic>
-    </p:spTree>
-    <p:extLst>
-      <p:ext uri="{BB962C8B-B14F-4D97-AF65-F5344CB8AC3E}">
-        <p14:creationId xmlns:p14="http://schemas.microsoft.com/office/powerpoint/2010/main" val="1386835975"/>
-      </p:ext>
-    </p:extLst>
-  </p:cSld>
-  <p:clrMapOvr>
-    <a:masterClrMapping/>
-  </p:clrMapOvr>
-</p:sld>
-</file>
-
-<file path=ppt/slides/slide23.xml><?xml version="1.0" encoding="utf-8"?>
-<p:sld xmlns:a="http://schemas.openxmlformats.org/drawingml/2006/main" xmlns:r="http://schemas.openxmlformats.org/officeDocument/2006/relationships" xmlns:p="http://schemas.openxmlformats.org/presentationml/2006/main">
-  <p:cSld>
-    <p:spTree>
-      <p:nvGrpSpPr>
-        <p:cNvPr id="1" name=""/>
-        <p:cNvGrpSpPr/>
-        <p:nvPr/>
-      </p:nvGrpSpPr>
-      <p:grpSpPr>
-        <a:xfrm>
-          <a:off x="0" y="0"/>
-          <a:ext cx="0" cy="0"/>
-          <a:chOff x="0" y="0"/>
-          <a:chExt cx="0" cy="0"/>
-        </a:xfrm>
-      </p:grpSpPr>
-      <p:sp>
-        <p:nvSpPr>
-          <p:cNvPr id="2" name="Titre 1"/>
-          <p:cNvSpPr>
-            <a:spLocks noGrp="1"/>
-          </p:cNvSpPr>
-          <p:nvPr>
-            <p:ph type="title"/>
-          </p:nvPr>
-        </p:nvSpPr>
-        <p:spPr/>
-        <p:txBody>
-          <a:bodyPr/>
-          <a:lstStyle/>
-          <a:p>
-            <a:r>
-              <a:rPr lang="fr-FR" dirty="0"/>
-              <a:t>Propriété</a:t>
-            </a:r>
-          </a:p>
-        </p:txBody>
-      </p:sp>
-      <p:sp>
-        <p:nvSpPr>
-          <p:cNvPr id="3" name="Espace réservé du contenu 2"/>
-          <p:cNvSpPr>
-            <a:spLocks noGrp="1"/>
-          </p:cNvSpPr>
-          <p:nvPr>
-            <p:ph idx="1"/>
-          </p:nvPr>
-        </p:nvSpPr>
-        <p:spPr/>
-        <p:txBody>
-          <a:bodyPr/>
-          <a:lstStyle/>
-          <a:p>
-            <a:r>
-              <a:rPr lang="fr-FR" dirty="0"/>
-              <a:t>L’utilisation des getter et setter est lourde</a:t>
-            </a:r>
-          </a:p>
-          <a:p>
-            <a:pPr lvl="1"/>
-            <a:r>
-              <a:rPr lang="fr-FR" dirty="0"/>
-              <a:t>Comme Java</a:t>
-            </a:r>
-          </a:p>
-          <a:p>
-            <a:r>
-              <a:rPr lang="fr-FR" dirty="0"/>
-              <a:t>Python possède le concept de propriété qui permet d’avoir une écriture simple</a:t>
-            </a:r>
-          </a:p>
-          <a:p>
-            <a:pPr lvl="1"/>
-            <a:r>
-              <a:rPr lang="fr-FR" dirty="0"/>
-              <a:t>Comme C#</a:t>
-            </a:r>
-          </a:p>
-          <a:p>
-            <a:r>
-              <a:rPr lang="fr-FR" dirty="0"/>
-              <a:t>Pour cela il faut utiliser les décoration @</a:t>
-            </a:r>
-            <a:r>
-              <a:rPr lang="fr-FR" dirty="0" err="1"/>
-              <a:t>property</a:t>
-            </a:r>
-            <a:r>
-              <a:rPr lang="fr-FR" dirty="0"/>
-              <a:t> et @.setter</a:t>
-            </a:r>
-          </a:p>
-          <a:p>
-            <a:r>
-              <a:rPr lang="fr-FR" dirty="0" err="1"/>
-              <a:t>Snippet</a:t>
-            </a:r>
-            <a:r>
-              <a:rPr lang="fr-FR" dirty="0"/>
-              <a:t> </a:t>
-            </a:r>
-            <a:r>
-              <a:rPr lang="fr-FR" dirty="0" err="1"/>
-              <a:t>props</a:t>
-            </a:r>
-            <a:endParaRPr lang="fr-FR" dirty="0"/>
-          </a:p>
-        </p:txBody>
-      </p:sp>
-    </p:spTree>
-    <p:extLst>
-      <p:ext uri="{BB962C8B-B14F-4D97-AF65-F5344CB8AC3E}">
-        <p14:creationId xmlns:p14="http://schemas.microsoft.com/office/powerpoint/2010/main" val="3773852830"/>
-      </p:ext>
-    </p:extLst>
-  </p:cSld>
-  <p:clrMapOvr>
-    <a:masterClrMapping/>
-  </p:clrMapOvr>
-</p:sld>
-</file>
-
-<file path=ppt/slides/slide24.xml><?xml version="1.0" encoding="utf-8"?>
-<p:sld xmlns:a="http://schemas.openxmlformats.org/drawingml/2006/main" xmlns:r="http://schemas.openxmlformats.org/officeDocument/2006/relationships" xmlns:p="http://schemas.openxmlformats.org/presentationml/2006/main">
-  <p:cSld>
-    <p:spTree>
-      <p:nvGrpSpPr>
-        <p:cNvPr id="1" name=""/>
-        <p:cNvGrpSpPr/>
-        <p:nvPr/>
-      </p:nvGrpSpPr>
-      <p:grpSpPr>
-        <a:xfrm>
-          <a:off x="0" y="0"/>
-          <a:ext cx="0" cy="0"/>
-          <a:chOff x="0" y="0"/>
-          <a:chExt cx="0" cy="0"/>
-        </a:xfrm>
-      </p:grpSpPr>
-      <p:sp>
-        <p:nvSpPr>
-          <p:cNvPr id="2" name="Titre 1"/>
-          <p:cNvSpPr>
-            <a:spLocks noGrp="1"/>
-          </p:cNvSpPr>
-          <p:nvPr>
-            <p:ph type="title"/>
-          </p:nvPr>
-        </p:nvSpPr>
-        <p:spPr/>
-        <p:txBody>
-          <a:bodyPr/>
-          <a:lstStyle/>
-          <a:p>
-            <a:r>
-              <a:rPr lang="fr-FR" dirty="0"/>
-              <a:t>Exemple de propriété</a:t>
-            </a:r>
-          </a:p>
-        </p:txBody>
-      </p:sp>
-      <p:pic>
-        <p:nvPicPr>
-          <p:cNvPr id="5" name="Espace réservé du contenu 4"/>
-          <p:cNvPicPr>
-            <a:picLocks noGrp="1" noChangeAspect="1"/>
-          </p:cNvPicPr>
-          <p:nvPr>
-            <p:ph idx="1"/>
-          </p:nvPr>
-        </p:nvPicPr>
-        <p:blipFill>
-          <a:blip r:embed="rId2"/>
-          <a:stretch>
-            <a:fillRect/>
-          </a:stretch>
-        </p:blipFill>
-        <p:spPr>
-          <a:xfrm>
-            <a:off x="2051720" y="1772816"/>
-            <a:ext cx="5622411" cy="3752602"/>
-          </a:xfrm>
-          <a:prstGeom prst="rect">
-            <a:avLst/>
-          </a:prstGeom>
-        </p:spPr>
-      </p:pic>
-      <p:pic>
-        <p:nvPicPr>
-          <p:cNvPr id="6" name="Image 5"/>
-          <p:cNvPicPr>
-            <a:picLocks noChangeAspect="1"/>
-          </p:cNvPicPr>
-          <p:nvPr/>
-        </p:nvPicPr>
-        <p:blipFill>
-          <a:blip r:embed="rId3"/>
-          <a:stretch>
-            <a:fillRect/>
-          </a:stretch>
-        </p:blipFill>
-        <p:spPr>
-          <a:xfrm>
-            <a:off x="5479394" y="5589240"/>
-            <a:ext cx="3549864" cy="814189"/>
-          </a:xfrm>
-          <a:prstGeom prst="rect">
-            <a:avLst/>
-          </a:prstGeom>
-        </p:spPr>
-      </p:pic>
-    </p:spTree>
-    <p:extLst>
-      <p:ext uri="{BB962C8B-B14F-4D97-AF65-F5344CB8AC3E}">
-        <p14:creationId xmlns:p14="http://schemas.microsoft.com/office/powerpoint/2010/main" val="357694434"/>
-      </p:ext>
-    </p:extLst>
-  </p:cSld>
-  <p:clrMapOvr>
-    <a:masterClrMapping/>
-  </p:clrMapOvr>
-</p:sld>
-</file>
-
-<file path=ppt/slides/slide25.xml><?xml version="1.0" encoding="utf-8"?>
-<p:sld xmlns:a="http://schemas.openxmlformats.org/drawingml/2006/main" xmlns:r="http://schemas.openxmlformats.org/officeDocument/2006/relationships" xmlns:p="http://schemas.openxmlformats.org/presentationml/2006/main">
-  <p:cSld>
-    <p:spTree>
-      <p:nvGrpSpPr>
-        <p:cNvPr id="1" name=""/>
-        <p:cNvGrpSpPr/>
-        <p:nvPr/>
-      </p:nvGrpSpPr>
-      <p:grpSpPr>
-        <a:xfrm>
-          <a:off x="0" y="0"/>
-          <a:ext cx="0" cy="0"/>
-          <a:chOff x="0" y="0"/>
-          <a:chExt cx="0" cy="0"/>
-        </a:xfrm>
-      </p:grpSpPr>
-      <p:sp>
-        <p:nvSpPr>
           <p:cNvPr id="28674" name="Rectangle 21"/>
           <p:cNvSpPr>
             <a:spLocks noChangeArrowheads="1"/>
@@ -17763,7 +16849,7 @@
 </p:sld>
 </file>
 
-<file path=ppt/slides/slide26.xml><?xml version="1.0" encoding="utf-8"?>
+<file path=ppt/slides/slide21.xml><?xml version="1.0" encoding="utf-8"?>
 <p:sld xmlns:a="http://schemas.openxmlformats.org/drawingml/2006/main" xmlns:r="http://schemas.openxmlformats.org/officeDocument/2006/relationships" xmlns:p="http://schemas.openxmlformats.org/presentationml/2006/main">
   <p:cSld>
     <p:spTree>
@@ -17880,3239 +16966,7 @@
 </p:sld>
 </file>
 
-<file path=ppt/slides/slide27.xml><?xml version="1.0" encoding="utf-8"?>
-<p:sld xmlns:a="http://schemas.openxmlformats.org/drawingml/2006/main" xmlns:r="http://schemas.openxmlformats.org/officeDocument/2006/relationships" xmlns:p="http://schemas.openxmlformats.org/presentationml/2006/main">
-  <p:cSld>
-    <p:spTree>
-      <p:nvGrpSpPr>
-        <p:cNvPr id="1" name=""/>
-        <p:cNvGrpSpPr/>
-        <p:nvPr/>
-      </p:nvGrpSpPr>
-      <p:grpSpPr>
-        <a:xfrm>
-          <a:off x="0" y="0"/>
-          <a:ext cx="0" cy="0"/>
-          <a:chOff x="0" y="0"/>
-          <a:chExt cx="0" cy="0"/>
-        </a:xfrm>
-      </p:grpSpPr>
-      <p:sp>
-        <p:nvSpPr>
-          <p:cNvPr id="30722" name="Rectangle 32"/>
-          <p:cNvSpPr>
-            <a:spLocks noChangeArrowheads="1"/>
-          </p:cNvSpPr>
-          <p:nvPr/>
-        </p:nvSpPr>
-        <p:spPr bwMode="auto">
-          <a:xfrm>
-            <a:off x="860425" y="1112838"/>
-            <a:ext cx="7378700" cy="5029200"/>
-          </a:xfrm>
-          <a:prstGeom prst="rect">
-            <a:avLst/>
-          </a:prstGeom>
-          <a:gradFill rotWithShape="0">
-            <a:gsLst>
-              <a:gs pos="0">
-                <a:srgbClr val="FCFEB9"/>
-              </a:gs>
-              <a:gs pos="100000">
-                <a:srgbClr val="FFCC66"/>
-              </a:gs>
-            </a:gsLst>
-            <a:lin ang="5400000" scaled="1"/>
-          </a:gradFill>
-          <a:ln>
-            <a:noFill/>
-          </a:ln>
-          <a:effectLst/>
-          <a:extLst>
-            <a:ext uri="{91240B29-F687-4F45-9708-019B960494DF}">
-              <a14:hiddenLine xmlns:a14="http://schemas.microsoft.com/office/drawing/2010/main" w="9525">
-                <a:solidFill>
-                  <a:schemeClr val="tx1"/>
-                </a:solidFill>
-                <a:miter lim="800000"/>
-                <a:headEnd/>
-                <a:tailEnd/>
-              </a14:hiddenLine>
-            </a:ext>
-            <a:ext uri="{AF507438-7753-43E0-B8FC-AC1667EBCBE1}">
-              <a14:hiddenEffects xmlns:a14="http://schemas.microsoft.com/office/drawing/2010/main">
-                <a:effectLst>
-                  <a:outerShdw dist="35921" dir="2700000" algn="ctr" rotWithShape="0">
-                    <a:schemeClr val="bg2"/>
-                  </a:outerShdw>
-                </a:effectLst>
-              </a14:hiddenEffects>
-            </a:ext>
-          </a:extLst>
-        </p:spPr>
-        <p:txBody>
-          <a:bodyPr wrap="none" anchor="ctr"/>
-          <a:lstStyle>
-            <a:lvl1pPr>
-              <a:defRPr sz="3000">
-                <a:solidFill>
-                  <a:schemeClr val="tx1"/>
-                </a:solidFill>
-                <a:latin typeface="Arial Narrow" panose="020B0606020202030204" pitchFamily="34" charset="0"/>
-              </a:defRPr>
-            </a:lvl1pPr>
-            <a:lvl2pPr marL="742950" indent="-285750">
-              <a:defRPr sz="3000">
-                <a:solidFill>
-                  <a:schemeClr val="tx1"/>
-                </a:solidFill>
-                <a:latin typeface="Arial Narrow" panose="020B0606020202030204" pitchFamily="34" charset="0"/>
-              </a:defRPr>
-            </a:lvl2pPr>
-            <a:lvl3pPr marL="1143000" indent="-228600">
-              <a:defRPr sz="3000">
-                <a:solidFill>
-                  <a:schemeClr val="tx1"/>
-                </a:solidFill>
-                <a:latin typeface="Arial Narrow" panose="020B0606020202030204" pitchFamily="34" charset="0"/>
-              </a:defRPr>
-            </a:lvl3pPr>
-            <a:lvl4pPr marL="1600200" indent="-228600">
-              <a:defRPr sz="3000">
-                <a:solidFill>
-                  <a:schemeClr val="tx1"/>
-                </a:solidFill>
-                <a:latin typeface="Arial Narrow" panose="020B0606020202030204" pitchFamily="34" charset="0"/>
-              </a:defRPr>
-            </a:lvl4pPr>
-            <a:lvl5pPr marL="2057400" indent="-228600">
-              <a:defRPr sz="3000">
-                <a:solidFill>
-                  <a:schemeClr val="tx1"/>
-                </a:solidFill>
-                <a:latin typeface="Arial Narrow" panose="020B0606020202030204" pitchFamily="34" charset="0"/>
-              </a:defRPr>
-            </a:lvl5pPr>
-            <a:lvl6pPr marL="2514600" indent="-228600" eaLnBrk="0" fontAlgn="base" hangingPunct="0">
-              <a:spcBef>
-                <a:spcPct val="0"/>
-              </a:spcBef>
-              <a:spcAft>
-                <a:spcPct val="0"/>
-              </a:spcAft>
-              <a:defRPr sz="3000">
-                <a:solidFill>
-                  <a:schemeClr val="tx1"/>
-                </a:solidFill>
-                <a:latin typeface="Arial Narrow" panose="020B0606020202030204" pitchFamily="34" charset="0"/>
-              </a:defRPr>
-            </a:lvl6pPr>
-            <a:lvl7pPr marL="2971800" indent="-228600" eaLnBrk="0" fontAlgn="base" hangingPunct="0">
-              <a:spcBef>
-                <a:spcPct val="0"/>
-              </a:spcBef>
-              <a:spcAft>
-                <a:spcPct val="0"/>
-              </a:spcAft>
-              <a:defRPr sz="3000">
-                <a:solidFill>
-                  <a:schemeClr val="tx1"/>
-                </a:solidFill>
-                <a:latin typeface="Arial Narrow" panose="020B0606020202030204" pitchFamily="34" charset="0"/>
-              </a:defRPr>
-            </a:lvl7pPr>
-            <a:lvl8pPr marL="3429000" indent="-228600" eaLnBrk="0" fontAlgn="base" hangingPunct="0">
-              <a:spcBef>
-                <a:spcPct val="0"/>
-              </a:spcBef>
-              <a:spcAft>
-                <a:spcPct val="0"/>
-              </a:spcAft>
-              <a:defRPr sz="3000">
-                <a:solidFill>
-                  <a:schemeClr val="tx1"/>
-                </a:solidFill>
-                <a:latin typeface="Arial Narrow" panose="020B0606020202030204" pitchFamily="34" charset="0"/>
-              </a:defRPr>
-            </a:lvl8pPr>
-            <a:lvl9pPr marL="3886200" indent="-228600" eaLnBrk="0" fontAlgn="base" hangingPunct="0">
-              <a:spcBef>
-                <a:spcPct val="0"/>
-              </a:spcBef>
-              <a:spcAft>
-                <a:spcPct val="0"/>
-              </a:spcAft>
-              <a:defRPr sz="3000">
-                <a:solidFill>
-                  <a:schemeClr val="tx1"/>
-                </a:solidFill>
-                <a:latin typeface="Arial Narrow" panose="020B0606020202030204" pitchFamily="34" charset="0"/>
-              </a:defRPr>
-            </a:lvl9pPr>
-          </a:lstStyle>
-          <a:p>
-            <a:endParaRPr lang="fr-FR" altLang="fr-FR"/>
-          </a:p>
-        </p:txBody>
-      </p:sp>
-      <p:sp>
-        <p:nvSpPr>
-          <p:cNvPr id="30723" name="Rectangle 2"/>
-          <p:cNvSpPr>
-            <a:spLocks noGrp="1" noChangeArrowheads="1"/>
-          </p:cNvSpPr>
-          <p:nvPr>
-            <p:ph type="title"/>
-          </p:nvPr>
-        </p:nvSpPr>
-        <p:spPr/>
-        <p:txBody>
-          <a:bodyPr/>
-          <a:lstStyle/>
-          <a:p>
-            <a:r>
-              <a:rPr lang="en-US" altLang="fr-FR">
-                <a:solidFill>
-                  <a:srgbClr val="000000"/>
-                </a:solidFill>
-              </a:rPr>
-              <a:t>Utilisation de méthodes statiques</a:t>
-            </a:r>
-            <a:endParaRPr lang="en-GB" altLang="fr-FR"/>
-          </a:p>
-        </p:txBody>
-      </p:sp>
-      <p:sp>
-        <p:nvSpPr>
-          <p:cNvPr id="30724" name="Rectangle 3"/>
-          <p:cNvSpPr>
-            <a:spLocks noGrp="1" noChangeArrowheads="1"/>
-          </p:cNvSpPr>
-          <p:nvPr>
-            <p:ph type="body" idx="1"/>
-          </p:nvPr>
-        </p:nvSpPr>
-        <p:spPr>
-          <a:xfrm>
-            <a:off x="1050925" y="1295400"/>
-            <a:ext cx="7194550" cy="4287838"/>
-          </a:xfrm>
-        </p:spPr>
-        <p:txBody>
-          <a:bodyPr/>
-          <a:lstStyle/>
-          <a:p>
-            <a:r>
-              <a:rPr lang="en-US" altLang="fr-FR" sz="2400" dirty="0">
-                <a:solidFill>
-                  <a:srgbClr val="000000"/>
-                </a:solidFill>
-              </a:rPr>
-              <a:t>Les </a:t>
-            </a:r>
-            <a:r>
-              <a:rPr lang="en-US" altLang="fr-FR" sz="2400" dirty="0" err="1">
-                <a:solidFill>
-                  <a:srgbClr val="000000"/>
-                </a:solidFill>
-              </a:rPr>
-              <a:t>méthodes</a:t>
-            </a:r>
-            <a:r>
-              <a:rPr lang="en-US" altLang="fr-FR" sz="2400" dirty="0">
-                <a:solidFill>
-                  <a:srgbClr val="000000"/>
-                </a:solidFill>
-              </a:rPr>
-              <a:t> </a:t>
-            </a:r>
-            <a:r>
-              <a:rPr lang="en-US" altLang="fr-FR" sz="2400" dirty="0" err="1">
-                <a:solidFill>
-                  <a:srgbClr val="000000"/>
-                </a:solidFill>
-              </a:rPr>
-              <a:t>statiques</a:t>
-            </a:r>
-            <a:r>
-              <a:rPr lang="en-US" altLang="fr-FR" sz="2400" dirty="0">
-                <a:solidFill>
-                  <a:srgbClr val="000000"/>
-                </a:solidFill>
-              </a:rPr>
-              <a:t> </a:t>
-            </a:r>
-            <a:r>
-              <a:rPr lang="en-US" altLang="fr-FR" sz="2400" dirty="0" err="1">
-                <a:solidFill>
-                  <a:srgbClr val="000000"/>
-                </a:solidFill>
-              </a:rPr>
-              <a:t>peuvent</a:t>
-            </a:r>
-            <a:r>
-              <a:rPr lang="en-US" altLang="fr-FR" sz="2400" dirty="0">
-                <a:solidFill>
-                  <a:srgbClr val="000000"/>
-                </a:solidFill>
-              </a:rPr>
-              <a:t> </a:t>
-            </a:r>
-            <a:r>
-              <a:rPr lang="en-US" altLang="fr-FR" sz="2400" dirty="0" err="1">
-                <a:solidFill>
-                  <a:srgbClr val="000000"/>
-                </a:solidFill>
-              </a:rPr>
-              <a:t>uniquement</a:t>
-            </a:r>
-            <a:r>
-              <a:rPr lang="en-US" altLang="fr-FR" sz="2400" dirty="0">
-                <a:solidFill>
-                  <a:srgbClr val="000000"/>
-                </a:solidFill>
-              </a:rPr>
-              <a:t> </a:t>
-            </a:r>
-            <a:r>
-              <a:rPr lang="en-US" altLang="fr-FR" sz="2400" dirty="0" err="1">
-                <a:solidFill>
-                  <a:srgbClr val="000000"/>
-                </a:solidFill>
-              </a:rPr>
-              <a:t>accéder</a:t>
-            </a:r>
-            <a:r>
-              <a:rPr lang="en-US" altLang="fr-FR" sz="2400" dirty="0">
-                <a:solidFill>
-                  <a:srgbClr val="000000"/>
-                </a:solidFill>
-              </a:rPr>
-              <a:t> aux </a:t>
-            </a:r>
-            <a:r>
-              <a:rPr lang="en-US" altLang="fr-FR" sz="2400" dirty="0" err="1">
-                <a:solidFill>
-                  <a:srgbClr val="000000"/>
-                </a:solidFill>
-              </a:rPr>
-              <a:t>données</a:t>
-            </a:r>
-            <a:r>
-              <a:rPr lang="en-US" altLang="fr-FR" sz="2400" dirty="0">
-                <a:solidFill>
-                  <a:srgbClr val="000000"/>
-                </a:solidFill>
-              </a:rPr>
-              <a:t> </a:t>
-            </a:r>
-            <a:r>
-              <a:rPr lang="en-US" altLang="fr-FR" sz="2400" dirty="0" err="1">
-                <a:solidFill>
-                  <a:srgbClr val="000000"/>
-                </a:solidFill>
-              </a:rPr>
-              <a:t>statiques</a:t>
-            </a:r>
-            <a:endParaRPr lang="en-GB" altLang="fr-FR" sz="2400" dirty="0"/>
-          </a:p>
-          <a:p>
-            <a:pPr lvl="1"/>
-            <a:r>
-              <a:rPr lang="en-US" altLang="fr-FR" sz="2000" dirty="0" err="1">
-                <a:solidFill>
-                  <a:srgbClr val="000000"/>
-                </a:solidFill>
-              </a:rPr>
-              <a:t>Une</a:t>
-            </a:r>
-            <a:r>
-              <a:rPr lang="en-US" altLang="fr-FR" sz="2000" dirty="0">
-                <a:solidFill>
-                  <a:srgbClr val="000000"/>
-                </a:solidFill>
-              </a:rPr>
-              <a:t> </a:t>
-            </a:r>
-            <a:r>
-              <a:rPr lang="en-US" altLang="fr-FR" sz="2000" dirty="0" err="1">
-                <a:solidFill>
-                  <a:srgbClr val="000000"/>
-                </a:solidFill>
-              </a:rPr>
-              <a:t>méthode</a:t>
-            </a:r>
-            <a:r>
-              <a:rPr lang="en-US" altLang="fr-FR" sz="2000" dirty="0">
-                <a:solidFill>
-                  <a:srgbClr val="000000"/>
-                </a:solidFill>
-              </a:rPr>
-              <a:t> </a:t>
-            </a:r>
-            <a:r>
-              <a:rPr lang="en-US" altLang="fr-FR" sz="2000" dirty="0" err="1">
-                <a:solidFill>
-                  <a:srgbClr val="000000"/>
-                </a:solidFill>
-              </a:rPr>
-              <a:t>statique</a:t>
-            </a:r>
-            <a:r>
-              <a:rPr lang="en-US" altLang="fr-FR" sz="2000" dirty="0">
-                <a:solidFill>
-                  <a:srgbClr val="000000"/>
-                </a:solidFill>
-              </a:rPr>
-              <a:t> </a:t>
-            </a:r>
-            <a:r>
-              <a:rPr lang="en-US" altLang="fr-FR" sz="2000" dirty="0" err="1">
-                <a:solidFill>
-                  <a:srgbClr val="000000"/>
-                </a:solidFill>
-              </a:rPr>
-              <a:t>est</a:t>
-            </a:r>
-            <a:r>
-              <a:rPr lang="en-US" altLang="fr-FR" sz="2000" dirty="0">
-                <a:solidFill>
-                  <a:srgbClr val="000000"/>
-                </a:solidFill>
-              </a:rPr>
-              <a:t> </a:t>
-            </a:r>
-            <a:r>
-              <a:rPr lang="en-US" altLang="fr-FR" sz="2000" dirty="0" err="1">
-                <a:solidFill>
-                  <a:srgbClr val="000000"/>
-                </a:solidFill>
-              </a:rPr>
-              <a:t>appelée</a:t>
-            </a:r>
-            <a:r>
-              <a:rPr lang="en-US" altLang="fr-FR" sz="2000" dirty="0">
-                <a:solidFill>
-                  <a:srgbClr val="000000"/>
-                </a:solidFill>
-              </a:rPr>
-              <a:t> sur la </a:t>
-            </a:r>
-            <a:r>
-              <a:rPr lang="en-US" altLang="fr-FR" sz="2000" dirty="0" err="1">
-                <a:solidFill>
-                  <a:srgbClr val="000000"/>
-                </a:solidFill>
-              </a:rPr>
-              <a:t>classe</a:t>
-            </a:r>
-            <a:r>
-              <a:rPr lang="en-US" altLang="fr-FR" sz="2000" dirty="0">
-                <a:solidFill>
-                  <a:srgbClr val="000000"/>
-                </a:solidFill>
-              </a:rPr>
-              <a:t>, </a:t>
-            </a:r>
-            <a:br>
-              <a:rPr lang="en-US" altLang="fr-FR" sz="2000" dirty="0">
-                <a:solidFill>
-                  <a:srgbClr val="000000"/>
-                </a:solidFill>
-              </a:rPr>
-            </a:br>
-            <a:r>
-              <a:rPr lang="en-US" altLang="fr-FR" sz="2000" dirty="0">
-                <a:solidFill>
-                  <a:srgbClr val="000000"/>
-                </a:solidFill>
-              </a:rPr>
-              <a:t>pas sur </a:t>
-            </a:r>
-            <a:r>
-              <a:rPr lang="en-US" altLang="fr-FR" sz="2000" dirty="0" err="1">
-                <a:solidFill>
-                  <a:srgbClr val="000000"/>
-                </a:solidFill>
-              </a:rPr>
-              <a:t>l'objet</a:t>
-            </a:r>
-            <a:endParaRPr lang="en-GB" altLang="fr-FR" sz="2000" dirty="0">
-              <a:solidFill>
-                <a:srgbClr val="000000"/>
-              </a:solidFill>
-            </a:endParaRPr>
-          </a:p>
-        </p:txBody>
-      </p:sp>
-      <p:sp>
-        <p:nvSpPr>
-          <p:cNvPr id="30725" name="Rectangle 4"/>
-          <p:cNvSpPr>
-            <a:spLocks noChangeArrowheads="1"/>
-          </p:cNvSpPr>
-          <p:nvPr/>
-        </p:nvSpPr>
-        <p:spPr bwMode="auto">
-          <a:xfrm>
-            <a:off x="1524000" y="3505200"/>
-            <a:ext cx="2514600" cy="1981200"/>
-          </a:xfrm>
-          <a:prstGeom prst="rect">
-            <a:avLst/>
-          </a:prstGeom>
-          <a:gradFill rotWithShape="0">
-            <a:gsLst>
-              <a:gs pos="0">
-                <a:srgbClr val="E6F3FF"/>
-              </a:gs>
-              <a:gs pos="100000">
-                <a:srgbClr val="99CCFF"/>
-              </a:gs>
-            </a:gsLst>
-            <a:lin ang="5400000" scaled="1"/>
-          </a:gradFill>
-          <a:ln w="76200" cmpd="tri" algn="ctr">
-            <a:solidFill>
-              <a:srgbClr val="0033CC"/>
-            </a:solidFill>
-            <a:miter lim="800000"/>
-            <a:headEnd/>
-            <a:tailEnd/>
-          </a:ln>
-          <a:effectLst/>
-          <a:extLst>
-            <a:ext uri="{AF507438-7753-43E0-B8FC-AC1667EBCBE1}">
-              <a14:hiddenEffects xmlns:a14="http://schemas.microsoft.com/office/drawing/2010/main">
-                <a:effectLst>
-                  <a:outerShdw dist="53882" dir="2700000" algn="ctr" rotWithShape="0">
-                    <a:srgbClr val="C0C0C0"/>
-                  </a:outerShdw>
-                </a:effectLst>
-              </a14:hiddenEffects>
-            </a:ext>
-          </a:extLst>
-        </p:spPr>
-        <p:txBody>
-          <a:bodyPr wrap="none" tIns="27432" bIns="27432" anchor="ctr"/>
-          <a:lstStyle>
-            <a:lvl1pPr>
-              <a:defRPr sz="3000">
-                <a:solidFill>
-                  <a:schemeClr val="tx1"/>
-                </a:solidFill>
-                <a:latin typeface="Arial Narrow" panose="020B0606020202030204" pitchFamily="34" charset="0"/>
-              </a:defRPr>
-            </a:lvl1pPr>
-            <a:lvl2pPr marL="742950" indent="-285750">
-              <a:defRPr sz="3000">
-                <a:solidFill>
-                  <a:schemeClr val="tx1"/>
-                </a:solidFill>
-                <a:latin typeface="Arial Narrow" panose="020B0606020202030204" pitchFamily="34" charset="0"/>
-              </a:defRPr>
-            </a:lvl2pPr>
-            <a:lvl3pPr marL="1143000" indent="-228600">
-              <a:defRPr sz="3000">
-                <a:solidFill>
-                  <a:schemeClr val="tx1"/>
-                </a:solidFill>
-                <a:latin typeface="Arial Narrow" panose="020B0606020202030204" pitchFamily="34" charset="0"/>
-              </a:defRPr>
-            </a:lvl3pPr>
-            <a:lvl4pPr marL="1600200" indent="-228600">
-              <a:defRPr sz="3000">
-                <a:solidFill>
-                  <a:schemeClr val="tx1"/>
-                </a:solidFill>
-                <a:latin typeface="Arial Narrow" panose="020B0606020202030204" pitchFamily="34" charset="0"/>
-              </a:defRPr>
-            </a:lvl4pPr>
-            <a:lvl5pPr marL="2057400" indent="-228600">
-              <a:defRPr sz="3000">
-                <a:solidFill>
-                  <a:schemeClr val="tx1"/>
-                </a:solidFill>
-                <a:latin typeface="Arial Narrow" panose="020B0606020202030204" pitchFamily="34" charset="0"/>
-              </a:defRPr>
-            </a:lvl5pPr>
-            <a:lvl6pPr marL="2514600" indent="-228600" eaLnBrk="0" fontAlgn="base" hangingPunct="0">
-              <a:spcBef>
-                <a:spcPct val="0"/>
-              </a:spcBef>
-              <a:spcAft>
-                <a:spcPct val="0"/>
-              </a:spcAft>
-              <a:defRPr sz="3000">
-                <a:solidFill>
-                  <a:schemeClr val="tx1"/>
-                </a:solidFill>
-                <a:latin typeface="Arial Narrow" panose="020B0606020202030204" pitchFamily="34" charset="0"/>
-              </a:defRPr>
-            </a:lvl6pPr>
-            <a:lvl7pPr marL="2971800" indent="-228600" eaLnBrk="0" fontAlgn="base" hangingPunct="0">
-              <a:spcBef>
-                <a:spcPct val="0"/>
-              </a:spcBef>
-              <a:spcAft>
-                <a:spcPct val="0"/>
-              </a:spcAft>
-              <a:defRPr sz="3000">
-                <a:solidFill>
-                  <a:schemeClr val="tx1"/>
-                </a:solidFill>
-                <a:latin typeface="Arial Narrow" panose="020B0606020202030204" pitchFamily="34" charset="0"/>
-              </a:defRPr>
-            </a:lvl7pPr>
-            <a:lvl8pPr marL="3429000" indent="-228600" eaLnBrk="0" fontAlgn="base" hangingPunct="0">
-              <a:spcBef>
-                <a:spcPct val="0"/>
-              </a:spcBef>
-              <a:spcAft>
-                <a:spcPct val="0"/>
-              </a:spcAft>
-              <a:defRPr sz="3000">
-                <a:solidFill>
-                  <a:schemeClr val="tx1"/>
-                </a:solidFill>
-                <a:latin typeface="Arial Narrow" panose="020B0606020202030204" pitchFamily="34" charset="0"/>
-              </a:defRPr>
-            </a:lvl8pPr>
-            <a:lvl9pPr marL="3886200" indent="-228600" eaLnBrk="0" fontAlgn="base" hangingPunct="0">
-              <a:spcBef>
-                <a:spcPct val="0"/>
-              </a:spcBef>
-              <a:spcAft>
-                <a:spcPct val="0"/>
-              </a:spcAft>
-              <a:defRPr sz="3000">
-                <a:solidFill>
-                  <a:schemeClr val="tx1"/>
-                </a:solidFill>
-                <a:latin typeface="Arial Narrow" panose="020B0606020202030204" pitchFamily="34" charset="0"/>
-              </a:defRPr>
-            </a:lvl9pPr>
-          </a:lstStyle>
-          <a:p>
-            <a:endParaRPr lang="fr-FR" altLang="fr-FR"/>
-          </a:p>
-        </p:txBody>
-      </p:sp>
-      <p:sp>
-        <p:nvSpPr>
-          <p:cNvPr id="30726" name="Rectangle 5"/>
-          <p:cNvSpPr>
-            <a:spLocks noChangeArrowheads="1"/>
-          </p:cNvSpPr>
-          <p:nvPr/>
-        </p:nvSpPr>
-        <p:spPr bwMode="auto">
-          <a:xfrm>
-            <a:off x="1143000" y="3733800"/>
-            <a:ext cx="2362200" cy="439738"/>
-          </a:xfrm>
-          <a:prstGeom prst="rect">
-            <a:avLst/>
-          </a:prstGeom>
-          <a:solidFill>
-            <a:srgbClr val="CCFFFF"/>
-          </a:solidFill>
-          <a:ln w="76200" cmpd="tri">
-            <a:solidFill>
-              <a:schemeClr val="tx1"/>
-            </a:solidFill>
-            <a:miter lim="800000"/>
-            <a:headEnd/>
-            <a:tailEnd/>
-          </a:ln>
-          <a:effectLst/>
-          <a:extLst>
-            <a:ext uri="{AF507438-7753-43E0-B8FC-AC1667EBCBE1}">
-              <a14:hiddenEffects xmlns:a14="http://schemas.microsoft.com/office/drawing/2010/main">
-                <a:effectLst>
-                  <a:outerShdw dist="107763" dir="2700000" algn="ctr" rotWithShape="0">
-                    <a:schemeClr val="bg2"/>
-                  </a:outerShdw>
-                </a:effectLst>
-              </a14:hiddenEffects>
-            </a:ext>
-          </a:extLst>
-        </p:spPr>
-        <p:txBody>
-          <a:bodyPr lIns="90488" tIns="44450" rIns="90488" bIns="44450">
-            <a:spAutoFit/>
-          </a:bodyPr>
-          <a:lstStyle>
-            <a:lvl1pPr defTabSz="739775">
-              <a:defRPr sz="3000">
-                <a:solidFill>
-                  <a:schemeClr val="tx1"/>
-                </a:solidFill>
-                <a:latin typeface="Arial Narrow" panose="020B0606020202030204" pitchFamily="34" charset="0"/>
-              </a:defRPr>
-            </a:lvl1pPr>
-            <a:lvl2pPr marL="742950" indent="-285750" defTabSz="739775">
-              <a:defRPr sz="3000">
-                <a:solidFill>
-                  <a:schemeClr val="tx1"/>
-                </a:solidFill>
-                <a:latin typeface="Arial Narrow" panose="020B0606020202030204" pitchFamily="34" charset="0"/>
-              </a:defRPr>
-            </a:lvl2pPr>
-            <a:lvl3pPr marL="1143000" indent="-228600" defTabSz="739775">
-              <a:defRPr sz="3000">
-                <a:solidFill>
-                  <a:schemeClr val="tx1"/>
-                </a:solidFill>
-                <a:latin typeface="Arial Narrow" panose="020B0606020202030204" pitchFamily="34" charset="0"/>
-              </a:defRPr>
-            </a:lvl3pPr>
-            <a:lvl4pPr marL="1600200" indent="-228600" defTabSz="739775">
-              <a:defRPr sz="3000">
-                <a:solidFill>
-                  <a:schemeClr val="tx1"/>
-                </a:solidFill>
-                <a:latin typeface="Arial Narrow" panose="020B0606020202030204" pitchFamily="34" charset="0"/>
-              </a:defRPr>
-            </a:lvl4pPr>
-            <a:lvl5pPr marL="2057400" indent="-228600" defTabSz="739775">
-              <a:defRPr sz="3000">
-                <a:solidFill>
-                  <a:schemeClr val="tx1"/>
-                </a:solidFill>
-                <a:latin typeface="Arial Narrow" panose="020B0606020202030204" pitchFamily="34" charset="0"/>
-              </a:defRPr>
-            </a:lvl5pPr>
-            <a:lvl6pPr marL="2514600" indent="-228600" defTabSz="739775" eaLnBrk="0" fontAlgn="base" hangingPunct="0">
-              <a:spcBef>
-                <a:spcPct val="0"/>
-              </a:spcBef>
-              <a:spcAft>
-                <a:spcPct val="0"/>
-              </a:spcAft>
-              <a:defRPr sz="3000">
-                <a:solidFill>
-                  <a:schemeClr val="tx1"/>
-                </a:solidFill>
-                <a:latin typeface="Arial Narrow" panose="020B0606020202030204" pitchFamily="34" charset="0"/>
-              </a:defRPr>
-            </a:lvl6pPr>
-            <a:lvl7pPr marL="2971800" indent="-228600" defTabSz="739775" eaLnBrk="0" fontAlgn="base" hangingPunct="0">
-              <a:spcBef>
-                <a:spcPct val="0"/>
-              </a:spcBef>
-              <a:spcAft>
-                <a:spcPct val="0"/>
-              </a:spcAft>
-              <a:defRPr sz="3000">
-                <a:solidFill>
-                  <a:schemeClr val="tx1"/>
-                </a:solidFill>
-                <a:latin typeface="Arial Narrow" panose="020B0606020202030204" pitchFamily="34" charset="0"/>
-              </a:defRPr>
-            </a:lvl7pPr>
-            <a:lvl8pPr marL="3429000" indent="-228600" defTabSz="739775" eaLnBrk="0" fontAlgn="base" hangingPunct="0">
-              <a:spcBef>
-                <a:spcPct val="0"/>
-              </a:spcBef>
-              <a:spcAft>
-                <a:spcPct val="0"/>
-              </a:spcAft>
-              <a:defRPr sz="3000">
-                <a:solidFill>
-                  <a:schemeClr val="tx1"/>
-                </a:solidFill>
-                <a:latin typeface="Arial Narrow" panose="020B0606020202030204" pitchFamily="34" charset="0"/>
-              </a:defRPr>
-            </a:lvl8pPr>
-            <a:lvl9pPr marL="3886200" indent="-228600" defTabSz="739775" eaLnBrk="0" fontAlgn="base" hangingPunct="0">
-              <a:spcBef>
-                <a:spcPct val="0"/>
-              </a:spcBef>
-              <a:spcAft>
-                <a:spcPct val="0"/>
-              </a:spcAft>
-              <a:defRPr sz="3000">
-                <a:solidFill>
-                  <a:schemeClr val="tx1"/>
-                </a:solidFill>
-                <a:latin typeface="Arial Narrow" panose="020B0606020202030204" pitchFamily="34" charset="0"/>
-              </a:defRPr>
-            </a:lvl9pPr>
-          </a:lstStyle>
-          <a:p>
-            <a:r>
-              <a:rPr lang="en-US" altLang="fr-FR" sz="1800" b="1">
-                <a:solidFill>
-                  <a:srgbClr val="000000"/>
-                </a:solidFill>
-                <a:latin typeface="Lucida Sans Typewriter" pitchFamily="49" charset="0"/>
-              </a:rPr>
-              <a:t>InterestRate( )</a:t>
-            </a:r>
-            <a:endParaRPr lang="en-US" altLang="fr-FR" sz="1800" b="1">
-              <a:latin typeface="Lucida Sans Typewriter" pitchFamily="49" charset="0"/>
-            </a:endParaRPr>
-          </a:p>
-        </p:txBody>
-      </p:sp>
-      <p:sp>
-        <p:nvSpPr>
-          <p:cNvPr id="30727" name="Rectangle 13"/>
-          <p:cNvSpPr>
-            <a:spLocks noChangeArrowheads="1"/>
-          </p:cNvSpPr>
-          <p:nvPr/>
-        </p:nvSpPr>
-        <p:spPr bwMode="auto">
-          <a:xfrm>
-            <a:off x="1676400" y="4818063"/>
-            <a:ext cx="2133600" cy="439737"/>
-          </a:xfrm>
-          <a:prstGeom prst="rect">
-            <a:avLst/>
-          </a:prstGeom>
-          <a:solidFill>
-            <a:srgbClr val="C0C0C0"/>
-          </a:solidFill>
-          <a:ln w="76200" cmpd="tri">
-            <a:solidFill>
-              <a:schemeClr val="tx1"/>
-            </a:solidFill>
-            <a:miter lim="800000"/>
-            <a:headEnd/>
-            <a:tailEnd/>
-          </a:ln>
-          <a:effectLst/>
-          <a:extLst>
-            <a:ext uri="{AF507438-7753-43E0-B8FC-AC1667EBCBE1}">
-              <a14:hiddenEffects xmlns:a14="http://schemas.microsoft.com/office/drawing/2010/main">
-                <a:effectLst>
-                  <a:outerShdw dist="107763" dir="2700000" algn="ctr" rotWithShape="0">
-                    <a:schemeClr val="bg2"/>
-                  </a:outerShdw>
-                </a:effectLst>
-              </a14:hiddenEffects>
-            </a:ext>
-          </a:extLst>
-        </p:spPr>
-        <p:txBody>
-          <a:bodyPr lIns="90488" tIns="44450" rIns="90488" bIns="44450">
-            <a:spAutoFit/>
-          </a:bodyPr>
-          <a:lstStyle>
-            <a:lvl1pPr defTabSz="739775">
-              <a:defRPr sz="3000">
-                <a:solidFill>
-                  <a:schemeClr val="tx1"/>
-                </a:solidFill>
-                <a:latin typeface="Arial Narrow" panose="020B0606020202030204" pitchFamily="34" charset="0"/>
-              </a:defRPr>
-            </a:lvl1pPr>
-            <a:lvl2pPr marL="742950" indent="-285750" defTabSz="739775">
-              <a:defRPr sz="3000">
-                <a:solidFill>
-                  <a:schemeClr val="tx1"/>
-                </a:solidFill>
-                <a:latin typeface="Arial Narrow" panose="020B0606020202030204" pitchFamily="34" charset="0"/>
-              </a:defRPr>
-            </a:lvl2pPr>
-            <a:lvl3pPr marL="1143000" indent="-228600" defTabSz="739775">
-              <a:defRPr sz="3000">
-                <a:solidFill>
-                  <a:schemeClr val="tx1"/>
-                </a:solidFill>
-                <a:latin typeface="Arial Narrow" panose="020B0606020202030204" pitchFamily="34" charset="0"/>
-              </a:defRPr>
-            </a:lvl3pPr>
-            <a:lvl4pPr marL="1600200" indent="-228600" defTabSz="739775">
-              <a:defRPr sz="3000">
-                <a:solidFill>
-                  <a:schemeClr val="tx1"/>
-                </a:solidFill>
-                <a:latin typeface="Arial Narrow" panose="020B0606020202030204" pitchFamily="34" charset="0"/>
-              </a:defRPr>
-            </a:lvl4pPr>
-            <a:lvl5pPr marL="2057400" indent="-228600" defTabSz="739775">
-              <a:defRPr sz="3000">
-                <a:solidFill>
-                  <a:schemeClr val="tx1"/>
-                </a:solidFill>
-                <a:latin typeface="Arial Narrow" panose="020B0606020202030204" pitchFamily="34" charset="0"/>
-              </a:defRPr>
-            </a:lvl5pPr>
-            <a:lvl6pPr marL="2514600" indent="-228600" defTabSz="739775" eaLnBrk="0" fontAlgn="base" hangingPunct="0">
-              <a:spcBef>
-                <a:spcPct val="0"/>
-              </a:spcBef>
-              <a:spcAft>
-                <a:spcPct val="0"/>
-              </a:spcAft>
-              <a:defRPr sz="3000">
-                <a:solidFill>
-                  <a:schemeClr val="tx1"/>
-                </a:solidFill>
-                <a:latin typeface="Arial Narrow" panose="020B0606020202030204" pitchFamily="34" charset="0"/>
-              </a:defRPr>
-            </a:lvl6pPr>
-            <a:lvl7pPr marL="2971800" indent="-228600" defTabSz="739775" eaLnBrk="0" fontAlgn="base" hangingPunct="0">
-              <a:spcBef>
-                <a:spcPct val="0"/>
-              </a:spcBef>
-              <a:spcAft>
-                <a:spcPct val="0"/>
-              </a:spcAft>
-              <a:defRPr sz="3000">
-                <a:solidFill>
-                  <a:schemeClr val="tx1"/>
-                </a:solidFill>
-                <a:latin typeface="Arial Narrow" panose="020B0606020202030204" pitchFamily="34" charset="0"/>
-              </a:defRPr>
-            </a:lvl7pPr>
-            <a:lvl8pPr marL="3429000" indent="-228600" defTabSz="739775" eaLnBrk="0" fontAlgn="base" hangingPunct="0">
-              <a:spcBef>
-                <a:spcPct val="0"/>
-              </a:spcBef>
-              <a:spcAft>
-                <a:spcPct val="0"/>
-              </a:spcAft>
-              <a:defRPr sz="3000">
-                <a:solidFill>
-                  <a:schemeClr val="tx1"/>
-                </a:solidFill>
-                <a:latin typeface="Arial Narrow" panose="020B0606020202030204" pitchFamily="34" charset="0"/>
-              </a:defRPr>
-            </a:lvl8pPr>
-            <a:lvl9pPr marL="3886200" indent="-228600" defTabSz="739775" eaLnBrk="0" fontAlgn="base" hangingPunct="0">
-              <a:spcBef>
-                <a:spcPct val="0"/>
-              </a:spcBef>
-              <a:spcAft>
-                <a:spcPct val="0"/>
-              </a:spcAft>
-              <a:defRPr sz="3000">
-                <a:solidFill>
-                  <a:schemeClr val="tx1"/>
-                </a:solidFill>
-                <a:latin typeface="Arial Narrow" panose="020B0606020202030204" pitchFamily="34" charset="0"/>
-              </a:defRPr>
-            </a:lvl9pPr>
-          </a:lstStyle>
-          <a:p>
-            <a:r>
-              <a:rPr lang="en-US" altLang="fr-FR" sz="1800" b="1">
-                <a:solidFill>
-                  <a:srgbClr val="000000"/>
-                </a:solidFill>
-                <a:latin typeface="Lucida Sans Typewriter" pitchFamily="49" charset="0"/>
-              </a:rPr>
-              <a:t>interest 7%</a:t>
-            </a:r>
-            <a:endParaRPr lang="en-US" altLang="fr-FR" sz="1800" b="1">
-              <a:latin typeface="Lucida Sans Typewriter" pitchFamily="49" charset="0"/>
-            </a:endParaRPr>
-          </a:p>
-        </p:txBody>
-      </p:sp>
-      <p:sp>
-        <p:nvSpPr>
-          <p:cNvPr id="30728" name="Rectangle 15"/>
-          <p:cNvSpPr>
-            <a:spLocks noChangeArrowheads="1"/>
-          </p:cNvSpPr>
-          <p:nvPr/>
-        </p:nvSpPr>
-        <p:spPr bwMode="auto">
-          <a:xfrm>
-            <a:off x="5105400" y="3321050"/>
-            <a:ext cx="2514600" cy="2165350"/>
-          </a:xfrm>
-          <a:prstGeom prst="rect">
-            <a:avLst/>
-          </a:prstGeom>
-          <a:gradFill rotWithShape="0">
-            <a:gsLst>
-              <a:gs pos="0">
-                <a:srgbClr val="E6F3FF"/>
-              </a:gs>
-              <a:gs pos="100000">
-                <a:srgbClr val="99CCFF"/>
-              </a:gs>
-            </a:gsLst>
-            <a:lin ang="5400000" scaled="1"/>
-          </a:gradFill>
-          <a:ln w="9525" algn="ctr">
-            <a:solidFill>
-              <a:srgbClr val="0033CC"/>
-            </a:solidFill>
-            <a:miter lim="800000"/>
-            <a:headEnd/>
-            <a:tailEnd/>
-          </a:ln>
-          <a:effectLst>
-            <a:outerShdw dist="53882" dir="2700000" algn="ctr" rotWithShape="0">
-              <a:srgbClr val="C0C0C0"/>
-            </a:outerShdw>
-          </a:effectLst>
-        </p:spPr>
-        <p:txBody>
-          <a:bodyPr wrap="none" tIns="27432" bIns="27432" anchor="ctr"/>
-          <a:lstStyle>
-            <a:lvl1pPr>
-              <a:defRPr sz="3000">
-                <a:solidFill>
-                  <a:schemeClr val="tx1"/>
-                </a:solidFill>
-                <a:latin typeface="Arial Narrow" panose="020B0606020202030204" pitchFamily="34" charset="0"/>
-              </a:defRPr>
-            </a:lvl1pPr>
-            <a:lvl2pPr marL="742950" indent="-285750">
-              <a:defRPr sz="3000">
-                <a:solidFill>
-                  <a:schemeClr val="tx1"/>
-                </a:solidFill>
-                <a:latin typeface="Arial Narrow" panose="020B0606020202030204" pitchFamily="34" charset="0"/>
-              </a:defRPr>
-            </a:lvl2pPr>
-            <a:lvl3pPr marL="1143000" indent="-228600">
-              <a:defRPr sz="3000">
-                <a:solidFill>
-                  <a:schemeClr val="tx1"/>
-                </a:solidFill>
-                <a:latin typeface="Arial Narrow" panose="020B0606020202030204" pitchFamily="34" charset="0"/>
-              </a:defRPr>
-            </a:lvl3pPr>
-            <a:lvl4pPr marL="1600200" indent="-228600">
-              <a:defRPr sz="3000">
-                <a:solidFill>
-                  <a:schemeClr val="tx1"/>
-                </a:solidFill>
-                <a:latin typeface="Arial Narrow" panose="020B0606020202030204" pitchFamily="34" charset="0"/>
-              </a:defRPr>
-            </a:lvl4pPr>
-            <a:lvl5pPr marL="2057400" indent="-228600">
-              <a:defRPr sz="3000">
-                <a:solidFill>
-                  <a:schemeClr val="tx1"/>
-                </a:solidFill>
-                <a:latin typeface="Arial Narrow" panose="020B0606020202030204" pitchFamily="34" charset="0"/>
-              </a:defRPr>
-            </a:lvl5pPr>
-            <a:lvl6pPr marL="2514600" indent="-228600" eaLnBrk="0" fontAlgn="base" hangingPunct="0">
-              <a:spcBef>
-                <a:spcPct val="0"/>
-              </a:spcBef>
-              <a:spcAft>
-                <a:spcPct val="0"/>
-              </a:spcAft>
-              <a:defRPr sz="3000">
-                <a:solidFill>
-                  <a:schemeClr val="tx1"/>
-                </a:solidFill>
-                <a:latin typeface="Arial Narrow" panose="020B0606020202030204" pitchFamily="34" charset="0"/>
-              </a:defRPr>
-            </a:lvl6pPr>
-            <a:lvl7pPr marL="2971800" indent="-228600" eaLnBrk="0" fontAlgn="base" hangingPunct="0">
-              <a:spcBef>
-                <a:spcPct val="0"/>
-              </a:spcBef>
-              <a:spcAft>
-                <a:spcPct val="0"/>
-              </a:spcAft>
-              <a:defRPr sz="3000">
-                <a:solidFill>
-                  <a:schemeClr val="tx1"/>
-                </a:solidFill>
-                <a:latin typeface="Arial Narrow" panose="020B0606020202030204" pitchFamily="34" charset="0"/>
-              </a:defRPr>
-            </a:lvl7pPr>
-            <a:lvl8pPr marL="3429000" indent="-228600" eaLnBrk="0" fontAlgn="base" hangingPunct="0">
-              <a:spcBef>
-                <a:spcPct val="0"/>
-              </a:spcBef>
-              <a:spcAft>
-                <a:spcPct val="0"/>
-              </a:spcAft>
-              <a:defRPr sz="3000">
-                <a:solidFill>
-                  <a:schemeClr val="tx1"/>
-                </a:solidFill>
-                <a:latin typeface="Arial Narrow" panose="020B0606020202030204" pitchFamily="34" charset="0"/>
-              </a:defRPr>
-            </a:lvl8pPr>
-            <a:lvl9pPr marL="3886200" indent="-228600" eaLnBrk="0" fontAlgn="base" hangingPunct="0">
-              <a:spcBef>
-                <a:spcPct val="0"/>
-              </a:spcBef>
-              <a:spcAft>
-                <a:spcPct val="0"/>
-              </a:spcAft>
-              <a:defRPr sz="3000">
-                <a:solidFill>
-                  <a:schemeClr val="tx1"/>
-                </a:solidFill>
-                <a:latin typeface="Arial Narrow" panose="020B0606020202030204" pitchFamily="34" charset="0"/>
-              </a:defRPr>
-            </a:lvl9pPr>
-          </a:lstStyle>
-          <a:p>
-            <a:endParaRPr lang="fr-FR" altLang="fr-FR"/>
-          </a:p>
-        </p:txBody>
-      </p:sp>
-      <p:sp>
-        <p:nvSpPr>
-          <p:cNvPr id="30729" name="Rectangle 16"/>
-          <p:cNvSpPr>
-            <a:spLocks noChangeArrowheads="1"/>
-          </p:cNvSpPr>
-          <p:nvPr/>
-        </p:nvSpPr>
-        <p:spPr bwMode="auto">
-          <a:xfrm>
-            <a:off x="4876800" y="3549650"/>
-            <a:ext cx="1752600" cy="376238"/>
-          </a:xfrm>
-          <a:prstGeom prst="rect">
-            <a:avLst/>
-          </a:prstGeom>
-          <a:solidFill>
-            <a:srgbClr val="CCFFFF"/>
-          </a:solidFill>
-          <a:ln w="12700">
-            <a:solidFill>
-              <a:schemeClr val="tx1"/>
-            </a:solidFill>
-            <a:miter lim="800000"/>
-            <a:headEnd/>
-            <a:tailEnd/>
-          </a:ln>
-          <a:effectLst/>
-          <a:extLst>
-            <a:ext uri="{AF507438-7753-43E0-B8FC-AC1667EBCBE1}">
-              <a14:hiddenEffects xmlns:a14="http://schemas.microsoft.com/office/drawing/2010/main">
-                <a:effectLst>
-                  <a:outerShdw dist="107763" dir="2700000" algn="ctr" rotWithShape="0">
-                    <a:schemeClr val="bg2"/>
-                  </a:outerShdw>
-                </a:effectLst>
-              </a14:hiddenEffects>
-            </a:ext>
-          </a:extLst>
-        </p:spPr>
-        <p:txBody>
-          <a:bodyPr lIns="90488" tIns="44450" rIns="90488" bIns="44450">
-            <a:spAutoFit/>
-          </a:bodyPr>
-          <a:lstStyle>
-            <a:lvl1pPr defTabSz="739775">
-              <a:defRPr sz="3000">
-                <a:solidFill>
-                  <a:schemeClr val="tx1"/>
-                </a:solidFill>
-                <a:latin typeface="Arial Narrow" panose="020B0606020202030204" pitchFamily="34" charset="0"/>
-              </a:defRPr>
-            </a:lvl1pPr>
-            <a:lvl2pPr marL="742950" indent="-285750" defTabSz="739775">
-              <a:defRPr sz="3000">
-                <a:solidFill>
-                  <a:schemeClr val="tx1"/>
-                </a:solidFill>
-                <a:latin typeface="Arial Narrow" panose="020B0606020202030204" pitchFamily="34" charset="0"/>
-              </a:defRPr>
-            </a:lvl2pPr>
-            <a:lvl3pPr marL="1143000" indent="-228600" defTabSz="739775">
-              <a:defRPr sz="3000">
-                <a:solidFill>
-                  <a:schemeClr val="tx1"/>
-                </a:solidFill>
-                <a:latin typeface="Arial Narrow" panose="020B0606020202030204" pitchFamily="34" charset="0"/>
-              </a:defRPr>
-            </a:lvl3pPr>
-            <a:lvl4pPr marL="1600200" indent="-228600" defTabSz="739775">
-              <a:defRPr sz="3000">
-                <a:solidFill>
-                  <a:schemeClr val="tx1"/>
-                </a:solidFill>
-                <a:latin typeface="Arial Narrow" panose="020B0606020202030204" pitchFamily="34" charset="0"/>
-              </a:defRPr>
-            </a:lvl4pPr>
-            <a:lvl5pPr marL="2057400" indent="-228600" defTabSz="739775">
-              <a:defRPr sz="3000">
-                <a:solidFill>
-                  <a:schemeClr val="tx1"/>
-                </a:solidFill>
-                <a:latin typeface="Arial Narrow" panose="020B0606020202030204" pitchFamily="34" charset="0"/>
-              </a:defRPr>
-            </a:lvl5pPr>
-            <a:lvl6pPr marL="2514600" indent="-228600" defTabSz="739775" eaLnBrk="0" fontAlgn="base" hangingPunct="0">
-              <a:spcBef>
-                <a:spcPct val="0"/>
-              </a:spcBef>
-              <a:spcAft>
-                <a:spcPct val="0"/>
-              </a:spcAft>
-              <a:defRPr sz="3000">
-                <a:solidFill>
-                  <a:schemeClr val="tx1"/>
-                </a:solidFill>
-                <a:latin typeface="Arial Narrow" panose="020B0606020202030204" pitchFamily="34" charset="0"/>
-              </a:defRPr>
-            </a:lvl6pPr>
-            <a:lvl7pPr marL="2971800" indent="-228600" defTabSz="739775" eaLnBrk="0" fontAlgn="base" hangingPunct="0">
-              <a:spcBef>
-                <a:spcPct val="0"/>
-              </a:spcBef>
-              <a:spcAft>
-                <a:spcPct val="0"/>
-              </a:spcAft>
-              <a:defRPr sz="3000">
-                <a:solidFill>
-                  <a:schemeClr val="tx1"/>
-                </a:solidFill>
-                <a:latin typeface="Arial Narrow" panose="020B0606020202030204" pitchFamily="34" charset="0"/>
-              </a:defRPr>
-            </a:lvl7pPr>
-            <a:lvl8pPr marL="3429000" indent="-228600" defTabSz="739775" eaLnBrk="0" fontAlgn="base" hangingPunct="0">
-              <a:spcBef>
-                <a:spcPct val="0"/>
-              </a:spcBef>
-              <a:spcAft>
-                <a:spcPct val="0"/>
-              </a:spcAft>
-              <a:defRPr sz="3000">
-                <a:solidFill>
-                  <a:schemeClr val="tx1"/>
-                </a:solidFill>
-                <a:latin typeface="Arial Narrow" panose="020B0606020202030204" pitchFamily="34" charset="0"/>
-              </a:defRPr>
-            </a:lvl8pPr>
-            <a:lvl9pPr marL="3886200" indent="-228600" defTabSz="739775" eaLnBrk="0" fontAlgn="base" hangingPunct="0">
-              <a:spcBef>
-                <a:spcPct val="0"/>
-              </a:spcBef>
-              <a:spcAft>
-                <a:spcPct val="0"/>
-              </a:spcAft>
-              <a:defRPr sz="3000">
-                <a:solidFill>
-                  <a:schemeClr val="tx1"/>
-                </a:solidFill>
-                <a:latin typeface="Arial Narrow" panose="020B0606020202030204" pitchFamily="34" charset="0"/>
-              </a:defRPr>
-            </a:lvl9pPr>
-          </a:lstStyle>
-          <a:p>
-            <a:r>
-              <a:rPr lang="en-US" altLang="fr-FR" sz="1800" b="1">
-                <a:solidFill>
-                  <a:srgbClr val="000000"/>
-                </a:solidFill>
-                <a:latin typeface="Lucida Sans Typewriter" pitchFamily="49" charset="0"/>
-              </a:rPr>
-              <a:t>Withdraw( )</a:t>
-            </a:r>
-            <a:endParaRPr lang="en-US" altLang="fr-FR" sz="1800" b="1">
-              <a:latin typeface="Lucida Sans Typewriter" pitchFamily="49" charset="0"/>
-            </a:endParaRPr>
-          </a:p>
-        </p:txBody>
-      </p:sp>
-      <p:sp>
-        <p:nvSpPr>
-          <p:cNvPr id="30730" name="Rectangle 17"/>
-          <p:cNvSpPr>
-            <a:spLocks noChangeArrowheads="1"/>
-          </p:cNvSpPr>
-          <p:nvPr/>
-        </p:nvSpPr>
-        <p:spPr bwMode="auto">
-          <a:xfrm>
-            <a:off x="4876800" y="4011613"/>
-            <a:ext cx="1752600" cy="376237"/>
-          </a:xfrm>
-          <a:prstGeom prst="rect">
-            <a:avLst/>
-          </a:prstGeom>
-          <a:solidFill>
-            <a:srgbClr val="CCFFFF"/>
-          </a:solidFill>
-          <a:ln w="12700">
-            <a:solidFill>
-              <a:schemeClr val="tx1"/>
-            </a:solidFill>
-            <a:miter lim="800000"/>
-            <a:headEnd/>
-            <a:tailEnd/>
-          </a:ln>
-          <a:effectLst/>
-          <a:extLst>
-            <a:ext uri="{AF507438-7753-43E0-B8FC-AC1667EBCBE1}">
-              <a14:hiddenEffects xmlns:a14="http://schemas.microsoft.com/office/drawing/2010/main">
-                <a:effectLst>
-                  <a:outerShdw dist="107763" dir="2700000" algn="ctr" rotWithShape="0">
-                    <a:schemeClr val="bg2"/>
-                  </a:outerShdw>
-                </a:effectLst>
-              </a14:hiddenEffects>
-            </a:ext>
-          </a:extLst>
-        </p:spPr>
-        <p:txBody>
-          <a:bodyPr lIns="90488" tIns="44450" rIns="90488" bIns="44450">
-            <a:spAutoFit/>
-          </a:bodyPr>
-          <a:lstStyle>
-            <a:lvl1pPr defTabSz="739775">
-              <a:defRPr sz="3000">
-                <a:solidFill>
-                  <a:schemeClr val="tx1"/>
-                </a:solidFill>
-                <a:latin typeface="Arial Narrow" panose="020B0606020202030204" pitchFamily="34" charset="0"/>
-              </a:defRPr>
-            </a:lvl1pPr>
-            <a:lvl2pPr marL="742950" indent="-285750" defTabSz="739775">
-              <a:defRPr sz="3000">
-                <a:solidFill>
-                  <a:schemeClr val="tx1"/>
-                </a:solidFill>
-                <a:latin typeface="Arial Narrow" panose="020B0606020202030204" pitchFamily="34" charset="0"/>
-              </a:defRPr>
-            </a:lvl2pPr>
-            <a:lvl3pPr marL="1143000" indent="-228600" defTabSz="739775">
-              <a:defRPr sz="3000">
-                <a:solidFill>
-                  <a:schemeClr val="tx1"/>
-                </a:solidFill>
-                <a:latin typeface="Arial Narrow" panose="020B0606020202030204" pitchFamily="34" charset="0"/>
-              </a:defRPr>
-            </a:lvl3pPr>
-            <a:lvl4pPr marL="1600200" indent="-228600" defTabSz="739775">
-              <a:defRPr sz="3000">
-                <a:solidFill>
-                  <a:schemeClr val="tx1"/>
-                </a:solidFill>
-                <a:latin typeface="Arial Narrow" panose="020B0606020202030204" pitchFamily="34" charset="0"/>
-              </a:defRPr>
-            </a:lvl4pPr>
-            <a:lvl5pPr marL="2057400" indent="-228600" defTabSz="739775">
-              <a:defRPr sz="3000">
-                <a:solidFill>
-                  <a:schemeClr val="tx1"/>
-                </a:solidFill>
-                <a:latin typeface="Arial Narrow" panose="020B0606020202030204" pitchFamily="34" charset="0"/>
-              </a:defRPr>
-            </a:lvl5pPr>
-            <a:lvl6pPr marL="2514600" indent="-228600" defTabSz="739775" eaLnBrk="0" fontAlgn="base" hangingPunct="0">
-              <a:spcBef>
-                <a:spcPct val="0"/>
-              </a:spcBef>
-              <a:spcAft>
-                <a:spcPct val="0"/>
-              </a:spcAft>
-              <a:defRPr sz="3000">
-                <a:solidFill>
-                  <a:schemeClr val="tx1"/>
-                </a:solidFill>
-                <a:latin typeface="Arial Narrow" panose="020B0606020202030204" pitchFamily="34" charset="0"/>
-              </a:defRPr>
-            </a:lvl6pPr>
-            <a:lvl7pPr marL="2971800" indent="-228600" defTabSz="739775" eaLnBrk="0" fontAlgn="base" hangingPunct="0">
-              <a:spcBef>
-                <a:spcPct val="0"/>
-              </a:spcBef>
-              <a:spcAft>
-                <a:spcPct val="0"/>
-              </a:spcAft>
-              <a:defRPr sz="3000">
-                <a:solidFill>
-                  <a:schemeClr val="tx1"/>
-                </a:solidFill>
-                <a:latin typeface="Arial Narrow" panose="020B0606020202030204" pitchFamily="34" charset="0"/>
-              </a:defRPr>
-            </a:lvl7pPr>
-            <a:lvl8pPr marL="3429000" indent="-228600" defTabSz="739775" eaLnBrk="0" fontAlgn="base" hangingPunct="0">
-              <a:spcBef>
-                <a:spcPct val="0"/>
-              </a:spcBef>
-              <a:spcAft>
-                <a:spcPct val="0"/>
-              </a:spcAft>
-              <a:defRPr sz="3000">
-                <a:solidFill>
-                  <a:schemeClr val="tx1"/>
-                </a:solidFill>
-                <a:latin typeface="Arial Narrow" panose="020B0606020202030204" pitchFamily="34" charset="0"/>
-              </a:defRPr>
-            </a:lvl8pPr>
-            <a:lvl9pPr marL="3886200" indent="-228600" defTabSz="739775" eaLnBrk="0" fontAlgn="base" hangingPunct="0">
-              <a:spcBef>
-                <a:spcPct val="0"/>
-              </a:spcBef>
-              <a:spcAft>
-                <a:spcPct val="0"/>
-              </a:spcAft>
-              <a:defRPr sz="3000">
-                <a:solidFill>
-                  <a:schemeClr val="tx1"/>
-                </a:solidFill>
-                <a:latin typeface="Arial Narrow" panose="020B0606020202030204" pitchFamily="34" charset="0"/>
-              </a:defRPr>
-            </a:lvl9pPr>
-          </a:lstStyle>
-          <a:p>
-            <a:r>
-              <a:rPr lang="en-US" altLang="fr-FR" sz="1800" b="1">
-                <a:solidFill>
-                  <a:srgbClr val="000000"/>
-                </a:solidFill>
-                <a:latin typeface="Lucida Sans Typewriter" pitchFamily="49" charset="0"/>
-              </a:rPr>
-              <a:t>Deposit( )</a:t>
-            </a:r>
-            <a:endParaRPr lang="en-US" altLang="fr-FR" sz="1800" b="1">
-              <a:latin typeface="Lucida Sans Typewriter" pitchFamily="49" charset="0"/>
-            </a:endParaRPr>
-          </a:p>
-        </p:txBody>
-      </p:sp>
-      <p:sp>
-        <p:nvSpPr>
-          <p:cNvPr id="30731" name="Rectangle 18"/>
-          <p:cNvSpPr>
-            <a:spLocks noChangeArrowheads="1"/>
-          </p:cNvSpPr>
-          <p:nvPr/>
-        </p:nvSpPr>
-        <p:spPr bwMode="auto">
-          <a:xfrm>
-            <a:off x="5257800" y="4464050"/>
-            <a:ext cx="2133600" cy="376238"/>
-          </a:xfrm>
-          <a:prstGeom prst="rect">
-            <a:avLst/>
-          </a:prstGeom>
-          <a:solidFill>
-            <a:srgbClr val="C0C0C0"/>
-          </a:solidFill>
-          <a:ln w="12700">
-            <a:solidFill>
-              <a:schemeClr val="tx1"/>
-            </a:solidFill>
-            <a:miter lim="800000"/>
-            <a:headEnd/>
-            <a:tailEnd/>
-          </a:ln>
-          <a:effectLst/>
-          <a:extLst>
-            <a:ext uri="{AF507438-7753-43E0-B8FC-AC1667EBCBE1}">
-              <a14:hiddenEffects xmlns:a14="http://schemas.microsoft.com/office/drawing/2010/main">
-                <a:effectLst>
-                  <a:outerShdw dist="107763" dir="2700000" algn="ctr" rotWithShape="0">
-                    <a:schemeClr val="bg2"/>
-                  </a:outerShdw>
-                </a:effectLst>
-              </a14:hiddenEffects>
-            </a:ext>
-          </a:extLst>
-        </p:spPr>
-        <p:txBody>
-          <a:bodyPr lIns="90488" tIns="44450" rIns="90488" bIns="44450">
-            <a:spAutoFit/>
-          </a:bodyPr>
-          <a:lstStyle>
-            <a:lvl1pPr defTabSz="739775">
-              <a:defRPr sz="3000">
-                <a:solidFill>
-                  <a:schemeClr val="tx1"/>
-                </a:solidFill>
-                <a:latin typeface="Arial Narrow" panose="020B0606020202030204" pitchFamily="34" charset="0"/>
-              </a:defRPr>
-            </a:lvl1pPr>
-            <a:lvl2pPr marL="742950" indent="-285750" defTabSz="739775">
-              <a:defRPr sz="3000">
-                <a:solidFill>
-                  <a:schemeClr val="tx1"/>
-                </a:solidFill>
-                <a:latin typeface="Arial Narrow" panose="020B0606020202030204" pitchFamily="34" charset="0"/>
-              </a:defRPr>
-            </a:lvl2pPr>
-            <a:lvl3pPr marL="1143000" indent="-228600" defTabSz="739775">
-              <a:defRPr sz="3000">
-                <a:solidFill>
-                  <a:schemeClr val="tx1"/>
-                </a:solidFill>
-                <a:latin typeface="Arial Narrow" panose="020B0606020202030204" pitchFamily="34" charset="0"/>
-              </a:defRPr>
-            </a:lvl3pPr>
-            <a:lvl4pPr marL="1600200" indent="-228600" defTabSz="739775">
-              <a:defRPr sz="3000">
-                <a:solidFill>
-                  <a:schemeClr val="tx1"/>
-                </a:solidFill>
-                <a:latin typeface="Arial Narrow" panose="020B0606020202030204" pitchFamily="34" charset="0"/>
-              </a:defRPr>
-            </a:lvl4pPr>
-            <a:lvl5pPr marL="2057400" indent="-228600" defTabSz="739775">
-              <a:defRPr sz="3000">
-                <a:solidFill>
-                  <a:schemeClr val="tx1"/>
-                </a:solidFill>
-                <a:latin typeface="Arial Narrow" panose="020B0606020202030204" pitchFamily="34" charset="0"/>
-              </a:defRPr>
-            </a:lvl5pPr>
-            <a:lvl6pPr marL="2514600" indent="-228600" defTabSz="739775" eaLnBrk="0" fontAlgn="base" hangingPunct="0">
-              <a:spcBef>
-                <a:spcPct val="0"/>
-              </a:spcBef>
-              <a:spcAft>
-                <a:spcPct val="0"/>
-              </a:spcAft>
-              <a:defRPr sz="3000">
-                <a:solidFill>
-                  <a:schemeClr val="tx1"/>
-                </a:solidFill>
-                <a:latin typeface="Arial Narrow" panose="020B0606020202030204" pitchFamily="34" charset="0"/>
-              </a:defRPr>
-            </a:lvl6pPr>
-            <a:lvl7pPr marL="2971800" indent="-228600" defTabSz="739775" eaLnBrk="0" fontAlgn="base" hangingPunct="0">
-              <a:spcBef>
-                <a:spcPct val="0"/>
-              </a:spcBef>
-              <a:spcAft>
-                <a:spcPct val="0"/>
-              </a:spcAft>
-              <a:defRPr sz="3000">
-                <a:solidFill>
-                  <a:schemeClr val="tx1"/>
-                </a:solidFill>
-                <a:latin typeface="Arial Narrow" panose="020B0606020202030204" pitchFamily="34" charset="0"/>
-              </a:defRPr>
-            </a:lvl7pPr>
-            <a:lvl8pPr marL="3429000" indent="-228600" defTabSz="739775" eaLnBrk="0" fontAlgn="base" hangingPunct="0">
-              <a:spcBef>
-                <a:spcPct val="0"/>
-              </a:spcBef>
-              <a:spcAft>
-                <a:spcPct val="0"/>
-              </a:spcAft>
-              <a:defRPr sz="3000">
-                <a:solidFill>
-                  <a:schemeClr val="tx1"/>
-                </a:solidFill>
-                <a:latin typeface="Arial Narrow" panose="020B0606020202030204" pitchFamily="34" charset="0"/>
-              </a:defRPr>
-            </a:lvl8pPr>
-            <a:lvl9pPr marL="3886200" indent="-228600" defTabSz="739775" eaLnBrk="0" fontAlgn="base" hangingPunct="0">
-              <a:spcBef>
-                <a:spcPct val="0"/>
-              </a:spcBef>
-              <a:spcAft>
-                <a:spcPct val="0"/>
-              </a:spcAft>
-              <a:defRPr sz="3000">
-                <a:solidFill>
-                  <a:schemeClr val="tx1"/>
-                </a:solidFill>
-                <a:latin typeface="Arial Narrow" panose="020B0606020202030204" pitchFamily="34" charset="0"/>
-              </a:defRPr>
-            </a:lvl9pPr>
-          </a:lstStyle>
-          <a:p>
-            <a:r>
-              <a:rPr lang="en-US" altLang="fr-FR" sz="1800" b="1">
-                <a:solidFill>
-                  <a:srgbClr val="000000"/>
-                </a:solidFill>
-                <a:latin typeface="Lucida Sans Typewriter" pitchFamily="49" charset="0"/>
-              </a:rPr>
-              <a:t>balance  99.12</a:t>
-            </a:r>
-            <a:endParaRPr lang="en-US" altLang="fr-FR" sz="1800" b="1">
-              <a:latin typeface="Lucida Sans Typewriter" pitchFamily="49" charset="0"/>
-            </a:endParaRPr>
-          </a:p>
-        </p:txBody>
-      </p:sp>
-      <p:sp>
-        <p:nvSpPr>
-          <p:cNvPr id="30732" name="Rectangle 20"/>
-          <p:cNvSpPr>
-            <a:spLocks noChangeArrowheads="1"/>
-          </p:cNvSpPr>
-          <p:nvPr/>
-        </p:nvSpPr>
-        <p:spPr bwMode="auto">
-          <a:xfrm>
-            <a:off x="5257800" y="4926013"/>
-            <a:ext cx="2133600" cy="376237"/>
-          </a:xfrm>
-          <a:prstGeom prst="rect">
-            <a:avLst/>
-          </a:prstGeom>
-          <a:solidFill>
-            <a:srgbClr val="C0C0C0"/>
-          </a:solidFill>
-          <a:ln w="12700">
-            <a:solidFill>
-              <a:schemeClr val="tx1"/>
-            </a:solidFill>
-            <a:miter lim="800000"/>
-            <a:headEnd/>
-            <a:tailEnd/>
-          </a:ln>
-          <a:effectLst/>
-          <a:extLst>
-            <a:ext uri="{AF507438-7753-43E0-B8FC-AC1667EBCBE1}">
-              <a14:hiddenEffects xmlns:a14="http://schemas.microsoft.com/office/drawing/2010/main">
-                <a:effectLst>
-                  <a:outerShdw dist="107763" dir="2700000" algn="ctr" rotWithShape="0">
-                    <a:schemeClr val="bg2"/>
-                  </a:outerShdw>
-                </a:effectLst>
-              </a14:hiddenEffects>
-            </a:ext>
-          </a:extLst>
-        </p:spPr>
-        <p:txBody>
-          <a:bodyPr lIns="90488" tIns="44450" rIns="90488" bIns="44450">
-            <a:spAutoFit/>
-          </a:bodyPr>
-          <a:lstStyle>
-            <a:lvl1pPr defTabSz="739775">
-              <a:defRPr sz="3000">
-                <a:solidFill>
-                  <a:schemeClr val="tx1"/>
-                </a:solidFill>
-                <a:latin typeface="Arial Narrow" panose="020B0606020202030204" pitchFamily="34" charset="0"/>
-              </a:defRPr>
-            </a:lvl1pPr>
-            <a:lvl2pPr marL="742950" indent="-285750" defTabSz="739775">
-              <a:defRPr sz="3000">
-                <a:solidFill>
-                  <a:schemeClr val="tx1"/>
-                </a:solidFill>
-                <a:latin typeface="Arial Narrow" panose="020B0606020202030204" pitchFamily="34" charset="0"/>
-              </a:defRPr>
-            </a:lvl2pPr>
-            <a:lvl3pPr marL="1143000" indent="-228600" defTabSz="739775">
-              <a:defRPr sz="3000">
-                <a:solidFill>
-                  <a:schemeClr val="tx1"/>
-                </a:solidFill>
-                <a:latin typeface="Arial Narrow" panose="020B0606020202030204" pitchFamily="34" charset="0"/>
-              </a:defRPr>
-            </a:lvl3pPr>
-            <a:lvl4pPr marL="1600200" indent="-228600" defTabSz="739775">
-              <a:defRPr sz="3000">
-                <a:solidFill>
-                  <a:schemeClr val="tx1"/>
-                </a:solidFill>
-                <a:latin typeface="Arial Narrow" panose="020B0606020202030204" pitchFamily="34" charset="0"/>
-              </a:defRPr>
-            </a:lvl4pPr>
-            <a:lvl5pPr marL="2057400" indent="-228600" defTabSz="739775">
-              <a:defRPr sz="3000">
-                <a:solidFill>
-                  <a:schemeClr val="tx1"/>
-                </a:solidFill>
-                <a:latin typeface="Arial Narrow" panose="020B0606020202030204" pitchFamily="34" charset="0"/>
-              </a:defRPr>
-            </a:lvl5pPr>
-            <a:lvl6pPr marL="2514600" indent="-228600" defTabSz="739775" eaLnBrk="0" fontAlgn="base" hangingPunct="0">
-              <a:spcBef>
-                <a:spcPct val="0"/>
-              </a:spcBef>
-              <a:spcAft>
-                <a:spcPct val="0"/>
-              </a:spcAft>
-              <a:defRPr sz="3000">
-                <a:solidFill>
-                  <a:schemeClr val="tx1"/>
-                </a:solidFill>
-                <a:latin typeface="Arial Narrow" panose="020B0606020202030204" pitchFamily="34" charset="0"/>
-              </a:defRPr>
-            </a:lvl6pPr>
-            <a:lvl7pPr marL="2971800" indent="-228600" defTabSz="739775" eaLnBrk="0" fontAlgn="base" hangingPunct="0">
-              <a:spcBef>
-                <a:spcPct val="0"/>
-              </a:spcBef>
-              <a:spcAft>
-                <a:spcPct val="0"/>
-              </a:spcAft>
-              <a:defRPr sz="3000">
-                <a:solidFill>
-                  <a:schemeClr val="tx1"/>
-                </a:solidFill>
-                <a:latin typeface="Arial Narrow" panose="020B0606020202030204" pitchFamily="34" charset="0"/>
-              </a:defRPr>
-            </a:lvl7pPr>
-            <a:lvl8pPr marL="3429000" indent="-228600" defTabSz="739775" eaLnBrk="0" fontAlgn="base" hangingPunct="0">
-              <a:spcBef>
-                <a:spcPct val="0"/>
-              </a:spcBef>
-              <a:spcAft>
-                <a:spcPct val="0"/>
-              </a:spcAft>
-              <a:defRPr sz="3000">
-                <a:solidFill>
-                  <a:schemeClr val="tx1"/>
-                </a:solidFill>
-                <a:latin typeface="Arial Narrow" panose="020B0606020202030204" pitchFamily="34" charset="0"/>
-              </a:defRPr>
-            </a:lvl8pPr>
-            <a:lvl9pPr marL="3886200" indent="-228600" defTabSz="739775" eaLnBrk="0" fontAlgn="base" hangingPunct="0">
-              <a:spcBef>
-                <a:spcPct val="0"/>
-              </a:spcBef>
-              <a:spcAft>
-                <a:spcPct val="0"/>
-              </a:spcAft>
-              <a:defRPr sz="3000">
-                <a:solidFill>
-                  <a:schemeClr val="tx1"/>
-                </a:solidFill>
-                <a:latin typeface="Arial Narrow" panose="020B0606020202030204" pitchFamily="34" charset="0"/>
-              </a:defRPr>
-            </a:lvl9pPr>
-          </a:lstStyle>
-          <a:p>
-            <a:r>
-              <a:rPr lang="en-US" altLang="fr-FR" sz="1800" b="1">
-                <a:solidFill>
-                  <a:srgbClr val="000000"/>
-                </a:solidFill>
-                <a:latin typeface="Lucida Sans Typewriter" pitchFamily="49" charset="0"/>
-              </a:rPr>
-              <a:t>owner   "Fred"</a:t>
-            </a:r>
-            <a:endParaRPr lang="en-US" altLang="fr-FR" sz="1800" b="1">
-              <a:latin typeface="Lucida Sans Typewriter" pitchFamily="49" charset="0"/>
-            </a:endParaRPr>
-          </a:p>
-        </p:txBody>
-      </p:sp>
-      <p:sp>
-        <p:nvSpPr>
-          <p:cNvPr id="30733" name="Text Box 22"/>
-          <p:cNvSpPr txBox="1">
-            <a:spLocks noChangeArrowheads="1"/>
-          </p:cNvSpPr>
-          <p:nvPr/>
-        </p:nvSpPr>
-        <p:spPr bwMode="auto">
-          <a:xfrm>
-            <a:off x="5105400" y="2946400"/>
-            <a:ext cx="1552575" cy="366713"/>
-          </a:xfrm>
-          <a:prstGeom prst="rect">
-            <a:avLst/>
-          </a:prstGeom>
-          <a:noFill/>
-          <a:ln>
-            <a:noFill/>
-          </a:ln>
-          <a:effectLst/>
-          <a:extLst>
-            <a:ext uri="{909E8E84-426E-40DD-AFC4-6F175D3DCCD1}">
-              <a14:hiddenFill xmlns:a14="http://schemas.microsoft.com/office/drawing/2010/main">
-                <a:solidFill>
-                  <a:schemeClr val="accent1"/>
-                </a:solidFill>
-              </a14:hiddenFill>
-            </a:ext>
-            <a:ext uri="{91240B29-F687-4F45-9708-019B960494DF}">
-              <a14:hiddenLine xmlns:a14="http://schemas.microsoft.com/office/drawing/2010/main" w="9525">
-                <a:solidFill>
-                  <a:schemeClr val="tx1"/>
-                </a:solidFill>
-                <a:miter lim="800000"/>
-                <a:headEnd/>
-                <a:tailEnd/>
-              </a14:hiddenLine>
-            </a:ext>
-            <a:ext uri="{AF507438-7753-43E0-B8FC-AC1667EBCBE1}">
-              <a14:hiddenEffects xmlns:a14="http://schemas.microsoft.com/office/drawing/2010/main">
-                <a:effectLst>
-                  <a:outerShdw dist="35921" dir="2700000" algn="ctr" rotWithShape="0">
-                    <a:schemeClr val="bg2"/>
-                  </a:outerShdw>
-                </a:effectLst>
-              </a14:hiddenEffects>
-            </a:ext>
-          </a:extLst>
-        </p:spPr>
-        <p:txBody>
-          <a:bodyPr wrap="none">
-            <a:spAutoFit/>
-          </a:bodyPr>
-          <a:lstStyle>
-            <a:lvl1pPr>
-              <a:defRPr sz="3000">
-                <a:solidFill>
-                  <a:schemeClr val="tx1"/>
-                </a:solidFill>
-                <a:latin typeface="Arial Narrow" panose="020B0606020202030204" pitchFamily="34" charset="0"/>
-              </a:defRPr>
-            </a:lvl1pPr>
-            <a:lvl2pPr marL="742950" indent="-285750">
-              <a:defRPr sz="3000">
-                <a:solidFill>
-                  <a:schemeClr val="tx1"/>
-                </a:solidFill>
-                <a:latin typeface="Arial Narrow" panose="020B0606020202030204" pitchFamily="34" charset="0"/>
-              </a:defRPr>
-            </a:lvl2pPr>
-            <a:lvl3pPr marL="1143000" indent="-228600">
-              <a:defRPr sz="3000">
-                <a:solidFill>
-                  <a:schemeClr val="tx1"/>
-                </a:solidFill>
-                <a:latin typeface="Arial Narrow" panose="020B0606020202030204" pitchFamily="34" charset="0"/>
-              </a:defRPr>
-            </a:lvl3pPr>
-            <a:lvl4pPr marL="1600200" indent="-228600">
-              <a:defRPr sz="3000">
-                <a:solidFill>
-                  <a:schemeClr val="tx1"/>
-                </a:solidFill>
-                <a:latin typeface="Arial Narrow" panose="020B0606020202030204" pitchFamily="34" charset="0"/>
-              </a:defRPr>
-            </a:lvl4pPr>
-            <a:lvl5pPr marL="2057400" indent="-228600">
-              <a:defRPr sz="3000">
-                <a:solidFill>
-                  <a:schemeClr val="tx1"/>
-                </a:solidFill>
-                <a:latin typeface="Arial Narrow" panose="020B0606020202030204" pitchFamily="34" charset="0"/>
-              </a:defRPr>
-            </a:lvl5pPr>
-            <a:lvl6pPr marL="2514600" indent="-228600" eaLnBrk="0" fontAlgn="base" hangingPunct="0">
-              <a:spcBef>
-                <a:spcPct val="0"/>
-              </a:spcBef>
-              <a:spcAft>
-                <a:spcPct val="0"/>
-              </a:spcAft>
-              <a:defRPr sz="3000">
-                <a:solidFill>
-                  <a:schemeClr val="tx1"/>
-                </a:solidFill>
-                <a:latin typeface="Arial Narrow" panose="020B0606020202030204" pitchFamily="34" charset="0"/>
-              </a:defRPr>
-            </a:lvl6pPr>
-            <a:lvl7pPr marL="2971800" indent="-228600" eaLnBrk="0" fontAlgn="base" hangingPunct="0">
-              <a:spcBef>
-                <a:spcPct val="0"/>
-              </a:spcBef>
-              <a:spcAft>
-                <a:spcPct val="0"/>
-              </a:spcAft>
-              <a:defRPr sz="3000">
-                <a:solidFill>
-                  <a:schemeClr val="tx1"/>
-                </a:solidFill>
-                <a:latin typeface="Arial Narrow" panose="020B0606020202030204" pitchFamily="34" charset="0"/>
-              </a:defRPr>
-            </a:lvl7pPr>
-            <a:lvl8pPr marL="3429000" indent="-228600" eaLnBrk="0" fontAlgn="base" hangingPunct="0">
-              <a:spcBef>
-                <a:spcPct val="0"/>
-              </a:spcBef>
-              <a:spcAft>
-                <a:spcPct val="0"/>
-              </a:spcAft>
-              <a:defRPr sz="3000">
-                <a:solidFill>
-                  <a:schemeClr val="tx1"/>
-                </a:solidFill>
-                <a:latin typeface="Arial Narrow" panose="020B0606020202030204" pitchFamily="34" charset="0"/>
-              </a:defRPr>
-            </a:lvl8pPr>
-            <a:lvl9pPr marL="3886200" indent="-228600" eaLnBrk="0" fontAlgn="base" hangingPunct="0">
-              <a:spcBef>
-                <a:spcPct val="0"/>
-              </a:spcBef>
-              <a:spcAft>
-                <a:spcPct val="0"/>
-              </a:spcAft>
-              <a:defRPr sz="3000">
-                <a:solidFill>
-                  <a:schemeClr val="tx1"/>
-                </a:solidFill>
-                <a:latin typeface="Arial Narrow" panose="020B0606020202030204" pitchFamily="34" charset="0"/>
-              </a:defRPr>
-            </a:lvl9pPr>
-          </a:lstStyle>
-          <a:p>
-            <a:r>
-              <a:rPr lang="en-US" altLang="fr-FR" sz="1800">
-                <a:solidFill>
-                  <a:srgbClr val="000000"/>
-                </a:solidFill>
-              </a:rPr>
-              <a:t>Un objet compte</a:t>
-            </a:r>
-            <a:endParaRPr lang="en-GB" altLang="fr-FR" sz="1800"/>
-          </a:p>
-        </p:txBody>
-      </p:sp>
-      <p:sp>
-        <p:nvSpPr>
-          <p:cNvPr id="30734" name="Text Box 23"/>
-          <p:cNvSpPr txBox="1">
-            <a:spLocks noChangeArrowheads="1"/>
-          </p:cNvSpPr>
-          <p:nvPr/>
-        </p:nvSpPr>
-        <p:spPr bwMode="auto">
-          <a:xfrm>
-            <a:off x="1524000" y="2946400"/>
-            <a:ext cx="1646238" cy="366713"/>
-          </a:xfrm>
-          <a:prstGeom prst="rect">
-            <a:avLst/>
-          </a:prstGeom>
-          <a:noFill/>
-          <a:ln>
-            <a:noFill/>
-          </a:ln>
-          <a:effectLst/>
-          <a:extLst>
-            <a:ext uri="{909E8E84-426E-40DD-AFC4-6F175D3DCCD1}">
-              <a14:hiddenFill xmlns:a14="http://schemas.microsoft.com/office/drawing/2010/main">
-                <a:solidFill>
-                  <a:schemeClr val="accent1"/>
-                </a:solidFill>
-              </a14:hiddenFill>
-            </a:ext>
-            <a:ext uri="{91240B29-F687-4F45-9708-019B960494DF}">
-              <a14:hiddenLine xmlns:a14="http://schemas.microsoft.com/office/drawing/2010/main" w="9525">
-                <a:solidFill>
-                  <a:schemeClr val="tx1"/>
-                </a:solidFill>
-                <a:miter lim="800000"/>
-                <a:headEnd/>
-                <a:tailEnd/>
-              </a14:hiddenLine>
-            </a:ext>
-            <a:ext uri="{AF507438-7753-43E0-B8FC-AC1667EBCBE1}">
-              <a14:hiddenEffects xmlns:a14="http://schemas.microsoft.com/office/drawing/2010/main">
-                <a:effectLst>
-                  <a:outerShdw dist="35921" dir="2700000" algn="ctr" rotWithShape="0">
-                    <a:schemeClr val="bg2"/>
-                  </a:outerShdw>
-                </a:effectLst>
-              </a14:hiddenEffects>
-            </a:ext>
-          </a:extLst>
-        </p:spPr>
-        <p:txBody>
-          <a:bodyPr wrap="none">
-            <a:spAutoFit/>
-          </a:bodyPr>
-          <a:lstStyle>
-            <a:lvl1pPr>
-              <a:defRPr sz="3000">
-                <a:solidFill>
-                  <a:schemeClr val="tx1"/>
-                </a:solidFill>
-                <a:latin typeface="Arial Narrow" panose="020B0606020202030204" pitchFamily="34" charset="0"/>
-              </a:defRPr>
-            </a:lvl1pPr>
-            <a:lvl2pPr marL="742950" indent="-285750">
-              <a:defRPr sz="3000">
-                <a:solidFill>
-                  <a:schemeClr val="tx1"/>
-                </a:solidFill>
-                <a:latin typeface="Arial Narrow" panose="020B0606020202030204" pitchFamily="34" charset="0"/>
-              </a:defRPr>
-            </a:lvl2pPr>
-            <a:lvl3pPr marL="1143000" indent="-228600">
-              <a:defRPr sz="3000">
-                <a:solidFill>
-                  <a:schemeClr val="tx1"/>
-                </a:solidFill>
-                <a:latin typeface="Arial Narrow" panose="020B0606020202030204" pitchFamily="34" charset="0"/>
-              </a:defRPr>
-            </a:lvl3pPr>
-            <a:lvl4pPr marL="1600200" indent="-228600">
-              <a:defRPr sz="3000">
-                <a:solidFill>
-                  <a:schemeClr val="tx1"/>
-                </a:solidFill>
-                <a:latin typeface="Arial Narrow" panose="020B0606020202030204" pitchFamily="34" charset="0"/>
-              </a:defRPr>
-            </a:lvl4pPr>
-            <a:lvl5pPr marL="2057400" indent="-228600">
-              <a:defRPr sz="3000">
-                <a:solidFill>
-                  <a:schemeClr val="tx1"/>
-                </a:solidFill>
-                <a:latin typeface="Arial Narrow" panose="020B0606020202030204" pitchFamily="34" charset="0"/>
-              </a:defRPr>
-            </a:lvl5pPr>
-            <a:lvl6pPr marL="2514600" indent="-228600" eaLnBrk="0" fontAlgn="base" hangingPunct="0">
-              <a:spcBef>
-                <a:spcPct val="0"/>
-              </a:spcBef>
-              <a:spcAft>
-                <a:spcPct val="0"/>
-              </a:spcAft>
-              <a:defRPr sz="3000">
-                <a:solidFill>
-                  <a:schemeClr val="tx1"/>
-                </a:solidFill>
-                <a:latin typeface="Arial Narrow" panose="020B0606020202030204" pitchFamily="34" charset="0"/>
-              </a:defRPr>
-            </a:lvl6pPr>
-            <a:lvl7pPr marL="2971800" indent="-228600" eaLnBrk="0" fontAlgn="base" hangingPunct="0">
-              <a:spcBef>
-                <a:spcPct val="0"/>
-              </a:spcBef>
-              <a:spcAft>
-                <a:spcPct val="0"/>
-              </a:spcAft>
-              <a:defRPr sz="3000">
-                <a:solidFill>
-                  <a:schemeClr val="tx1"/>
-                </a:solidFill>
-                <a:latin typeface="Arial Narrow" panose="020B0606020202030204" pitchFamily="34" charset="0"/>
-              </a:defRPr>
-            </a:lvl7pPr>
-            <a:lvl8pPr marL="3429000" indent="-228600" eaLnBrk="0" fontAlgn="base" hangingPunct="0">
-              <a:spcBef>
-                <a:spcPct val="0"/>
-              </a:spcBef>
-              <a:spcAft>
-                <a:spcPct val="0"/>
-              </a:spcAft>
-              <a:defRPr sz="3000">
-                <a:solidFill>
-                  <a:schemeClr val="tx1"/>
-                </a:solidFill>
-                <a:latin typeface="Arial Narrow" panose="020B0606020202030204" pitchFamily="34" charset="0"/>
-              </a:defRPr>
-            </a:lvl8pPr>
-            <a:lvl9pPr marL="3886200" indent="-228600" eaLnBrk="0" fontAlgn="base" hangingPunct="0">
-              <a:spcBef>
-                <a:spcPct val="0"/>
-              </a:spcBef>
-              <a:spcAft>
-                <a:spcPct val="0"/>
-              </a:spcAft>
-              <a:defRPr sz="3000">
-                <a:solidFill>
-                  <a:schemeClr val="tx1"/>
-                </a:solidFill>
-                <a:latin typeface="Arial Narrow" panose="020B0606020202030204" pitchFamily="34" charset="0"/>
-              </a:defRPr>
-            </a:lvl9pPr>
-          </a:lstStyle>
-          <a:p>
-            <a:r>
-              <a:rPr lang="en-US" altLang="fr-FR" sz="1800">
-                <a:solidFill>
-                  <a:srgbClr val="000000"/>
-                </a:solidFill>
-              </a:rPr>
-              <a:t>La classe compte</a:t>
-            </a:r>
-            <a:endParaRPr lang="en-GB" altLang="fr-FR" sz="1800"/>
-          </a:p>
-        </p:txBody>
-      </p:sp>
-      <p:sp>
-        <p:nvSpPr>
-          <p:cNvPr id="30735" name="Text Box 24"/>
-          <p:cNvSpPr txBox="1">
-            <a:spLocks noChangeArrowheads="1"/>
-          </p:cNvSpPr>
-          <p:nvPr/>
-        </p:nvSpPr>
-        <p:spPr bwMode="auto">
-          <a:xfrm>
-            <a:off x="1427163" y="5489575"/>
-            <a:ext cx="3373437" cy="641350"/>
-          </a:xfrm>
-          <a:prstGeom prst="rect">
-            <a:avLst/>
-          </a:prstGeom>
-          <a:noFill/>
-          <a:ln>
-            <a:noFill/>
-          </a:ln>
-          <a:effectLst/>
-          <a:extLst>
-            <a:ext uri="{909E8E84-426E-40DD-AFC4-6F175D3DCCD1}">
-              <a14:hiddenFill xmlns:a14="http://schemas.microsoft.com/office/drawing/2010/main">
-                <a:solidFill>
-                  <a:schemeClr val="accent1"/>
-                </a:solidFill>
-              </a14:hiddenFill>
-            </a:ext>
-            <a:ext uri="{91240B29-F687-4F45-9708-019B960494DF}">
-              <a14:hiddenLine xmlns:a14="http://schemas.microsoft.com/office/drawing/2010/main" w="9525">
-                <a:solidFill>
-                  <a:schemeClr val="tx1"/>
-                </a:solidFill>
-                <a:miter lim="800000"/>
-                <a:headEnd/>
-                <a:tailEnd/>
-              </a14:hiddenLine>
-            </a:ext>
-            <a:ext uri="{AF507438-7753-43E0-B8FC-AC1667EBCBE1}">
-              <a14:hiddenEffects xmlns:a14="http://schemas.microsoft.com/office/drawing/2010/main">
-                <a:effectLst>
-                  <a:outerShdw dist="35921" dir="2700000" algn="ctr" rotWithShape="0">
-                    <a:schemeClr val="bg2"/>
-                  </a:outerShdw>
-                </a:effectLst>
-              </a14:hiddenEffects>
-            </a:ext>
-          </a:extLst>
-        </p:spPr>
-        <p:txBody>
-          <a:bodyPr wrap="none">
-            <a:spAutoFit/>
-          </a:bodyPr>
-          <a:lstStyle>
-            <a:lvl1pPr>
-              <a:defRPr sz="3000">
-                <a:solidFill>
-                  <a:schemeClr val="tx1"/>
-                </a:solidFill>
-                <a:latin typeface="Arial Narrow" panose="020B0606020202030204" pitchFamily="34" charset="0"/>
-              </a:defRPr>
-            </a:lvl1pPr>
-            <a:lvl2pPr marL="742950" indent="-285750">
-              <a:defRPr sz="3000">
-                <a:solidFill>
-                  <a:schemeClr val="tx1"/>
-                </a:solidFill>
-                <a:latin typeface="Arial Narrow" panose="020B0606020202030204" pitchFamily="34" charset="0"/>
-              </a:defRPr>
-            </a:lvl2pPr>
-            <a:lvl3pPr marL="1143000" indent="-228600">
-              <a:defRPr sz="3000">
-                <a:solidFill>
-                  <a:schemeClr val="tx1"/>
-                </a:solidFill>
-                <a:latin typeface="Arial Narrow" panose="020B0606020202030204" pitchFamily="34" charset="0"/>
-              </a:defRPr>
-            </a:lvl3pPr>
-            <a:lvl4pPr marL="1600200" indent="-228600">
-              <a:defRPr sz="3000">
-                <a:solidFill>
-                  <a:schemeClr val="tx1"/>
-                </a:solidFill>
-                <a:latin typeface="Arial Narrow" panose="020B0606020202030204" pitchFamily="34" charset="0"/>
-              </a:defRPr>
-            </a:lvl4pPr>
-            <a:lvl5pPr marL="2057400" indent="-228600">
-              <a:defRPr sz="3000">
-                <a:solidFill>
-                  <a:schemeClr val="tx1"/>
-                </a:solidFill>
-                <a:latin typeface="Arial Narrow" panose="020B0606020202030204" pitchFamily="34" charset="0"/>
-              </a:defRPr>
-            </a:lvl5pPr>
-            <a:lvl6pPr marL="2514600" indent="-228600" eaLnBrk="0" fontAlgn="base" hangingPunct="0">
-              <a:spcBef>
-                <a:spcPct val="0"/>
-              </a:spcBef>
-              <a:spcAft>
-                <a:spcPct val="0"/>
-              </a:spcAft>
-              <a:defRPr sz="3000">
-                <a:solidFill>
-                  <a:schemeClr val="tx1"/>
-                </a:solidFill>
-                <a:latin typeface="Arial Narrow" panose="020B0606020202030204" pitchFamily="34" charset="0"/>
-              </a:defRPr>
-            </a:lvl6pPr>
-            <a:lvl7pPr marL="2971800" indent="-228600" eaLnBrk="0" fontAlgn="base" hangingPunct="0">
-              <a:spcBef>
-                <a:spcPct val="0"/>
-              </a:spcBef>
-              <a:spcAft>
-                <a:spcPct val="0"/>
-              </a:spcAft>
-              <a:defRPr sz="3000">
-                <a:solidFill>
-                  <a:schemeClr val="tx1"/>
-                </a:solidFill>
-                <a:latin typeface="Arial Narrow" panose="020B0606020202030204" pitchFamily="34" charset="0"/>
-              </a:defRPr>
-            </a:lvl7pPr>
-            <a:lvl8pPr marL="3429000" indent="-228600" eaLnBrk="0" fontAlgn="base" hangingPunct="0">
-              <a:spcBef>
-                <a:spcPct val="0"/>
-              </a:spcBef>
-              <a:spcAft>
-                <a:spcPct val="0"/>
-              </a:spcAft>
-              <a:defRPr sz="3000">
-                <a:solidFill>
-                  <a:schemeClr val="tx1"/>
-                </a:solidFill>
-                <a:latin typeface="Arial Narrow" panose="020B0606020202030204" pitchFamily="34" charset="0"/>
-              </a:defRPr>
-            </a:lvl8pPr>
-            <a:lvl9pPr marL="3886200" indent="-228600" eaLnBrk="0" fontAlgn="base" hangingPunct="0">
-              <a:spcBef>
-                <a:spcPct val="0"/>
-              </a:spcBef>
-              <a:spcAft>
-                <a:spcPct val="0"/>
-              </a:spcAft>
-              <a:defRPr sz="3000">
-                <a:solidFill>
-                  <a:schemeClr val="tx1"/>
-                </a:solidFill>
-                <a:latin typeface="Arial Narrow" panose="020B0606020202030204" pitchFamily="34" charset="0"/>
-              </a:defRPr>
-            </a:lvl9pPr>
-          </a:lstStyle>
-          <a:p>
-            <a:r>
-              <a:rPr lang="en-US" altLang="fr-FR" sz="1800">
-                <a:solidFill>
-                  <a:srgbClr val="000000"/>
-                </a:solidFill>
-              </a:rPr>
-              <a:t>Les classes contiennent des données </a:t>
-            </a:r>
-            <a:br>
-              <a:rPr lang="en-US" altLang="fr-FR" sz="1800">
-                <a:solidFill>
-                  <a:srgbClr val="000000"/>
-                </a:solidFill>
-              </a:rPr>
-            </a:br>
-            <a:r>
-              <a:rPr lang="en-US" altLang="fr-FR" sz="1800">
-                <a:solidFill>
-                  <a:srgbClr val="000000"/>
-                </a:solidFill>
-              </a:rPr>
-              <a:t>statiques et des méthodes statiques</a:t>
-            </a:r>
-            <a:endParaRPr lang="en-GB" altLang="fr-FR" sz="1800">
-              <a:solidFill>
-                <a:srgbClr val="000000"/>
-              </a:solidFill>
-            </a:endParaRPr>
-          </a:p>
-        </p:txBody>
-      </p:sp>
-      <p:sp>
-        <p:nvSpPr>
-          <p:cNvPr id="30736" name="Text Box 25"/>
-          <p:cNvSpPr txBox="1">
-            <a:spLocks noChangeArrowheads="1"/>
-          </p:cNvSpPr>
-          <p:nvPr/>
-        </p:nvSpPr>
-        <p:spPr bwMode="auto">
-          <a:xfrm>
-            <a:off x="4987925" y="5489575"/>
-            <a:ext cx="3249613" cy="641350"/>
-          </a:xfrm>
-          <a:prstGeom prst="rect">
-            <a:avLst/>
-          </a:prstGeom>
-          <a:noFill/>
-          <a:ln>
-            <a:noFill/>
-          </a:ln>
-          <a:effectLst/>
-          <a:extLst>
-            <a:ext uri="{909E8E84-426E-40DD-AFC4-6F175D3DCCD1}">
-              <a14:hiddenFill xmlns:a14="http://schemas.microsoft.com/office/drawing/2010/main">
-                <a:solidFill>
-                  <a:schemeClr val="accent1"/>
-                </a:solidFill>
-              </a14:hiddenFill>
-            </a:ext>
-            <a:ext uri="{91240B29-F687-4F45-9708-019B960494DF}">
-              <a14:hiddenLine xmlns:a14="http://schemas.microsoft.com/office/drawing/2010/main" w="9525">
-                <a:solidFill>
-                  <a:schemeClr val="tx1"/>
-                </a:solidFill>
-                <a:miter lim="800000"/>
-                <a:headEnd/>
-                <a:tailEnd/>
-              </a14:hiddenLine>
-            </a:ext>
-            <a:ext uri="{AF507438-7753-43E0-B8FC-AC1667EBCBE1}">
-              <a14:hiddenEffects xmlns:a14="http://schemas.microsoft.com/office/drawing/2010/main">
-                <a:effectLst>
-                  <a:outerShdw dist="35921" dir="2700000" algn="ctr" rotWithShape="0">
-                    <a:schemeClr val="bg2"/>
-                  </a:outerShdw>
-                </a:effectLst>
-              </a14:hiddenEffects>
-            </a:ext>
-          </a:extLst>
-        </p:spPr>
-        <p:txBody>
-          <a:bodyPr wrap="none">
-            <a:spAutoFit/>
-          </a:bodyPr>
-          <a:lstStyle>
-            <a:lvl1pPr>
-              <a:defRPr sz="3000">
-                <a:solidFill>
-                  <a:schemeClr val="tx1"/>
-                </a:solidFill>
-                <a:latin typeface="Arial Narrow" panose="020B0606020202030204" pitchFamily="34" charset="0"/>
-              </a:defRPr>
-            </a:lvl1pPr>
-            <a:lvl2pPr marL="742950" indent="-285750">
-              <a:defRPr sz="3000">
-                <a:solidFill>
-                  <a:schemeClr val="tx1"/>
-                </a:solidFill>
-                <a:latin typeface="Arial Narrow" panose="020B0606020202030204" pitchFamily="34" charset="0"/>
-              </a:defRPr>
-            </a:lvl2pPr>
-            <a:lvl3pPr marL="1143000" indent="-228600">
-              <a:defRPr sz="3000">
-                <a:solidFill>
-                  <a:schemeClr val="tx1"/>
-                </a:solidFill>
-                <a:latin typeface="Arial Narrow" panose="020B0606020202030204" pitchFamily="34" charset="0"/>
-              </a:defRPr>
-            </a:lvl3pPr>
-            <a:lvl4pPr marL="1600200" indent="-228600">
-              <a:defRPr sz="3000">
-                <a:solidFill>
-                  <a:schemeClr val="tx1"/>
-                </a:solidFill>
-                <a:latin typeface="Arial Narrow" panose="020B0606020202030204" pitchFamily="34" charset="0"/>
-              </a:defRPr>
-            </a:lvl4pPr>
-            <a:lvl5pPr marL="2057400" indent="-228600">
-              <a:defRPr sz="3000">
-                <a:solidFill>
-                  <a:schemeClr val="tx1"/>
-                </a:solidFill>
-                <a:latin typeface="Arial Narrow" panose="020B0606020202030204" pitchFamily="34" charset="0"/>
-              </a:defRPr>
-            </a:lvl5pPr>
-            <a:lvl6pPr marL="2514600" indent="-228600" eaLnBrk="0" fontAlgn="base" hangingPunct="0">
-              <a:spcBef>
-                <a:spcPct val="0"/>
-              </a:spcBef>
-              <a:spcAft>
-                <a:spcPct val="0"/>
-              </a:spcAft>
-              <a:defRPr sz="3000">
-                <a:solidFill>
-                  <a:schemeClr val="tx1"/>
-                </a:solidFill>
-                <a:latin typeface="Arial Narrow" panose="020B0606020202030204" pitchFamily="34" charset="0"/>
-              </a:defRPr>
-            </a:lvl6pPr>
-            <a:lvl7pPr marL="2971800" indent="-228600" eaLnBrk="0" fontAlgn="base" hangingPunct="0">
-              <a:spcBef>
-                <a:spcPct val="0"/>
-              </a:spcBef>
-              <a:spcAft>
-                <a:spcPct val="0"/>
-              </a:spcAft>
-              <a:defRPr sz="3000">
-                <a:solidFill>
-                  <a:schemeClr val="tx1"/>
-                </a:solidFill>
-                <a:latin typeface="Arial Narrow" panose="020B0606020202030204" pitchFamily="34" charset="0"/>
-              </a:defRPr>
-            </a:lvl7pPr>
-            <a:lvl8pPr marL="3429000" indent="-228600" eaLnBrk="0" fontAlgn="base" hangingPunct="0">
-              <a:spcBef>
-                <a:spcPct val="0"/>
-              </a:spcBef>
-              <a:spcAft>
-                <a:spcPct val="0"/>
-              </a:spcAft>
-              <a:defRPr sz="3000">
-                <a:solidFill>
-                  <a:schemeClr val="tx1"/>
-                </a:solidFill>
-                <a:latin typeface="Arial Narrow" panose="020B0606020202030204" pitchFamily="34" charset="0"/>
-              </a:defRPr>
-            </a:lvl8pPr>
-            <a:lvl9pPr marL="3886200" indent="-228600" eaLnBrk="0" fontAlgn="base" hangingPunct="0">
-              <a:spcBef>
-                <a:spcPct val="0"/>
-              </a:spcBef>
-              <a:spcAft>
-                <a:spcPct val="0"/>
-              </a:spcAft>
-              <a:defRPr sz="3000">
-                <a:solidFill>
-                  <a:schemeClr val="tx1"/>
-                </a:solidFill>
-                <a:latin typeface="Arial Narrow" panose="020B0606020202030204" pitchFamily="34" charset="0"/>
-              </a:defRPr>
-            </a:lvl9pPr>
-          </a:lstStyle>
-          <a:p>
-            <a:r>
-              <a:rPr lang="en-US" altLang="fr-FR" sz="1800">
-                <a:solidFill>
-                  <a:srgbClr val="000000"/>
-                </a:solidFill>
-              </a:rPr>
-              <a:t>Les objets contiennent des données </a:t>
-            </a:r>
-            <a:br>
-              <a:rPr lang="en-US" altLang="fr-FR" sz="1800">
-                <a:solidFill>
-                  <a:srgbClr val="000000"/>
-                </a:solidFill>
-              </a:rPr>
-            </a:br>
-            <a:r>
-              <a:rPr lang="en-US" altLang="fr-FR" sz="1800">
-                <a:solidFill>
-                  <a:srgbClr val="000000"/>
-                </a:solidFill>
-              </a:rPr>
-              <a:t>d'objet et des méthodes d'objet</a:t>
-            </a:r>
-            <a:endParaRPr lang="en-GB" altLang="fr-FR" sz="1800">
-              <a:solidFill>
-                <a:srgbClr val="000000"/>
-              </a:solidFill>
-            </a:endParaRPr>
-          </a:p>
-        </p:txBody>
-      </p:sp>
-      <p:sp>
-        <p:nvSpPr>
-          <p:cNvPr id="30737" name="Line 26"/>
-          <p:cNvSpPr>
-            <a:spLocks noChangeShapeType="1"/>
-          </p:cNvSpPr>
-          <p:nvPr/>
-        </p:nvSpPr>
-        <p:spPr bwMode="auto">
-          <a:xfrm>
-            <a:off x="2514600" y="4191000"/>
-            <a:ext cx="0" cy="533400"/>
-          </a:xfrm>
-          <a:prstGeom prst="line">
-            <a:avLst/>
-          </a:prstGeom>
-          <a:noFill/>
-          <a:ln w="9525">
-            <a:solidFill>
-              <a:srgbClr val="000000"/>
-            </a:solidFill>
-            <a:round/>
-            <a:headEnd/>
-            <a:tailEnd type="triangle" w="med" len="med"/>
-          </a:ln>
-          <a:effectLst/>
-          <a:extLst>
-            <a:ext uri="{909E8E84-426E-40DD-AFC4-6F175D3DCCD1}">
-              <a14:hiddenFill xmlns:a14="http://schemas.microsoft.com/office/drawing/2010/main">
-                <a:noFill/>
-              </a14:hiddenFill>
-            </a:ext>
-            <a:ext uri="{AF507438-7753-43E0-B8FC-AC1667EBCBE1}">
-              <a14:hiddenEffects xmlns:a14="http://schemas.microsoft.com/office/drawing/2010/main">
-                <a:effectLst>
-                  <a:outerShdw dist="35921" dir="2700000" algn="ctr" rotWithShape="0">
-                    <a:srgbClr val="808080"/>
-                  </a:outerShdw>
-                </a:effectLst>
-              </a14:hiddenEffects>
-            </a:ext>
-          </a:extLst>
-        </p:spPr>
-        <p:txBody>
-          <a:bodyPr/>
-          <a:lstStyle/>
-          <a:p>
-            <a:endParaRPr lang="fr-FR"/>
-          </a:p>
-        </p:txBody>
-      </p:sp>
-      <p:sp>
-        <p:nvSpPr>
-          <p:cNvPr id="14363" name="Rectangle 27"/>
-          <p:cNvSpPr>
-            <a:spLocks noChangeArrowheads="1"/>
-          </p:cNvSpPr>
-          <p:nvPr/>
-        </p:nvSpPr>
-        <p:spPr bwMode="auto">
-          <a:xfrm>
-            <a:off x="4267200" y="4572000"/>
-            <a:ext cx="539750" cy="762000"/>
-          </a:xfrm>
-          <a:prstGeom prst="rect">
-            <a:avLst/>
-          </a:prstGeom>
-          <a:noFill/>
-          <a:ln>
-            <a:noFill/>
-          </a:ln>
-          <a:effectLst/>
-          <a:extLst>
-            <a:ext uri="{909E8E84-426E-40DD-AFC4-6F175D3DCCD1}">
-              <a14:hiddenFill xmlns:a14="http://schemas.microsoft.com/office/drawing/2010/main">
-                <a:solidFill>
-                  <a:schemeClr val="accent1"/>
-                </a:solidFill>
-              </a14:hiddenFill>
-            </a:ext>
-            <a:ext uri="{91240B29-F687-4F45-9708-019B960494DF}">
-              <a14:hiddenLine xmlns:a14="http://schemas.microsoft.com/office/drawing/2010/main" w="9525">
-                <a:solidFill>
-                  <a:schemeClr val="tx1"/>
-                </a:solidFill>
-                <a:miter lim="800000"/>
-                <a:headEnd/>
-                <a:tailEnd/>
-              </a14:hiddenLine>
-            </a:ext>
-            <a:ext uri="{AF507438-7753-43E0-B8FC-AC1667EBCBE1}">
-              <a14:hiddenEffects xmlns:a14="http://schemas.microsoft.com/office/drawing/2010/main">
-                <a:effectLst>
-                  <a:outerShdw dist="35921" dir="2700000" algn="ctr" rotWithShape="0">
-                    <a:schemeClr val="bg2"/>
-                  </a:outerShdw>
-                </a:effectLst>
-              </a14:hiddenEffects>
-            </a:ext>
-          </a:extLst>
-        </p:spPr>
-        <p:txBody>
-          <a:bodyPr wrap="none" lIns="92075" tIns="46038" rIns="92075" bIns="46038">
-            <a:spAutoFit/>
-          </a:bodyPr>
-          <a:lstStyle>
-            <a:lvl1pPr defTabSz="739775">
-              <a:defRPr sz="2400">
-                <a:solidFill>
-                  <a:schemeClr val="tx1"/>
-                </a:solidFill>
-                <a:latin typeface="Times New Roman" panose="02020603050405020304" pitchFamily="18" charset="0"/>
-              </a:defRPr>
-            </a:lvl1pPr>
-            <a:lvl2pPr marL="571500" defTabSz="739775">
-              <a:defRPr sz="2400">
-                <a:solidFill>
-                  <a:schemeClr val="tx1"/>
-                </a:solidFill>
-                <a:latin typeface="Times New Roman" panose="02020603050405020304" pitchFamily="18" charset="0"/>
-              </a:defRPr>
-            </a:lvl2pPr>
-            <a:lvl3pPr marL="1143000" defTabSz="739775">
-              <a:defRPr sz="2400">
-                <a:solidFill>
-                  <a:schemeClr val="tx1"/>
-                </a:solidFill>
-                <a:latin typeface="Times New Roman" panose="02020603050405020304" pitchFamily="18" charset="0"/>
-              </a:defRPr>
-            </a:lvl3pPr>
-            <a:lvl4pPr marL="1714500" defTabSz="739775">
-              <a:defRPr sz="2400">
-                <a:solidFill>
-                  <a:schemeClr val="tx1"/>
-                </a:solidFill>
-                <a:latin typeface="Times New Roman" panose="02020603050405020304" pitchFamily="18" charset="0"/>
-              </a:defRPr>
-            </a:lvl4pPr>
-            <a:lvl5pPr marL="2286000" defTabSz="739775">
-              <a:defRPr sz="2400">
-                <a:solidFill>
-                  <a:schemeClr val="tx1"/>
-                </a:solidFill>
-                <a:latin typeface="Times New Roman" panose="02020603050405020304" pitchFamily="18" charset="0"/>
-              </a:defRPr>
-            </a:lvl5pPr>
-            <a:lvl6pPr marL="2743200" defTabSz="739775" fontAlgn="base">
-              <a:spcBef>
-                <a:spcPct val="0"/>
-              </a:spcBef>
-              <a:spcAft>
-                <a:spcPct val="0"/>
-              </a:spcAft>
-              <a:defRPr sz="2400">
-                <a:solidFill>
-                  <a:schemeClr val="tx1"/>
-                </a:solidFill>
-                <a:latin typeface="Times New Roman" panose="02020603050405020304" pitchFamily="18" charset="0"/>
-              </a:defRPr>
-            </a:lvl6pPr>
-            <a:lvl7pPr marL="3200400" defTabSz="739775" fontAlgn="base">
-              <a:spcBef>
-                <a:spcPct val="0"/>
-              </a:spcBef>
-              <a:spcAft>
-                <a:spcPct val="0"/>
-              </a:spcAft>
-              <a:defRPr sz="2400">
-                <a:solidFill>
-                  <a:schemeClr val="tx1"/>
-                </a:solidFill>
-                <a:latin typeface="Times New Roman" panose="02020603050405020304" pitchFamily="18" charset="0"/>
-              </a:defRPr>
-            </a:lvl7pPr>
-            <a:lvl8pPr marL="3657600" defTabSz="739775" fontAlgn="base">
-              <a:spcBef>
-                <a:spcPct val="0"/>
-              </a:spcBef>
-              <a:spcAft>
-                <a:spcPct val="0"/>
-              </a:spcAft>
-              <a:defRPr sz="2400">
-                <a:solidFill>
-                  <a:schemeClr val="tx1"/>
-                </a:solidFill>
-                <a:latin typeface="Times New Roman" panose="02020603050405020304" pitchFamily="18" charset="0"/>
-              </a:defRPr>
-            </a:lvl8pPr>
-            <a:lvl9pPr marL="4114800" defTabSz="739775" fontAlgn="base">
-              <a:spcBef>
-                <a:spcPct val="0"/>
-              </a:spcBef>
-              <a:spcAft>
-                <a:spcPct val="0"/>
-              </a:spcAft>
-              <a:defRPr sz="2400">
-                <a:solidFill>
-                  <a:schemeClr val="tx1"/>
-                </a:solidFill>
-                <a:latin typeface="Times New Roman" panose="02020603050405020304" pitchFamily="18" charset="0"/>
-              </a:defRPr>
-            </a:lvl9pPr>
-          </a:lstStyle>
-          <a:p>
-            <a:pPr>
-              <a:defRPr/>
-            </a:pPr>
-            <a:r>
-              <a:rPr lang="en-US" altLang="fr-FR" sz="4400">
-                <a:solidFill>
-                  <a:srgbClr val="FF0033"/>
-                </a:solidFill>
-                <a:effectLst>
-                  <a:outerShdw blurRad="38100" dist="38100" dir="2700000" algn="tl">
-                    <a:srgbClr val="C0C0C0"/>
-                  </a:outerShdw>
-                </a:effectLst>
-                <a:latin typeface="Wingdings" panose="05000000000000000000" pitchFamily="2" charset="2"/>
-              </a:rPr>
-              <a:t>û</a:t>
-            </a:r>
-          </a:p>
-        </p:txBody>
-      </p:sp>
-      <p:sp>
-        <p:nvSpPr>
-          <p:cNvPr id="30739" name="Line 28"/>
-          <p:cNvSpPr>
-            <a:spLocks noChangeShapeType="1"/>
-          </p:cNvSpPr>
-          <p:nvPr/>
-        </p:nvSpPr>
-        <p:spPr bwMode="auto">
-          <a:xfrm flipV="1">
-            <a:off x="3505200" y="3733800"/>
-            <a:ext cx="1371600" cy="228600"/>
-          </a:xfrm>
-          <a:prstGeom prst="line">
-            <a:avLst/>
-          </a:prstGeom>
-          <a:noFill/>
-          <a:ln w="9525">
-            <a:solidFill>
-              <a:srgbClr val="000000"/>
-            </a:solidFill>
-            <a:round/>
-            <a:headEnd/>
-            <a:tailEnd type="triangle" w="med" len="med"/>
-          </a:ln>
-          <a:effectLst/>
-          <a:extLst>
-            <a:ext uri="{909E8E84-426E-40DD-AFC4-6F175D3DCCD1}">
-              <a14:hiddenFill xmlns:a14="http://schemas.microsoft.com/office/drawing/2010/main">
-                <a:noFill/>
-              </a14:hiddenFill>
-            </a:ext>
-            <a:ext uri="{AF507438-7753-43E0-B8FC-AC1667EBCBE1}">
-              <a14:hiddenEffects xmlns:a14="http://schemas.microsoft.com/office/drawing/2010/main">
-                <a:effectLst>
-                  <a:outerShdw dist="35921" dir="2700000" algn="ctr" rotWithShape="0">
-                    <a:srgbClr val="808080"/>
-                  </a:outerShdw>
-                </a:effectLst>
-              </a14:hiddenEffects>
-            </a:ext>
-          </a:extLst>
-        </p:spPr>
-        <p:txBody>
-          <a:bodyPr/>
-          <a:lstStyle/>
-          <a:p>
-            <a:endParaRPr lang="fr-FR"/>
-          </a:p>
-        </p:txBody>
-      </p:sp>
-      <p:sp>
-        <p:nvSpPr>
-          <p:cNvPr id="30740" name="Line 29"/>
-          <p:cNvSpPr>
-            <a:spLocks noChangeShapeType="1"/>
-          </p:cNvSpPr>
-          <p:nvPr/>
-        </p:nvSpPr>
-        <p:spPr bwMode="auto">
-          <a:xfrm>
-            <a:off x="3505200" y="4114800"/>
-            <a:ext cx="1752600" cy="990600"/>
-          </a:xfrm>
-          <a:prstGeom prst="line">
-            <a:avLst/>
-          </a:prstGeom>
-          <a:noFill/>
-          <a:ln w="9525">
-            <a:solidFill>
-              <a:srgbClr val="000000"/>
-            </a:solidFill>
-            <a:round/>
-            <a:headEnd/>
-            <a:tailEnd type="triangle" w="med" len="med"/>
-          </a:ln>
-          <a:effectLst/>
-          <a:extLst>
-            <a:ext uri="{909E8E84-426E-40DD-AFC4-6F175D3DCCD1}">
-              <a14:hiddenFill xmlns:a14="http://schemas.microsoft.com/office/drawing/2010/main">
-                <a:noFill/>
-              </a14:hiddenFill>
-            </a:ext>
-            <a:ext uri="{AF507438-7753-43E0-B8FC-AC1667EBCBE1}">
-              <a14:hiddenEffects xmlns:a14="http://schemas.microsoft.com/office/drawing/2010/main">
-                <a:effectLst>
-                  <a:outerShdw dist="35921" dir="2700000" algn="ctr" rotWithShape="0">
-                    <a:srgbClr val="808080"/>
-                  </a:outerShdw>
-                </a:effectLst>
-              </a14:hiddenEffects>
-            </a:ext>
-          </a:extLst>
-        </p:spPr>
-        <p:txBody>
-          <a:bodyPr/>
-          <a:lstStyle/>
-          <a:p>
-            <a:endParaRPr lang="fr-FR"/>
-          </a:p>
-        </p:txBody>
-      </p:sp>
-      <p:sp>
-        <p:nvSpPr>
-          <p:cNvPr id="14366" name="Rectangle 30"/>
-          <p:cNvSpPr>
-            <a:spLocks noChangeArrowheads="1"/>
-          </p:cNvSpPr>
-          <p:nvPr/>
-        </p:nvSpPr>
-        <p:spPr bwMode="auto">
-          <a:xfrm>
-            <a:off x="4260850" y="3657600"/>
-            <a:ext cx="539750" cy="762000"/>
-          </a:xfrm>
-          <a:prstGeom prst="rect">
-            <a:avLst/>
-          </a:prstGeom>
-          <a:noFill/>
-          <a:ln>
-            <a:noFill/>
-          </a:ln>
-          <a:effectLst/>
-          <a:extLst>
-            <a:ext uri="{909E8E84-426E-40DD-AFC4-6F175D3DCCD1}">
-              <a14:hiddenFill xmlns:a14="http://schemas.microsoft.com/office/drawing/2010/main">
-                <a:solidFill>
-                  <a:schemeClr val="accent1"/>
-                </a:solidFill>
-              </a14:hiddenFill>
-            </a:ext>
-            <a:ext uri="{91240B29-F687-4F45-9708-019B960494DF}">
-              <a14:hiddenLine xmlns:a14="http://schemas.microsoft.com/office/drawing/2010/main" w="9525">
-                <a:solidFill>
-                  <a:schemeClr val="tx1"/>
-                </a:solidFill>
-                <a:miter lim="800000"/>
-                <a:headEnd/>
-                <a:tailEnd/>
-              </a14:hiddenLine>
-            </a:ext>
-            <a:ext uri="{AF507438-7753-43E0-B8FC-AC1667EBCBE1}">
-              <a14:hiddenEffects xmlns:a14="http://schemas.microsoft.com/office/drawing/2010/main">
-                <a:effectLst>
-                  <a:outerShdw dist="35921" dir="2700000" algn="ctr" rotWithShape="0">
-                    <a:schemeClr val="bg2"/>
-                  </a:outerShdw>
-                </a:effectLst>
-              </a14:hiddenEffects>
-            </a:ext>
-          </a:extLst>
-        </p:spPr>
-        <p:txBody>
-          <a:bodyPr wrap="none" lIns="92075" tIns="46038" rIns="92075" bIns="46038">
-            <a:spAutoFit/>
-          </a:bodyPr>
-          <a:lstStyle>
-            <a:lvl1pPr defTabSz="739775">
-              <a:defRPr sz="2400">
-                <a:solidFill>
-                  <a:schemeClr val="tx1"/>
-                </a:solidFill>
-                <a:latin typeface="Times New Roman" panose="02020603050405020304" pitchFamily="18" charset="0"/>
-              </a:defRPr>
-            </a:lvl1pPr>
-            <a:lvl2pPr marL="571500" defTabSz="739775">
-              <a:defRPr sz="2400">
-                <a:solidFill>
-                  <a:schemeClr val="tx1"/>
-                </a:solidFill>
-                <a:latin typeface="Times New Roman" panose="02020603050405020304" pitchFamily="18" charset="0"/>
-              </a:defRPr>
-            </a:lvl2pPr>
-            <a:lvl3pPr marL="1143000" defTabSz="739775">
-              <a:defRPr sz="2400">
-                <a:solidFill>
-                  <a:schemeClr val="tx1"/>
-                </a:solidFill>
-                <a:latin typeface="Times New Roman" panose="02020603050405020304" pitchFamily="18" charset="0"/>
-              </a:defRPr>
-            </a:lvl3pPr>
-            <a:lvl4pPr marL="1714500" defTabSz="739775">
-              <a:defRPr sz="2400">
-                <a:solidFill>
-                  <a:schemeClr val="tx1"/>
-                </a:solidFill>
-                <a:latin typeface="Times New Roman" panose="02020603050405020304" pitchFamily="18" charset="0"/>
-              </a:defRPr>
-            </a:lvl4pPr>
-            <a:lvl5pPr marL="2286000" defTabSz="739775">
-              <a:defRPr sz="2400">
-                <a:solidFill>
-                  <a:schemeClr val="tx1"/>
-                </a:solidFill>
-                <a:latin typeface="Times New Roman" panose="02020603050405020304" pitchFamily="18" charset="0"/>
-              </a:defRPr>
-            </a:lvl5pPr>
-            <a:lvl6pPr marL="2743200" defTabSz="739775" fontAlgn="base">
-              <a:spcBef>
-                <a:spcPct val="0"/>
-              </a:spcBef>
-              <a:spcAft>
-                <a:spcPct val="0"/>
-              </a:spcAft>
-              <a:defRPr sz="2400">
-                <a:solidFill>
-                  <a:schemeClr val="tx1"/>
-                </a:solidFill>
-                <a:latin typeface="Times New Roman" panose="02020603050405020304" pitchFamily="18" charset="0"/>
-              </a:defRPr>
-            </a:lvl6pPr>
-            <a:lvl7pPr marL="3200400" defTabSz="739775" fontAlgn="base">
-              <a:spcBef>
-                <a:spcPct val="0"/>
-              </a:spcBef>
-              <a:spcAft>
-                <a:spcPct val="0"/>
-              </a:spcAft>
-              <a:defRPr sz="2400">
-                <a:solidFill>
-                  <a:schemeClr val="tx1"/>
-                </a:solidFill>
-                <a:latin typeface="Times New Roman" panose="02020603050405020304" pitchFamily="18" charset="0"/>
-              </a:defRPr>
-            </a:lvl7pPr>
-            <a:lvl8pPr marL="3657600" defTabSz="739775" fontAlgn="base">
-              <a:spcBef>
-                <a:spcPct val="0"/>
-              </a:spcBef>
-              <a:spcAft>
-                <a:spcPct val="0"/>
-              </a:spcAft>
-              <a:defRPr sz="2400">
-                <a:solidFill>
-                  <a:schemeClr val="tx1"/>
-                </a:solidFill>
-                <a:latin typeface="Times New Roman" panose="02020603050405020304" pitchFamily="18" charset="0"/>
-              </a:defRPr>
-            </a:lvl8pPr>
-            <a:lvl9pPr marL="4114800" defTabSz="739775" fontAlgn="base">
-              <a:spcBef>
-                <a:spcPct val="0"/>
-              </a:spcBef>
-              <a:spcAft>
-                <a:spcPct val="0"/>
-              </a:spcAft>
-              <a:defRPr sz="2400">
-                <a:solidFill>
-                  <a:schemeClr val="tx1"/>
-                </a:solidFill>
-                <a:latin typeface="Times New Roman" panose="02020603050405020304" pitchFamily="18" charset="0"/>
-              </a:defRPr>
-            </a:lvl9pPr>
-          </a:lstStyle>
-          <a:p>
-            <a:pPr>
-              <a:defRPr/>
-            </a:pPr>
-            <a:r>
-              <a:rPr lang="en-US" altLang="fr-FR" sz="4400">
-                <a:solidFill>
-                  <a:srgbClr val="FF0033"/>
-                </a:solidFill>
-                <a:effectLst>
-                  <a:outerShdw blurRad="38100" dist="38100" dir="2700000" algn="tl">
-                    <a:srgbClr val="C0C0C0"/>
-                  </a:outerShdw>
-                </a:effectLst>
-                <a:latin typeface="Wingdings" panose="05000000000000000000" pitchFamily="2" charset="2"/>
-              </a:rPr>
-              <a:t>û</a:t>
-            </a:r>
-          </a:p>
-        </p:txBody>
-      </p:sp>
-      <p:sp>
-        <p:nvSpPr>
-          <p:cNvPr id="14367" name="Rectangle 31"/>
-          <p:cNvSpPr>
-            <a:spLocks noChangeArrowheads="1"/>
-          </p:cNvSpPr>
-          <p:nvPr>
-            <p:custDataLst>
-              <p:tags r:id="rId1"/>
-            </p:custDataLst>
-          </p:nvPr>
-        </p:nvSpPr>
-        <p:spPr bwMode="auto">
-          <a:xfrm>
-            <a:off x="2514600" y="4191000"/>
-            <a:ext cx="539750" cy="638175"/>
-          </a:xfrm>
-          <a:prstGeom prst="rect">
-            <a:avLst/>
-          </a:prstGeom>
-          <a:noFill/>
-          <a:ln>
-            <a:noFill/>
-          </a:ln>
-          <a:effectLst/>
-          <a:extLst>
-            <a:ext uri="{909E8E84-426E-40DD-AFC4-6F175D3DCCD1}">
-              <a14:hiddenFill xmlns:a14="http://schemas.microsoft.com/office/drawing/2010/main">
-                <a:solidFill>
-                  <a:schemeClr val="bg1"/>
-                </a:solidFill>
-              </a14:hiddenFill>
-            </a:ext>
-            <a:ext uri="{91240B29-F687-4F45-9708-019B960494DF}">
-              <a14:hiddenLine xmlns:a14="http://schemas.microsoft.com/office/drawing/2010/main" w="12700">
-                <a:solidFill>
-                  <a:schemeClr val="tx1"/>
-                </a:solidFill>
-                <a:miter lim="800000"/>
-                <a:headEnd/>
-                <a:tailEnd/>
-              </a14:hiddenLine>
-            </a:ext>
-            <a:ext uri="{AF507438-7753-43E0-B8FC-AC1667EBCBE1}">
-              <a14:hiddenEffects xmlns:a14="http://schemas.microsoft.com/office/drawing/2010/main">
-                <a:effectLst>
-                  <a:outerShdw dist="35921" dir="2700000" algn="ctr" rotWithShape="0">
-                    <a:schemeClr val="bg2"/>
-                  </a:outerShdw>
-                </a:effectLst>
-              </a14:hiddenEffects>
-            </a:ext>
-          </a:extLst>
-        </p:spPr>
-        <p:txBody>
-          <a:bodyPr wrap="none" lIns="90488" tIns="44450" rIns="90488" bIns="44450">
-            <a:spAutoFit/>
-          </a:bodyPr>
-          <a:lstStyle>
-            <a:lvl1pPr defTabSz="739775">
-              <a:defRPr sz="2400">
-                <a:solidFill>
-                  <a:schemeClr val="tx1"/>
-                </a:solidFill>
-                <a:latin typeface="Times New Roman" panose="02020603050405020304" pitchFamily="18" charset="0"/>
-              </a:defRPr>
-            </a:lvl1pPr>
-            <a:lvl2pPr marL="571500" defTabSz="739775">
-              <a:defRPr sz="2400">
-                <a:solidFill>
-                  <a:schemeClr val="tx1"/>
-                </a:solidFill>
-                <a:latin typeface="Times New Roman" panose="02020603050405020304" pitchFamily="18" charset="0"/>
-              </a:defRPr>
-            </a:lvl2pPr>
-            <a:lvl3pPr marL="1143000" defTabSz="739775">
-              <a:defRPr sz="2400">
-                <a:solidFill>
-                  <a:schemeClr val="tx1"/>
-                </a:solidFill>
-                <a:latin typeface="Times New Roman" panose="02020603050405020304" pitchFamily="18" charset="0"/>
-              </a:defRPr>
-            </a:lvl3pPr>
-            <a:lvl4pPr marL="1714500" defTabSz="739775">
-              <a:defRPr sz="2400">
-                <a:solidFill>
-                  <a:schemeClr val="tx1"/>
-                </a:solidFill>
-                <a:latin typeface="Times New Roman" panose="02020603050405020304" pitchFamily="18" charset="0"/>
-              </a:defRPr>
-            </a:lvl4pPr>
-            <a:lvl5pPr marL="2286000" defTabSz="739775">
-              <a:defRPr sz="2400">
-                <a:solidFill>
-                  <a:schemeClr val="tx1"/>
-                </a:solidFill>
-                <a:latin typeface="Times New Roman" panose="02020603050405020304" pitchFamily="18" charset="0"/>
-              </a:defRPr>
-            </a:lvl5pPr>
-            <a:lvl6pPr marL="2743200" defTabSz="739775" fontAlgn="base">
-              <a:spcBef>
-                <a:spcPct val="0"/>
-              </a:spcBef>
-              <a:spcAft>
-                <a:spcPct val="0"/>
-              </a:spcAft>
-              <a:defRPr sz="2400">
-                <a:solidFill>
-                  <a:schemeClr val="tx1"/>
-                </a:solidFill>
-                <a:latin typeface="Times New Roman" panose="02020603050405020304" pitchFamily="18" charset="0"/>
-              </a:defRPr>
-            </a:lvl6pPr>
-            <a:lvl7pPr marL="3200400" defTabSz="739775" fontAlgn="base">
-              <a:spcBef>
-                <a:spcPct val="0"/>
-              </a:spcBef>
-              <a:spcAft>
-                <a:spcPct val="0"/>
-              </a:spcAft>
-              <a:defRPr sz="2400">
-                <a:solidFill>
-                  <a:schemeClr val="tx1"/>
-                </a:solidFill>
-                <a:latin typeface="Times New Roman" panose="02020603050405020304" pitchFamily="18" charset="0"/>
-              </a:defRPr>
-            </a:lvl7pPr>
-            <a:lvl8pPr marL="3657600" defTabSz="739775" fontAlgn="base">
-              <a:spcBef>
-                <a:spcPct val="0"/>
-              </a:spcBef>
-              <a:spcAft>
-                <a:spcPct val="0"/>
-              </a:spcAft>
-              <a:defRPr sz="2400">
-                <a:solidFill>
-                  <a:schemeClr val="tx1"/>
-                </a:solidFill>
-                <a:latin typeface="Times New Roman" panose="02020603050405020304" pitchFamily="18" charset="0"/>
-              </a:defRPr>
-            </a:lvl8pPr>
-            <a:lvl9pPr marL="4114800" defTabSz="739775" fontAlgn="base">
-              <a:spcBef>
-                <a:spcPct val="0"/>
-              </a:spcBef>
-              <a:spcAft>
-                <a:spcPct val="0"/>
-              </a:spcAft>
-              <a:defRPr sz="2400">
-                <a:solidFill>
-                  <a:schemeClr val="tx1"/>
-                </a:solidFill>
-                <a:latin typeface="Times New Roman" panose="02020603050405020304" pitchFamily="18" charset="0"/>
-              </a:defRPr>
-            </a:lvl9pPr>
-          </a:lstStyle>
-          <a:p>
-            <a:pPr>
-              <a:defRPr/>
-            </a:pPr>
-            <a:r>
-              <a:rPr lang="en-US" altLang="fr-FR" sz="3600">
-                <a:solidFill>
-                  <a:srgbClr val="FF3300"/>
-                </a:solidFill>
-                <a:effectLst>
-                  <a:outerShdw blurRad="38100" dist="38100" dir="2700000" algn="tl">
-                    <a:srgbClr val="C0C0C0"/>
-                  </a:outerShdw>
-                </a:effectLst>
-                <a:latin typeface="Wingdings" panose="05000000000000000000" pitchFamily="2" charset="2"/>
-              </a:rPr>
-              <a:t></a:t>
-            </a:r>
-          </a:p>
-        </p:txBody>
-      </p:sp>
-    </p:spTree>
-    <p:extLst>
-      <p:ext uri="{BB962C8B-B14F-4D97-AF65-F5344CB8AC3E}">
-        <p14:creationId xmlns:p14="http://schemas.microsoft.com/office/powerpoint/2010/main" val="3153744736"/>
-      </p:ext>
-    </p:extLst>
-  </p:cSld>
-  <p:clrMapOvr>
-    <a:masterClrMapping/>
-  </p:clrMapOvr>
-</p:sld>
-</file>
-
-<file path=ppt/slides/slide28.xml><?xml version="1.0" encoding="utf-8"?>
-<p:sld xmlns:a="http://schemas.openxmlformats.org/drawingml/2006/main" xmlns:r="http://schemas.openxmlformats.org/officeDocument/2006/relationships" xmlns:p="http://schemas.openxmlformats.org/presentationml/2006/main">
-  <p:cSld>
-    <p:spTree>
-      <p:nvGrpSpPr>
-        <p:cNvPr id="1" name=""/>
-        <p:cNvGrpSpPr/>
-        <p:nvPr/>
-      </p:nvGrpSpPr>
-      <p:grpSpPr>
-        <a:xfrm>
-          <a:off x="0" y="0"/>
-          <a:ext cx="0" cy="0"/>
-          <a:chOff x="0" y="0"/>
-          <a:chExt cx="0" cy="0"/>
-        </a:xfrm>
-      </p:grpSpPr>
-      <p:sp>
-        <p:nvSpPr>
-          <p:cNvPr id="2" name="Titre 1"/>
-          <p:cNvSpPr>
-            <a:spLocks noGrp="1"/>
-          </p:cNvSpPr>
-          <p:nvPr>
-            <p:ph type="title"/>
-          </p:nvPr>
-        </p:nvSpPr>
-        <p:spPr/>
-        <p:txBody>
-          <a:bodyPr/>
-          <a:lstStyle/>
-          <a:p>
-            <a:r>
-              <a:rPr lang="fr-FR" dirty="0"/>
-              <a:t>Méthodes statiques</a:t>
-            </a:r>
-          </a:p>
-        </p:txBody>
-      </p:sp>
-      <p:sp>
-        <p:nvSpPr>
-          <p:cNvPr id="3" name="Espace réservé du contenu 2"/>
-          <p:cNvSpPr>
-            <a:spLocks noGrp="1"/>
-          </p:cNvSpPr>
-          <p:nvPr>
-            <p:ph idx="1"/>
-          </p:nvPr>
-        </p:nvSpPr>
-        <p:spPr/>
-        <p:txBody>
-          <a:bodyPr/>
-          <a:lstStyle/>
-          <a:p>
-            <a:r>
-              <a:rPr lang="fr-FR" dirty="0"/>
-              <a:t>En Python, les méthodes statiques sont des méthodes de la classe sans self</a:t>
-            </a:r>
-          </a:p>
-          <a:p>
-            <a:pPr lvl="1"/>
-            <a:r>
-              <a:rPr lang="fr-FR" dirty="0"/>
-              <a:t>Décoration @</a:t>
-            </a:r>
-            <a:r>
-              <a:rPr lang="fr-FR" dirty="0" err="1"/>
-              <a:t>staticmethod</a:t>
-            </a:r>
-            <a:r>
-              <a:rPr lang="fr-FR" dirty="0"/>
-              <a:t> ou @</a:t>
-            </a:r>
-            <a:r>
-              <a:rPr lang="fr-FR" dirty="0" err="1"/>
-              <a:t>classmethod</a:t>
-            </a:r>
-            <a:endParaRPr lang="fr-FR" dirty="0"/>
-          </a:p>
-          <a:p>
-            <a:pPr lvl="1"/>
-            <a:r>
-              <a:rPr lang="fr-FR" dirty="0"/>
-              <a:t>@</a:t>
-            </a:r>
-            <a:r>
-              <a:rPr lang="fr-FR" dirty="0" err="1"/>
-              <a:t>classmethod</a:t>
-            </a:r>
-            <a:r>
-              <a:rPr lang="fr-FR" dirty="0"/>
-              <a:t> prend comme premier argument la classe</a:t>
-            </a:r>
-          </a:p>
-        </p:txBody>
-      </p:sp>
-      <p:pic>
-        <p:nvPicPr>
-          <p:cNvPr id="4" name="Image 3"/>
-          <p:cNvPicPr>
-            <a:picLocks noChangeAspect="1"/>
-          </p:cNvPicPr>
-          <p:nvPr/>
-        </p:nvPicPr>
-        <p:blipFill>
-          <a:blip r:embed="rId2"/>
-          <a:stretch>
-            <a:fillRect/>
-          </a:stretch>
-        </p:blipFill>
-        <p:spPr>
-          <a:xfrm>
-            <a:off x="2771800" y="3356992"/>
-            <a:ext cx="3257354" cy="3096344"/>
-          </a:xfrm>
-          <a:prstGeom prst="rect">
-            <a:avLst/>
-          </a:prstGeom>
-        </p:spPr>
-      </p:pic>
-    </p:spTree>
-    <p:extLst>
-      <p:ext uri="{BB962C8B-B14F-4D97-AF65-F5344CB8AC3E}">
-        <p14:creationId xmlns:p14="http://schemas.microsoft.com/office/powerpoint/2010/main" val="1800326302"/>
-      </p:ext>
-    </p:extLst>
-  </p:cSld>
-  <p:clrMapOvr>
-    <a:masterClrMapping/>
-  </p:clrMapOvr>
-</p:sld>
-</file>
-
-<file path=ppt/slides/slide29.xml><?xml version="1.0" encoding="utf-8"?>
+<file path=ppt/slides/slide22.xml><?xml version="1.0" encoding="utf-8"?>
 <p:sld xmlns:a="http://schemas.openxmlformats.org/drawingml/2006/main" xmlns:r="http://schemas.openxmlformats.org/officeDocument/2006/relationships" xmlns:p="http://schemas.openxmlformats.org/presentationml/2006/main">
   <p:cSld>
     <p:spTree>
@@ -43491,18 +39345,6 @@
 </file>
 
 <file path=ppt/tags/tag40.xml><?xml version="1.0" encoding="utf-8"?>
-<p:tagLst xmlns:a="http://schemas.openxmlformats.org/drawingml/2006/main" xmlns:r="http://schemas.openxmlformats.org/officeDocument/2006/relationships" xmlns:p="http://schemas.openxmlformats.org/presentationml/2006/main">
-  <p:tag name="PPWINTOTALSEGMENTS" val="0"/>
-</p:tagLst>
-</file>
-
-<file path=ppt/tags/tag41.xml><?xml version="1.0" encoding="utf-8"?>
-<p:tagLst xmlns:a="http://schemas.openxmlformats.org/drawingml/2006/main" xmlns:r="http://schemas.openxmlformats.org/officeDocument/2006/relationships" xmlns:p="http://schemas.openxmlformats.org/presentationml/2006/main">
-  <p:tag name="PPWINTOTALSEGMENTS" val="0"/>
-</p:tagLst>
-</file>
-
-<file path=ppt/tags/tag42.xml><?xml version="1.0" encoding="utf-8"?>
 <p:tagLst xmlns:a="http://schemas.openxmlformats.org/drawingml/2006/main" xmlns:r="http://schemas.openxmlformats.org/officeDocument/2006/relationships" xmlns:p="http://schemas.openxmlformats.org/presentationml/2006/main">
   <p:tag name="PPWINTOTALSEGMENTS" val="0"/>
 </p:tagLst>

--- a/ppt/Python08-OO.pptx
+++ b/ppt/Python08-OO.pptx
@@ -5,10 +5,10 @@
     <p:sldMasterId id="2147483653" r:id="rId1"/>
   </p:sldMasterIdLst>
   <p:notesMasterIdLst>
-    <p:notesMasterId r:id="rId24"/>
+    <p:notesMasterId r:id="rId35"/>
   </p:notesMasterIdLst>
   <p:handoutMasterIdLst>
-    <p:handoutMasterId r:id="rId25"/>
+    <p:handoutMasterId r:id="rId36"/>
   </p:handoutMasterIdLst>
   <p:sldIdLst>
     <p:sldId id="264" r:id="rId2"/>
@@ -21,18 +21,29 @@
     <p:sldId id="299" r:id="rId9"/>
     <p:sldId id="273" r:id="rId10"/>
     <p:sldId id="297" r:id="rId11"/>
-    <p:sldId id="301" r:id="rId12"/>
-    <p:sldId id="302" r:id="rId13"/>
-    <p:sldId id="304" r:id="rId14"/>
-    <p:sldId id="319" r:id="rId15"/>
-    <p:sldId id="306" r:id="rId16"/>
-    <p:sldId id="305" r:id="rId17"/>
-    <p:sldId id="309" r:id="rId18"/>
-    <p:sldId id="274" r:id="rId19"/>
-    <p:sldId id="275" r:id="rId20"/>
-    <p:sldId id="277" r:id="rId21"/>
-    <p:sldId id="308" r:id="rId22"/>
-    <p:sldId id="317" r:id="rId23"/>
+    <p:sldId id="298" r:id="rId12"/>
+    <p:sldId id="301" r:id="rId13"/>
+    <p:sldId id="302" r:id="rId14"/>
+    <p:sldId id="304" r:id="rId15"/>
+    <p:sldId id="319" r:id="rId16"/>
+    <p:sldId id="306" r:id="rId17"/>
+    <p:sldId id="305" r:id="rId18"/>
+    <p:sldId id="309" r:id="rId19"/>
+    <p:sldId id="310" r:id="rId20"/>
+    <p:sldId id="274" r:id="rId21"/>
+    <p:sldId id="275" r:id="rId22"/>
+    <p:sldId id="303" r:id="rId23"/>
+    <p:sldId id="313" r:id="rId24"/>
+    <p:sldId id="316" r:id="rId25"/>
+    <p:sldId id="314" r:id="rId26"/>
+    <p:sldId id="315" r:id="rId27"/>
+    <p:sldId id="322" r:id="rId28"/>
+    <p:sldId id="277" r:id="rId29"/>
+    <p:sldId id="308" r:id="rId30"/>
+    <p:sldId id="278" r:id="rId31"/>
+    <p:sldId id="311" r:id="rId32"/>
+    <p:sldId id="317" r:id="rId33"/>
+    <p:sldId id="321" r:id="rId34"/>
   </p:sldIdLst>
   <p:sldSz cx="9144000" cy="6858000" type="screen4x3"/>
   <p:notesSz cx="6648450" cy="9782175"/>
@@ -1099,6 +1110,522 @@
 </p:notes>
 </file>
 
+<file path=ppt/notesSlides/notesSlide10.xml><?xml version="1.0" encoding="utf-8"?>
+<p:notes xmlns:a="http://schemas.openxmlformats.org/drawingml/2006/main" xmlns:r="http://schemas.openxmlformats.org/officeDocument/2006/relationships" xmlns:p="http://schemas.openxmlformats.org/presentationml/2006/main">
+  <p:cSld>
+    <p:spTree>
+      <p:nvGrpSpPr>
+        <p:cNvPr id="1" name=""/>
+        <p:cNvGrpSpPr/>
+        <p:nvPr/>
+      </p:nvGrpSpPr>
+      <p:grpSpPr>
+        <a:xfrm>
+          <a:off x="0" y="0"/>
+          <a:ext cx="0" cy="0"/>
+          <a:chOff x="0" y="0"/>
+          <a:chExt cx="0" cy="0"/>
+        </a:xfrm>
+      </p:grpSpPr>
+      <p:sp>
+        <p:nvSpPr>
+          <p:cNvPr id="2" name="Espace réservé de l'image des diapositives 1"/>
+          <p:cNvSpPr>
+            <a:spLocks noGrp="1" noRot="1" noChangeAspect="1"/>
+          </p:cNvSpPr>
+          <p:nvPr>
+            <p:ph type="sldImg"/>
+          </p:nvPr>
+        </p:nvSpPr>
+        <p:spPr>
+          <a:xfrm>
+            <a:off x="877888" y="733425"/>
+            <a:ext cx="4892675" cy="3670300"/>
+          </a:xfrm>
+        </p:spPr>
+      </p:sp>
+      <p:sp>
+        <p:nvSpPr>
+          <p:cNvPr id="3" name="Espace réservé des commentaires 2"/>
+          <p:cNvSpPr>
+            <a:spLocks noGrp="1"/>
+          </p:cNvSpPr>
+          <p:nvPr>
+            <p:ph type="body" idx="1"/>
+          </p:nvPr>
+        </p:nvSpPr>
+        <p:spPr/>
+        <p:txBody>
+          <a:bodyPr/>
+          <a:lstStyle/>
+          <a:p>
+            <a:endParaRPr lang="fr-FR" dirty="0"/>
+          </a:p>
+        </p:txBody>
+      </p:sp>
+      <p:sp>
+        <p:nvSpPr>
+          <p:cNvPr id="4" name="Espace réservé du pied de page 3"/>
+          <p:cNvSpPr>
+            <a:spLocks noGrp="1"/>
+          </p:cNvSpPr>
+          <p:nvPr>
+            <p:ph type="ftr" sz="quarter" idx="10"/>
+          </p:nvPr>
+        </p:nvSpPr>
+        <p:spPr/>
+        <p:txBody>
+          <a:bodyPr/>
+          <a:lstStyle/>
+          <a:p>
+            <a:pPr>
+              <a:defRPr/>
+            </a:pPr>
+            <a:r>
+              <a:rPr lang="fr-FR"/>
+              <a:t>© HANDSHAKE - Philippe MASINA</a:t>
+            </a:r>
+          </a:p>
+        </p:txBody>
+      </p:sp>
+      <p:sp>
+        <p:nvSpPr>
+          <p:cNvPr id="5" name="Espace réservé du numéro de diapositive 4"/>
+          <p:cNvSpPr>
+            <a:spLocks noGrp="1"/>
+          </p:cNvSpPr>
+          <p:nvPr>
+            <p:ph type="sldNum" sz="quarter" idx="11"/>
+          </p:nvPr>
+        </p:nvSpPr>
+        <p:spPr/>
+        <p:txBody>
+          <a:bodyPr/>
+          <a:lstStyle/>
+          <a:p>
+            <a:pPr>
+              <a:defRPr/>
+            </a:pPr>
+            <a:r>
+              <a:rPr lang="fr-FR"/>
+              <a:t>I-</a:t>
+            </a:r>
+            <a:fld id="{88B410AF-14E7-4D87-8C8E-6E377E0C2388}" type="slidenum">
+              <a:rPr lang="fr-FR" smtClean="0"/>
+              <a:pPr>
+                <a:defRPr/>
+              </a:pPr>
+              <a:t>24</a:t>
+            </a:fld>
+            <a:endParaRPr lang="fr-FR"/>
+          </a:p>
+        </p:txBody>
+      </p:sp>
+    </p:spTree>
+    <p:extLst>
+      <p:ext uri="{BB962C8B-B14F-4D97-AF65-F5344CB8AC3E}">
+        <p14:creationId xmlns:p14="http://schemas.microsoft.com/office/powerpoint/2010/main" val="221260208"/>
+      </p:ext>
+    </p:extLst>
+  </p:cSld>
+  <p:clrMapOvr>
+    <a:masterClrMapping/>
+  </p:clrMapOvr>
+</p:notes>
+</file>
+
+<file path=ppt/notesSlides/notesSlide11.xml><?xml version="1.0" encoding="utf-8"?>
+<p:notes xmlns:a="http://schemas.openxmlformats.org/drawingml/2006/main" xmlns:r="http://schemas.openxmlformats.org/officeDocument/2006/relationships" xmlns:p="http://schemas.openxmlformats.org/presentationml/2006/main">
+  <p:cSld>
+    <p:spTree>
+      <p:nvGrpSpPr>
+        <p:cNvPr id="1" name=""/>
+        <p:cNvGrpSpPr/>
+        <p:nvPr/>
+      </p:nvGrpSpPr>
+      <p:grpSpPr>
+        <a:xfrm>
+          <a:off x="0" y="0"/>
+          <a:ext cx="0" cy="0"/>
+          <a:chOff x="0" y="0"/>
+          <a:chExt cx="0" cy="0"/>
+        </a:xfrm>
+      </p:grpSpPr>
+      <p:sp>
+        <p:nvSpPr>
+          <p:cNvPr id="29698" name="Rectangle 7"/>
+          <p:cNvSpPr>
+            <a:spLocks noGrp="1" noChangeArrowheads="1"/>
+          </p:cNvSpPr>
+          <p:nvPr>
+            <p:ph type="sldNum" sz="quarter" idx="5"/>
+            <p:custDataLst>
+              <p:tags r:id="rId1"/>
+            </p:custDataLst>
+          </p:nvPr>
+        </p:nvSpPr>
+        <p:spPr>
+          <a:noFill/>
+        </p:spPr>
+        <p:txBody>
+          <a:bodyPr/>
+          <a:lstStyle>
+            <a:lvl1pPr>
+              <a:defRPr sz="3000">
+                <a:solidFill>
+                  <a:schemeClr val="tx1"/>
+                </a:solidFill>
+                <a:latin typeface="Arial Narrow" panose="020B0606020202030204" pitchFamily="34" charset="0"/>
+              </a:defRPr>
+            </a:lvl1pPr>
+            <a:lvl2pPr marL="742950" indent="-285750">
+              <a:defRPr sz="3000">
+                <a:solidFill>
+                  <a:schemeClr val="tx1"/>
+                </a:solidFill>
+                <a:latin typeface="Arial Narrow" panose="020B0606020202030204" pitchFamily="34" charset="0"/>
+              </a:defRPr>
+            </a:lvl2pPr>
+            <a:lvl3pPr marL="1143000" indent="-228600">
+              <a:defRPr sz="3000">
+                <a:solidFill>
+                  <a:schemeClr val="tx1"/>
+                </a:solidFill>
+                <a:latin typeface="Arial Narrow" panose="020B0606020202030204" pitchFamily="34" charset="0"/>
+              </a:defRPr>
+            </a:lvl3pPr>
+            <a:lvl4pPr marL="1600200" indent="-228600">
+              <a:defRPr sz="3000">
+                <a:solidFill>
+                  <a:schemeClr val="tx1"/>
+                </a:solidFill>
+                <a:latin typeface="Arial Narrow" panose="020B0606020202030204" pitchFamily="34" charset="0"/>
+              </a:defRPr>
+            </a:lvl4pPr>
+            <a:lvl5pPr marL="2057400" indent="-228600">
+              <a:defRPr sz="3000">
+                <a:solidFill>
+                  <a:schemeClr val="tx1"/>
+                </a:solidFill>
+                <a:latin typeface="Arial Narrow" panose="020B0606020202030204" pitchFamily="34" charset="0"/>
+              </a:defRPr>
+            </a:lvl5pPr>
+            <a:lvl6pPr marL="2514600" indent="-228600" eaLnBrk="0" fontAlgn="base" hangingPunct="0">
+              <a:spcBef>
+                <a:spcPct val="0"/>
+              </a:spcBef>
+              <a:spcAft>
+                <a:spcPct val="0"/>
+              </a:spcAft>
+              <a:defRPr sz="3000">
+                <a:solidFill>
+                  <a:schemeClr val="tx1"/>
+                </a:solidFill>
+                <a:latin typeface="Arial Narrow" panose="020B0606020202030204" pitchFamily="34" charset="0"/>
+              </a:defRPr>
+            </a:lvl6pPr>
+            <a:lvl7pPr marL="2971800" indent="-228600" eaLnBrk="0" fontAlgn="base" hangingPunct="0">
+              <a:spcBef>
+                <a:spcPct val="0"/>
+              </a:spcBef>
+              <a:spcAft>
+                <a:spcPct val="0"/>
+              </a:spcAft>
+              <a:defRPr sz="3000">
+                <a:solidFill>
+                  <a:schemeClr val="tx1"/>
+                </a:solidFill>
+                <a:latin typeface="Arial Narrow" panose="020B0606020202030204" pitchFamily="34" charset="0"/>
+              </a:defRPr>
+            </a:lvl7pPr>
+            <a:lvl8pPr marL="3429000" indent="-228600" eaLnBrk="0" fontAlgn="base" hangingPunct="0">
+              <a:spcBef>
+                <a:spcPct val="0"/>
+              </a:spcBef>
+              <a:spcAft>
+                <a:spcPct val="0"/>
+              </a:spcAft>
+              <a:defRPr sz="3000">
+                <a:solidFill>
+                  <a:schemeClr val="tx1"/>
+                </a:solidFill>
+                <a:latin typeface="Arial Narrow" panose="020B0606020202030204" pitchFamily="34" charset="0"/>
+              </a:defRPr>
+            </a:lvl8pPr>
+            <a:lvl9pPr marL="3886200" indent="-228600" eaLnBrk="0" fontAlgn="base" hangingPunct="0">
+              <a:spcBef>
+                <a:spcPct val="0"/>
+              </a:spcBef>
+              <a:spcAft>
+                <a:spcPct val="0"/>
+              </a:spcAft>
+              <a:defRPr sz="3000">
+                <a:solidFill>
+                  <a:schemeClr val="tx1"/>
+                </a:solidFill>
+                <a:latin typeface="Arial Narrow" panose="020B0606020202030204" pitchFamily="34" charset="0"/>
+              </a:defRPr>
+            </a:lvl9pPr>
+          </a:lstStyle>
+          <a:p>
+            <a:fld id="{128995A5-4EA1-46DC-8F5B-4368CF269E26}" type="slidenum">
+              <a:rPr lang="en-US" altLang="fr-FR" sz="1200"/>
+              <a:pPr/>
+              <a:t>28</a:t>
+            </a:fld>
+            <a:endParaRPr lang="en-US" altLang="fr-FR" sz="1200"/>
+          </a:p>
+        </p:txBody>
+      </p:sp>
+      <p:sp>
+        <p:nvSpPr>
+          <p:cNvPr id="29699" name="Rectangle 2"/>
+          <p:cNvSpPr>
+            <a:spLocks noGrp="1" noRot="1" noChangeAspect="1" noChangeArrowheads="1" noTextEdit="1"/>
+          </p:cNvSpPr>
+          <p:nvPr>
+            <p:ph type="sldImg"/>
+          </p:nvPr>
+        </p:nvSpPr>
+        <p:spPr>
+          <a:xfrm>
+            <a:off x="877888" y="733425"/>
+            <a:ext cx="4892675" cy="3670300"/>
+          </a:xfrm>
+          <a:ln/>
+        </p:spPr>
+      </p:sp>
+      <p:sp>
+        <p:nvSpPr>
+          <p:cNvPr id="29700" name="Rectangle 3"/>
+          <p:cNvSpPr>
+            <a:spLocks noGrp="1" noChangeArrowheads="1"/>
+          </p:cNvSpPr>
+          <p:nvPr>
+            <p:ph type="body" idx="1"/>
+          </p:nvPr>
+        </p:nvSpPr>
+        <p:spPr>
+          <a:noFill/>
+        </p:spPr>
+        <p:txBody>
+          <a:bodyPr/>
+          <a:lstStyle/>
+          <a:p>
+            <a:pPr eaLnBrk="1" hangingPunct="1"/>
+            <a:endParaRPr lang="en-US" altLang="fr-FR"/>
+          </a:p>
+        </p:txBody>
+      </p:sp>
+    </p:spTree>
+    <p:extLst>
+      <p:ext uri="{BB962C8B-B14F-4D97-AF65-F5344CB8AC3E}">
+        <p14:creationId xmlns:p14="http://schemas.microsoft.com/office/powerpoint/2010/main" val="196649283"/>
+      </p:ext>
+    </p:extLst>
+  </p:cSld>
+  <p:clrMapOvr>
+    <a:masterClrMapping/>
+  </p:clrMapOvr>
+</p:notes>
+</file>
+
+<file path=ppt/notesSlides/notesSlide12.xml><?xml version="1.0" encoding="utf-8"?>
+<p:notes xmlns:a="http://schemas.openxmlformats.org/drawingml/2006/main" xmlns:r="http://schemas.openxmlformats.org/officeDocument/2006/relationships" xmlns:p="http://schemas.openxmlformats.org/presentationml/2006/main">
+  <p:cSld>
+    <p:spTree>
+      <p:nvGrpSpPr>
+        <p:cNvPr id="1" name=""/>
+        <p:cNvGrpSpPr/>
+        <p:nvPr/>
+      </p:nvGrpSpPr>
+      <p:grpSpPr>
+        <a:xfrm>
+          <a:off x="0" y="0"/>
+          <a:ext cx="0" cy="0"/>
+          <a:chOff x="0" y="0"/>
+          <a:chExt cx="0" cy="0"/>
+        </a:xfrm>
+      </p:grpSpPr>
+      <p:sp>
+        <p:nvSpPr>
+          <p:cNvPr id="31746" name="Rectangle 7"/>
+          <p:cNvSpPr>
+            <a:spLocks noGrp="1" noChangeArrowheads="1"/>
+          </p:cNvSpPr>
+          <p:nvPr>
+            <p:ph type="sldNum" sz="quarter" idx="5"/>
+            <p:custDataLst>
+              <p:tags r:id="rId1"/>
+            </p:custDataLst>
+          </p:nvPr>
+        </p:nvSpPr>
+        <p:spPr>
+          <a:noFill/>
+        </p:spPr>
+        <p:txBody>
+          <a:bodyPr/>
+          <a:lstStyle>
+            <a:lvl1pPr>
+              <a:defRPr sz="3000">
+                <a:solidFill>
+                  <a:schemeClr val="tx1"/>
+                </a:solidFill>
+                <a:latin typeface="Arial Narrow" panose="020B0606020202030204" pitchFamily="34" charset="0"/>
+              </a:defRPr>
+            </a:lvl1pPr>
+            <a:lvl2pPr marL="742950" indent="-285750">
+              <a:defRPr sz="3000">
+                <a:solidFill>
+                  <a:schemeClr val="tx1"/>
+                </a:solidFill>
+                <a:latin typeface="Arial Narrow" panose="020B0606020202030204" pitchFamily="34" charset="0"/>
+              </a:defRPr>
+            </a:lvl2pPr>
+            <a:lvl3pPr marL="1143000" indent="-228600">
+              <a:defRPr sz="3000">
+                <a:solidFill>
+                  <a:schemeClr val="tx1"/>
+                </a:solidFill>
+                <a:latin typeface="Arial Narrow" panose="020B0606020202030204" pitchFamily="34" charset="0"/>
+              </a:defRPr>
+            </a:lvl3pPr>
+            <a:lvl4pPr marL="1600200" indent="-228600">
+              <a:defRPr sz="3000">
+                <a:solidFill>
+                  <a:schemeClr val="tx1"/>
+                </a:solidFill>
+                <a:latin typeface="Arial Narrow" panose="020B0606020202030204" pitchFamily="34" charset="0"/>
+              </a:defRPr>
+            </a:lvl4pPr>
+            <a:lvl5pPr marL="2057400" indent="-228600">
+              <a:defRPr sz="3000">
+                <a:solidFill>
+                  <a:schemeClr val="tx1"/>
+                </a:solidFill>
+                <a:latin typeface="Arial Narrow" panose="020B0606020202030204" pitchFamily="34" charset="0"/>
+              </a:defRPr>
+            </a:lvl5pPr>
+            <a:lvl6pPr marL="2514600" indent="-228600" eaLnBrk="0" fontAlgn="base" hangingPunct="0">
+              <a:spcBef>
+                <a:spcPct val="0"/>
+              </a:spcBef>
+              <a:spcAft>
+                <a:spcPct val="0"/>
+              </a:spcAft>
+              <a:defRPr sz="3000">
+                <a:solidFill>
+                  <a:schemeClr val="tx1"/>
+                </a:solidFill>
+                <a:latin typeface="Arial Narrow" panose="020B0606020202030204" pitchFamily="34" charset="0"/>
+              </a:defRPr>
+            </a:lvl6pPr>
+            <a:lvl7pPr marL="2971800" indent="-228600" eaLnBrk="0" fontAlgn="base" hangingPunct="0">
+              <a:spcBef>
+                <a:spcPct val="0"/>
+              </a:spcBef>
+              <a:spcAft>
+                <a:spcPct val="0"/>
+              </a:spcAft>
+              <a:defRPr sz="3000">
+                <a:solidFill>
+                  <a:schemeClr val="tx1"/>
+                </a:solidFill>
+                <a:latin typeface="Arial Narrow" panose="020B0606020202030204" pitchFamily="34" charset="0"/>
+              </a:defRPr>
+            </a:lvl7pPr>
+            <a:lvl8pPr marL="3429000" indent="-228600" eaLnBrk="0" fontAlgn="base" hangingPunct="0">
+              <a:spcBef>
+                <a:spcPct val="0"/>
+              </a:spcBef>
+              <a:spcAft>
+                <a:spcPct val="0"/>
+              </a:spcAft>
+              <a:defRPr sz="3000">
+                <a:solidFill>
+                  <a:schemeClr val="tx1"/>
+                </a:solidFill>
+                <a:latin typeface="Arial Narrow" panose="020B0606020202030204" pitchFamily="34" charset="0"/>
+              </a:defRPr>
+            </a:lvl8pPr>
+            <a:lvl9pPr marL="3886200" indent="-228600" eaLnBrk="0" fontAlgn="base" hangingPunct="0">
+              <a:spcBef>
+                <a:spcPct val="0"/>
+              </a:spcBef>
+              <a:spcAft>
+                <a:spcPct val="0"/>
+              </a:spcAft>
+              <a:defRPr sz="3000">
+                <a:solidFill>
+                  <a:schemeClr val="tx1"/>
+                </a:solidFill>
+                <a:latin typeface="Arial Narrow" panose="020B0606020202030204" pitchFamily="34" charset="0"/>
+              </a:defRPr>
+            </a:lvl9pPr>
+          </a:lstStyle>
+          <a:p>
+            <a:fld id="{E0672C6E-802E-4888-B97E-D5F7E1E72B2C}" type="slidenum">
+              <a:rPr lang="en-US" altLang="fr-FR" sz="1200"/>
+              <a:pPr/>
+              <a:t>30</a:t>
+            </a:fld>
+            <a:endParaRPr lang="en-US" altLang="fr-FR" sz="1200"/>
+          </a:p>
+        </p:txBody>
+      </p:sp>
+      <p:sp>
+        <p:nvSpPr>
+          <p:cNvPr id="31747" name="Rectangle 2"/>
+          <p:cNvSpPr>
+            <a:spLocks noGrp="1" noRot="1" noChangeAspect="1" noChangeArrowheads="1" noTextEdit="1"/>
+          </p:cNvSpPr>
+          <p:nvPr>
+            <p:ph type="sldImg"/>
+          </p:nvPr>
+        </p:nvSpPr>
+        <p:spPr>
+          <a:xfrm>
+            <a:off x="877888" y="733425"/>
+            <a:ext cx="4892675" cy="3670300"/>
+          </a:xfrm>
+          <a:ln/>
+        </p:spPr>
+      </p:sp>
+      <p:sp>
+        <p:nvSpPr>
+          <p:cNvPr id="31748" name="Rectangle 3"/>
+          <p:cNvSpPr>
+            <a:spLocks noGrp="1" noChangeArrowheads="1"/>
+          </p:cNvSpPr>
+          <p:nvPr>
+            <p:ph type="body" idx="1"/>
+          </p:nvPr>
+        </p:nvSpPr>
+        <p:spPr>
+          <a:noFill/>
+        </p:spPr>
+        <p:txBody>
+          <a:bodyPr/>
+          <a:lstStyle/>
+          <a:p>
+            <a:pPr eaLnBrk="1" hangingPunct="1"/>
+            <a:endParaRPr lang="en-US" altLang="fr-FR"/>
+          </a:p>
+        </p:txBody>
+      </p:sp>
+    </p:spTree>
+    <p:extLst>
+      <p:ext uri="{BB962C8B-B14F-4D97-AF65-F5344CB8AC3E}">
+        <p14:creationId xmlns:p14="http://schemas.microsoft.com/office/powerpoint/2010/main" val="2545764591"/>
+      </p:ext>
+    </p:extLst>
+  </p:cSld>
+  <p:clrMapOvr>
+    <a:masterClrMapping/>
+  </p:clrMapOvr>
+</p:notes>
+</file>
+
 <file path=ppt/notesSlides/notesSlide2.xml><?xml version="1.0" encoding="utf-8"?>
 <p:notes xmlns:a="http://schemas.openxmlformats.org/drawingml/2006/main" xmlns:r="http://schemas.openxmlformats.org/officeDocument/2006/relationships" xmlns:p="http://schemas.openxmlformats.org/presentationml/2006/main">
   <p:cSld>
@@ -2012,7 +2539,7 @@
             <a:fld id="{3A84676C-26EA-4F1E-852E-D91B357FF269}" type="slidenum">
               <a:rPr lang="en-US" altLang="fr-FR" sz="1200"/>
               <a:pPr/>
-              <a:t>15</a:t>
+              <a:t>16</a:t>
             </a:fld>
             <a:endParaRPr lang="en-US" altLang="fr-FR" sz="1200"/>
           </a:p>
@@ -2054,7 +2581,7 @@
           <a:lstStyle/>
           <a:p>
             <a:pPr eaLnBrk="1" hangingPunct="1"/>
-            <a:endParaRPr lang="en-US" altLang="fr-FR"/>
+            <a:endParaRPr lang="en-US" altLang="fr-FR" dirty="0"/>
           </a:p>
         </p:txBody>
       </p:sp>
@@ -2208,7 +2735,7 @@
             <a:fld id="{A4B48C2A-19D1-4E4F-B24E-950A3389DC51}" type="slidenum">
               <a:rPr lang="en-US" altLang="fr-FR" sz="1200"/>
               <a:pPr/>
-              <a:t>18</a:t>
+              <a:t>20</a:t>
             </a:fld>
             <a:endParaRPr lang="en-US" altLang="fr-FR" sz="1200"/>
           </a:p>
@@ -2400,7 +2927,7 @@
             <a:fld id="{552CC702-C254-450D-BCA7-2A0DFB582A06}" type="slidenum">
               <a:rPr lang="en-US" altLang="fr-FR" sz="1200"/>
               <a:pPr/>
-              <a:t>19</a:t>
+              <a:t>21</a:t>
             </a:fld>
             <a:endParaRPr lang="en-US" altLang="fr-FR" sz="1200"/>
           </a:p>
@@ -2474,135 +3001,9 @@
       </p:grpSpPr>
       <p:sp>
         <p:nvSpPr>
-          <p:cNvPr id="29698" name="Rectangle 7"/>
+          <p:cNvPr id="2" name="Espace réservé de l'image des diapositives 1"/>
           <p:cNvSpPr>
-            <a:spLocks noGrp="1" noChangeArrowheads="1"/>
-          </p:cNvSpPr>
-          <p:nvPr>
-            <p:ph type="sldNum" sz="quarter" idx="5"/>
-            <p:custDataLst>
-              <p:tags r:id="rId1"/>
-            </p:custDataLst>
-          </p:nvPr>
-        </p:nvSpPr>
-        <p:spPr>
-          <a:noFill/>
-        </p:spPr>
-        <p:txBody>
-          <a:bodyPr/>
-          <a:lstStyle>
-            <a:lvl1pPr>
-              <a:defRPr sz="3000">
-                <a:solidFill>
-                  <a:schemeClr val="tx1"/>
-                </a:solidFill>
-                <a:latin typeface="Arial Narrow" panose="020B0606020202030204" pitchFamily="34" charset="0"/>
-              </a:defRPr>
-            </a:lvl1pPr>
-            <a:lvl2pPr marL="742950" indent="-285750">
-              <a:defRPr sz="3000">
-                <a:solidFill>
-                  <a:schemeClr val="tx1"/>
-                </a:solidFill>
-                <a:latin typeface="Arial Narrow" panose="020B0606020202030204" pitchFamily="34" charset="0"/>
-              </a:defRPr>
-            </a:lvl2pPr>
-            <a:lvl3pPr marL="1143000" indent="-228600">
-              <a:defRPr sz="3000">
-                <a:solidFill>
-                  <a:schemeClr val="tx1"/>
-                </a:solidFill>
-                <a:latin typeface="Arial Narrow" panose="020B0606020202030204" pitchFamily="34" charset="0"/>
-              </a:defRPr>
-            </a:lvl3pPr>
-            <a:lvl4pPr marL="1600200" indent="-228600">
-              <a:defRPr sz="3000">
-                <a:solidFill>
-                  <a:schemeClr val="tx1"/>
-                </a:solidFill>
-                <a:latin typeface="Arial Narrow" panose="020B0606020202030204" pitchFamily="34" charset="0"/>
-              </a:defRPr>
-            </a:lvl4pPr>
-            <a:lvl5pPr marL="2057400" indent="-228600">
-              <a:defRPr sz="3000">
-                <a:solidFill>
-                  <a:schemeClr val="tx1"/>
-                </a:solidFill>
-                <a:latin typeface="Arial Narrow" panose="020B0606020202030204" pitchFamily="34" charset="0"/>
-              </a:defRPr>
-            </a:lvl5pPr>
-            <a:lvl6pPr marL="2514600" indent="-228600" eaLnBrk="0" fontAlgn="base" hangingPunct="0">
-              <a:spcBef>
-                <a:spcPct val="0"/>
-              </a:spcBef>
-              <a:spcAft>
-                <a:spcPct val="0"/>
-              </a:spcAft>
-              <a:defRPr sz="3000">
-                <a:solidFill>
-                  <a:schemeClr val="tx1"/>
-                </a:solidFill>
-                <a:latin typeface="Arial Narrow" panose="020B0606020202030204" pitchFamily="34" charset="0"/>
-              </a:defRPr>
-            </a:lvl6pPr>
-            <a:lvl7pPr marL="2971800" indent="-228600" eaLnBrk="0" fontAlgn="base" hangingPunct="0">
-              <a:spcBef>
-                <a:spcPct val="0"/>
-              </a:spcBef>
-              <a:spcAft>
-                <a:spcPct val="0"/>
-              </a:spcAft>
-              <a:defRPr sz="3000">
-                <a:solidFill>
-                  <a:schemeClr val="tx1"/>
-                </a:solidFill>
-                <a:latin typeface="Arial Narrow" panose="020B0606020202030204" pitchFamily="34" charset="0"/>
-              </a:defRPr>
-            </a:lvl7pPr>
-            <a:lvl8pPr marL="3429000" indent="-228600" eaLnBrk="0" fontAlgn="base" hangingPunct="0">
-              <a:spcBef>
-                <a:spcPct val="0"/>
-              </a:spcBef>
-              <a:spcAft>
-                <a:spcPct val="0"/>
-              </a:spcAft>
-              <a:defRPr sz="3000">
-                <a:solidFill>
-                  <a:schemeClr val="tx1"/>
-                </a:solidFill>
-                <a:latin typeface="Arial Narrow" panose="020B0606020202030204" pitchFamily="34" charset="0"/>
-              </a:defRPr>
-            </a:lvl8pPr>
-            <a:lvl9pPr marL="3886200" indent="-228600" eaLnBrk="0" fontAlgn="base" hangingPunct="0">
-              <a:spcBef>
-                <a:spcPct val="0"/>
-              </a:spcBef>
-              <a:spcAft>
-                <a:spcPct val="0"/>
-              </a:spcAft>
-              <a:defRPr sz="3000">
-                <a:solidFill>
-                  <a:schemeClr val="tx1"/>
-                </a:solidFill>
-                <a:latin typeface="Arial Narrow" panose="020B0606020202030204" pitchFamily="34" charset="0"/>
-              </a:defRPr>
-            </a:lvl9pPr>
-          </a:lstStyle>
-          <a:p>
-            <a:fld id="{128995A5-4EA1-46DC-8F5B-4368CF269E26}" type="slidenum">
-              <a:rPr lang="en-US" altLang="fr-FR" sz="1200"/>
-              <a:pPr/>
-              <a:t>20</a:t>
-            </a:fld>
-            <a:endParaRPr lang="en-US" altLang="fr-FR" sz="1200"/>
-          </a:p>
-        </p:txBody>
-      </p:sp>
-      <p:sp>
-        <p:nvSpPr>
-          <p:cNvPr id="29699" name="Rectangle 2"/>
-          <p:cNvSpPr>
-            <a:spLocks noGrp="1" noRot="1" noChangeAspect="1" noChangeArrowheads="1" noTextEdit="1"/>
+            <a:spLocks noGrp="1" noRot="1" noChangeAspect="1"/>
           </p:cNvSpPr>
           <p:nvPr>
             <p:ph type="sldImg"/>
@@ -2613,35 +3014,89 @@
             <a:off x="877888" y="733425"/>
             <a:ext cx="4892675" cy="3670300"/>
           </a:xfrm>
-          <a:ln/>
         </p:spPr>
       </p:sp>
       <p:sp>
         <p:nvSpPr>
-          <p:cNvPr id="29700" name="Rectangle 3"/>
+          <p:cNvPr id="3" name="Espace réservé des notes 2"/>
           <p:cNvSpPr>
-            <a:spLocks noGrp="1" noChangeArrowheads="1"/>
+            <a:spLocks noGrp="1"/>
           </p:cNvSpPr>
           <p:nvPr>
             <p:ph type="body" idx="1"/>
           </p:nvPr>
         </p:nvSpPr>
-        <p:spPr>
-          <a:noFill/>
-        </p:spPr>
+        <p:spPr/>
         <p:txBody>
           <a:bodyPr/>
           <a:lstStyle/>
           <a:p>
-            <a:pPr eaLnBrk="1" hangingPunct="1"/>
-            <a:endParaRPr lang="en-US" altLang="fr-FR"/>
+            <a:endParaRPr lang="fr-FR" dirty="0"/>
+          </a:p>
+        </p:txBody>
+      </p:sp>
+      <p:sp>
+        <p:nvSpPr>
+          <p:cNvPr id="4" name="Espace réservé du pied de page 3"/>
+          <p:cNvSpPr>
+            <a:spLocks noGrp="1"/>
+          </p:cNvSpPr>
+          <p:nvPr>
+            <p:ph type="ftr" sz="quarter" idx="4"/>
+          </p:nvPr>
+        </p:nvSpPr>
+        <p:spPr/>
+        <p:txBody>
+          <a:bodyPr/>
+          <a:lstStyle/>
+          <a:p>
+            <a:pPr>
+              <a:defRPr/>
+            </a:pPr>
+            <a:r>
+              <a:rPr lang="fr-FR"/>
+              <a:t>© HANDSHAKE - Philippe MASINA</a:t>
+            </a:r>
+          </a:p>
+        </p:txBody>
+      </p:sp>
+      <p:sp>
+        <p:nvSpPr>
+          <p:cNvPr id="5" name="Espace réservé du numéro de diapositive 4"/>
+          <p:cNvSpPr>
+            <a:spLocks noGrp="1"/>
+          </p:cNvSpPr>
+          <p:nvPr>
+            <p:ph type="sldNum" sz="quarter" idx="5"/>
+          </p:nvPr>
+        </p:nvSpPr>
+        <p:spPr/>
+        <p:txBody>
+          <a:bodyPr/>
+          <a:lstStyle/>
+          <a:p>
+            <a:pPr>
+              <a:defRPr/>
+            </a:pPr>
+            <a:r>
+              <a:rPr lang="fr-FR"/>
+              <a:t>I-</a:t>
+            </a:r>
+            <a:fld id="{88B410AF-14E7-4D87-8C8E-6E377E0C2388}" type="slidenum">
+              <a:rPr lang="fr-FR" smtClean="0"/>
+              <a:pPr>
+                <a:defRPr/>
+              </a:pPr>
+              <a:t>23</a:t>
+            </a:fld>
+            <a:endParaRPr lang="fr-FR"/>
           </a:p>
         </p:txBody>
       </p:sp>
     </p:spTree>
     <p:extLst>
       <p:ext uri="{BB962C8B-B14F-4D97-AF65-F5344CB8AC3E}">
-        <p14:creationId xmlns:p14="http://schemas.microsoft.com/office/powerpoint/2010/main" val="196649283"/>
+        <p14:creationId xmlns:p14="http://schemas.microsoft.com/office/powerpoint/2010/main" val="2403429447"/>
       </p:ext>
     </p:extLst>
   </p:cSld>
@@ -5655,6 +6110,113 @@
           <a:p>
             <a:r>
               <a:rPr lang="fr-FR" dirty="0"/>
+              <a:t>Les attributs</a:t>
+            </a:r>
+          </a:p>
+        </p:txBody>
+      </p:sp>
+      <p:sp>
+        <p:nvSpPr>
+          <p:cNvPr id="3" name="Espace réservé du contenu 2"/>
+          <p:cNvSpPr>
+            <a:spLocks noGrp="1"/>
+          </p:cNvSpPr>
+          <p:nvPr>
+            <p:ph idx="1"/>
+          </p:nvPr>
+        </p:nvSpPr>
+        <p:spPr/>
+        <p:txBody>
+          <a:bodyPr/>
+          <a:lstStyle/>
+          <a:p>
+            <a:r>
+              <a:rPr lang="fr-FR" dirty="0"/>
+              <a:t>Contrairement à C++, C# et Java les attributs ne sont pas déclarés en Python</a:t>
+            </a:r>
+          </a:p>
+          <a:p>
+            <a:pPr lvl="1"/>
+            <a:r>
+              <a:rPr lang="fr-FR" dirty="0"/>
+              <a:t>Il suffit de les appeler pour qu’ils apparaissaient</a:t>
+            </a:r>
+          </a:p>
+          <a:p>
+            <a:pPr lvl="1"/>
+            <a:r>
+              <a:rPr lang="fr-FR" dirty="0"/>
+              <a:t>Fonctionnalité hérité de Modula 3 et utiliser par </a:t>
+            </a:r>
+            <a:r>
+              <a:rPr lang="fr-FR" dirty="0" err="1"/>
+              <a:t>Javascript</a:t>
+            </a:r>
+            <a:endParaRPr lang="fr-FR" dirty="0"/>
+          </a:p>
+          <a:p>
+            <a:pPr lvl="1"/>
+            <a:r>
+              <a:rPr lang="fr-FR" dirty="0"/>
+              <a:t>Fonctionnement par prototypage</a:t>
+            </a:r>
+          </a:p>
+          <a:p>
+            <a:pPr lvl="1"/>
+            <a:r>
+              <a:rPr lang="fr-FR" dirty="0"/>
+              <a:t>Assez sale car sujet à erreur</a:t>
+            </a:r>
+          </a:p>
+        </p:txBody>
+      </p:sp>
+    </p:spTree>
+    <p:extLst>
+      <p:ext uri="{BB962C8B-B14F-4D97-AF65-F5344CB8AC3E}">
+        <p14:creationId xmlns:p14="http://schemas.microsoft.com/office/powerpoint/2010/main" val="3485763734"/>
+      </p:ext>
+    </p:extLst>
+  </p:cSld>
+  <p:clrMapOvr>
+    <a:masterClrMapping/>
+  </p:clrMapOvr>
+</p:sld>
+</file>
+
+<file path=ppt/slides/slide12.xml><?xml version="1.0" encoding="utf-8"?>
+<p:sld xmlns:a="http://schemas.openxmlformats.org/drawingml/2006/main" xmlns:r="http://schemas.openxmlformats.org/officeDocument/2006/relationships" xmlns:p="http://schemas.openxmlformats.org/presentationml/2006/main">
+  <p:cSld>
+    <p:spTree>
+      <p:nvGrpSpPr>
+        <p:cNvPr id="1" name=""/>
+        <p:cNvGrpSpPr/>
+        <p:nvPr/>
+      </p:nvGrpSpPr>
+      <p:grpSpPr>
+        <a:xfrm>
+          <a:off x="0" y="0"/>
+          <a:ext cx="0" cy="0"/>
+          <a:chOff x="0" y="0"/>
+          <a:chExt cx="0" cy="0"/>
+        </a:xfrm>
+      </p:grpSpPr>
+      <p:sp>
+        <p:nvSpPr>
+          <p:cNvPr id="2" name="Titre 1"/>
+          <p:cNvSpPr>
+            <a:spLocks noGrp="1"/>
+          </p:cNvSpPr>
+          <p:nvPr>
+            <p:ph type="title"/>
+          </p:nvPr>
+        </p:nvSpPr>
+        <p:spPr/>
+        <p:txBody>
+          <a:bodyPr/>
+          <a:lstStyle/>
+          <a:p>
+            <a:r>
+              <a:rPr lang="fr-FR" dirty="0"/>
               <a:t>Constructeur</a:t>
             </a:r>
           </a:p>
@@ -5742,7 +6304,7 @@
 </p:sld>
 </file>
 
-<file path=ppt/slides/slide12.xml><?xml version="1.0" encoding="utf-8"?>
+<file path=ppt/slides/slide13.xml><?xml version="1.0" encoding="utf-8"?>
 <p:sld xmlns:a="http://schemas.openxmlformats.org/drawingml/2006/main" xmlns:r="http://schemas.openxmlformats.org/officeDocument/2006/relationships" xmlns:p="http://schemas.openxmlformats.org/presentationml/2006/main">
   <p:cSld>
     <p:spTree>
@@ -5847,7 +6409,7 @@
 </p:sld>
 </file>
 
-<file path=ppt/slides/slide13.xml><?xml version="1.0" encoding="utf-8"?>
+<file path=ppt/slides/slide14.xml><?xml version="1.0" encoding="utf-8"?>
 <p:sld xmlns:a="http://schemas.openxmlformats.org/drawingml/2006/main" xmlns:r="http://schemas.openxmlformats.org/officeDocument/2006/relationships" xmlns:p="http://schemas.openxmlformats.org/presentationml/2006/main">
   <p:cSld>
     <p:spTree>
@@ -5975,7 +6537,7 @@
 </p:sld>
 </file>
 
-<file path=ppt/slides/slide14.xml><?xml version="1.0" encoding="utf-8"?>
+<file path=ppt/slides/slide15.xml><?xml version="1.0" encoding="utf-8"?>
 <p:sld xmlns:a="http://schemas.openxmlformats.org/drawingml/2006/main" xmlns:r="http://schemas.openxmlformats.org/officeDocument/2006/relationships" xmlns:p="http://schemas.openxmlformats.org/presentationml/2006/main">
   <p:cSld>
     <p:spTree>
@@ -6098,7 +6660,7 @@
 </p:sld>
 </file>
 
-<file path=ppt/slides/slide15.xml><?xml version="1.0" encoding="utf-8"?>
+<file path=ppt/slides/slide16.xml><?xml version="1.0" encoding="utf-8"?>
 <p:sld xmlns:a="http://schemas.openxmlformats.org/drawingml/2006/main" xmlns:r="http://schemas.openxmlformats.org/officeDocument/2006/relationships" xmlns:p="http://schemas.openxmlformats.org/presentationml/2006/main">
   <p:cSld>
     <p:spTree>
@@ -7809,15 +8371,15 @@
           </a:lstStyle>
           <a:p>
             <a:r>
-              <a:rPr lang="en-US" altLang="fr-FR" sz="1800" b="1">
+              <a:rPr lang="en-US" altLang="fr-FR" sz="1800" b="1" dirty="0">
                 <a:solidFill>
                   <a:srgbClr val="000000"/>
                 </a:solidFill>
                 <a:latin typeface="Lucida Sans Typewriter" pitchFamily="49" charset="0"/>
               </a:rPr>
-              <a:t>Withdraw( )</a:t>
-            </a:r>
-            <a:endParaRPr lang="en-US" altLang="fr-FR" sz="1800" b="1">
+              <a:t>Withdraw( ) </a:t>
+            </a:r>
+            <a:endParaRPr lang="en-US" altLang="fr-FR" sz="1800" b="1" dirty="0">
               <a:latin typeface="Lucida Sans Typewriter" pitchFamily="49" charset="0"/>
             </a:endParaRPr>
           </a:p>
@@ -8310,103 +8872,6 @@
 </p:sld>
 </file>
 
-<file path=ppt/slides/slide16.xml><?xml version="1.0" encoding="utf-8"?>
-<p:sld xmlns:a="http://schemas.openxmlformats.org/drawingml/2006/main" xmlns:r="http://schemas.openxmlformats.org/officeDocument/2006/relationships" xmlns:p="http://schemas.openxmlformats.org/presentationml/2006/main">
-  <p:cSld>
-    <p:spTree>
-      <p:nvGrpSpPr>
-        <p:cNvPr id="1" name=""/>
-        <p:cNvGrpSpPr/>
-        <p:nvPr/>
-      </p:nvGrpSpPr>
-      <p:grpSpPr>
-        <a:xfrm>
-          <a:off x="0" y="0"/>
-          <a:ext cx="0" cy="0"/>
-          <a:chOff x="0" y="0"/>
-          <a:chExt cx="0" cy="0"/>
-        </a:xfrm>
-      </p:grpSpPr>
-      <p:sp>
-        <p:nvSpPr>
-          <p:cNvPr id="2" name="Titre 1"/>
-          <p:cNvSpPr>
-            <a:spLocks noGrp="1"/>
-          </p:cNvSpPr>
-          <p:nvPr>
-            <p:ph type="title"/>
-          </p:nvPr>
-        </p:nvSpPr>
-        <p:spPr/>
-        <p:txBody>
-          <a:bodyPr/>
-          <a:lstStyle/>
-          <a:p>
-            <a:r>
-              <a:rPr lang="fr-FR" dirty="0"/>
-              <a:t>self</a:t>
-            </a:r>
-          </a:p>
-        </p:txBody>
-      </p:sp>
-      <p:sp>
-        <p:nvSpPr>
-          <p:cNvPr id="3" name="Espace réservé du contenu 2"/>
-          <p:cNvSpPr>
-            <a:spLocks noGrp="1"/>
-          </p:cNvSpPr>
-          <p:nvPr>
-            <p:ph idx="1"/>
-          </p:nvPr>
-        </p:nvSpPr>
-        <p:spPr/>
-        <p:txBody>
-          <a:bodyPr/>
-          <a:lstStyle/>
-          <a:p>
-            <a:r>
-              <a:rPr lang="fr-FR" dirty="0"/>
-              <a:t>Quand vous créez un nouvel objet, les attributs de l'objet sont propres à l'objet créé.</a:t>
-            </a:r>
-          </a:p>
-          <a:p>
-            <a:pPr lvl="1"/>
-            <a:r>
-              <a:rPr lang="fr-FR" dirty="0"/>
-              <a:t>C'est logique : si vous créez plusieurs objets, ils n’auront pas tous avoir les mêmes données</a:t>
-            </a:r>
-          </a:p>
-          <a:p>
-            <a:pPr lvl="1"/>
-            <a:r>
-              <a:rPr lang="fr-FR" dirty="0"/>
-              <a:t>Donc les attributs sont contenus dans l'objet</a:t>
-            </a:r>
-          </a:p>
-          <a:p>
-            <a:r>
-              <a:rPr lang="fr-FR" dirty="0"/>
-              <a:t>Self est la référence de l’instance</a:t>
-            </a:r>
-          </a:p>
-          <a:p>
-            <a:endParaRPr lang="fr-FR" dirty="0"/>
-          </a:p>
-        </p:txBody>
-      </p:sp>
-    </p:spTree>
-    <p:extLst>
-      <p:ext uri="{BB962C8B-B14F-4D97-AF65-F5344CB8AC3E}">
-        <p14:creationId xmlns:p14="http://schemas.microsoft.com/office/powerpoint/2010/main" val="3291891387"/>
-      </p:ext>
-    </p:extLst>
-  </p:cSld>
-  <p:clrMapOvr>
-    <a:masterClrMapping/>
-  </p:clrMapOvr>
-</p:sld>
-</file>
-
 <file path=ppt/slides/slide17.xml><?xml version="1.0" encoding="utf-8"?>
 <p:sld xmlns:a="http://schemas.openxmlformats.org/drawingml/2006/main" xmlns:r="http://schemas.openxmlformats.org/officeDocument/2006/relationships" xmlns:p="http://schemas.openxmlformats.org/presentationml/2006/main">
   <p:cSld>
@@ -8441,7 +8906,7 @@
           <a:p>
             <a:r>
               <a:rPr lang="fr-FR" dirty="0"/>
-              <a:t>Mécanisme de self</a:t>
+              <a:t>self</a:t>
             </a:r>
           </a:p>
         </p:txBody>
@@ -8463,74 +8928,163 @@
           <a:p>
             <a:r>
               <a:rPr lang="fr-FR" dirty="0"/>
-              <a:t>Self est la référence de l’instance</a:t>
+              <a:t>Quand vous créez un nouvel objet, les attributs de l'objet sont propres à l'objet créé.</a:t>
             </a:r>
           </a:p>
           <a:p>
             <a:pPr lvl="1"/>
             <a:r>
               <a:rPr lang="fr-FR" dirty="0"/>
-              <a:t>Contrairement à C++, C# et Java Self n’est pas implicite</a:t>
+              <a:t>C'est logique : si vous créez plusieurs objets, ils n’auront pas tous avoir les mêmes données</a:t>
             </a:r>
           </a:p>
           <a:p>
             <a:pPr lvl="1"/>
             <a:r>
               <a:rPr lang="fr-FR" dirty="0"/>
-              <a:t>This en C++, C# et Java</a:t>
+              <a:t>Donc les attributs sont contenus dans l'objet</a:t>
+            </a:r>
+          </a:p>
+          <a:p>
+            <a:r>
+              <a:rPr lang="fr-FR" dirty="0"/>
+              <a:t>Self est la référence de l’instance</a:t>
+            </a:r>
+          </a:p>
+          <a:p>
+            <a:endParaRPr lang="fr-FR" dirty="0"/>
+          </a:p>
+        </p:txBody>
+      </p:sp>
+    </p:spTree>
+    <p:extLst>
+      <p:ext uri="{BB962C8B-B14F-4D97-AF65-F5344CB8AC3E}">
+        <p14:creationId xmlns:p14="http://schemas.microsoft.com/office/powerpoint/2010/main" val="3291891387"/>
+      </p:ext>
+    </p:extLst>
+  </p:cSld>
+  <p:clrMapOvr>
+    <a:masterClrMapping/>
+  </p:clrMapOvr>
+</p:sld>
+</file>
+
+<file path=ppt/slides/slide18.xml><?xml version="1.0" encoding="utf-8"?>
+<p:sld xmlns:a="http://schemas.openxmlformats.org/drawingml/2006/main" xmlns:r="http://schemas.openxmlformats.org/officeDocument/2006/relationships" xmlns:p="http://schemas.openxmlformats.org/presentationml/2006/main">
+  <p:cSld>
+    <p:spTree>
+      <p:nvGrpSpPr>
+        <p:cNvPr id="1" name=""/>
+        <p:cNvGrpSpPr/>
+        <p:nvPr/>
+      </p:nvGrpSpPr>
+      <p:grpSpPr>
+        <a:xfrm>
+          <a:off x="0" y="0"/>
+          <a:ext cx="0" cy="0"/>
+          <a:chOff x="0" y="0"/>
+          <a:chExt cx="0" cy="0"/>
+        </a:xfrm>
+      </p:grpSpPr>
+      <p:sp>
+        <p:nvSpPr>
+          <p:cNvPr id="2" name="Titre 1"/>
+          <p:cNvSpPr>
+            <a:spLocks noGrp="1"/>
+          </p:cNvSpPr>
+          <p:nvPr>
+            <p:ph type="title"/>
+          </p:nvPr>
+        </p:nvSpPr>
+        <p:spPr/>
+        <p:txBody>
+          <a:bodyPr/>
+          <a:lstStyle/>
+          <a:p>
+            <a:r>
+              <a:rPr lang="fr-FR" dirty="0"/>
+              <a:t>Mécanisme de self</a:t>
+            </a:r>
+          </a:p>
+        </p:txBody>
+      </p:sp>
+      <p:sp>
+        <p:nvSpPr>
+          <p:cNvPr id="3" name="Espace réservé du contenu 2"/>
+          <p:cNvSpPr>
+            <a:spLocks noGrp="1"/>
+          </p:cNvSpPr>
+          <p:nvPr>
+            <p:ph idx="1"/>
+          </p:nvPr>
+        </p:nvSpPr>
+        <p:spPr/>
+        <p:txBody>
+          <a:bodyPr/>
+          <a:lstStyle/>
+          <a:p>
+            <a:r>
+              <a:rPr lang="fr-FR" dirty="0"/>
+              <a:t>Self est la référence de l’instance</a:t>
             </a:r>
           </a:p>
           <a:p>
             <a:pPr lvl="1"/>
             <a:r>
               <a:rPr lang="fr-FR" dirty="0"/>
-              <a:t>Il doit être présent dans la signature des méthodes comme premier paramètre</a:t>
+              <a:t>Contrairement à C++, C# et Java Self n’est pas implicite</a:t>
             </a:r>
           </a:p>
           <a:p>
             <a:pPr lvl="1"/>
             <a:r>
               <a:rPr lang="fr-FR" dirty="0"/>
-              <a:t>Ignoré à l’appel</a:t>
+              <a:t>This en C++, C# et Java</a:t>
             </a:r>
           </a:p>
           <a:p>
             <a:pPr lvl="1"/>
             <a:r>
               <a:rPr lang="fr-FR" dirty="0"/>
-              <a:t>Verbeux</a:t>
+              <a:t>Il doit être présent dans la signature des méthodes comme premier paramètre</a:t>
             </a:r>
           </a:p>
           <a:p>
             <a:pPr lvl="1"/>
             <a:r>
               <a:rPr lang="fr-FR" dirty="0"/>
-              <a:t>Très inspiré de Perl </a:t>
-            </a:r>
-          </a:p>
-          <a:p>
-            <a:r>
-              <a:rPr lang="fr-FR" dirty="0" err="1"/>
-              <a:t>Instance.methode</a:t>
-            </a:r>
-            <a:r>
-              <a:rPr lang="fr-FR" dirty="0"/>
-              <a:t>(x)</a:t>
+              <a:t>Ignoré à l’appel</a:t>
             </a:r>
           </a:p>
           <a:p>
             <a:pPr lvl="1"/>
             <a:r>
               <a:rPr lang="fr-FR" dirty="0"/>
-              <a:t>Est équivalent à </a:t>
-            </a:r>
+              <a:t>Verbeux</a:t>
+            </a:r>
+          </a:p>
+          <a:p>
+            <a:pPr lvl="1"/>
+            <a:r>
+              <a:rPr lang="fr-FR" dirty="0"/>
+              <a:t>Très inspiré de Perl </a:t>
+            </a:r>
+          </a:p>
+          <a:p>
             <a:r>
               <a:rPr lang="fr-FR" dirty="0" err="1"/>
-              <a:t>methode</a:t>
+              <a:t>Instance.methode</a:t>
             </a:r>
             <a:r>
               <a:rPr lang="fr-FR" dirty="0"/>
-              <a:t>(</a:t>
+              <a:t>(x)</a:t>
+            </a:r>
+          </a:p>
+          <a:p>
+            <a:pPr lvl="1"/>
+            <a:r>
+              <a:rPr lang="fr-FR" dirty="0"/>
+              <a:t>Est équivalent à méthode(</a:t>
             </a:r>
             <a:r>
               <a:rPr lang="fr-FR" dirty="0" err="1"/>
@@ -8556,7 +9110,754 @@
 </p:sld>
 </file>
 
-<file path=ppt/slides/slide18.xml><?xml version="1.0" encoding="utf-8"?>
+<file path=ppt/slides/slide19.xml><?xml version="1.0" encoding="utf-8"?>
+<p:sld xmlns:a="http://schemas.openxmlformats.org/drawingml/2006/main" xmlns:r="http://schemas.openxmlformats.org/officeDocument/2006/relationships" xmlns:p="http://schemas.openxmlformats.org/presentationml/2006/main">
+  <p:cSld>
+    <p:spTree>
+      <p:nvGrpSpPr>
+        <p:cNvPr id="1" name=""/>
+        <p:cNvGrpSpPr/>
+        <p:nvPr/>
+      </p:nvGrpSpPr>
+      <p:grpSpPr>
+        <a:xfrm>
+          <a:off x="0" y="0"/>
+          <a:ext cx="0" cy="0"/>
+          <a:chOff x="0" y="0"/>
+          <a:chExt cx="0" cy="0"/>
+        </a:xfrm>
+      </p:grpSpPr>
+      <p:sp>
+        <p:nvSpPr>
+          <p:cNvPr id="4098" name="Rectangle 2"/>
+          <p:cNvSpPr>
+            <a:spLocks noGrp="1" noChangeArrowheads="1"/>
+          </p:cNvSpPr>
+          <p:nvPr>
+            <p:ph type="title"/>
+          </p:nvPr>
+        </p:nvSpPr>
+        <p:spPr/>
+        <p:txBody>
+          <a:bodyPr/>
+          <a:lstStyle/>
+          <a:p>
+            <a:pPr eaLnBrk="1" hangingPunct="1"/>
+            <a:r>
+              <a:rPr lang="fr-FR" altLang="fr-FR" sz="3323" dirty="0"/>
+              <a:t>Le mécanisme du self</a:t>
+            </a:r>
+          </a:p>
+        </p:txBody>
+      </p:sp>
+      <p:sp>
+        <p:nvSpPr>
+          <p:cNvPr id="4099" name="Rectangle 3"/>
+          <p:cNvSpPr>
+            <a:spLocks noGrp="1" noChangeArrowheads="1"/>
+          </p:cNvSpPr>
+          <p:nvPr>
+            <p:ph type="body" idx="1"/>
+          </p:nvPr>
+        </p:nvSpPr>
+        <p:spPr>
+          <a:xfrm>
+            <a:off x="451339" y="2032489"/>
+            <a:ext cx="3389435" cy="3798277"/>
+          </a:xfrm>
+        </p:spPr>
+        <p:txBody>
+          <a:bodyPr/>
+          <a:lstStyle/>
+          <a:p>
+            <a:pPr eaLnBrk="1" hangingPunct="1"/>
+            <a:r>
+              <a:rPr lang="fr-FR" altLang="fr-FR" sz="2000" dirty="0"/>
+              <a:t>i = 3</a:t>
+            </a:r>
+          </a:p>
+          <a:p>
+            <a:pPr eaLnBrk="1" hangingPunct="1"/>
+            <a:r>
+              <a:rPr lang="fr-FR" altLang="fr-FR" sz="2000" dirty="0"/>
+              <a:t>j = 3</a:t>
+            </a:r>
+          </a:p>
+          <a:p>
+            <a:pPr eaLnBrk="1" hangingPunct="1"/>
+            <a:r>
+              <a:rPr lang="fr-FR" altLang="fr-FR" sz="2000" dirty="0"/>
+              <a:t>i==j =&gt; </a:t>
+            </a:r>
+            <a:r>
+              <a:rPr lang="fr-FR" altLang="fr-FR" sz="2000" dirty="0" err="1"/>
+              <a:t>True</a:t>
+            </a:r>
+            <a:endParaRPr lang="fr-FR" altLang="fr-FR" sz="2000" dirty="0"/>
+          </a:p>
+          <a:p>
+            <a:pPr eaLnBrk="1" hangingPunct="1"/>
+            <a:r>
+              <a:rPr lang="fr-FR" altLang="fr-FR" sz="2000" dirty="0"/>
+              <a:t>r1 = Rectangle(3,2)</a:t>
+            </a:r>
+          </a:p>
+          <a:p>
+            <a:pPr eaLnBrk="1" hangingPunct="1"/>
+            <a:r>
+              <a:rPr lang="fr-FR" altLang="fr-FR" sz="2000" dirty="0"/>
+              <a:t>r2 = Rectangle(3,2)</a:t>
+            </a:r>
+          </a:p>
+          <a:p>
+            <a:pPr eaLnBrk="1" hangingPunct="1"/>
+            <a:r>
+              <a:rPr lang="fr-FR" altLang="fr-FR" sz="2000" dirty="0"/>
+              <a:t>r1 == r2 =&gt; False</a:t>
+            </a:r>
+          </a:p>
+          <a:p>
+            <a:pPr eaLnBrk="1" hangingPunct="1"/>
+            <a:r>
+              <a:rPr lang="fr-FR" altLang="fr-FR" sz="2000" dirty="0"/>
+              <a:t>r1 = r2</a:t>
+            </a:r>
+          </a:p>
+          <a:p>
+            <a:pPr eaLnBrk="1" hangingPunct="1"/>
+            <a:r>
+              <a:rPr lang="fr-FR" altLang="fr-FR" sz="2000" dirty="0"/>
+              <a:t>r1 == r2 =&gt; </a:t>
+            </a:r>
+            <a:r>
+              <a:rPr lang="fr-FR" altLang="fr-FR" sz="2000" dirty="0" err="1"/>
+              <a:t>True</a:t>
+            </a:r>
+            <a:endParaRPr lang="fr-FR" altLang="fr-FR" sz="2000" dirty="0"/>
+          </a:p>
+          <a:p>
+            <a:pPr eaLnBrk="1" hangingPunct="1"/>
+            <a:r>
+              <a:rPr lang="fr-FR" altLang="fr-FR" sz="2000" dirty="0"/>
+              <a:t>r1 = None</a:t>
+            </a:r>
+          </a:p>
+          <a:p>
+            <a:pPr eaLnBrk="1" hangingPunct="1"/>
+            <a:r>
+              <a:rPr lang="fr-FR" altLang="fr-FR" sz="2000" dirty="0"/>
+              <a:t>Garbage Collector : asynchrone</a:t>
+            </a:r>
+          </a:p>
+          <a:p>
+            <a:pPr eaLnBrk="1" hangingPunct="1"/>
+            <a:r>
+              <a:rPr lang="fr-FR" altLang="fr-FR" sz="2000" dirty="0" err="1"/>
+              <a:t>del</a:t>
+            </a:r>
+            <a:r>
+              <a:rPr lang="fr-FR" altLang="fr-FR" sz="2000" dirty="0"/>
+              <a:t> r1 : immédiat</a:t>
+            </a:r>
+          </a:p>
+        </p:txBody>
+      </p:sp>
+      <p:sp>
+        <p:nvSpPr>
+          <p:cNvPr id="4100" name="Rectangle 4"/>
+          <p:cNvSpPr>
+            <a:spLocks noChangeArrowheads="1"/>
+          </p:cNvSpPr>
+          <p:nvPr/>
+        </p:nvSpPr>
+        <p:spPr bwMode="auto">
+          <a:xfrm>
+            <a:off x="4506058" y="1833197"/>
+            <a:ext cx="4120662" cy="2127738"/>
+          </a:xfrm>
+          <a:prstGeom prst="rect">
+            <a:avLst/>
+          </a:prstGeom>
+          <a:gradFill rotWithShape="0">
+            <a:gsLst>
+              <a:gs pos="0">
+                <a:schemeClr val="accent1"/>
+              </a:gs>
+              <a:gs pos="100000">
+                <a:schemeClr val="bg1"/>
+              </a:gs>
+            </a:gsLst>
+            <a:lin ang="5400000" scaled="1"/>
+          </a:gradFill>
+          <a:ln w="9525">
+            <a:solidFill>
+              <a:schemeClr val="tx1"/>
+            </a:solidFill>
+            <a:miter lim="800000"/>
+            <a:headEnd/>
+            <a:tailEnd/>
+          </a:ln>
+          <a:effectLst/>
+          <a:extLst>
+            <a:ext uri="{AF507438-7753-43E0-B8FC-AC1667EBCBE1}">
+              <a14:hiddenEffects xmlns:a14="http://schemas.microsoft.com/office/drawing/2010/main">
+                <a:effectLst>
+                  <a:outerShdw dist="35921" dir="2700000" algn="ctr" rotWithShape="0">
+                    <a:schemeClr val="bg2"/>
+                  </a:outerShdw>
+                </a:effectLst>
+              </a14:hiddenEffects>
+            </a:ext>
+          </a:extLst>
+        </p:spPr>
+        <p:txBody>
+          <a:bodyPr wrap="none" anchor="ctr"/>
+          <a:lstStyle>
+            <a:lvl1pPr eaLnBrk="0" hangingPunct="0">
+              <a:defRPr sz="2400">
+                <a:solidFill>
+                  <a:schemeClr val="tx1"/>
+                </a:solidFill>
+                <a:latin typeface="Arial" panose="020B0604020202020204" pitchFamily="34" charset="0"/>
+              </a:defRPr>
+            </a:lvl1pPr>
+            <a:lvl2pPr marL="742950" indent="-285750" eaLnBrk="0" hangingPunct="0">
+              <a:defRPr sz="2400">
+                <a:solidFill>
+                  <a:schemeClr val="tx1"/>
+                </a:solidFill>
+                <a:latin typeface="Arial" panose="020B0604020202020204" pitchFamily="34" charset="0"/>
+              </a:defRPr>
+            </a:lvl2pPr>
+            <a:lvl3pPr marL="1143000" indent="-228600" eaLnBrk="0" hangingPunct="0">
+              <a:defRPr sz="2400">
+                <a:solidFill>
+                  <a:schemeClr val="tx1"/>
+                </a:solidFill>
+                <a:latin typeface="Arial" panose="020B0604020202020204" pitchFamily="34" charset="0"/>
+              </a:defRPr>
+            </a:lvl3pPr>
+            <a:lvl4pPr marL="1600200" indent="-228600" eaLnBrk="0" hangingPunct="0">
+              <a:defRPr sz="2400">
+                <a:solidFill>
+                  <a:schemeClr val="tx1"/>
+                </a:solidFill>
+                <a:latin typeface="Arial" panose="020B0604020202020204" pitchFamily="34" charset="0"/>
+              </a:defRPr>
+            </a:lvl4pPr>
+            <a:lvl5pPr marL="2057400" indent="-228600" eaLnBrk="0" hangingPunct="0">
+              <a:defRPr sz="2400">
+                <a:solidFill>
+                  <a:schemeClr val="tx1"/>
+                </a:solidFill>
+                <a:latin typeface="Arial" panose="020B0604020202020204" pitchFamily="34" charset="0"/>
+              </a:defRPr>
+            </a:lvl5pPr>
+            <a:lvl6pPr marL="2514600" indent="-228600" eaLnBrk="0" fontAlgn="base" hangingPunct="0">
+              <a:spcBef>
+                <a:spcPct val="0"/>
+              </a:spcBef>
+              <a:spcAft>
+                <a:spcPct val="0"/>
+              </a:spcAft>
+              <a:defRPr sz="2400">
+                <a:solidFill>
+                  <a:schemeClr val="tx1"/>
+                </a:solidFill>
+                <a:latin typeface="Arial" panose="020B0604020202020204" pitchFamily="34" charset="0"/>
+              </a:defRPr>
+            </a:lvl6pPr>
+            <a:lvl7pPr marL="2971800" indent="-228600" eaLnBrk="0" fontAlgn="base" hangingPunct="0">
+              <a:spcBef>
+                <a:spcPct val="0"/>
+              </a:spcBef>
+              <a:spcAft>
+                <a:spcPct val="0"/>
+              </a:spcAft>
+              <a:defRPr sz="2400">
+                <a:solidFill>
+                  <a:schemeClr val="tx1"/>
+                </a:solidFill>
+                <a:latin typeface="Arial" panose="020B0604020202020204" pitchFamily="34" charset="0"/>
+              </a:defRPr>
+            </a:lvl7pPr>
+            <a:lvl8pPr marL="3429000" indent="-228600" eaLnBrk="0" fontAlgn="base" hangingPunct="0">
+              <a:spcBef>
+                <a:spcPct val="0"/>
+              </a:spcBef>
+              <a:spcAft>
+                <a:spcPct val="0"/>
+              </a:spcAft>
+              <a:defRPr sz="2400">
+                <a:solidFill>
+                  <a:schemeClr val="tx1"/>
+                </a:solidFill>
+                <a:latin typeface="Arial" panose="020B0604020202020204" pitchFamily="34" charset="0"/>
+              </a:defRPr>
+            </a:lvl8pPr>
+            <a:lvl9pPr marL="3886200" indent="-228600" eaLnBrk="0" fontAlgn="base" hangingPunct="0">
+              <a:spcBef>
+                <a:spcPct val="0"/>
+              </a:spcBef>
+              <a:spcAft>
+                <a:spcPct val="0"/>
+              </a:spcAft>
+              <a:defRPr sz="2400">
+                <a:solidFill>
+                  <a:schemeClr val="tx1"/>
+                </a:solidFill>
+                <a:latin typeface="Arial" panose="020B0604020202020204" pitchFamily="34" charset="0"/>
+              </a:defRPr>
+            </a:lvl9pPr>
+          </a:lstStyle>
+          <a:p>
+            <a:pPr eaLnBrk="1" hangingPunct="1"/>
+            <a:endParaRPr lang="fr-FR" altLang="fr-FR" sz="2215" dirty="0"/>
+          </a:p>
+        </p:txBody>
+      </p:sp>
+      <p:sp>
+        <p:nvSpPr>
+          <p:cNvPr id="4101" name="Rectangle 5"/>
+          <p:cNvSpPr>
+            <a:spLocks noChangeArrowheads="1"/>
+          </p:cNvSpPr>
+          <p:nvPr/>
+        </p:nvSpPr>
+        <p:spPr bwMode="auto">
+          <a:xfrm>
+            <a:off x="4506058" y="3960935"/>
+            <a:ext cx="4120662" cy="2060331"/>
+          </a:xfrm>
+          <a:prstGeom prst="rect">
+            <a:avLst/>
+          </a:prstGeom>
+          <a:gradFill rotWithShape="0">
+            <a:gsLst>
+              <a:gs pos="0">
+                <a:schemeClr val="accent1"/>
+              </a:gs>
+              <a:gs pos="100000">
+                <a:schemeClr val="bg1"/>
+              </a:gs>
+            </a:gsLst>
+            <a:lin ang="5400000" scaled="1"/>
+          </a:gradFill>
+          <a:ln w="9525">
+            <a:solidFill>
+              <a:schemeClr val="tx1"/>
+            </a:solidFill>
+            <a:miter lim="800000"/>
+            <a:headEnd/>
+            <a:tailEnd/>
+          </a:ln>
+          <a:effectLst/>
+          <a:extLst>
+            <a:ext uri="{AF507438-7753-43E0-B8FC-AC1667EBCBE1}">
+              <a14:hiddenEffects xmlns:a14="http://schemas.microsoft.com/office/drawing/2010/main">
+                <a:effectLst>
+                  <a:outerShdw dist="35921" dir="2700000" algn="ctr" rotWithShape="0">
+                    <a:schemeClr val="bg2"/>
+                  </a:outerShdw>
+                </a:effectLst>
+              </a14:hiddenEffects>
+            </a:ext>
+          </a:extLst>
+        </p:spPr>
+        <p:txBody>
+          <a:bodyPr wrap="none" anchor="ctr"/>
+          <a:lstStyle>
+            <a:lvl1pPr eaLnBrk="0" hangingPunct="0">
+              <a:defRPr sz="2400">
+                <a:solidFill>
+                  <a:schemeClr val="tx1"/>
+                </a:solidFill>
+                <a:latin typeface="Arial" panose="020B0604020202020204" pitchFamily="34" charset="0"/>
+              </a:defRPr>
+            </a:lvl1pPr>
+            <a:lvl2pPr marL="742950" indent="-285750" eaLnBrk="0" hangingPunct="0">
+              <a:defRPr sz="2400">
+                <a:solidFill>
+                  <a:schemeClr val="tx1"/>
+                </a:solidFill>
+                <a:latin typeface="Arial" panose="020B0604020202020204" pitchFamily="34" charset="0"/>
+              </a:defRPr>
+            </a:lvl2pPr>
+            <a:lvl3pPr marL="1143000" indent="-228600" eaLnBrk="0" hangingPunct="0">
+              <a:defRPr sz="2400">
+                <a:solidFill>
+                  <a:schemeClr val="tx1"/>
+                </a:solidFill>
+                <a:latin typeface="Arial" panose="020B0604020202020204" pitchFamily="34" charset="0"/>
+              </a:defRPr>
+            </a:lvl3pPr>
+            <a:lvl4pPr marL="1600200" indent="-228600" eaLnBrk="0" hangingPunct="0">
+              <a:defRPr sz="2400">
+                <a:solidFill>
+                  <a:schemeClr val="tx1"/>
+                </a:solidFill>
+                <a:latin typeface="Arial" panose="020B0604020202020204" pitchFamily="34" charset="0"/>
+              </a:defRPr>
+            </a:lvl4pPr>
+            <a:lvl5pPr marL="2057400" indent="-228600" eaLnBrk="0" hangingPunct="0">
+              <a:defRPr sz="2400">
+                <a:solidFill>
+                  <a:schemeClr val="tx1"/>
+                </a:solidFill>
+                <a:latin typeface="Arial" panose="020B0604020202020204" pitchFamily="34" charset="0"/>
+              </a:defRPr>
+            </a:lvl5pPr>
+            <a:lvl6pPr marL="2514600" indent="-228600" eaLnBrk="0" fontAlgn="base" hangingPunct="0">
+              <a:spcBef>
+                <a:spcPct val="0"/>
+              </a:spcBef>
+              <a:spcAft>
+                <a:spcPct val="0"/>
+              </a:spcAft>
+              <a:defRPr sz="2400">
+                <a:solidFill>
+                  <a:schemeClr val="tx1"/>
+                </a:solidFill>
+                <a:latin typeface="Arial" panose="020B0604020202020204" pitchFamily="34" charset="0"/>
+              </a:defRPr>
+            </a:lvl6pPr>
+            <a:lvl7pPr marL="2971800" indent="-228600" eaLnBrk="0" fontAlgn="base" hangingPunct="0">
+              <a:spcBef>
+                <a:spcPct val="0"/>
+              </a:spcBef>
+              <a:spcAft>
+                <a:spcPct val="0"/>
+              </a:spcAft>
+              <a:defRPr sz="2400">
+                <a:solidFill>
+                  <a:schemeClr val="tx1"/>
+                </a:solidFill>
+                <a:latin typeface="Arial" panose="020B0604020202020204" pitchFamily="34" charset="0"/>
+              </a:defRPr>
+            </a:lvl7pPr>
+            <a:lvl8pPr marL="3429000" indent="-228600" eaLnBrk="0" fontAlgn="base" hangingPunct="0">
+              <a:spcBef>
+                <a:spcPct val="0"/>
+              </a:spcBef>
+              <a:spcAft>
+                <a:spcPct val="0"/>
+              </a:spcAft>
+              <a:defRPr sz="2400">
+                <a:solidFill>
+                  <a:schemeClr val="tx1"/>
+                </a:solidFill>
+                <a:latin typeface="Arial" panose="020B0604020202020204" pitchFamily="34" charset="0"/>
+              </a:defRPr>
+            </a:lvl8pPr>
+            <a:lvl9pPr marL="3886200" indent="-228600" eaLnBrk="0" fontAlgn="base" hangingPunct="0">
+              <a:spcBef>
+                <a:spcPct val="0"/>
+              </a:spcBef>
+              <a:spcAft>
+                <a:spcPct val="0"/>
+              </a:spcAft>
+              <a:defRPr sz="2400">
+                <a:solidFill>
+                  <a:schemeClr val="tx1"/>
+                </a:solidFill>
+                <a:latin typeface="Arial" panose="020B0604020202020204" pitchFamily="34" charset="0"/>
+              </a:defRPr>
+            </a:lvl9pPr>
+          </a:lstStyle>
+          <a:p>
+            <a:pPr eaLnBrk="1" hangingPunct="1"/>
+            <a:endParaRPr lang="fr-FR" altLang="fr-FR" sz="2215"/>
+          </a:p>
+        </p:txBody>
+      </p:sp>
+      <p:sp>
+        <p:nvSpPr>
+          <p:cNvPr id="2" name="ZoneTexte 1">
+            <a:extLst>
+              <a:ext uri="{FF2B5EF4-FFF2-40B4-BE49-F238E27FC236}">
+                <a16:creationId xmlns:a16="http://schemas.microsoft.com/office/drawing/2014/main" id="{A00853F1-C4B4-41C6-83CE-09C09C816C68}"/>
+              </a:ext>
+            </a:extLst>
+          </p:cNvPr>
+          <p:cNvSpPr txBox="1"/>
+          <p:nvPr/>
+        </p:nvSpPr>
+        <p:spPr>
+          <a:xfrm>
+            <a:off x="4506058" y="1758637"/>
+            <a:ext cx="1080120" cy="461665"/>
+          </a:xfrm>
+          <a:prstGeom prst="rect">
+            <a:avLst/>
+          </a:prstGeom>
+          <a:noFill/>
+        </p:spPr>
+        <p:txBody>
+          <a:bodyPr wrap="square" rtlCol="0">
+            <a:spAutoFit/>
+          </a:bodyPr>
+          <a:lstStyle/>
+          <a:p>
+            <a:r>
+              <a:rPr lang="fr-FR" dirty="0"/>
+              <a:t>Stack</a:t>
+            </a:r>
+          </a:p>
+        </p:txBody>
+      </p:sp>
+      <p:sp>
+        <p:nvSpPr>
+          <p:cNvPr id="3" name="ZoneTexte 2">
+            <a:extLst>
+              <a:ext uri="{FF2B5EF4-FFF2-40B4-BE49-F238E27FC236}">
+                <a16:creationId xmlns:a16="http://schemas.microsoft.com/office/drawing/2014/main" id="{A8E64D7F-B975-4D7A-8645-513D80030B76}"/>
+              </a:ext>
+            </a:extLst>
+          </p:cNvPr>
+          <p:cNvSpPr txBox="1"/>
+          <p:nvPr/>
+        </p:nvSpPr>
+        <p:spPr>
+          <a:xfrm>
+            <a:off x="4572000" y="4149080"/>
+            <a:ext cx="1152128" cy="461665"/>
+          </a:xfrm>
+          <a:prstGeom prst="rect">
+            <a:avLst/>
+          </a:prstGeom>
+          <a:noFill/>
+        </p:spPr>
+        <p:txBody>
+          <a:bodyPr wrap="square" rtlCol="0">
+            <a:spAutoFit/>
+          </a:bodyPr>
+          <a:lstStyle/>
+          <a:p>
+            <a:r>
+              <a:rPr lang="fr-FR" dirty="0" err="1"/>
+              <a:t>Heap</a:t>
+            </a:r>
+            <a:endParaRPr lang="fr-FR" dirty="0"/>
+          </a:p>
+        </p:txBody>
+      </p:sp>
+    </p:spTree>
+    <p:extLst>
+      <p:ext uri="{BB962C8B-B14F-4D97-AF65-F5344CB8AC3E}">
+        <p14:creationId xmlns:p14="http://schemas.microsoft.com/office/powerpoint/2010/main" val="4270029022"/>
+      </p:ext>
+    </p:extLst>
+  </p:cSld>
+  <p:clrMapOvr>
+    <a:masterClrMapping/>
+  </p:clrMapOvr>
+</p:sld>
+</file>
+
+<file path=ppt/slides/slide2.xml><?xml version="1.0" encoding="utf-8"?>
+<p:sld xmlns:a="http://schemas.openxmlformats.org/drawingml/2006/main" xmlns:r="http://schemas.openxmlformats.org/officeDocument/2006/relationships" xmlns:p="http://schemas.openxmlformats.org/presentationml/2006/main">
+  <p:cSld>
+    <p:spTree>
+      <p:nvGrpSpPr>
+        <p:cNvPr id="1" name=""/>
+        <p:cNvGrpSpPr/>
+        <p:nvPr/>
+      </p:nvGrpSpPr>
+      <p:grpSpPr>
+        <a:xfrm>
+          <a:off x="0" y="0"/>
+          <a:ext cx="0" cy="0"/>
+          <a:chOff x="0" y="0"/>
+          <a:chExt cx="0" cy="0"/>
+        </a:xfrm>
+      </p:grpSpPr>
+      <p:sp>
+        <p:nvSpPr>
+          <p:cNvPr id="8194" name="Rectangle 2"/>
+          <p:cNvSpPr>
+            <a:spLocks noGrp="1" noChangeArrowheads="1"/>
+          </p:cNvSpPr>
+          <p:nvPr>
+            <p:ph type="title"/>
+          </p:nvPr>
+        </p:nvSpPr>
+        <p:spPr/>
+        <p:txBody>
+          <a:bodyPr/>
+          <a:lstStyle/>
+          <a:p>
+            <a:pPr>
+              <a:buClr>
+                <a:schemeClr val="accent2"/>
+              </a:buClr>
+            </a:pPr>
+            <a:r>
+              <a:rPr lang="en-US" altLang="fr-FR" dirty="0">
+                <a:solidFill>
+                  <a:srgbClr val="000000"/>
+                </a:solidFill>
+              </a:rPr>
+              <a:t>Classes et </a:t>
+            </a:r>
+            <a:r>
+              <a:rPr lang="en-US" altLang="fr-FR" dirty="0" err="1">
+                <a:solidFill>
+                  <a:srgbClr val="000000"/>
+                </a:solidFill>
+              </a:rPr>
+              <a:t>objets</a:t>
+            </a:r>
+            <a:endParaRPr lang="en-US" altLang="fr-FR" dirty="0"/>
+          </a:p>
+        </p:txBody>
+      </p:sp>
+      <p:sp>
+        <p:nvSpPr>
+          <p:cNvPr id="8195" name="Rectangle 3"/>
+          <p:cNvSpPr>
+            <a:spLocks noGrp="1" noChangeArrowheads="1"/>
+          </p:cNvSpPr>
+          <p:nvPr>
+            <p:ph type="body" idx="1"/>
+          </p:nvPr>
+        </p:nvSpPr>
+        <p:spPr/>
+        <p:txBody>
+          <a:bodyPr/>
+          <a:lstStyle/>
+          <a:p>
+            <a:r>
+              <a:rPr lang="en-US" altLang="fr-FR" dirty="0" err="1">
+                <a:solidFill>
+                  <a:srgbClr val="000000"/>
+                </a:solidFill>
+              </a:rPr>
+              <a:t>Qu'est-ce</a:t>
+            </a:r>
+            <a:r>
+              <a:rPr lang="en-US" altLang="fr-FR" dirty="0">
+                <a:solidFill>
+                  <a:srgbClr val="000000"/>
+                </a:solidFill>
+              </a:rPr>
+              <a:t> </a:t>
+            </a:r>
+            <a:r>
+              <a:rPr lang="en-US" altLang="fr-FR" dirty="0" err="1">
+                <a:solidFill>
+                  <a:srgbClr val="000000"/>
+                </a:solidFill>
+              </a:rPr>
+              <a:t>qu'une</a:t>
+            </a:r>
+            <a:r>
+              <a:rPr lang="en-US" altLang="fr-FR" dirty="0">
+                <a:solidFill>
+                  <a:srgbClr val="000000"/>
+                </a:solidFill>
+              </a:rPr>
+              <a:t> </a:t>
+            </a:r>
+            <a:r>
+              <a:rPr lang="en-US" altLang="fr-FR" dirty="0" err="1">
+                <a:solidFill>
+                  <a:srgbClr val="000000"/>
+                </a:solidFill>
+              </a:rPr>
+              <a:t>classe</a:t>
+            </a:r>
+            <a:r>
+              <a:rPr lang="en-US" altLang="fr-FR" dirty="0">
+                <a:solidFill>
+                  <a:srgbClr val="000000"/>
+                </a:solidFill>
+              </a:rPr>
+              <a:t> ?</a:t>
+            </a:r>
+            <a:endParaRPr lang="en-GB" altLang="fr-FR" dirty="0"/>
+          </a:p>
+          <a:p>
+            <a:r>
+              <a:rPr lang="en-US" altLang="fr-FR" dirty="0" err="1">
+                <a:solidFill>
+                  <a:srgbClr val="000000"/>
+                </a:solidFill>
+              </a:rPr>
+              <a:t>Qu'est-ce</a:t>
+            </a:r>
+            <a:r>
+              <a:rPr lang="en-US" altLang="fr-FR" dirty="0">
+                <a:solidFill>
+                  <a:srgbClr val="000000"/>
+                </a:solidFill>
+              </a:rPr>
+              <a:t> </a:t>
+            </a:r>
+            <a:r>
+              <a:rPr lang="en-US" altLang="fr-FR" dirty="0" err="1">
+                <a:solidFill>
+                  <a:srgbClr val="000000"/>
+                </a:solidFill>
+              </a:rPr>
+              <a:t>qu'un</a:t>
+            </a:r>
+            <a:r>
+              <a:rPr lang="en-US" altLang="fr-FR" dirty="0">
+                <a:solidFill>
+                  <a:srgbClr val="000000"/>
+                </a:solidFill>
+              </a:rPr>
+              <a:t> </a:t>
+            </a:r>
+            <a:r>
+              <a:rPr lang="en-US" altLang="fr-FR" dirty="0" err="1">
+                <a:solidFill>
+                  <a:srgbClr val="000000"/>
+                </a:solidFill>
+              </a:rPr>
+              <a:t>objet</a:t>
+            </a:r>
+            <a:r>
+              <a:rPr lang="en-US" altLang="fr-FR" dirty="0">
+                <a:solidFill>
+                  <a:srgbClr val="000000"/>
+                </a:solidFill>
+              </a:rPr>
+              <a:t> ?</a:t>
+            </a:r>
+            <a:endParaRPr lang="en-GB" altLang="fr-FR" dirty="0"/>
+          </a:p>
+          <a:p>
+            <a:r>
+              <a:rPr lang="en-US" altLang="fr-FR" dirty="0">
+                <a:solidFill>
+                  <a:srgbClr val="000000"/>
+                </a:solidFill>
+              </a:rPr>
+              <a:t>Abstraction</a:t>
+            </a:r>
+            <a:endParaRPr lang="en-GB" altLang="fr-FR" dirty="0">
+              <a:solidFill>
+                <a:srgbClr val="000000"/>
+              </a:solidFill>
+            </a:endParaRPr>
+          </a:p>
+        </p:txBody>
+      </p:sp>
+    </p:spTree>
+    <p:extLst>
+      <p:ext uri="{BB962C8B-B14F-4D97-AF65-F5344CB8AC3E}">
+        <p14:creationId xmlns:p14="http://schemas.microsoft.com/office/powerpoint/2010/main" val="3024284210"/>
+      </p:ext>
+    </p:extLst>
+  </p:cSld>
+  <p:clrMapOvr>
+    <a:masterClrMapping/>
+  </p:clrMapOvr>
+</p:sld>
+</file>
+
+<file path=ppt/slides/slide20.xml><?xml version="1.0" encoding="utf-8"?>
 <p:sld xmlns:a="http://schemas.openxmlformats.org/drawingml/2006/main" xmlns:r="http://schemas.openxmlformats.org/officeDocument/2006/relationships" xmlns:p="http://schemas.openxmlformats.org/presentationml/2006/main">
   <p:cSld>
     <p:spTree>
@@ -11577,7 +12878,7 @@
 </p:sld>
 </file>
 
-<file path=ppt/slides/slide19.xml><?xml version="1.0" encoding="utf-8"?>
+<file path=ppt/slides/slide21.xml><?xml version="1.0" encoding="utf-8"?>
 <p:sld xmlns:a="http://schemas.openxmlformats.org/drawingml/2006/main" xmlns:r="http://schemas.openxmlformats.org/officeDocument/2006/relationships" xmlns:p="http://schemas.openxmlformats.org/presentationml/2006/main">
   <p:cSld>
     <p:spTree>
@@ -14071,7 +15372,7 @@
 </p:sld>
 </file>
 
-<file path=ppt/slides/slide2.xml><?xml version="1.0" encoding="utf-8"?>
+<file path=ppt/slides/slide22.xml><?xml version="1.0" encoding="utf-8"?>
 <p:sld xmlns:a="http://schemas.openxmlformats.org/drawingml/2006/main" xmlns:r="http://schemas.openxmlformats.org/officeDocument/2006/relationships" xmlns:p="http://schemas.openxmlformats.org/presentationml/2006/main">
   <p:cSld>
     <p:spTree>
@@ -14090,9 +15391,9 @@
       </p:grpSpPr>
       <p:sp>
         <p:nvSpPr>
-          <p:cNvPr id="8194" name="Rectangle 2"/>
+          <p:cNvPr id="2" name="Titre 1"/>
           <p:cNvSpPr>
-            <a:spLocks noGrp="1" noChangeArrowheads="1"/>
+            <a:spLocks noGrp="1"/>
           </p:cNvSpPr>
           <p:nvPr>
             <p:ph type="title"/>
@@ -14103,39 +15404,21 @@
           <a:bodyPr/>
           <a:lstStyle/>
           <a:p>
-            <a:pPr>
-              <a:buClr>
-                <a:schemeClr val="accent2"/>
-              </a:buClr>
-            </a:pPr>
-            <a:r>
-              <a:rPr lang="en-US" altLang="fr-FR" dirty="0">
-                <a:solidFill>
-                  <a:srgbClr val="000000"/>
-                </a:solidFill>
-              </a:rPr>
-              <a:t>Classes et </a:t>
-            </a:r>
-            <a:r>
-              <a:rPr lang="en-US" altLang="fr-FR" dirty="0" err="1">
-                <a:solidFill>
-                  <a:srgbClr val="000000"/>
-                </a:solidFill>
-              </a:rPr>
-              <a:t>objets</a:t>
-            </a:r>
-            <a:endParaRPr lang="en-US" altLang="fr-FR" dirty="0"/>
+            <a:r>
+              <a:rPr lang="fr-FR" dirty="0"/>
+              <a:t>Problème d’encapsulation</a:t>
+            </a:r>
           </a:p>
         </p:txBody>
       </p:sp>
       <p:sp>
         <p:nvSpPr>
-          <p:cNvPr id="8195" name="Rectangle 3"/>
+          <p:cNvPr id="3" name="Espace réservé du contenu 2"/>
           <p:cNvSpPr>
-            <a:spLocks noGrp="1" noChangeArrowheads="1"/>
+            <a:spLocks noGrp="1"/>
           </p:cNvSpPr>
           <p:nvPr>
-            <p:ph type="body" idx="1"/>
+            <p:ph idx="1"/>
           </p:nvPr>
         </p:nvSpPr>
         <p:spPr/>
@@ -14144,127 +15427,55 @@
           <a:lstStyle/>
           <a:p>
             <a:r>
-              <a:rPr lang="en-US" altLang="fr-FR" dirty="0" err="1">
-                <a:solidFill>
-                  <a:srgbClr val="000000"/>
-                </a:solidFill>
-              </a:rPr>
-              <a:t>Qu'est-ce</a:t>
-            </a:r>
-            <a:r>
-              <a:rPr lang="en-US" altLang="fr-FR" dirty="0">
-                <a:solidFill>
-                  <a:srgbClr val="000000"/>
-                </a:solidFill>
-              </a:rPr>
-              <a:t> </a:t>
-            </a:r>
-            <a:r>
-              <a:rPr lang="en-US" altLang="fr-FR" dirty="0" err="1">
-                <a:solidFill>
-                  <a:srgbClr val="000000"/>
-                </a:solidFill>
-              </a:rPr>
-              <a:t>qu'une</a:t>
-            </a:r>
-            <a:r>
-              <a:rPr lang="en-US" altLang="fr-FR" dirty="0">
-                <a:solidFill>
-                  <a:srgbClr val="000000"/>
-                </a:solidFill>
-              </a:rPr>
-              <a:t> </a:t>
-            </a:r>
-            <a:r>
-              <a:rPr lang="en-US" altLang="fr-FR" dirty="0" err="1">
-                <a:solidFill>
-                  <a:srgbClr val="000000"/>
-                </a:solidFill>
-              </a:rPr>
-              <a:t>classe</a:t>
-            </a:r>
-            <a:r>
-              <a:rPr lang="en-US" altLang="fr-FR" dirty="0">
-                <a:solidFill>
-                  <a:srgbClr val="000000"/>
-                </a:solidFill>
-              </a:rPr>
-              <a:t> ?</a:t>
-            </a:r>
-            <a:endParaRPr lang="en-GB" altLang="fr-FR" dirty="0"/>
+              <a:rPr lang="fr-FR" dirty="0"/>
+              <a:t>Python ne permet pas de modifier la visibilité d’un attribut</a:t>
+            </a:r>
           </a:p>
           <a:p>
-            <a:r>
-              <a:rPr lang="en-US" altLang="fr-FR" dirty="0" err="1">
-                <a:solidFill>
-                  <a:srgbClr val="000000"/>
-                </a:solidFill>
-              </a:rPr>
-              <a:t>Qu'est-ce</a:t>
-            </a:r>
-            <a:r>
-              <a:rPr lang="en-US" altLang="fr-FR" dirty="0">
-                <a:solidFill>
-                  <a:srgbClr val="000000"/>
-                </a:solidFill>
-              </a:rPr>
-              <a:t> </a:t>
-            </a:r>
-            <a:r>
-              <a:rPr lang="en-US" altLang="fr-FR" dirty="0" err="1">
-                <a:solidFill>
-                  <a:srgbClr val="000000"/>
-                </a:solidFill>
-              </a:rPr>
-              <a:t>qu'un</a:t>
-            </a:r>
-            <a:r>
-              <a:rPr lang="en-US" altLang="fr-FR" dirty="0">
-                <a:solidFill>
-                  <a:srgbClr val="000000"/>
-                </a:solidFill>
-              </a:rPr>
-              <a:t> </a:t>
-            </a:r>
-            <a:r>
-              <a:rPr lang="en-US" altLang="fr-FR" dirty="0" err="1">
-                <a:solidFill>
-                  <a:srgbClr val="000000"/>
-                </a:solidFill>
-              </a:rPr>
-              <a:t>objet</a:t>
-            </a:r>
-            <a:r>
-              <a:rPr lang="en-US" altLang="fr-FR" dirty="0">
-                <a:solidFill>
-                  <a:srgbClr val="000000"/>
-                </a:solidFill>
-              </a:rPr>
-              <a:t> ?</a:t>
-            </a:r>
-            <a:endParaRPr lang="en-GB" altLang="fr-FR" dirty="0"/>
+            <a:pPr lvl="1"/>
+            <a:r>
+              <a:rPr lang="fr-FR" dirty="0"/>
+              <a:t>Pas de public, </a:t>
+            </a:r>
+            <a:r>
+              <a:rPr lang="fr-FR" dirty="0" err="1"/>
+              <a:t>private</a:t>
+            </a:r>
+            <a:endParaRPr lang="fr-FR" dirty="0"/>
           </a:p>
           <a:p>
-            <a:r>
-              <a:rPr lang="en-US" altLang="fr-FR" dirty="0">
-                <a:solidFill>
-                  <a:srgbClr val="000000"/>
-                </a:solidFill>
-              </a:rPr>
-              <a:t>Abstraction</a:t>
-            </a:r>
-            <a:endParaRPr lang="en-GB" altLang="fr-FR" dirty="0">
-              <a:solidFill>
-                <a:srgbClr val="000000"/>
-              </a:solidFill>
-            </a:endParaRPr>
+            <a:pPr lvl="1"/>
+            <a:r>
+              <a:rPr lang="fr-FR" dirty="0"/>
+              <a:t>Problème pour une encapsulation correcte</a:t>
+            </a:r>
+          </a:p>
+          <a:p>
+            <a:r>
+              <a:rPr lang="fr-FR" dirty="0"/>
+              <a:t>Norme de codage</a:t>
+            </a:r>
+          </a:p>
+          <a:p>
+            <a:pPr lvl="1"/>
+            <a:r>
+              <a:rPr lang="fr-FR" dirty="0"/>
+              <a:t>Un attribut ou une méthode privée est préfixée par _</a:t>
+            </a:r>
+          </a:p>
+          <a:p>
+            <a:pPr lvl="1"/>
+            <a:r>
+              <a:rPr lang="fr-FR" dirty="0"/>
+              <a:t>Tous les attributs</a:t>
+            </a:r>
           </a:p>
         </p:txBody>
       </p:sp>
     </p:spTree>
     <p:extLst>
       <p:ext uri="{BB962C8B-B14F-4D97-AF65-F5344CB8AC3E}">
-        <p14:creationId xmlns:p14="http://schemas.microsoft.com/office/powerpoint/2010/main" val="3024284210"/>
+        <p14:creationId xmlns:p14="http://schemas.microsoft.com/office/powerpoint/2010/main" val="1684608354"/>
       </p:ext>
     </p:extLst>
   </p:cSld>
@@ -14274,7 +15485,648 @@
 </p:sld>
 </file>
 
-<file path=ppt/slides/slide20.xml><?xml version="1.0" encoding="utf-8"?>
+<file path=ppt/slides/slide23.xml><?xml version="1.0" encoding="utf-8"?>
+<p:sld xmlns:a="http://schemas.openxmlformats.org/drawingml/2006/main" xmlns:r="http://schemas.openxmlformats.org/officeDocument/2006/relationships" xmlns:p="http://schemas.openxmlformats.org/presentationml/2006/main">
+  <p:cSld>
+    <p:spTree>
+      <p:nvGrpSpPr>
+        <p:cNvPr id="1" name=""/>
+        <p:cNvGrpSpPr/>
+        <p:nvPr/>
+      </p:nvGrpSpPr>
+      <p:grpSpPr>
+        <a:xfrm>
+          <a:off x="0" y="0"/>
+          <a:ext cx="0" cy="0"/>
+          <a:chOff x="0" y="0"/>
+          <a:chExt cx="0" cy="0"/>
+        </a:xfrm>
+      </p:grpSpPr>
+      <p:sp>
+        <p:nvSpPr>
+          <p:cNvPr id="2" name="Titre 1"/>
+          <p:cNvSpPr>
+            <a:spLocks noGrp="1"/>
+          </p:cNvSpPr>
+          <p:nvPr>
+            <p:ph type="title"/>
+          </p:nvPr>
+        </p:nvSpPr>
+        <p:spPr/>
+        <p:txBody>
+          <a:bodyPr/>
+          <a:lstStyle/>
+          <a:p>
+            <a:r>
+              <a:rPr lang="fr-FR" dirty="0"/>
+              <a:t>Getter et Setter</a:t>
+            </a:r>
+          </a:p>
+        </p:txBody>
+      </p:sp>
+      <p:sp>
+        <p:nvSpPr>
+          <p:cNvPr id="3" name="Espace réservé du contenu 2"/>
+          <p:cNvSpPr>
+            <a:spLocks noGrp="1"/>
+          </p:cNvSpPr>
+          <p:nvPr>
+            <p:ph idx="1"/>
+          </p:nvPr>
+        </p:nvSpPr>
+        <p:spPr/>
+        <p:txBody>
+          <a:bodyPr/>
+          <a:lstStyle/>
+          <a:p>
+            <a:r>
+              <a:rPr lang="fr-FR" dirty="0"/>
+              <a:t>Les getters et setters permettent d’accéder à un attribut privé</a:t>
+            </a:r>
+          </a:p>
+          <a:p>
+            <a:r>
+              <a:rPr lang="fr-FR" dirty="0"/>
+              <a:t>C’est une simple norme de codage</a:t>
+            </a:r>
+          </a:p>
+          <a:p>
+            <a:r>
+              <a:rPr lang="fr-FR" dirty="0"/>
+              <a:t>Getter</a:t>
+            </a:r>
+          </a:p>
+          <a:p>
+            <a:pPr lvl="1"/>
+            <a:r>
+              <a:rPr lang="fr-FR" dirty="0"/>
+              <a:t>Permet d’accéder en lecture à l’attribut</a:t>
+            </a:r>
+          </a:p>
+          <a:p>
+            <a:r>
+              <a:rPr lang="fr-FR" dirty="0"/>
+              <a:t>Setter</a:t>
+            </a:r>
+          </a:p>
+          <a:p>
+            <a:pPr lvl="1"/>
+            <a:r>
+              <a:rPr lang="fr-FR" dirty="0"/>
+              <a:t>Permet d’accéder en écriture à l’attribut</a:t>
+            </a:r>
+          </a:p>
+          <a:p>
+            <a:endParaRPr lang="fr-FR" dirty="0"/>
+          </a:p>
+          <a:p>
+            <a:pPr lvl="1"/>
+            <a:endParaRPr lang="fr-FR" dirty="0"/>
+          </a:p>
+        </p:txBody>
+      </p:sp>
+    </p:spTree>
+    <p:extLst>
+      <p:ext uri="{BB962C8B-B14F-4D97-AF65-F5344CB8AC3E}">
+        <p14:creationId xmlns:p14="http://schemas.microsoft.com/office/powerpoint/2010/main" val="136380460"/>
+      </p:ext>
+    </p:extLst>
+  </p:cSld>
+  <p:clrMapOvr>
+    <a:masterClrMapping/>
+  </p:clrMapOvr>
+</p:sld>
+</file>
+
+<file path=ppt/slides/slide24.xml><?xml version="1.0" encoding="utf-8"?>
+<p:sld xmlns:a="http://schemas.openxmlformats.org/drawingml/2006/main" xmlns:r="http://schemas.openxmlformats.org/officeDocument/2006/relationships" xmlns:p="http://schemas.openxmlformats.org/presentationml/2006/main">
+  <p:cSld>
+    <p:spTree>
+      <p:nvGrpSpPr>
+        <p:cNvPr id="1" name=""/>
+        <p:cNvGrpSpPr/>
+        <p:nvPr/>
+      </p:nvGrpSpPr>
+      <p:grpSpPr>
+        <a:xfrm>
+          <a:off x="0" y="0"/>
+          <a:ext cx="0" cy="0"/>
+          <a:chOff x="0" y="0"/>
+          <a:chExt cx="0" cy="0"/>
+        </a:xfrm>
+      </p:grpSpPr>
+      <p:sp>
+        <p:nvSpPr>
+          <p:cNvPr id="2" name="Titre 1"/>
+          <p:cNvSpPr>
+            <a:spLocks noGrp="1"/>
+          </p:cNvSpPr>
+          <p:nvPr>
+            <p:ph type="title"/>
+          </p:nvPr>
+        </p:nvSpPr>
+        <p:spPr/>
+        <p:txBody>
+          <a:bodyPr/>
+          <a:lstStyle/>
+          <a:p>
+            <a:r>
+              <a:rPr lang="fr-FR" dirty="0"/>
+              <a:t>Décorateurs</a:t>
+            </a:r>
+          </a:p>
+        </p:txBody>
+      </p:sp>
+      <p:sp>
+        <p:nvSpPr>
+          <p:cNvPr id="3" name="Espace réservé du contenu 2"/>
+          <p:cNvSpPr>
+            <a:spLocks noGrp="1"/>
+          </p:cNvSpPr>
+          <p:nvPr>
+            <p:ph idx="1"/>
+          </p:nvPr>
+        </p:nvSpPr>
+        <p:spPr/>
+        <p:txBody>
+          <a:bodyPr/>
+          <a:lstStyle/>
+          <a:p>
+            <a:r>
+              <a:rPr lang="fr-FR" dirty="0"/>
+              <a:t>Permet de modifier le comportement d’une méthode ou d’une classe</a:t>
+            </a:r>
+          </a:p>
+          <a:p>
+            <a:endParaRPr lang="fr-FR" dirty="0"/>
+          </a:p>
+          <a:p>
+            <a:endParaRPr lang="fr-FR" dirty="0"/>
+          </a:p>
+          <a:p>
+            <a:r>
+              <a:rPr lang="fr-FR" dirty="0"/>
+              <a:t>Ce code est identique à fonction = </a:t>
+            </a:r>
+            <a:r>
+              <a:rPr lang="fr-FR" dirty="0" err="1"/>
+              <a:t>decorateur</a:t>
+            </a:r>
+            <a:r>
+              <a:rPr lang="fr-FR" dirty="0"/>
+              <a:t>(</a:t>
+            </a:r>
+            <a:r>
+              <a:rPr lang="fr-FR" dirty="0" err="1"/>
+              <a:t>parametre</a:t>
+            </a:r>
+            <a:r>
+              <a:rPr lang="fr-FR" dirty="0"/>
+              <a:t>)(fonction)</a:t>
+            </a:r>
+          </a:p>
+          <a:p>
+            <a:pPr lvl="1"/>
+            <a:r>
+              <a:rPr lang="fr-FR" dirty="0"/>
+              <a:t>C’est une fonction dans une fonction</a:t>
+            </a:r>
+          </a:p>
+          <a:p>
+            <a:endParaRPr lang="fr-FR" dirty="0"/>
+          </a:p>
+        </p:txBody>
+      </p:sp>
+      <p:pic>
+        <p:nvPicPr>
+          <p:cNvPr id="4" name="Image 3"/>
+          <p:cNvPicPr>
+            <a:picLocks noChangeAspect="1"/>
+          </p:cNvPicPr>
+          <p:nvPr/>
+        </p:nvPicPr>
+        <p:blipFill>
+          <a:blip r:embed="rId3"/>
+          <a:stretch>
+            <a:fillRect/>
+          </a:stretch>
+        </p:blipFill>
+        <p:spPr>
+          <a:xfrm>
+            <a:off x="2627784" y="2492896"/>
+            <a:ext cx="3133761" cy="852859"/>
+          </a:xfrm>
+          <a:prstGeom prst="rect">
+            <a:avLst/>
+          </a:prstGeom>
+        </p:spPr>
+      </p:pic>
+    </p:spTree>
+    <p:extLst>
+      <p:ext uri="{BB962C8B-B14F-4D97-AF65-F5344CB8AC3E}">
+        <p14:creationId xmlns:p14="http://schemas.microsoft.com/office/powerpoint/2010/main" val="1386835975"/>
+      </p:ext>
+    </p:extLst>
+  </p:cSld>
+  <p:clrMapOvr>
+    <a:masterClrMapping/>
+  </p:clrMapOvr>
+</p:sld>
+</file>
+
+<file path=ppt/slides/slide25.xml><?xml version="1.0" encoding="utf-8"?>
+<p:sld xmlns:a="http://schemas.openxmlformats.org/drawingml/2006/main" xmlns:r="http://schemas.openxmlformats.org/officeDocument/2006/relationships" xmlns:p="http://schemas.openxmlformats.org/presentationml/2006/main">
+  <p:cSld>
+    <p:spTree>
+      <p:nvGrpSpPr>
+        <p:cNvPr id="1" name=""/>
+        <p:cNvGrpSpPr/>
+        <p:nvPr/>
+      </p:nvGrpSpPr>
+      <p:grpSpPr>
+        <a:xfrm>
+          <a:off x="0" y="0"/>
+          <a:ext cx="0" cy="0"/>
+          <a:chOff x="0" y="0"/>
+          <a:chExt cx="0" cy="0"/>
+        </a:xfrm>
+      </p:grpSpPr>
+      <p:sp>
+        <p:nvSpPr>
+          <p:cNvPr id="2" name="Titre 1"/>
+          <p:cNvSpPr>
+            <a:spLocks noGrp="1"/>
+          </p:cNvSpPr>
+          <p:nvPr>
+            <p:ph type="title"/>
+          </p:nvPr>
+        </p:nvSpPr>
+        <p:spPr/>
+        <p:txBody>
+          <a:bodyPr/>
+          <a:lstStyle/>
+          <a:p>
+            <a:r>
+              <a:rPr lang="fr-FR" dirty="0"/>
+              <a:t>Propriété</a:t>
+            </a:r>
+          </a:p>
+        </p:txBody>
+      </p:sp>
+      <p:sp>
+        <p:nvSpPr>
+          <p:cNvPr id="3" name="Espace réservé du contenu 2"/>
+          <p:cNvSpPr>
+            <a:spLocks noGrp="1"/>
+          </p:cNvSpPr>
+          <p:nvPr>
+            <p:ph idx="1"/>
+          </p:nvPr>
+        </p:nvSpPr>
+        <p:spPr/>
+        <p:txBody>
+          <a:bodyPr/>
+          <a:lstStyle/>
+          <a:p>
+            <a:r>
+              <a:rPr lang="fr-FR" dirty="0"/>
+              <a:t>L’utilisation des getter et setter est lourde</a:t>
+            </a:r>
+          </a:p>
+          <a:p>
+            <a:pPr lvl="1"/>
+            <a:r>
+              <a:rPr lang="fr-FR" dirty="0"/>
+              <a:t>Comme Java</a:t>
+            </a:r>
+          </a:p>
+          <a:p>
+            <a:r>
+              <a:rPr lang="fr-FR" dirty="0"/>
+              <a:t>Python possède le concept de propriété qui permet d’avoir une écriture simple</a:t>
+            </a:r>
+          </a:p>
+          <a:p>
+            <a:pPr lvl="1"/>
+            <a:r>
+              <a:rPr lang="fr-FR" dirty="0"/>
+              <a:t>Comme C#</a:t>
+            </a:r>
+          </a:p>
+          <a:p>
+            <a:r>
+              <a:rPr lang="fr-FR" dirty="0"/>
+              <a:t>Pour cela il faut utiliser les décorations @property et @.setter</a:t>
+            </a:r>
+          </a:p>
+          <a:p>
+            <a:r>
+              <a:rPr lang="fr-FR" dirty="0" err="1"/>
+              <a:t>Snippet</a:t>
+            </a:r>
+            <a:r>
+              <a:rPr lang="fr-FR" dirty="0"/>
+              <a:t> </a:t>
+            </a:r>
+            <a:r>
+              <a:rPr lang="fr-FR" dirty="0" err="1"/>
+              <a:t>props</a:t>
+            </a:r>
+            <a:endParaRPr lang="fr-FR" dirty="0"/>
+          </a:p>
+        </p:txBody>
+      </p:sp>
+    </p:spTree>
+    <p:extLst>
+      <p:ext uri="{BB962C8B-B14F-4D97-AF65-F5344CB8AC3E}">
+        <p14:creationId xmlns:p14="http://schemas.microsoft.com/office/powerpoint/2010/main" val="3773852830"/>
+      </p:ext>
+    </p:extLst>
+  </p:cSld>
+  <p:clrMapOvr>
+    <a:masterClrMapping/>
+  </p:clrMapOvr>
+</p:sld>
+</file>
+
+<file path=ppt/slides/slide26.xml><?xml version="1.0" encoding="utf-8"?>
+<p:sld xmlns:a="http://schemas.openxmlformats.org/drawingml/2006/main" xmlns:r="http://schemas.openxmlformats.org/officeDocument/2006/relationships" xmlns:p="http://schemas.openxmlformats.org/presentationml/2006/main">
+  <p:cSld>
+    <p:spTree>
+      <p:nvGrpSpPr>
+        <p:cNvPr id="1" name=""/>
+        <p:cNvGrpSpPr/>
+        <p:nvPr/>
+      </p:nvGrpSpPr>
+      <p:grpSpPr>
+        <a:xfrm>
+          <a:off x="0" y="0"/>
+          <a:ext cx="0" cy="0"/>
+          <a:chOff x="0" y="0"/>
+          <a:chExt cx="0" cy="0"/>
+        </a:xfrm>
+      </p:grpSpPr>
+      <p:sp>
+        <p:nvSpPr>
+          <p:cNvPr id="2" name="Titre 1"/>
+          <p:cNvSpPr>
+            <a:spLocks noGrp="1"/>
+          </p:cNvSpPr>
+          <p:nvPr>
+            <p:ph type="title"/>
+          </p:nvPr>
+        </p:nvSpPr>
+        <p:spPr/>
+        <p:txBody>
+          <a:bodyPr/>
+          <a:lstStyle/>
+          <a:p>
+            <a:r>
+              <a:rPr lang="fr-FR" dirty="0"/>
+              <a:t>Exemple de propriété</a:t>
+            </a:r>
+          </a:p>
+        </p:txBody>
+      </p:sp>
+      <p:pic>
+        <p:nvPicPr>
+          <p:cNvPr id="5" name="Espace réservé du contenu 4"/>
+          <p:cNvPicPr>
+            <a:picLocks noGrp="1" noChangeAspect="1"/>
+          </p:cNvPicPr>
+          <p:nvPr>
+            <p:ph idx="1"/>
+          </p:nvPr>
+        </p:nvPicPr>
+        <p:blipFill>
+          <a:blip r:embed="rId2"/>
+          <a:stretch>
+            <a:fillRect/>
+          </a:stretch>
+        </p:blipFill>
+        <p:spPr>
+          <a:xfrm>
+            <a:off x="2051720" y="1772816"/>
+            <a:ext cx="5622411" cy="3752602"/>
+          </a:xfrm>
+          <a:prstGeom prst="rect">
+            <a:avLst/>
+          </a:prstGeom>
+        </p:spPr>
+      </p:pic>
+      <p:pic>
+        <p:nvPicPr>
+          <p:cNvPr id="6" name="Image 5"/>
+          <p:cNvPicPr>
+            <a:picLocks noChangeAspect="1"/>
+          </p:cNvPicPr>
+          <p:nvPr/>
+        </p:nvPicPr>
+        <p:blipFill>
+          <a:blip r:embed="rId3"/>
+          <a:stretch>
+            <a:fillRect/>
+          </a:stretch>
+        </p:blipFill>
+        <p:spPr>
+          <a:xfrm>
+            <a:off x="5479394" y="5589240"/>
+            <a:ext cx="3549864" cy="814189"/>
+          </a:xfrm>
+          <a:prstGeom prst="rect">
+            <a:avLst/>
+          </a:prstGeom>
+        </p:spPr>
+      </p:pic>
+    </p:spTree>
+    <p:extLst>
+      <p:ext uri="{BB962C8B-B14F-4D97-AF65-F5344CB8AC3E}">
+        <p14:creationId xmlns:p14="http://schemas.microsoft.com/office/powerpoint/2010/main" val="357694434"/>
+      </p:ext>
+    </p:extLst>
+  </p:cSld>
+  <p:clrMapOvr>
+    <a:masterClrMapping/>
+  </p:clrMapOvr>
+</p:sld>
+</file>
+
+<file path=ppt/slides/slide27.xml><?xml version="1.0" encoding="utf-8"?>
+<p:sld xmlns:a="http://schemas.openxmlformats.org/drawingml/2006/main" xmlns:r="http://schemas.openxmlformats.org/officeDocument/2006/relationships" xmlns:p="http://schemas.openxmlformats.org/presentationml/2006/main">
+  <p:cSld>
+    <p:spTree>
+      <p:nvGrpSpPr>
+        <p:cNvPr id="1" name=""/>
+        <p:cNvGrpSpPr/>
+        <p:nvPr/>
+      </p:nvGrpSpPr>
+      <p:grpSpPr>
+        <a:xfrm>
+          <a:off x="0" y="0"/>
+          <a:ext cx="0" cy="0"/>
+          <a:chOff x="0" y="0"/>
+          <a:chExt cx="0" cy="0"/>
+        </a:xfrm>
+      </p:grpSpPr>
+      <p:sp>
+        <p:nvSpPr>
+          <p:cNvPr id="2" name="Titre 1">
+            <a:extLst>
+              <a:ext uri="{FF2B5EF4-FFF2-40B4-BE49-F238E27FC236}">
+                <a16:creationId xmlns:a16="http://schemas.microsoft.com/office/drawing/2014/main" id="{2AD24241-2FF6-4127-ADA4-A2A5E619EB32}"/>
+              </a:ext>
+            </a:extLst>
+          </p:cNvPr>
+          <p:cNvSpPr>
+            <a:spLocks noGrp="1"/>
+          </p:cNvSpPr>
+          <p:nvPr>
+            <p:ph type="title"/>
+          </p:nvPr>
+        </p:nvSpPr>
+        <p:spPr/>
+        <p:txBody>
+          <a:bodyPr/>
+          <a:lstStyle/>
+          <a:p>
+            <a:r>
+              <a:rPr lang="fr-FR" dirty="0"/>
+              <a:t>Data Class</a:t>
+            </a:r>
+          </a:p>
+        </p:txBody>
+      </p:sp>
+      <p:sp>
+        <p:nvSpPr>
+          <p:cNvPr id="3" name="Espace réservé du contenu 2">
+            <a:extLst>
+              <a:ext uri="{FF2B5EF4-FFF2-40B4-BE49-F238E27FC236}">
+                <a16:creationId xmlns:a16="http://schemas.microsoft.com/office/drawing/2014/main" id="{EA0FD85B-1A10-4668-97A1-580B838B8F6D}"/>
+              </a:ext>
+            </a:extLst>
+          </p:cNvPr>
+          <p:cNvSpPr>
+            <a:spLocks noGrp="1"/>
+          </p:cNvSpPr>
+          <p:nvPr>
+            <p:ph idx="1"/>
+          </p:nvPr>
+        </p:nvSpPr>
+        <p:spPr/>
+        <p:txBody>
+          <a:bodyPr/>
+          <a:lstStyle/>
+          <a:p>
+            <a:r>
+              <a:rPr lang="fr-FR" dirty="0"/>
+              <a:t>Il est fastidieux de créer des constructeurs paramétrés avec des attributs</a:t>
+            </a:r>
+          </a:p>
+          <a:p>
+            <a:endParaRPr lang="fr-FR" dirty="0"/>
+          </a:p>
+          <a:p>
+            <a:endParaRPr lang="fr-FR" dirty="0"/>
+          </a:p>
+          <a:p>
+            <a:endParaRPr lang="fr-FR" dirty="0"/>
+          </a:p>
+          <a:p>
+            <a:r>
+              <a:rPr lang="fr-FR" dirty="0"/>
+              <a:t>Les data classes simplifie cela</a:t>
+            </a:r>
+          </a:p>
+          <a:p>
+            <a:pPr lvl="1"/>
+            <a:r>
+              <a:rPr lang="fr-FR" dirty="0"/>
+              <a:t>Python 3.7</a:t>
+            </a:r>
+          </a:p>
+          <a:p>
+            <a:pPr lvl="1"/>
+            <a:r>
+              <a:rPr lang="fr-FR" dirty="0"/>
+              <a:t>__init__() automatique</a:t>
+            </a:r>
+          </a:p>
+        </p:txBody>
+      </p:sp>
+      <p:pic>
+        <p:nvPicPr>
+          <p:cNvPr id="4" name="Image 3">
+            <a:extLst>
+              <a:ext uri="{FF2B5EF4-FFF2-40B4-BE49-F238E27FC236}">
+                <a16:creationId xmlns:a16="http://schemas.microsoft.com/office/drawing/2014/main" id="{3FE83930-424C-4AC5-83D3-4EE7CABAF698}"/>
+              </a:ext>
+            </a:extLst>
+          </p:cNvPr>
+          <p:cNvPicPr>
+            <a:picLocks noChangeAspect="1"/>
+          </p:cNvPicPr>
+          <p:nvPr/>
+        </p:nvPicPr>
+        <p:blipFill>
+          <a:blip r:embed="rId2"/>
+          <a:stretch>
+            <a:fillRect/>
+          </a:stretch>
+        </p:blipFill>
+        <p:spPr>
+          <a:xfrm>
+            <a:off x="1835696" y="2420888"/>
+            <a:ext cx="5067300" cy="1123950"/>
+          </a:xfrm>
+          <a:prstGeom prst="rect">
+            <a:avLst/>
+          </a:prstGeom>
+        </p:spPr>
+      </p:pic>
+      <p:pic>
+        <p:nvPicPr>
+          <p:cNvPr id="5" name="Image 4">
+            <a:extLst>
+              <a:ext uri="{FF2B5EF4-FFF2-40B4-BE49-F238E27FC236}">
+                <a16:creationId xmlns:a16="http://schemas.microsoft.com/office/drawing/2014/main" id="{3EE0189F-D4C6-4B69-B5A7-EDFF0D68D219}"/>
+              </a:ext>
+            </a:extLst>
+          </p:cNvPr>
+          <p:cNvPicPr>
+            <a:picLocks noChangeAspect="1"/>
+          </p:cNvPicPr>
+          <p:nvPr/>
+        </p:nvPicPr>
+        <p:blipFill>
+          <a:blip r:embed="rId3"/>
+          <a:stretch>
+            <a:fillRect/>
+          </a:stretch>
+        </p:blipFill>
+        <p:spPr>
+          <a:xfrm>
+            <a:off x="5436096" y="4563067"/>
+            <a:ext cx="1952625" cy="1162050"/>
+          </a:xfrm>
+          <a:prstGeom prst="rect">
+            <a:avLst/>
+          </a:prstGeom>
+        </p:spPr>
+      </p:pic>
+    </p:spTree>
+    <p:extLst>
+      <p:ext uri="{BB962C8B-B14F-4D97-AF65-F5344CB8AC3E}">
+        <p14:creationId xmlns:p14="http://schemas.microsoft.com/office/powerpoint/2010/main" val="3063864920"/>
+      </p:ext>
+    </p:extLst>
+  </p:cSld>
+  <p:clrMapOvr>
+    <a:masterClrMapping/>
+  </p:clrMapOvr>
+</p:sld>
+</file>
+
+<file path=ppt/slides/slide28.xml><?xml version="1.0" encoding="utf-8"?>
 <p:sld xmlns:a="http://schemas.openxmlformats.org/drawingml/2006/main" xmlns:r="http://schemas.openxmlformats.org/officeDocument/2006/relationships" xmlns:p="http://schemas.openxmlformats.org/presentationml/2006/main">
   <p:cSld>
     <p:spTree>
@@ -15698,7 +17550,7 @@
           </a:lstStyle>
           <a:p>
             <a:r>
-              <a:rPr lang="en-US" altLang="fr-FR" sz="1800" b="1">
+              <a:rPr lang="en-US" altLang="fr-FR" sz="1800" b="1" dirty="0">
                 <a:solidFill>
                   <a:srgbClr val="000000"/>
                 </a:solidFill>
@@ -15706,7 +17558,7 @@
               </a:rPr>
               <a:t>interest 7%</a:t>
             </a:r>
-            <a:endParaRPr lang="en-US" altLang="fr-FR" sz="1800" b="1">
+            <a:endParaRPr lang="en-US" altLang="fr-FR" sz="1800" b="1" dirty="0">
               <a:latin typeface="Lucida Sans Typewriter" pitchFamily="49" charset="0"/>
             </a:endParaRPr>
           </a:p>
@@ -16849,7 +18701,7 @@
 </p:sld>
 </file>
 
-<file path=ppt/slides/slide21.xml><?xml version="1.0" encoding="utf-8"?>
+<file path=ppt/slides/slide29.xml><?xml version="1.0" encoding="utf-8"?>
 <p:sld xmlns:a="http://schemas.openxmlformats.org/drawingml/2006/main" xmlns:r="http://schemas.openxmlformats.org/officeDocument/2006/relationships" xmlns:p="http://schemas.openxmlformats.org/presentationml/2006/main">
   <p:cSld>
     <p:spTree>
@@ -16957,111 +18809,6 @@
     <p:extLst>
       <p:ext uri="{BB962C8B-B14F-4D97-AF65-F5344CB8AC3E}">
         <p14:creationId xmlns:p14="http://schemas.microsoft.com/office/powerpoint/2010/main" val="3853657395"/>
-      </p:ext>
-    </p:extLst>
-  </p:cSld>
-  <p:clrMapOvr>
-    <a:masterClrMapping/>
-  </p:clrMapOvr>
-</p:sld>
-</file>
-
-<file path=ppt/slides/slide22.xml><?xml version="1.0" encoding="utf-8"?>
-<p:sld xmlns:a="http://schemas.openxmlformats.org/drawingml/2006/main" xmlns:r="http://schemas.openxmlformats.org/officeDocument/2006/relationships" xmlns:p="http://schemas.openxmlformats.org/presentationml/2006/main">
-  <p:cSld>
-    <p:spTree>
-      <p:nvGrpSpPr>
-        <p:cNvPr id="1" name=""/>
-        <p:cNvGrpSpPr/>
-        <p:nvPr/>
-      </p:nvGrpSpPr>
-      <p:grpSpPr>
-        <a:xfrm>
-          <a:off x="0" y="0"/>
-          <a:ext cx="0" cy="0"/>
-          <a:chOff x="0" y="0"/>
-          <a:chExt cx="0" cy="0"/>
-        </a:xfrm>
-      </p:grpSpPr>
-      <p:sp>
-        <p:nvSpPr>
-          <p:cNvPr id="2" name="Titre 1"/>
-          <p:cNvSpPr>
-            <a:spLocks noGrp="1"/>
-          </p:cNvSpPr>
-          <p:nvPr>
-            <p:ph type="title"/>
-          </p:nvPr>
-        </p:nvSpPr>
-        <p:spPr/>
-        <p:txBody>
-          <a:bodyPr/>
-          <a:lstStyle/>
-          <a:p>
-            <a:r>
-              <a:rPr lang="fr-FR" dirty="0"/>
-              <a:t>Associations</a:t>
-            </a:r>
-          </a:p>
-        </p:txBody>
-      </p:sp>
-      <p:sp>
-        <p:nvSpPr>
-          <p:cNvPr id="3" name="Espace réservé du contenu 2"/>
-          <p:cNvSpPr>
-            <a:spLocks noGrp="1"/>
-          </p:cNvSpPr>
-          <p:nvPr>
-            <p:ph idx="1"/>
-          </p:nvPr>
-        </p:nvSpPr>
-        <p:spPr/>
-        <p:txBody>
-          <a:bodyPr/>
-          <a:lstStyle/>
-          <a:p>
-            <a:r>
-              <a:rPr lang="fr-FR" dirty="0"/>
-              <a:t>Les classes peuvent être liées par association</a:t>
-            </a:r>
-          </a:p>
-          <a:p>
-            <a:r>
-              <a:rPr lang="fr-FR" dirty="0"/>
-              <a:t>Relation 1</a:t>
-            </a:r>
-          </a:p>
-          <a:p>
-            <a:pPr lvl="1"/>
-            <a:r>
-              <a:rPr lang="fr-FR" dirty="0"/>
-              <a:t>Attribut du type de la classe lié</a:t>
-            </a:r>
-          </a:p>
-          <a:p>
-            <a:r>
-              <a:rPr lang="fr-FR" dirty="0"/>
-              <a:t>Relation *</a:t>
-            </a:r>
-          </a:p>
-          <a:p>
-            <a:pPr lvl="1"/>
-            <a:r>
-              <a:rPr lang="fr-FR" dirty="0"/>
-              <a:t>Attribut du type </a:t>
-            </a:r>
-            <a:r>
-              <a:rPr lang="fr-FR" dirty="0" err="1"/>
-              <a:t>list</a:t>
-            </a:r>
-            <a:endParaRPr lang="fr-FR" dirty="0"/>
-          </a:p>
-        </p:txBody>
-      </p:sp>
-    </p:spTree>
-    <p:extLst>
-      <p:ext uri="{BB962C8B-B14F-4D97-AF65-F5344CB8AC3E}">
-        <p14:creationId xmlns:p14="http://schemas.microsoft.com/office/powerpoint/2010/main" val="62270567"/>
       </p:ext>
     </p:extLst>
   </p:cSld>
@@ -17612,6 +19359,3487 @@
     <p:extLst>
       <p:ext uri="{BB962C8B-B14F-4D97-AF65-F5344CB8AC3E}">
         <p14:creationId xmlns:p14="http://schemas.microsoft.com/office/powerpoint/2010/main" val="2140405800"/>
+      </p:ext>
+    </p:extLst>
+  </p:cSld>
+  <p:clrMapOvr>
+    <a:masterClrMapping/>
+  </p:clrMapOvr>
+</p:sld>
+</file>
+
+<file path=ppt/slides/slide30.xml><?xml version="1.0" encoding="utf-8"?>
+<p:sld xmlns:a="http://schemas.openxmlformats.org/drawingml/2006/main" xmlns:r="http://schemas.openxmlformats.org/officeDocument/2006/relationships" xmlns:p="http://schemas.openxmlformats.org/presentationml/2006/main">
+  <p:cSld>
+    <p:spTree>
+      <p:nvGrpSpPr>
+        <p:cNvPr id="1" name=""/>
+        <p:cNvGrpSpPr/>
+        <p:nvPr/>
+      </p:nvGrpSpPr>
+      <p:grpSpPr>
+        <a:xfrm>
+          <a:off x="0" y="0"/>
+          <a:ext cx="0" cy="0"/>
+          <a:chOff x="0" y="0"/>
+          <a:chExt cx="0" cy="0"/>
+        </a:xfrm>
+      </p:grpSpPr>
+      <p:sp>
+        <p:nvSpPr>
+          <p:cNvPr id="30722" name="Rectangle 32"/>
+          <p:cNvSpPr>
+            <a:spLocks noChangeArrowheads="1"/>
+          </p:cNvSpPr>
+          <p:nvPr/>
+        </p:nvSpPr>
+        <p:spPr bwMode="auto">
+          <a:xfrm>
+            <a:off x="860425" y="1112838"/>
+            <a:ext cx="7378700" cy="5029200"/>
+          </a:xfrm>
+          <a:prstGeom prst="rect">
+            <a:avLst/>
+          </a:prstGeom>
+          <a:gradFill rotWithShape="0">
+            <a:gsLst>
+              <a:gs pos="0">
+                <a:srgbClr val="FCFEB9"/>
+              </a:gs>
+              <a:gs pos="100000">
+                <a:srgbClr val="FFCC66"/>
+              </a:gs>
+            </a:gsLst>
+            <a:lin ang="5400000" scaled="1"/>
+          </a:gradFill>
+          <a:ln>
+            <a:noFill/>
+          </a:ln>
+          <a:effectLst/>
+          <a:extLst>
+            <a:ext uri="{91240B29-F687-4F45-9708-019B960494DF}">
+              <a14:hiddenLine xmlns:a14="http://schemas.microsoft.com/office/drawing/2010/main" w="9525">
+                <a:solidFill>
+                  <a:schemeClr val="tx1"/>
+                </a:solidFill>
+                <a:miter lim="800000"/>
+                <a:headEnd/>
+                <a:tailEnd/>
+              </a14:hiddenLine>
+            </a:ext>
+            <a:ext uri="{AF507438-7753-43E0-B8FC-AC1667EBCBE1}">
+              <a14:hiddenEffects xmlns:a14="http://schemas.microsoft.com/office/drawing/2010/main">
+                <a:effectLst>
+                  <a:outerShdw dist="35921" dir="2700000" algn="ctr" rotWithShape="0">
+                    <a:schemeClr val="bg2"/>
+                  </a:outerShdw>
+                </a:effectLst>
+              </a14:hiddenEffects>
+            </a:ext>
+          </a:extLst>
+        </p:spPr>
+        <p:txBody>
+          <a:bodyPr wrap="none" anchor="ctr"/>
+          <a:lstStyle>
+            <a:lvl1pPr>
+              <a:defRPr sz="3000">
+                <a:solidFill>
+                  <a:schemeClr val="tx1"/>
+                </a:solidFill>
+                <a:latin typeface="Arial Narrow" panose="020B0606020202030204" pitchFamily="34" charset="0"/>
+              </a:defRPr>
+            </a:lvl1pPr>
+            <a:lvl2pPr marL="742950" indent="-285750">
+              <a:defRPr sz="3000">
+                <a:solidFill>
+                  <a:schemeClr val="tx1"/>
+                </a:solidFill>
+                <a:latin typeface="Arial Narrow" panose="020B0606020202030204" pitchFamily="34" charset="0"/>
+              </a:defRPr>
+            </a:lvl2pPr>
+            <a:lvl3pPr marL="1143000" indent="-228600">
+              <a:defRPr sz="3000">
+                <a:solidFill>
+                  <a:schemeClr val="tx1"/>
+                </a:solidFill>
+                <a:latin typeface="Arial Narrow" panose="020B0606020202030204" pitchFamily="34" charset="0"/>
+              </a:defRPr>
+            </a:lvl3pPr>
+            <a:lvl4pPr marL="1600200" indent="-228600">
+              <a:defRPr sz="3000">
+                <a:solidFill>
+                  <a:schemeClr val="tx1"/>
+                </a:solidFill>
+                <a:latin typeface="Arial Narrow" panose="020B0606020202030204" pitchFamily="34" charset="0"/>
+              </a:defRPr>
+            </a:lvl4pPr>
+            <a:lvl5pPr marL="2057400" indent="-228600">
+              <a:defRPr sz="3000">
+                <a:solidFill>
+                  <a:schemeClr val="tx1"/>
+                </a:solidFill>
+                <a:latin typeface="Arial Narrow" panose="020B0606020202030204" pitchFamily="34" charset="0"/>
+              </a:defRPr>
+            </a:lvl5pPr>
+            <a:lvl6pPr marL="2514600" indent="-228600" eaLnBrk="0" fontAlgn="base" hangingPunct="0">
+              <a:spcBef>
+                <a:spcPct val="0"/>
+              </a:spcBef>
+              <a:spcAft>
+                <a:spcPct val="0"/>
+              </a:spcAft>
+              <a:defRPr sz="3000">
+                <a:solidFill>
+                  <a:schemeClr val="tx1"/>
+                </a:solidFill>
+                <a:latin typeface="Arial Narrow" panose="020B0606020202030204" pitchFamily="34" charset="0"/>
+              </a:defRPr>
+            </a:lvl6pPr>
+            <a:lvl7pPr marL="2971800" indent="-228600" eaLnBrk="0" fontAlgn="base" hangingPunct="0">
+              <a:spcBef>
+                <a:spcPct val="0"/>
+              </a:spcBef>
+              <a:spcAft>
+                <a:spcPct val="0"/>
+              </a:spcAft>
+              <a:defRPr sz="3000">
+                <a:solidFill>
+                  <a:schemeClr val="tx1"/>
+                </a:solidFill>
+                <a:latin typeface="Arial Narrow" panose="020B0606020202030204" pitchFamily="34" charset="0"/>
+              </a:defRPr>
+            </a:lvl7pPr>
+            <a:lvl8pPr marL="3429000" indent="-228600" eaLnBrk="0" fontAlgn="base" hangingPunct="0">
+              <a:spcBef>
+                <a:spcPct val="0"/>
+              </a:spcBef>
+              <a:spcAft>
+                <a:spcPct val="0"/>
+              </a:spcAft>
+              <a:defRPr sz="3000">
+                <a:solidFill>
+                  <a:schemeClr val="tx1"/>
+                </a:solidFill>
+                <a:latin typeface="Arial Narrow" panose="020B0606020202030204" pitchFamily="34" charset="0"/>
+              </a:defRPr>
+            </a:lvl8pPr>
+            <a:lvl9pPr marL="3886200" indent="-228600" eaLnBrk="0" fontAlgn="base" hangingPunct="0">
+              <a:spcBef>
+                <a:spcPct val="0"/>
+              </a:spcBef>
+              <a:spcAft>
+                <a:spcPct val="0"/>
+              </a:spcAft>
+              <a:defRPr sz="3000">
+                <a:solidFill>
+                  <a:schemeClr val="tx1"/>
+                </a:solidFill>
+                <a:latin typeface="Arial Narrow" panose="020B0606020202030204" pitchFamily="34" charset="0"/>
+              </a:defRPr>
+            </a:lvl9pPr>
+          </a:lstStyle>
+          <a:p>
+            <a:endParaRPr lang="fr-FR" altLang="fr-FR"/>
+          </a:p>
+        </p:txBody>
+      </p:sp>
+      <p:sp>
+        <p:nvSpPr>
+          <p:cNvPr id="30723" name="Rectangle 2"/>
+          <p:cNvSpPr>
+            <a:spLocks noGrp="1" noChangeArrowheads="1"/>
+          </p:cNvSpPr>
+          <p:nvPr>
+            <p:ph type="title"/>
+          </p:nvPr>
+        </p:nvSpPr>
+        <p:spPr/>
+        <p:txBody>
+          <a:bodyPr/>
+          <a:lstStyle/>
+          <a:p>
+            <a:r>
+              <a:rPr lang="en-US" altLang="fr-FR">
+                <a:solidFill>
+                  <a:srgbClr val="000000"/>
+                </a:solidFill>
+              </a:rPr>
+              <a:t>Utilisation de méthodes statiques</a:t>
+            </a:r>
+            <a:endParaRPr lang="en-GB" altLang="fr-FR"/>
+          </a:p>
+        </p:txBody>
+      </p:sp>
+      <p:sp>
+        <p:nvSpPr>
+          <p:cNvPr id="30724" name="Rectangle 3"/>
+          <p:cNvSpPr>
+            <a:spLocks noGrp="1" noChangeArrowheads="1"/>
+          </p:cNvSpPr>
+          <p:nvPr>
+            <p:ph type="body" idx="1"/>
+          </p:nvPr>
+        </p:nvSpPr>
+        <p:spPr>
+          <a:xfrm>
+            <a:off x="1050925" y="1295400"/>
+            <a:ext cx="7194550" cy="4287838"/>
+          </a:xfrm>
+        </p:spPr>
+        <p:txBody>
+          <a:bodyPr/>
+          <a:lstStyle/>
+          <a:p>
+            <a:r>
+              <a:rPr lang="en-US" altLang="fr-FR" sz="2400" dirty="0">
+                <a:solidFill>
+                  <a:srgbClr val="000000"/>
+                </a:solidFill>
+              </a:rPr>
+              <a:t>Les </a:t>
+            </a:r>
+            <a:r>
+              <a:rPr lang="en-US" altLang="fr-FR" sz="2400" dirty="0" err="1">
+                <a:solidFill>
+                  <a:srgbClr val="000000"/>
+                </a:solidFill>
+              </a:rPr>
+              <a:t>méthodes</a:t>
+            </a:r>
+            <a:r>
+              <a:rPr lang="en-US" altLang="fr-FR" sz="2400" dirty="0">
+                <a:solidFill>
+                  <a:srgbClr val="000000"/>
+                </a:solidFill>
+              </a:rPr>
+              <a:t> </a:t>
+            </a:r>
+            <a:r>
+              <a:rPr lang="en-US" altLang="fr-FR" sz="2400" dirty="0" err="1">
+                <a:solidFill>
+                  <a:srgbClr val="000000"/>
+                </a:solidFill>
+              </a:rPr>
+              <a:t>statiques</a:t>
+            </a:r>
+            <a:r>
+              <a:rPr lang="en-US" altLang="fr-FR" sz="2400" dirty="0">
+                <a:solidFill>
+                  <a:srgbClr val="000000"/>
+                </a:solidFill>
+              </a:rPr>
+              <a:t> </a:t>
+            </a:r>
+            <a:r>
+              <a:rPr lang="en-US" altLang="fr-FR" sz="2400" dirty="0" err="1">
+                <a:solidFill>
+                  <a:srgbClr val="000000"/>
+                </a:solidFill>
+              </a:rPr>
+              <a:t>peuvent</a:t>
+            </a:r>
+            <a:r>
+              <a:rPr lang="en-US" altLang="fr-FR" sz="2400" dirty="0">
+                <a:solidFill>
+                  <a:srgbClr val="000000"/>
+                </a:solidFill>
+              </a:rPr>
+              <a:t> </a:t>
+            </a:r>
+            <a:r>
+              <a:rPr lang="en-US" altLang="fr-FR" sz="2400" dirty="0" err="1">
+                <a:solidFill>
+                  <a:srgbClr val="000000"/>
+                </a:solidFill>
+              </a:rPr>
+              <a:t>uniquement</a:t>
+            </a:r>
+            <a:r>
+              <a:rPr lang="en-US" altLang="fr-FR" sz="2400" dirty="0">
+                <a:solidFill>
+                  <a:srgbClr val="000000"/>
+                </a:solidFill>
+              </a:rPr>
+              <a:t> </a:t>
+            </a:r>
+            <a:r>
+              <a:rPr lang="en-US" altLang="fr-FR" sz="2400" dirty="0" err="1">
+                <a:solidFill>
+                  <a:srgbClr val="000000"/>
+                </a:solidFill>
+              </a:rPr>
+              <a:t>accéder</a:t>
+            </a:r>
+            <a:r>
+              <a:rPr lang="en-US" altLang="fr-FR" sz="2400" dirty="0">
+                <a:solidFill>
+                  <a:srgbClr val="000000"/>
+                </a:solidFill>
+              </a:rPr>
+              <a:t> aux </a:t>
+            </a:r>
+            <a:r>
+              <a:rPr lang="en-US" altLang="fr-FR" sz="2400" dirty="0" err="1">
+                <a:solidFill>
+                  <a:srgbClr val="000000"/>
+                </a:solidFill>
+              </a:rPr>
+              <a:t>données</a:t>
+            </a:r>
+            <a:r>
+              <a:rPr lang="en-US" altLang="fr-FR" sz="2400" dirty="0">
+                <a:solidFill>
+                  <a:srgbClr val="000000"/>
+                </a:solidFill>
+              </a:rPr>
+              <a:t> </a:t>
+            </a:r>
+            <a:r>
+              <a:rPr lang="en-US" altLang="fr-FR" sz="2400" dirty="0" err="1">
+                <a:solidFill>
+                  <a:srgbClr val="000000"/>
+                </a:solidFill>
+              </a:rPr>
+              <a:t>statiques</a:t>
+            </a:r>
+            <a:endParaRPr lang="en-GB" altLang="fr-FR" sz="2400" dirty="0"/>
+          </a:p>
+          <a:p>
+            <a:pPr lvl="1"/>
+            <a:r>
+              <a:rPr lang="en-US" altLang="fr-FR" sz="2000" dirty="0" err="1">
+                <a:solidFill>
+                  <a:srgbClr val="000000"/>
+                </a:solidFill>
+              </a:rPr>
+              <a:t>Une</a:t>
+            </a:r>
+            <a:r>
+              <a:rPr lang="en-US" altLang="fr-FR" sz="2000" dirty="0">
+                <a:solidFill>
+                  <a:srgbClr val="000000"/>
+                </a:solidFill>
+              </a:rPr>
+              <a:t> </a:t>
+            </a:r>
+            <a:r>
+              <a:rPr lang="en-US" altLang="fr-FR" sz="2000" dirty="0" err="1">
+                <a:solidFill>
+                  <a:srgbClr val="000000"/>
+                </a:solidFill>
+              </a:rPr>
+              <a:t>méthode</a:t>
+            </a:r>
+            <a:r>
+              <a:rPr lang="en-US" altLang="fr-FR" sz="2000" dirty="0">
+                <a:solidFill>
+                  <a:srgbClr val="000000"/>
+                </a:solidFill>
+              </a:rPr>
+              <a:t> </a:t>
+            </a:r>
+            <a:r>
+              <a:rPr lang="en-US" altLang="fr-FR" sz="2000" dirty="0" err="1">
+                <a:solidFill>
+                  <a:srgbClr val="000000"/>
+                </a:solidFill>
+              </a:rPr>
+              <a:t>statique</a:t>
+            </a:r>
+            <a:r>
+              <a:rPr lang="en-US" altLang="fr-FR" sz="2000" dirty="0">
+                <a:solidFill>
+                  <a:srgbClr val="000000"/>
+                </a:solidFill>
+              </a:rPr>
+              <a:t> </a:t>
+            </a:r>
+            <a:r>
+              <a:rPr lang="en-US" altLang="fr-FR" sz="2000" dirty="0" err="1">
+                <a:solidFill>
+                  <a:srgbClr val="000000"/>
+                </a:solidFill>
+              </a:rPr>
+              <a:t>est</a:t>
+            </a:r>
+            <a:r>
+              <a:rPr lang="en-US" altLang="fr-FR" sz="2000" dirty="0">
+                <a:solidFill>
+                  <a:srgbClr val="000000"/>
+                </a:solidFill>
+              </a:rPr>
+              <a:t> </a:t>
+            </a:r>
+            <a:r>
+              <a:rPr lang="en-US" altLang="fr-FR" sz="2000" dirty="0" err="1">
+                <a:solidFill>
+                  <a:srgbClr val="000000"/>
+                </a:solidFill>
+              </a:rPr>
+              <a:t>appelée</a:t>
+            </a:r>
+            <a:r>
+              <a:rPr lang="en-US" altLang="fr-FR" sz="2000" dirty="0">
+                <a:solidFill>
+                  <a:srgbClr val="000000"/>
+                </a:solidFill>
+              </a:rPr>
+              <a:t> sur la </a:t>
+            </a:r>
+            <a:r>
+              <a:rPr lang="en-US" altLang="fr-FR" sz="2000" dirty="0" err="1">
+                <a:solidFill>
+                  <a:srgbClr val="000000"/>
+                </a:solidFill>
+              </a:rPr>
+              <a:t>classe</a:t>
+            </a:r>
+            <a:r>
+              <a:rPr lang="en-US" altLang="fr-FR" sz="2000" dirty="0">
+                <a:solidFill>
+                  <a:srgbClr val="000000"/>
+                </a:solidFill>
+              </a:rPr>
+              <a:t>, </a:t>
+            </a:r>
+            <a:br>
+              <a:rPr lang="en-US" altLang="fr-FR" sz="2000" dirty="0">
+                <a:solidFill>
+                  <a:srgbClr val="000000"/>
+                </a:solidFill>
+              </a:rPr>
+            </a:br>
+            <a:r>
+              <a:rPr lang="en-US" altLang="fr-FR" sz="2000" dirty="0">
+                <a:solidFill>
+                  <a:srgbClr val="000000"/>
+                </a:solidFill>
+              </a:rPr>
+              <a:t>pas sur </a:t>
+            </a:r>
+            <a:r>
+              <a:rPr lang="en-US" altLang="fr-FR" sz="2000" dirty="0" err="1">
+                <a:solidFill>
+                  <a:srgbClr val="000000"/>
+                </a:solidFill>
+              </a:rPr>
+              <a:t>l'objet</a:t>
+            </a:r>
+            <a:endParaRPr lang="en-GB" altLang="fr-FR" sz="2000" dirty="0">
+              <a:solidFill>
+                <a:srgbClr val="000000"/>
+              </a:solidFill>
+            </a:endParaRPr>
+          </a:p>
+        </p:txBody>
+      </p:sp>
+      <p:sp>
+        <p:nvSpPr>
+          <p:cNvPr id="30725" name="Rectangle 4"/>
+          <p:cNvSpPr>
+            <a:spLocks noChangeArrowheads="1"/>
+          </p:cNvSpPr>
+          <p:nvPr/>
+        </p:nvSpPr>
+        <p:spPr bwMode="auto">
+          <a:xfrm>
+            <a:off x="1524000" y="3505200"/>
+            <a:ext cx="2514600" cy="1981200"/>
+          </a:xfrm>
+          <a:prstGeom prst="rect">
+            <a:avLst/>
+          </a:prstGeom>
+          <a:gradFill rotWithShape="0">
+            <a:gsLst>
+              <a:gs pos="0">
+                <a:srgbClr val="E6F3FF"/>
+              </a:gs>
+              <a:gs pos="100000">
+                <a:srgbClr val="99CCFF"/>
+              </a:gs>
+            </a:gsLst>
+            <a:lin ang="5400000" scaled="1"/>
+          </a:gradFill>
+          <a:ln w="76200" cmpd="tri" algn="ctr">
+            <a:solidFill>
+              <a:srgbClr val="0033CC"/>
+            </a:solidFill>
+            <a:miter lim="800000"/>
+            <a:headEnd/>
+            <a:tailEnd/>
+          </a:ln>
+          <a:effectLst/>
+          <a:extLst>
+            <a:ext uri="{AF507438-7753-43E0-B8FC-AC1667EBCBE1}">
+              <a14:hiddenEffects xmlns:a14="http://schemas.microsoft.com/office/drawing/2010/main">
+                <a:effectLst>
+                  <a:outerShdw dist="53882" dir="2700000" algn="ctr" rotWithShape="0">
+                    <a:srgbClr val="C0C0C0"/>
+                  </a:outerShdw>
+                </a:effectLst>
+              </a14:hiddenEffects>
+            </a:ext>
+          </a:extLst>
+        </p:spPr>
+        <p:txBody>
+          <a:bodyPr wrap="none" tIns="27432" bIns="27432" anchor="ctr"/>
+          <a:lstStyle>
+            <a:lvl1pPr>
+              <a:defRPr sz="3000">
+                <a:solidFill>
+                  <a:schemeClr val="tx1"/>
+                </a:solidFill>
+                <a:latin typeface="Arial Narrow" panose="020B0606020202030204" pitchFamily="34" charset="0"/>
+              </a:defRPr>
+            </a:lvl1pPr>
+            <a:lvl2pPr marL="742950" indent="-285750">
+              <a:defRPr sz="3000">
+                <a:solidFill>
+                  <a:schemeClr val="tx1"/>
+                </a:solidFill>
+                <a:latin typeface="Arial Narrow" panose="020B0606020202030204" pitchFamily="34" charset="0"/>
+              </a:defRPr>
+            </a:lvl2pPr>
+            <a:lvl3pPr marL="1143000" indent="-228600">
+              <a:defRPr sz="3000">
+                <a:solidFill>
+                  <a:schemeClr val="tx1"/>
+                </a:solidFill>
+                <a:latin typeface="Arial Narrow" panose="020B0606020202030204" pitchFamily="34" charset="0"/>
+              </a:defRPr>
+            </a:lvl3pPr>
+            <a:lvl4pPr marL="1600200" indent="-228600">
+              <a:defRPr sz="3000">
+                <a:solidFill>
+                  <a:schemeClr val="tx1"/>
+                </a:solidFill>
+                <a:latin typeface="Arial Narrow" panose="020B0606020202030204" pitchFamily="34" charset="0"/>
+              </a:defRPr>
+            </a:lvl4pPr>
+            <a:lvl5pPr marL="2057400" indent="-228600">
+              <a:defRPr sz="3000">
+                <a:solidFill>
+                  <a:schemeClr val="tx1"/>
+                </a:solidFill>
+                <a:latin typeface="Arial Narrow" panose="020B0606020202030204" pitchFamily="34" charset="0"/>
+              </a:defRPr>
+            </a:lvl5pPr>
+            <a:lvl6pPr marL="2514600" indent="-228600" eaLnBrk="0" fontAlgn="base" hangingPunct="0">
+              <a:spcBef>
+                <a:spcPct val="0"/>
+              </a:spcBef>
+              <a:spcAft>
+                <a:spcPct val="0"/>
+              </a:spcAft>
+              <a:defRPr sz="3000">
+                <a:solidFill>
+                  <a:schemeClr val="tx1"/>
+                </a:solidFill>
+                <a:latin typeface="Arial Narrow" panose="020B0606020202030204" pitchFamily="34" charset="0"/>
+              </a:defRPr>
+            </a:lvl6pPr>
+            <a:lvl7pPr marL="2971800" indent="-228600" eaLnBrk="0" fontAlgn="base" hangingPunct="0">
+              <a:spcBef>
+                <a:spcPct val="0"/>
+              </a:spcBef>
+              <a:spcAft>
+                <a:spcPct val="0"/>
+              </a:spcAft>
+              <a:defRPr sz="3000">
+                <a:solidFill>
+                  <a:schemeClr val="tx1"/>
+                </a:solidFill>
+                <a:latin typeface="Arial Narrow" panose="020B0606020202030204" pitchFamily="34" charset="0"/>
+              </a:defRPr>
+            </a:lvl7pPr>
+            <a:lvl8pPr marL="3429000" indent="-228600" eaLnBrk="0" fontAlgn="base" hangingPunct="0">
+              <a:spcBef>
+                <a:spcPct val="0"/>
+              </a:spcBef>
+              <a:spcAft>
+                <a:spcPct val="0"/>
+              </a:spcAft>
+              <a:defRPr sz="3000">
+                <a:solidFill>
+                  <a:schemeClr val="tx1"/>
+                </a:solidFill>
+                <a:latin typeface="Arial Narrow" panose="020B0606020202030204" pitchFamily="34" charset="0"/>
+              </a:defRPr>
+            </a:lvl8pPr>
+            <a:lvl9pPr marL="3886200" indent="-228600" eaLnBrk="0" fontAlgn="base" hangingPunct="0">
+              <a:spcBef>
+                <a:spcPct val="0"/>
+              </a:spcBef>
+              <a:spcAft>
+                <a:spcPct val="0"/>
+              </a:spcAft>
+              <a:defRPr sz="3000">
+                <a:solidFill>
+                  <a:schemeClr val="tx1"/>
+                </a:solidFill>
+                <a:latin typeface="Arial Narrow" panose="020B0606020202030204" pitchFamily="34" charset="0"/>
+              </a:defRPr>
+            </a:lvl9pPr>
+          </a:lstStyle>
+          <a:p>
+            <a:endParaRPr lang="fr-FR" altLang="fr-FR"/>
+          </a:p>
+        </p:txBody>
+      </p:sp>
+      <p:sp>
+        <p:nvSpPr>
+          <p:cNvPr id="30726" name="Rectangle 5"/>
+          <p:cNvSpPr>
+            <a:spLocks noChangeArrowheads="1"/>
+          </p:cNvSpPr>
+          <p:nvPr/>
+        </p:nvSpPr>
+        <p:spPr bwMode="auto">
+          <a:xfrm>
+            <a:off x="1143000" y="3733800"/>
+            <a:ext cx="2362200" cy="439738"/>
+          </a:xfrm>
+          <a:prstGeom prst="rect">
+            <a:avLst/>
+          </a:prstGeom>
+          <a:solidFill>
+            <a:srgbClr val="CCFFFF"/>
+          </a:solidFill>
+          <a:ln w="76200" cmpd="tri">
+            <a:solidFill>
+              <a:schemeClr val="tx1"/>
+            </a:solidFill>
+            <a:miter lim="800000"/>
+            <a:headEnd/>
+            <a:tailEnd/>
+          </a:ln>
+          <a:effectLst/>
+          <a:extLst>
+            <a:ext uri="{AF507438-7753-43E0-B8FC-AC1667EBCBE1}">
+              <a14:hiddenEffects xmlns:a14="http://schemas.microsoft.com/office/drawing/2010/main">
+                <a:effectLst>
+                  <a:outerShdw dist="107763" dir="2700000" algn="ctr" rotWithShape="0">
+                    <a:schemeClr val="bg2"/>
+                  </a:outerShdw>
+                </a:effectLst>
+              </a14:hiddenEffects>
+            </a:ext>
+          </a:extLst>
+        </p:spPr>
+        <p:txBody>
+          <a:bodyPr lIns="90488" tIns="44450" rIns="90488" bIns="44450">
+            <a:spAutoFit/>
+          </a:bodyPr>
+          <a:lstStyle>
+            <a:lvl1pPr defTabSz="739775">
+              <a:defRPr sz="3000">
+                <a:solidFill>
+                  <a:schemeClr val="tx1"/>
+                </a:solidFill>
+                <a:latin typeface="Arial Narrow" panose="020B0606020202030204" pitchFamily="34" charset="0"/>
+              </a:defRPr>
+            </a:lvl1pPr>
+            <a:lvl2pPr marL="742950" indent="-285750" defTabSz="739775">
+              <a:defRPr sz="3000">
+                <a:solidFill>
+                  <a:schemeClr val="tx1"/>
+                </a:solidFill>
+                <a:latin typeface="Arial Narrow" panose="020B0606020202030204" pitchFamily="34" charset="0"/>
+              </a:defRPr>
+            </a:lvl2pPr>
+            <a:lvl3pPr marL="1143000" indent="-228600" defTabSz="739775">
+              <a:defRPr sz="3000">
+                <a:solidFill>
+                  <a:schemeClr val="tx1"/>
+                </a:solidFill>
+                <a:latin typeface="Arial Narrow" panose="020B0606020202030204" pitchFamily="34" charset="0"/>
+              </a:defRPr>
+            </a:lvl3pPr>
+            <a:lvl4pPr marL="1600200" indent="-228600" defTabSz="739775">
+              <a:defRPr sz="3000">
+                <a:solidFill>
+                  <a:schemeClr val="tx1"/>
+                </a:solidFill>
+                <a:latin typeface="Arial Narrow" panose="020B0606020202030204" pitchFamily="34" charset="0"/>
+              </a:defRPr>
+            </a:lvl4pPr>
+            <a:lvl5pPr marL="2057400" indent="-228600" defTabSz="739775">
+              <a:defRPr sz="3000">
+                <a:solidFill>
+                  <a:schemeClr val="tx1"/>
+                </a:solidFill>
+                <a:latin typeface="Arial Narrow" panose="020B0606020202030204" pitchFamily="34" charset="0"/>
+              </a:defRPr>
+            </a:lvl5pPr>
+            <a:lvl6pPr marL="2514600" indent="-228600" defTabSz="739775" eaLnBrk="0" fontAlgn="base" hangingPunct="0">
+              <a:spcBef>
+                <a:spcPct val="0"/>
+              </a:spcBef>
+              <a:spcAft>
+                <a:spcPct val="0"/>
+              </a:spcAft>
+              <a:defRPr sz="3000">
+                <a:solidFill>
+                  <a:schemeClr val="tx1"/>
+                </a:solidFill>
+                <a:latin typeface="Arial Narrow" panose="020B0606020202030204" pitchFamily="34" charset="0"/>
+              </a:defRPr>
+            </a:lvl6pPr>
+            <a:lvl7pPr marL="2971800" indent="-228600" defTabSz="739775" eaLnBrk="0" fontAlgn="base" hangingPunct="0">
+              <a:spcBef>
+                <a:spcPct val="0"/>
+              </a:spcBef>
+              <a:spcAft>
+                <a:spcPct val="0"/>
+              </a:spcAft>
+              <a:defRPr sz="3000">
+                <a:solidFill>
+                  <a:schemeClr val="tx1"/>
+                </a:solidFill>
+                <a:latin typeface="Arial Narrow" panose="020B0606020202030204" pitchFamily="34" charset="0"/>
+              </a:defRPr>
+            </a:lvl7pPr>
+            <a:lvl8pPr marL="3429000" indent="-228600" defTabSz="739775" eaLnBrk="0" fontAlgn="base" hangingPunct="0">
+              <a:spcBef>
+                <a:spcPct val="0"/>
+              </a:spcBef>
+              <a:spcAft>
+                <a:spcPct val="0"/>
+              </a:spcAft>
+              <a:defRPr sz="3000">
+                <a:solidFill>
+                  <a:schemeClr val="tx1"/>
+                </a:solidFill>
+                <a:latin typeface="Arial Narrow" panose="020B0606020202030204" pitchFamily="34" charset="0"/>
+              </a:defRPr>
+            </a:lvl8pPr>
+            <a:lvl9pPr marL="3886200" indent="-228600" defTabSz="739775" eaLnBrk="0" fontAlgn="base" hangingPunct="0">
+              <a:spcBef>
+                <a:spcPct val="0"/>
+              </a:spcBef>
+              <a:spcAft>
+                <a:spcPct val="0"/>
+              </a:spcAft>
+              <a:defRPr sz="3000">
+                <a:solidFill>
+                  <a:schemeClr val="tx1"/>
+                </a:solidFill>
+                <a:latin typeface="Arial Narrow" panose="020B0606020202030204" pitchFamily="34" charset="0"/>
+              </a:defRPr>
+            </a:lvl9pPr>
+          </a:lstStyle>
+          <a:p>
+            <a:r>
+              <a:rPr lang="en-US" altLang="fr-FR" sz="1800" b="1">
+                <a:solidFill>
+                  <a:srgbClr val="000000"/>
+                </a:solidFill>
+                <a:latin typeface="Lucida Sans Typewriter" pitchFamily="49" charset="0"/>
+              </a:rPr>
+              <a:t>InterestRate( )</a:t>
+            </a:r>
+            <a:endParaRPr lang="en-US" altLang="fr-FR" sz="1800" b="1">
+              <a:latin typeface="Lucida Sans Typewriter" pitchFamily="49" charset="0"/>
+            </a:endParaRPr>
+          </a:p>
+        </p:txBody>
+      </p:sp>
+      <p:sp>
+        <p:nvSpPr>
+          <p:cNvPr id="30727" name="Rectangle 13"/>
+          <p:cNvSpPr>
+            <a:spLocks noChangeArrowheads="1"/>
+          </p:cNvSpPr>
+          <p:nvPr/>
+        </p:nvSpPr>
+        <p:spPr bwMode="auto">
+          <a:xfrm>
+            <a:off x="1676400" y="4818063"/>
+            <a:ext cx="2133600" cy="439737"/>
+          </a:xfrm>
+          <a:prstGeom prst="rect">
+            <a:avLst/>
+          </a:prstGeom>
+          <a:solidFill>
+            <a:srgbClr val="C0C0C0"/>
+          </a:solidFill>
+          <a:ln w="76200" cmpd="tri">
+            <a:solidFill>
+              <a:schemeClr val="tx1"/>
+            </a:solidFill>
+            <a:miter lim="800000"/>
+            <a:headEnd/>
+            <a:tailEnd/>
+          </a:ln>
+          <a:effectLst/>
+          <a:extLst>
+            <a:ext uri="{AF507438-7753-43E0-B8FC-AC1667EBCBE1}">
+              <a14:hiddenEffects xmlns:a14="http://schemas.microsoft.com/office/drawing/2010/main">
+                <a:effectLst>
+                  <a:outerShdw dist="107763" dir="2700000" algn="ctr" rotWithShape="0">
+                    <a:schemeClr val="bg2"/>
+                  </a:outerShdw>
+                </a:effectLst>
+              </a14:hiddenEffects>
+            </a:ext>
+          </a:extLst>
+        </p:spPr>
+        <p:txBody>
+          <a:bodyPr lIns="90488" tIns="44450" rIns="90488" bIns="44450">
+            <a:spAutoFit/>
+          </a:bodyPr>
+          <a:lstStyle>
+            <a:lvl1pPr defTabSz="739775">
+              <a:defRPr sz="3000">
+                <a:solidFill>
+                  <a:schemeClr val="tx1"/>
+                </a:solidFill>
+                <a:latin typeface="Arial Narrow" panose="020B0606020202030204" pitchFamily="34" charset="0"/>
+              </a:defRPr>
+            </a:lvl1pPr>
+            <a:lvl2pPr marL="742950" indent="-285750" defTabSz="739775">
+              <a:defRPr sz="3000">
+                <a:solidFill>
+                  <a:schemeClr val="tx1"/>
+                </a:solidFill>
+                <a:latin typeface="Arial Narrow" panose="020B0606020202030204" pitchFamily="34" charset="0"/>
+              </a:defRPr>
+            </a:lvl2pPr>
+            <a:lvl3pPr marL="1143000" indent="-228600" defTabSz="739775">
+              <a:defRPr sz="3000">
+                <a:solidFill>
+                  <a:schemeClr val="tx1"/>
+                </a:solidFill>
+                <a:latin typeface="Arial Narrow" panose="020B0606020202030204" pitchFamily="34" charset="0"/>
+              </a:defRPr>
+            </a:lvl3pPr>
+            <a:lvl4pPr marL="1600200" indent="-228600" defTabSz="739775">
+              <a:defRPr sz="3000">
+                <a:solidFill>
+                  <a:schemeClr val="tx1"/>
+                </a:solidFill>
+                <a:latin typeface="Arial Narrow" panose="020B0606020202030204" pitchFamily="34" charset="0"/>
+              </a:defRPr>
+            </a:lvl4pPr>
+            <a:lvl5pPr marL="2057400" indent="-228600" defTabSz="739775">
+              <a:defRPr sz="3000">
+                <a:solidFill>
+                  <a:schemeClr val="tx1"/>
+                </a:solidFill>
+                <a:latin typeface="Arial Narrow" panose="020B0606020202030204" pitchFamily="34" charset="0"/>
+              </a:defRPr>
+            </a:lvl5pPr>
+            <a:lvl6pPr marL="2514600" indent="-228600" defTabSz="739775" eaLnBrk="0" fontAlgn="base" hangingPunct="0">
+              <a:spcBef>
+                <a:spcPct val="0"/>
+              </a:spcBef>
+              <a:spcAft>
+                <a:spcPct val="0"/>
+              </a:spcAft>
+              <a:defRPr sz="3000">
+                <a:solidFill>
+                  <a:schemeClr val="tx1"/>
+                </a:solidFill>
+                <a:latin typeface="Arial Narrow" panose="020B0606020202030204" pitchFamily="34" charset="0"/>
+              </a:defRPr>
+            </a:lvl6pPr>
+            <a:lvl7pPr marL="2971800" indent="-228600" defTabSz="739775" eaLnBrk="0" fontAlgn="base" hangingPunct="0">
+              <a:spcBef>
+                <a:spcPct val="0"/>
+              </a:spcBef>
+              <a:spcAft>
+                <a:spcPct val="0"/>
+              </a:spcAft>
+              <a:defRPr sz="3000">
+                <a:solidFill>
+                  <a:schemeClr val="tx1"/>
+                </a:solidFill>
+                <a:latin typeface="Arial Narrow" panose="020B0606020202030204" pitchFamily="34" charset="0"/>
+              </a:defRPr>
+            </a:lvl7pPr>
+            <a:lvl8pPr marL="3429000" indent="-228600" defTabSz="739775" eaLnBrk="0" fontAlgn="base" hangingPunct="0">
+              <a:spcBef>
+                <a:spcPct val="0"/>
+              </a:spcBef>
+              <a:spcAft>
+                <a:spcPct val="0"/>
+              </a:spcAft>
+              <a:defRPr sz="3000">
+                <a:solidFill>
+                  <a:schemeClr val="tx1"/>
+                </a:solidFill>
+                <a:latin typeface="Arial Narrow" panose="020B0606020202030204" pitchFamily="34" charset="0"/>
+              </a:defRPr>
+            </a:lvl8pPr>
+            <a:lvl9pPr marL="3886200" indent="-228600" defTabSz="739775" eaLnBrk="0" fontAlgn="base" hangingPunct="0">
+              <a:spcBef>
+                <a:spcPct val="0"/>
+              </a:spcBef>
+              <a:spcAft>
+                <a:spcPct val="0"/>
+              </a:spcAft>
+              <a:defRPr sz="3000">
+                <a:solidFill>
+                  <a:schemeClr val="tx1"/>
+                </a:solidFill>
+                <a:latin typeface="Arial Narrow" panose="020B0606020202030204" pitchFamily="34" charset="0"/>
+              </a:defRPr>
+            </a:lvl9pPr>
+          </a:lstStyle>
+          <a:p>
+            <a:r>
+              <a:rPr lang="en-US" altLang="fr-FR" sz="1800" b="1">
+                <a:solidFill>
+                  <a:srgbClr val="000000"/>
+                </a:solidFill>
+                <a:latin typeface="Lucida Sans Typewriter" pitchFamily="49" charset="0"/>
+              </a:rPr>
+              <a:t>interest 7%</a:t>
+            </a:r>
+            <a:endParaRPr lang="en-US" altLang="fr-FR" sz="1800" b="1">
+              <a:latin typeface="Lucida Sans Typewriter" pitchFamily="49" charset="0"/>
+            </a:endParaRPr>
+          </a:p>
+        </p:txBody>
+      </p:sp>
+      <p:sp>
+        <p:nvSpPr>
+          <p:cNvPr id="30728" name="Rectangle 15"/>
+          <p:cNvSpPr>
+            <a:spLocks noChangeArrowheads="1"/>
+          </p:cNvSpPr>
+          <p:nvPr/>
+        </p:nvSpPr>
+        <p:spPr bwMode="auto">
+          <a:xfrm>
+            <a:off x="5105400" y="3321050"/>
+            <a:ext cx="2514600" cy="2165350"/>
+          </a:xfrm>
+          <a:prstGeom prst="rect">
+            <a:avLst/>
+          </a:prstGeom>
+          <a:gradFill rotWithShape="0">
+            <a:gsLst>
+              <a:gs pos="0">
+                <a:srgbClr val="E6F3FF"/>
+              </a:gs>
+              <a:gs pos="100000">
+                <a:srgbClr val="99CCFF"/>
+              </a:gs>
+            </a:gsLst>
+            <a:lin ang="5400000" scaled="1"/>
+          </a:gradFill>
+          <a:ln w="9525" algn="ctr">
+            <a:solidFill>
+              <a:srgbClr val="0033CC"/>
+            </a:solidFill>
+            <a:miter lim="800000"/>
+            <a:headEnd/>
+            <a:tailEnd/>
+          </a:ln>
+          <a:effectLst>
+            <a:outerShdw dist="53882" dir="2700000" algn="ctr" rotWithShape="0">
+              <a:srgbClr val="C0C0C0"/>
+            </a:outerShdw>
+          </a:effectLst>
+        </p:spPr>
+        <p:txBody>
+          <a:bodyPr wrap="none" tIns="27432" bIns="27432" anchor="ctr"/>
+          <a:lstStyle>
+            <a:lvl1pPr>
+              <a:defRPr sz="3000">
+                <a:solidFill>
+                  <a:schemeClr val="tx1"/>
+                </a:solidFill>
+                <a:latin typeface="Arial Narrow" panose="020B0606020202030204" pitchFamily="34" charset="0"/>
+              </a:defRPr>
+            </a:lvl1pPr>
+            <a:lvl2pPr marL="742950" indent="-285750">
+              <a:defRPr sz="3000">
+                <a:solidFill>
+                  <a:schemeClr val="tx1"/>
+                </a:solidFill>
+                <a:latin typeface="Arial Narrow" panose="020B0606020202030204" pitchFamily="34" charset="0"/>
+              </a:defRPr>
+            </a:lvl2pPr>
+            <a:lvl3pPr marL="1143000" indent="-228600">
+              <a:defRPr sz="3000">
+                <a:solidFill>
+                  <a:schemeClr val="tx1"/>
+                </a:solidFill>
+                <a:latin typeface="Arial Narrow" panose="020B0606020202030204" pitchFamily="34" charset="0"/>
+              </a:defRPr>
+            </a:lvl3pPr>
+            <a:lvl4pPr marL="1600200" indent="-228600">
+              <a:defRPr sz="3000">
+                <a:solidFill>
+                  <a:schemeClr val="tx1"/>
+                </a:solidFill>
+                <a:latin typeface="Arial Narrow" panose="020B0606020202030204" pitchFamily="34" charset="0"/>
+              </a:defRPr>
+            </a:lvl4pPr>
+            <a:lvl5pPr marL="2057400" indent="-228600">
+              <a:defRPr sz="3000">
+                <a:solidFill>
+                  <a:schemeClr val="tx1"/>
+                </a:solidFill>
+                <a:latin typeface="Arial Narrow" panose="020B0606020202030204" pitchFamily="34" charset="0"/>
+              </a:defRPr>
+            </a:lvl5pPr>
+            <a:lvl6pPr marL="2514600" indent="-228600" eaLnBrk="0" fontAlgn="base" hangingPunct="0">
+              <a:spcBef>
+                <a:spcPct val="0"/>
+              </a:spcBef>
+              <a:spcAft>
+                <a:spcPct val="0"/>
+              </a:spcAft>
+              <a:defRPr sz="3000">
+                <a:solidFill>
+                  <a:schemeClr val="tx1"/>
+                </a:solidFill>
+                <a:latin typeface="Arial Narrow" panose="020B0606020202030204" pitchFamily="34" charset="0"/>
+              </a:defRPr>
+            </a:lvl6pPr>
+            <a:lvl7pPr marL="2971800" indent="-228600" eaLnBrk="0" fontAlgn="base" hangingPunct="0">
+              <a:spcBef>
+                <a:spcPct val="0"/>
+              </a:spcBef>
+              <a:spcAft>
+                <a:spcPct val="0"/>
+              </a:spcAft>
+              <a:defRPr sz="3000">
+                <a:solidFill>
+                  <a:schemeClr val="tx1"/>
+                </a:solidFill>
+                <a:latin typeface="Arial Narrow" panose="020B0606020202030204" pitchFamily="34" charset="0"/>
+              </a:defRPr>
+            </a:lvl7pPr>
+            <a:lvl8pPr marL="3429000" indent="-228600" eaLnBrk="0" fontAlgn="base" hangingPunct="0">
+              <a:spcBef>
+                <a:spcPct val="0"/>
+              </a:spcBef>
+              <a:spcAft>
+                <a:spcPct val="0"/>
+              </a:spcAft>
+              <a:defRPr sz="3000">
+                <a:solidFill>
+                  <a:schemeClr val="tx1"/>
+                </a:solidFill>
+                <a:latin typeface="Arial Narrow" panose="020B0606020202030204" pitchFamily="34" charset="0"/>
+              </a:defRPr>
+            </a:lvl8pPr>
+            <a:lvl9pPr marL="3886200" indent="-228600" eaLnBrk="0" fontAlgn="base" hangingPunct="0">
+              <a:spcBef>
+                <a:spcPct val="0"/>
+              </a:spcBef>
+              <a:spcAft>
+                <a:spcPct val="0"/>
+              </a:spcAft>
+              <a:defRPr sz="3000">
+                <a:solidFill>
+                  <a:schemeClr val="tx1"/>
+                </a:solidFill>
+                <a:latin typeface="Arial Narrow" panose="020B0606020202030204" pitchFamily="34" charset="0"/>
+              </a:defRPr>
+            </a:lvl9pPr>
+          </a:lstStyle>
+          <a:p>
+            <a:endParaRPr lang="fr-FR" altLang="fr-FR"/>
+          </a:p>
+        </p:txBody>
+      </p:sp>
+      <p:sp>
+        <p:nvSpPr>
+          <p:cNvPr id="30729" name="Rectangle 16"/>
+          <p:cNvSpPr>
+            <a:spLocks noChangeArrowheads="1"/>
+          </p:cNvSpPr>
+          <p:nvPr/>
+        </p:nvSpPr>
+        <p:spPr bwMode="auto">
+          <a:xfrm>
+            <a:off x="4876800" y="3549650"/>
+            <a:ext cx="1752600" cy="376238"/>
+          </a:xfrm>
+          <a:prstGeom prst="rect">
+            <a:avLst/>
+          </a:prstGeom>
+          <a:solidFill>
+            <a:srgbClr val="CCFFFF"/>
+          </a:solidFill>
+          <a:ln w="12700">
+            <a:solidFill>
+              <a:schemeClr val="tx1"/>
+            </a:solidFill>
+            <a:miter lim="800000"/>
+            <a:headEnd/>
+            <a:tailEnd/>
+          </a:ln>
+          <a:effectLst/>
+          <a:extLst>
+            <a:ext uri="{AF507438-7753-43E0-B8FC-AC1667EBCBE1}">
+              <a14:hiddenEffects xmlns:a14="http://schemas.microsoft.com/office/drawing/2010/main">
+                <a:effectLst>
+                  <a:outerShdw dist="107763" dir="2700000" algn="ctr" rotWithShape="0">
+                    <a:schemeClr val="bg2"/>
+                  </a:outerShdw>
+                </a:effectLst>
+              </a14:hiddenEffects>
+            </a:ext>
+          </a:extLst>
+        </p:spPr>
+        <p:txBody>
+          <a:bodyPr lIns="90488" tIns="44450" rIns="90488" bIns="44450">
+            <a:spAutoFit/>
+          </a:bodyPr>
+          <a:lstStyle>
+            <a:lvl1pPr defTabSz="739775">
+              <a:defRPr sz="3000">
+                <a:solidFill>
+                  <a:schemeClr val="tx1"/>
+                </a:solidFill>
+                <a:latin typeface="Arial Narrow" panose="020B0606020202030204" pitchFamily="34" charset="0"/>
+              </a:defRPr>
+            </a:lvl1pPr>
+            <a:lvl2pPr marL="742950" indent="-285750" defTabSz="739775">
+              <a:defRPr sz="3000">
+                <a:solidFill>
+                  <a:schemeClr val="tx1"/>
+                </a:solidFill>
+                <a:latin typeface="Arial Narrow" panose="020B0606020202030204" pitchFamily="34" charset="0"/>
+              </a:defRPr>
+            </a:lvl2pPr>
+            <a:lvl3pPr marL="1143000" indent="-228600" defTabSz="739775">
+              <a:defRPr sz="3000">
+                <a:solidFill>
+                  <a:schemeClr val="tx1"/>
+                </a:solidFill>
+                <a:latin typeface="Arial Narrow" panose="020B0606020202030204" pitchFamily="34" charset="0"/>
+              </a:defRPr>
+            </a:lvl3pPr>
+            <a:lvl4pPr marL="1600200" indent="-228600" defTabSz="739775">
+              <a:defRPr sz="3000">
+                <a:solidFill>
+                  <a:schemeClr val="tx1"/>
+                </a:solidFill>
+                <a:latin typeface="Arial Narrow" panose="020B0606020202030204" pitchFamily="34" charset="0"/>
+              </a:defRPr>
+            </a:lvl4pPr>
+            <a:lvl5pPr marL="2057400" indent="-228600" defTabSz="739775">
+              <a:defRPr sz="3000">
+                <a:solidFill>
+                  <a:schemeClr val="tx1"/>
+                </a:solidFill>
+                <a:latin typeface="Arial Narrow" panose="020B0606020202030204" pitchFamily="34" charset="0"/>
+              </a:defRPr>
+            </a:lvl5pPr>
+            <a:lvl6pPr marL="2514600" indent="-228600" defTabSz="739775" eaLnBrk="0" fontAlgn="base" hangingPunct="0">
+              <a:spcBef>
+                <a:spcPct val="0"/>
+              </a:spcBef>
+              <a:spcAft>
+                <a:spcPct val="0"/>
+              </a:spcAft>
+              <a:defRPr sz="3000">
+                <a:solidFill>
+                  <a:schemeClr val="tx1"/>
+                </a:solidFill>
+                <a:latin typeface="Arial Narrow" panose="020B0606020202030204" pitchFamily="34" charset="0"/>
+              </a:defRPr>
+            </a:lvl6pPr>
+            <a:lvl7pPr marL="2971800" indent="-228600" defTabSz="739775" eaLnBrk="0" fontAlgn="base" hangingPunct="0">
+              <a:spcBef>
+                <a:spcPct val="0"/>
+              </a:spcBef>
+              <a:spcAft>
+                <a:spcPct val="0"/>
+              </a:spcAft>
+              <a:defRPr sz="3000">
+                <a:solidFill>
+                  <a:schemeClr val="tx1"/>
+                </a:solidFill>
+                <a:latin typeface="Arial Narrow" panose="020B0606020202030204" pitchFamily="34" charset="0"/>
+              </a:defRPr>
+            </a:lvl7pPr>
+            <a:lvl8pPr marL="3429000" indent="-228600" defTabSz="739775" eaLnBrk="0" fontAlgn="base" hangingPunct="0">
+              <a:spcBef>
+                <a:spcPct val="0"/>
+              </a:spcBef>
+              <a:spcAft>
+                <a:spcPct val="0"/>
+              </a:spcAft>
+              <a:defRPr sz="3000">
+                <a:solidFill>
+                  <a:schemeClr val="tx1"/>
+                </a:solidFill>
+                <a:latin typeface="Arial Narrow" panose="020B0606020202030204" pitchFamily="34" charset="0"/>
+              </a:defRPr>
+            </a:lvl8pPr>
+            <a:lvl9pPr marL="3886200" indent="-228600" defTabSz="739775" eaLnBrk="0" fontAlgn="base" hangingPunct="0">
+              <a:spcBef>
+                <a:spcPct val="0"/>
+              </a:spcBef>
+              <a:spcAft>
+                <a:spcPct val="0"/>
+              </a:spcAft>
+              <a:defRPr sz="3000">
+                <a:solidFill>
+                  <a:schemeClr val="tx1"/>
+                </a:solidFill>
+                <a:latin typeface="Arial Narrow" panose="020B0606020202030204" pitchFamily="34" charset="0"/>
+              </a:defRPr>
+            </a:lvl9pPr>
+          </a:lstStyle>
+          <a:p>
+            <a:r>
+              <a:rPr lang="en-US" altLang="fr-FR" sz="1800" b="1">
+                <a:solidFill>
+                  <a:srgbClr val="000000"/>
+                </a:solidFill>
+                <a:latin typeface="Lucida Sans Typewriter" pitchFamily="49" charset="0"/>
+              </a:rPr>
+              <a:t>Withdraw( )</a:t>
+            </a:r>
+            <a:endParaRPr lang="en-US" altLang="fr-FR" sz="1800" b="1">
+              <a:latin typeface="Lucida Sans Typewriter" pitchFamily="49" charset="0"/>
+            </a:endParaRPr>
+          </a:p>
+        </p:txBody>
+      </p:sp>
+      <p:sp>
+        <p:nvSpPr>
+          <p:cNvPr id="30730" name="Rectangle 17"/>
+          <p:cNvSpPr>
+            <a:spLocks noChangeArrowheads="1"/>
+          </p:cNvSpPr>
+          <p:nvPr/>
+        </p:nvSpPr>
+        <p:spPr bwMode="auto">
+          <a:xfrm>
+            <a:off x="4876800" y="4011613"/>
+            <a:ext cx="1752600" cy="376237"/>
+          </a:xfrm>
+          <a:prstGeom prst="rect">
+            <a:avLst/>
+          </a:prstGeom>
+          <a:solidFill>
+            <a:srgbClr val="CCFFFF"/>
+          </a:solidFill>
+          <a:ln w="12700">
+            <a:solidFill>
+              <a:schemeClr val="tx1"/>
+            </a:solidFill>
+            <a:miter lim="800000"/>
+            <a:headEnd/>
+            <a:tailEnd/>
+          </a:ln>
+          <a:effectLst/>
+          <a:extLst>
+            <a:ext uri="{AF507438-7753-43E0-B8FC-AC1667EBCBE1}">
+              <a14:hiddenEffects xmlns:a14="http://schemas.microsoft.com/office/drawing/2010/main">
+                <a:effectLst>
+                  <a:outerShdw dist="107763" dir="2700000" algn="ctr" rotWithShape="0">
+                    <a:schemeClr val="bg2"/>
+                  </a:outerShdw>
+                </a:effectLst>
+              </a14:hiddenEffects>
+            </a:ext>
+          </a:extLst>
+        </p:spPr>
+        <p:txBody>
+          <a:bodyPr lIns="90488" tIns="44450" rIns="90488" bIns="44450">
+            <a:spAutoFit/>
+          </a:bodyPr>
+          <a:lstStyle>
+            <a:lvl1pPr defTabSz="739775">
+              <a:defRPr sz="3000">
+                <a:solidFill>
+                  <a:schemeClr val="tx1"/>
+                </a:solidFill>
+                <a:latin typeface="Arial Narrow" panose="020B0606020202030204" pitchFamily="34" charset="0"/>
+              </a:defRPr>
+            </a:lvl1pPr>
+            <a:lvl2pPr marL="742950" indent="-285750" defTabSz="739775">
+              <a:defRPr sz="3000">
+                <a:solidFill>
+                  <a:schemeClr val="tx1"/>
+                </a:solidFill>
+                <a:latin typeface="Arial Narrow" panose="020B0606020202030204" pitchFamily="34" charset="0"/>
+              </a:defRPr>
+            </a:lvl2pPr>
+            <a:lvl3pPr marL="1143000" indent="-228600" defTabSz="739775">
+              <a:defRPr sz="3000">
+                <a:solidFill>
+                  <a:schemeClr val="tx1"/>
+                </a:solidFill>
+                <a:latin typeface="Arial Narrow" panose="020B0606020202030204" pitchFamily="34" charset="0"/>
+              </a:defRPr>
+            </a:lvl3pPr>
+            <a:lvl4pPr marL="1600200" indent="-228600" defTabSz="739775">
+              <a:defRPr sz="3000">
+                <a:solidFill>
+                  <a:schemeClr val="tx1"/>
+                </a:solidFill>
+                <a:latin typeface="Arial Narrow" panose="020B0606020202030204" pitchFamily="34" charset="0"/>
+              </a:defRPr>
+            </a:lvl4pPr>
+            <a:lvl5pPr marL="2057400" indent="-228600" defTabSz="739775">
+              <a:defRPr sz="3000">
+                <a:solidFill>
+                  <a:schemeClr val="tx1"/>
+                </a:solidFill>
+                <a:latin typeface="Arial Narrow" panose="020B0606020202030204" pitchFamily="34" charset="0"/>
+              </a:defRPr>
+            </a:lvl5pPr>
+            <a:lvl6pPr marL="2514600" indent="-228600" defTabSz="739775" eaLnBrk="0" fontAlgn="base" hangingPunct="0">
+              <a:spcBef>
+                <a:spcPct val="0"/>
+              </a:spcBef>
+              <a:spcAft>
+                <a:spcPct val="0"/>
+              </a:spcAft>
+              <a:defRPr sz="3000">
+                <a:solidFill>
+                  <a:schemeClr val="tx1"/>
+                </a:solidFill>
+                <a:latin typeface="Arial Narrow" panose="020B0606020202030204" pitchFamily="34" charset="0"/>
+              </a:defRPr>
+            </a:lvl6pPr>
+            <a:lvl7pPr marL="2971800" indent="-228600" defTabSz="739775" eaLnBrk="0" fontAlgn="base" hangingPunct="0">
+              <a:spcBef>
+                <a:spcPct val="0"/>
+              </a:spcBef>
+              <a:spcAft>
+                <a:spcPct val="0"/>
+              </a:spcAft>
+              <a:defRPr sz="3000">
+                <a:solidFill>
+                  <a:schemeClr val="tx1"/>
+                </a:solidFill>
+                <a:latin typeface="Arial Narrow" panose="020B0606020202030204" pitchFamily="34" charset="0"/>
+              </a:defRPr>
+            </a:lvl7pPr>
+            <a:lvl8pPr marL="3429000" indent="-228600" defTabSz="739775" eaLnBrk="0" fontAlgn="base" hangingPunct="0">
+              <a:spcBef>
+                <a:spcPct val="0"/>
+              </a:spcBef>
+              <a:spcAft>
+                <a:spcPct val="0"/>
+              </a:spcAft>
+              <a:defRPr sz="3000">
+                <a:solidFill>
+                  <a:schemeClr val="tx1"/>
+                </a:solidFill>
+                <a:latin typeface="Arial Narrow" panose="020B0606020202030204" pitchFamily="34" charset="0"/>
+              </a:defRPr>
+            </a:lvl8pPr>
+            <a:lvl9pPr marL="3886200" indent="-228600" defTabSz="739775" eaLnBrk="0" fontAlgn="base" hangingPunct="0">
+              <a:spcBef>
+                <a:spcPct val="0"/>
+              </a:spcBef>
+              <a:spcAft>
+                <a:spcPct val="0"/>
+              </a:spcAft>
+              <a:defRPr sz="3000">
+                <a:solidFill>
+                  <a:schemeClr val="tx1"/>
+                </a:solidFill>
+                <a:latin typeface="Arial Narrow" panose="020B0606020202030204" pitchFamily="34" charset="0"/>
+              </a:defRPr>
+            </a:lvl9pPr>
+          </a:lstStyle>
+          <a:p>
+            <a:r>
+              <a:rPr lang="en-US" altLang="fr-FR" sz="1800" b="1">
+                <a:solidFill>
+                  <a:srgbClr val="000000"/>
+                </a:solidFill>
+                <a:latin typeface="Lucida Sans Typewriter" pitchFamily="49" charset="0"/>
+              </a:rPr>
+              <a:t>Deposit( )</a:t>
+            </a:r>
+            <a:endParaRPr lang="en-US" altLang="fr-FR" sz="1800" b="1">
+              <a:latin typeface="Lucida Sans Typewriter" pitchFamily="49" charset="0"/>
+            </a:endParaRPr>
+          </a:p>
+        </p:txBody>
+      </p:sp>
+      <p:sp>
+        <p:nvSpPr>
+          <p:cNvPr id="30731" name="Rectangle 18"/>
+          <p:cNvSpPr>
+            <a:spLocks noChangeArrowheads="1"/>
+          </p:cNvSpPr>
+          <p:nvPr/>
+        </p:nvSpPr>
+        <p:spPr bwMode="auto">
+          <a:xfrm>
+            <a:off x="5257800" y="4464050"/>
+            <a:ext cx="2133600" cy="376238"/>
+          </a:xfrm>
+          <a:prstGeom prst="rect">
+            <a:avLst/>
+          </a:prstGeom>
+          <a:solidFill>
+            <a:srgbClr val="C0C0C0"/>
+          </a:solidFill>
+          <a:ln w="12700">
+            <a:solidFill>
+              <a:schemeClr val="tx1"/>
+            </a:solidFill>
+            <a:miter lim="800000"/>
+            <a:headEnd/>
+            <a:tailEnd/>
+          </a:ln>
+          <a:effectLst/>
+          <a:extLst>
+            <a:ext uri="{AF507438-7753-43E0-B8FC-AC1667EBCBE1}">
+              <a14:hiddenEffects xmlns:a14="http://schemas.microsoft.com/office/drawing/2010/main">
+                <a:effectLst>
+                  <a:outerShdw dist="107763" dir="2700000" algn="ctr" rotWithShape="0">
+                    <a:schemeClr val="bg2"/>
+                  </a:outerShdw>
+                </a:effectLst>
+              </a14:hiddenEffects>
+            </a:ext>
+          </a:extLst>
+        </p:spPr>
+        <p:txBody>
+          <a:bodyPr lIns="90488" tIns="44450" rIns="90488" bIns="44450">
+            <a:spAutoFit/>
+          </a:bodyPr>
+          <a:lstStyle>
+            <a:lvl1pPr defTabSz="739775">
+              <a:defRPr sz="3000">
+                <a:solidFill>
+                  <a:schemeClr val="tx1"/>
+                </a:solidFill>
+                <a:latin typeface="Arial Narrow" panose="020B0606020202030204" pitchFamily="34" charset="0"/>
+              </a:defRPr>
+            </a:lvl1pPr>
+            <a:lvl2pPr marL="742950" indent="-285750" defTabSz="739775">
+              <a:defRPr sz="3000">
+                <a:solidFill>
+                  <a:schemeClr val="tx1"/>
+                </a:solidFill>
+                <a:latin typeface="Arial Narrow" panose="020B0606020202030204" pitchFamily="34" charset="0"/>
+              </a:defRPr>
+            </a:lvl2pPr>
+            <a:lvl3pPr marL="1143000" indent="-228600" defTabSz="739775">
+              <a:defRPr sz="3000">
+                <a:solidFill>
+                  <a:schemeClr val="tx1"/>
+                </a:solidFill>
+                <a:latin typeface="Arial Narrow" panose="020B0606020202030204" pitchFamily="34" charset="0"/>
+              </a:defRPr>
+            </a:lvl3pPr>
+            <a:lvl4pPr marL="1600200" indent="-228600" defTabSz="739775">
+              <a:defRPr sz="3000">
+                <a:solidFill>
+                  <a:schemeClr val="tx1"/>
+                </a:solidFill>
+                <a:latin typeface="Arial Narrow" panose="020B0606020202030204" pitchFamily="34" charset="0"/>
+              </a:defRPr>
+            </a:lvl4pPr>
+            <a:lvl5pPr marL="2057400" indent="-228600" defTabSz="739775">
+              <a:defRPr sz="3000">
+                <a:solidFill>
+                  <a:schemeClr val="tx1"/>
+                </a:solidFill>
+                <a:latin typeface="Arial Narrow" panose="020B0606020202030204" pitchFamily="34" charset="0"/>
+              </a:defRPr>
+            </a:lvl5pPr>
+            <a:lvl6pPr marL="2514600" indent="-228600" defTabSz="739775" eaLnBrk="0" fontAlgn="base" hangingPunct="0">
+              <a:spcBef>
+                <a:spcPct val="0"/>
+              </a:spcBef>
+              <a:spcAft>
+                <a:spcPct val="0"/>
+              </a:spcAft>
+              <a:defRPr sz="3000">
+                <a:solidFill>
+                  <a:schemeClr val="tx1"/>
+                </a:solidFill>
+                <a:latin typeface="Arial Narrow" panose="020B0606020202030204" pitchFamily="34" charset="0"/>
+              </a:defRPr>
+            </a:lvl6pPr>
+            <a:lvl7pPr marL="2971800" indent="-228600" defTabSz="739775" eaLnBrk="0" fontAlgn="base" hangingPunct="0">
+              <a:spcBef>
+                <a:spcPct val="0"/>
+              </a:spcBef>
+              <a:spcAft>
+                <a:spcPct val="0"/>
+              </a:spcAft>
+              <a:defRPr sz="3000">
+                <a:solidFill>
+                  <a:schemeClr val="tx1"/>
+                </a:solidFill>
+                <a:latin typeface="Arial Narrow" panose="020B0606020202030204" pitchFamily="34" charset="0"/>
+              </a:defRPr>
+            </a:lvl7pPr>
+            <a:lvl8pPr marL="3429000" indent="-228600" defTabSz="739775" eaLnBrk="0" fontAlgn="base" hangingPunct="0">
+              <a:spcBef>
+                <a:spcPct val="0"/>
+              </a:spcBef>
+              <a:spcAft>
+                <a:spcPct val="0"/>
+              </a:spcAft>
+              <a:defRPr sz="3000">
+                <a:solidFill>
+                  <a:schemeClr val="tx1"/>
+                </a:solidFill>
+                <a:latin typeface="Arial Narrow" panose="020B0606020202030204" pitchFamily="34" charset="0"/>
+              </a:defRPr>
+            </a:lvl8pPr>
+            <a:lvl9pPr marL="3886200" indent="-228600" defTabSz="739775" eaLnBrk="0" fontAlgn="base" hangingPunct="0">
+              <a:spcBef>
+                <a:spcPct val="0"/>
+              </a:spcBef>
+              <a:spcAft>
+                <a:spcPct val="0"/>
+              </a:spcAft>
+              <a:defRPr sz="3000">
+                <a:solidFill>
+                  <a:schemeClr val="tx1"/>
+                </a:solidFill>
+                <a:latin typeface="Arial Narrow" panose="020B0606020202030204" pitchFamily="34" charset="0"/>
+              </a:defRPr>
+            </a:lvl9pPr>
+          </a:lstStyle>
+          <a:p>
+            <a:r>
+              <a:rPr lang="en-US" altLang="fr-FR" sz="1800" b="1">
+                <a:solidFill>
+                  <a:srgbClr val="000000"/>
+                </a:solidFill>
+                <a:latin typeface="Lucida Sans Typewriter" pitchFamily="49" charset="0"/>
+              </a:rPr>
+              <a:t>balance  99.12</a:t>
+            </a:r>
+            <a:endParaRPr lang="en-US" altLang="fr-FR" sz="1800" b="1">
+              <a:latin typeface="Lucida Sans Typewriter" pitchFamily="49" charset="0"/>
+            </a:endParaRPr>
+          </a:p>
+        </p:txBody>
+      </p:sp>
+      <p:sp>
+        <p:nvSpPr>
+          <p:cNvPr id="30732" name="Rectangle 20"/>
+          <p:cNvSpPr>
+            <a:spLocks noChangeArrowheads="1"/>
+          </p:cNvSpPr>
+          <p:nvPr/>
+        </p:nvSpPr>
+        <p:spPr bwMode="auto">
+          <a:xfrm>
+            <a:off x="5257800" y="4926013"/>
+            <a:ext cx="2133600" cy="376237"/>
+          </a:xfrm>
+          <a:prstGeom prst="rect">
+            <a:avLst/>
+          </a:prstGeom>
+          <a:solidFill>
+            <a:srgbClr val="C0C0C0"/>
+          </a:solidFill>
+          <a:ln w="12700">
+            <a:solidFill>
+              <a:schemeClr val="tx1"/>
+            </a:solidFill>
+            <a:miter lim="800000"/>
+            <a:headEnd/>
+            <a:tailEnd/>
+          </a:ln>
+          <a:effectLst/>
+          <a:extLst>
+            <a:ext uri="{AF507438-7753-43E0-B8FC-AC1667EBCBE1}">
+              <a14:hiddenEffects xmlns:a14="http://schemas.microsoft.com/office/drawing/2010/main">
+                <a:effectLst>
+                  <a:outerShdw dist="107763" dir="2700000" algn="ctr" rotWithShape="0">
+                    <a:schemeClr val="bg2"/>
+                  </a:outerShdw>
+                </a:effectLst>
+              </a14:hiddenEffects>
+            </a:ext>
+          </a:extLst>
+        </p:spPr>
+        <p:txBody>
+          <a:bodyPr lIns="90488" tIns="44450" rIns="90488" bIns="44450">
+            <a:spAutoFit/>
+          </a:bodyPr>
+          <a:lstStyle>
+            <a:lvl1pPr defTabSz="739775">
+              <a:defRPr sz="3000">
+                <a:solidFill>
+                  <a:schemeClr val="tx1"/>
+                </a:solidFill>
+                <a:latin typeface="Arial Narrow" panose="020B0606020202030204" pitchFamily="34" charset="0"/>
+              </a:defRPr>
+            </a:lvl1pPr>
+            <a:lvl2pPr marL="742950" indent="-285750" defTabSz="739775">
+              <a:defRPr sz="3000">
+                <a:solidFill>
+                  <a:schemeClr val="tx1"/>
+                </a:solidFill>
+                <a:latin typeface="Arial Narrow" panose="020B0606020202030204" pitchFamily="34" charset="0"/>
+              </a:defRPr>
+            </a:lvl2pPr>
+            <a:lvl3pPr marL="1143000" indent="-228600" defTabSz="739775">
+              <a:defRPr sz="3000">
+                <a:solidFill>
+                  <a:schemeClr val="tx1"/>
+                </a:solidFill>
+                <a:latin typeface="Arial Narrow" panose="020B0606020202030204" pitchFamily="34" charset="0"/>
+              </a:defRPr>
+            </a:lvl3pPr>
+            <a:lvl4pPr marL="1600200" indent="-228600" defTabSz="739775">
+              <a:defRPr sz="3000">
+                <a:solidFill>
+                  <a:schemeClr val="tx1"/>
+                </a:solidFill>
+                <a:latin typeface="Arial Narrow" panose="020B0606020202030204" pitchFamily="34" charset="0"/>
+              </a:defRPr>
+            </a:lvl4pPr>
+            <a:lvl5pPr marL="2057400" indent="-228600" defTabSz="739775">
+              <a:defRPr sz="3000">
+                <a:solidFill>
+                  <a:schemeClr val="tx1"/>
+                </a:solidFill>
+                <a:latin typeface="Arial Narrow" panose="020B0606020202030204" pitchFamily="34" charset="0"/>
+              </a:defRPr>
+            </a:lvl5pPr>
+            <a:lvl6pPr marL="2514600" indent="-228600" defTabSz="739775" eaLnBrk="0" fontAlgn="base" hangingPunct="0">
+              <a:spcBef>
+                <a:spcPct val="0"/>
+              </a:spcBef>
+              <a:spcAft>
+                <a:spcPct val="0"/>
+              </a:spcAft>
+              <a:defRPr sz="3000">
+                <a:solidFill>
+                  <a:schemeClr val="tx1"/>
+                </a:solidFill>
+                <a:latin typeface="Arial Narrow" panose="020B0606020202030204" pitchFamily="34" charset="0"/>
+              </a:defRPr>
+            </a:lvl6pPr>
+            <a:lvl7pPr marL="2971800" indent="-228600" defTabSz="739775" eaLnBrk="0" fontAlgn="base" hangingPunct="0">
+              <a:spcBef>
+                <a:spcPct val="0"/>
+              </a:spcBef>
+              <a:spcAft>
+                <a:spcPct val="0"/>
+              </a:spcAft>
+              <a:defRPr sz="3000">
+                <a:solidFill>
+                  <a:schemeClr val="tx1"/>
+                </a:solidFill>
+                <a:latin typeface="Arial Narrow" panose="020B0606020202030204" pitchFamily="34" charset="0"/>
+              </a:defRPr>
+            </a:lvl7pPr>
+            <a:lvl8pPr marL="3429000" indent="-228600" defTabSz="739775" eaLnBrk="0" fontAlgn="base" hangingPunct="0">
+              <a:spcBef>
+                <a:spcPct val="0"/>
+              </a:spcBef>
+              <a:spcAft>
+                <a:spcPct val="0"/>
+              </a:spcAft>
+              <a:defRPr sz="3000">
+                <a:solidFill>
+                  <a:schemeClr val="tx1"/>
+                </a:solidFill>
+                <a:latin typeface="Arial Narrow" panose="020B0606020202030204" pitchFamily="34" charset="0"/>
+              </a:defRPr>
+            </a:lvl8pPr>
+            <a:lvl9pPr marL="3886200" indent="-228600" defTabSz="739775" eaLnBrk="0" fontAlgn="base" hangingPunct="0">
+              <a:spcBef>
+                <a:spcPct val="0"/>
+              </a:spcBef>
+              <a:spcAft>
+                <a:spcPct val="0"/>
+              </a:spcAft>
+              <a:defRPr sz="3000">
+                <a:solidFill>
+                  <a:schemeClr val="tx1"/>
+                </a:solidFill>
+                <a:latin typeface="Arial Narrow" panose="020B0606020202030204" pitchFamily="34" charset="0"/>
+              </a:defRPr>
+            </a:lvl9pPr>
+          </a:lstStyle>
+          <a:p>
+            <a:r>
+              <a:rPr lang="en-US" altLang="fr-FR" sz="1800" b="1">
+                <a:solidFill>
+                  <a:srgbClr val="000000"/>
+                </a:solidFill>
+                <a:latin typeface="Lucida Sans Typewriter" pitchFamily="49" charset="0"/>
+              </a:rPr>
+              <a:t>owner   "Fred"</a:t>
+            </a:r>
+            <a:endParaRPr lang="en-US" altLang="fr-FR" sz="1800" b="1">
+              <a:latin typeface="Lucida Sans Typewriter" pitchFamily="49" charset="0"/>
+            </a:endParaRPr>
+          </a:p>
+        </p:txBody>
+      </p:sp>
+      <p:sp>
+        <p:nvSpPr>
+          <p:cNvPr id="30733" name="Text Box 22"/>
+          <p:cNvSpPr txBox="1">
+            <a:spLocks noChangeArrowheads="1"/>
+          </p:cNvSpPr>
+          <p:nvPr/>
+        </p:nvSpPr>
+        <p:spPr bwMode="auto">
+          <a:xfrm>
+            <a:off x="5105400" y="2946400"/>
+            <a:ext cx="1552575" cy="366713"/>
+          </a:xfrm>
+          <a:prstGeom prst="rect">
+            <a:avLst/>
+          </a:prstGeom>
+          <a:noFill/>
+          <a:ln>
+            <a:noFill/>
+          </a:ln>
+          <a:effectLst/>
+          <a:extLst>
+            <a:ext uri="{909E8E84-426E-40DD-AFC4-6F175D3DCCD1}">
+              <a14:hiddenFill xmlns:a14="http://schemas.microsoft.com/office/drawing/2010/main">
+                <a:solidFill>
+                  <a:schemeClr val="accent1"/>
+                </a:solidFill>
+              </a14:hiddenFill>
+            </a:ext>
+            <a:ext uri="{91240B29-F687-4F45-9708-019B960494DF}">
+              <a14:hiddenLine xmlns:a14="http://schemas.microsoft.com/office/drawing/2010/main" w="9525">
+                <a:solidFill>
+                  <a:schemeClr val="tx1"/>
+                </a:solidFill>
+                <a:miter lim="800000"/>
+                <a:headEnd/>
+                <a:tailEnd/>
+              </a14:hiddenLine>
+            </a:ext>
+            <a:ext uri="{AF507438-7753-43E0-B8FC-AC1667EBCBE1}">
+              <a14:hiddenEffects xmlns:a14="http://schemas.microsoft.com/office/drawing/2010/main">
+                <a:effectLst>
+                  <a:outerShdw dist="35921" dir="2700000" algn="ctr" rotWithShape="0">
+                    <a:schemeClr val="bg2"/>
+                  </a:outerShdw>
+                </a:effectLst>
+              </a14:hiddenEffects>
+            </a:ext>
+          </a:extLst>
+        </p:spPr>
+        <p:txBody>
+          <a:bodyPr wrap="none">
+            <a:spAutoFit/>
+          </a:bodyPr>
+          <a:lstStyle>
+            <a:lvl1pPr>
+              <a:defRPr sz="3000">
+                <a:solidFill>
+                  <a:schemeClr val="tx1"/>
+                </a:solidFill>
+                <a:latin typeface="Arial Narrow" panose="020B0606020202030204" pitchFamily="34" charset="0"/>
+              </a:defRPr>
+            </a:lvl1pPr>
+            <a:lvl2pPr marL="742950" indent="-285750">
+              <a:defRPr sz="3000">
+                <a:solidFill>
+                  <a:schemeClr val="tx1"/>
+                </a:solidFill>
+                <a:latin typeface="Arial Narrow" panose="020B0606020202030204" pitchFamily="34" charset="0"/>
+              </a:defRPr>
+            </a:lvl2pPr>
+            <a:lvl3pPr marL="1143000" indent="-228600">
+              <a:defRPr sz="3000">
+                <a:solidFill>
+                  <a:schemeClr val="tx1"/>
+                </a:solidFill>
+                <a:latin typeface="Arial Narrow" panose="020B0606020202030204" pitchFamily="34" charset="0"/>
+              </a:defRPr>
+            </a:lvl3pPr>
+            <a:lvl4pPr marL="1600200" indent="-228600">
+              <a:defRPr sz="3000">
+                <a:solidFill>
+                  <a:schemeClr val="tx1"/>
+                </a:solidFill>
+                <a:latin typeface="Arial Narrow" panose="020B0606020202030204" pitchFamily="34" charset="0"/>
+              </a:defRPr>
+            </a:lvl4pPr>
+            <a:lvl5pPr marL="2057400" indent="-228600">
+              <a:defRPr sz="3000">
+                <a:solidFill>
+                  <a:schemeClr val="tx1"/>
+                </a:solidFill>
+                <a:latin typeface="Arial Narrow" panose="020B0606020202030204" pitchFamily="34" charset="0"/>
+              </a:defRPr>
+            </a:lvl5pPr>
+            <a:lvl6pPr marL="2514600" indent="-228600" eaLnBrk="0" fontAlgn="base" hangingPunct="0">
+              <a:spcBef>
+                <a:spcPct val="0"/>
+              </a:spcBef>
+              <a:spcAft>
+                <a:spcPct val="0"/>
+              </a:spcAft>
+              <a:defRPr sz="3000">
+                <a:solidFill>
+                  <a:schemeClr val="tx1"/>
+                </a:solidFill>
+                <a:latin typeface="Arial Narrow" panose="020B0606020202030204" pitchFamily="34" charset="0"/>
+              </a:defRPr>
+            </a:lvl6pPr>
+            <a:lvl7pPr marL="2971800" indent="-228600" eaLnBrk="0" fontAlgn="base" hangingPunct="0">
+              <a:spcBef>
+                <a:spcPct val="0"/>
+              </a:spcBef>
+              <a:spcAft>
+                <a:spcPct val="0"/>
+              </a:spcAft>
+              <a:defRPr sz="3000">
+                <a:solidFill>
+                  <a:schemeClr val="tx1"/>
+                </a:solidFill>
+                <a:latin typeface="Arial Narrow" panose="020B0606020202030204" pitchFamily="34" charset="0"/>
+              </a:defRPr>
+            </a:lvl7pPr>
+            <a:lvl8pPr marL="3429000" indent="-228600" eaLnBrk="0" fontAlgn="base" hangingPunct="0">
+              <a:spcBef>
+                <a:spcPct val="0"/>
+              </a:spcBef>
+              <a:spcAft>
+                <a:spcPct val="0"/>
+              </a:spcAft>
+              <a:defRPr sz="3000">
+                <a:solidFill>
+                  <a:schemeClr val="tx1"/>
+                </a:solidFill>
+                <a:latin typeface="Arial Narrow" panose="020B0606020202030204" pitchFamily="34" charset="0"/>
+              </a:defRPr>
+            </a:lvl8pPr>
+            <a:lvl9pPr marL="3886200" indent="-228600" eaLnBrk="0" fontAlgn="base" hangingPunct="0">
+              <a:spcBef>
+                <a:spcPct val="0"/>
+              </a:spcBef>
+              <a:spcAft>
+                <a:spcPct val="0"/>
+              </a:spcAft>
+              <a:defRPr sz="3000">
+                <a:solidFill>
+                  <a:schemeClr val="tx1"/>
+                </a:solidFill>
+                <a:latin typeface="Arial Narrow" panose="020B0606020202030204" pitchFamily="34" charset="0"/>
+              </a:defRPr>
+            </a:lvl9pPr>
+          </a:lstStyle>
+          <a:p>
+            <a:r>
+              <a:rPr lang="en-US" altLang="fr-FR" sz="1800">
+                <a:solidFill>
+                  <a:srgbClr val="000000"/>
+                </a:solidFill>
+              </a:rPr>
+              <a:t>Un objet compte</a:t>
+            </a:r>
+            <a:endParaRPr lang="en-GB" altLang="fr-FR" sz="1800"/>
+          </a:p>
+        </p:txBody>
+      </p:sp>
+      <p:sp>
+        <p:nvSpPr>
+          <p:cNvPr id="30734" name="Text Box 23"/>
+          <p:cNvSpPr txBox="1">
+            <a:spLocks noChangeArrowheads="1"/>
+          </p:cNvSpPr>
+          <p:nvPr/>
+        </p:nvSpPr>
+        <p:spPr bwMode="auto">
+          <a:xfrm>
+            <a:off x="1524000" y="2946400"/>
+            <a:ext cx="1646238" cy="366713"/>
+          </a:xfrm>
+          <a:prstGeom prst="rect">
+            <a:avLst/>
+          </a:prstGeom>
+          <a:noFill/>
+          <a:ln>
+            <a:noFill/>
+          </a:ln>
+          <a:effectLst/>
+          <a:extLst>
+            <a:ext uri="{909E8E84-426E-40DD-AFC4-6F175D3DCCD1}">
+              <a14:hiddenFill xmlns:a14="http://schemas.microsoft.com/office/drawing/2010/main">
+                <a:solidFill>
+                  <a:schemeClr val="accent1"/>
+                </a:solidFill>
+              </a14:hiddenFill>
+            </a:ext>
+            <a:ext uri="{91240B29-F687-4F45-9708-019B960494DF}">
+              <a14:hiddenLine xmlns:a14="http://schemas.microsoft.com/office/drawing/2010/main" w="9525">
+                <a:solidFill>
+                  <a:schemeClr val="tx1"/>
+                </a:solidFill>
+                <a:miter lim="800000"/>
+                <a:headEnd/>
+                <a:tailEnd/>
+              </a14:hiddenLine>
+            </a:ext>
+            <a:ext uri="{AF507438-7753-43E0-B8FC-AC1667EBCBE1}">
+              <a14:hiddenEffects xmlns:a14="http://schemas.microsoft.com/office/drawing/2010/main">
+                <a:effectLst>
+                  <a:outerShdw dist="35921" dir="2700000" algn="ctr" rotWithShape="0">
+                    <a:schemeClr val="bg2"/>
+                  </a:outerShdw>
+                </a:effectLst>
+              </a14:hiddenEffects>
+            </a:ext>
+          </a:extLst>
+        </p:spPr>
+        <p:txBody>
+          <a:bodyPr wrap="none">
+            <a:spAutoFit/>
+          </a:bodyPr>
+          <a:lstStyle>
+            <a:lvl1pPr>
+              <a:defRPr sz="3000">
+                <a:solidFill>
+                  <a:schemeClr val="tx1"/>
+                </a:solidFill>
+                <a:latin typeface="Arial Narrow" panose="020B0606020202030204" pitchFamily="34" charset="0"/>
+              </a:defRPr>
+            </a:lvl1pPr>
+            <a:lvl2pPr marL="742950" indent="-285750">
+              <a:defRPr sz="3000">
+                <a:solidFill>
+                  <a:schemeClr val="tx1"/>
+                </a:solidFill>
+                <a:latin typeface="Arial Narrow" panose="020B0606020202030204" pitchFamily="34" charset="0"/>
+              </a:defRPr>
+            </a:lvl2pPr>
+            <a:lvl3pPr marL="1143000" indent="-228600">
+              <a:defRPr sz="3000">
+                <a:solidFill>
+                  <a:schemeClr val="tx1"/>
+                </a:solidFill>
+                <a:latin typeface="Arial Narrow" panose="020B0606020202030204" pitchFamily="34" charset="0"/>
+              </a:defRPr>
+            </a:lvl3pPr>
+            <a:lvl4pPr marL="1600200" indent="-228600">
+              <a:defRPr sz="3000">
+                <a:solidFill>
+                  <a:schemeClr val="tx1"/>
+                </a:solidFill>
+                <a:latin typeface="Arial Narrow" panose="020B0606020202030204" pitchFamily="34" charset="0"/>
+              </a:defRPr>
+            </a:lvl4pPr>
+            <a:lvl5pPr marL="2057400" indent="-228600">
+              <a:defRPr sz="3000">
+                <a:solidFill>
+                  <a:schemeClr val="tx1"/>
+                </a:solidFill>
+                <a:latin typeface="Arial Narrow" panose="020B0606020202030204" pitchFamily="34" charset="0"/>
+              </a:defRPr>
+            </a:lvl5pPr>
+            <a:lvl6pPr marL="2514600" indent="-228600" eaLnBrk="0" fontAlgn="base" hangingPunct="0">
+              <a:spcBef>
+                <a:spcPct val="0"/>
+              </a:spcBef>
+              <a:spcAft>
+                <a:spcPct val="0"/>
+              </a:spcAft>
+              <a:defRPr sz="3000">
+                <a:solidFill>
+                  <a:schemeClr val="tx1"/>
+                </a:solidFill>
+                <a:latin typeface="Arial Narrow" panose="020B0606020202030204" pitchFamily="34" charset="0"/>
+              </a:defRPr>
+            </a:lvl6pPr>
+            <a:lvl7pPr marL="2971800" indent="-228600" eaLnBrk="0" fontAlgn="base" hangingPunct="0">
+              <a:spcBef>
+                <a:spcPct val="0"/>
+              </a:spcBef>
+              <a:spcAft>
+                <a:spcPct val="0"/>
+              </a:spcAft>
+              <a:defRPr sz="3000">
+                <a:solidFill>
+                  <a:schemeClr val="tx1"/>
+                </a:solidFill>
+                <a:latin typeface="Arial Narrow" panose="020B0606020202030204" pitchFamily="34" charset="0"/>
+              </a:defRPr>
+            </a:lvl7pPr>
+            <a:lvl8pPr marL="3429000" indent="-228600" eaLnBrk="0" fontAlgn="base" hangingPunct="0">
+              <a:spcBef>
+                <a:spcPct val="0"/>
+              </a:spcBef>
+              <a:spcAft>
+                <a:spcPct val="0"/>
+              </a:spcAft>
+              <a:defRPr sz="3000">
+                <a:solidFill>
+                  <a:schemeClr val="tx1"/>
+                </a:solidFill>
+                <a:latin typeface="Arial Narrow" panose="020B0606020202030204" pitchFamily="34" charset="0"/>
+              </a:defRPr>
+            </a:lvl8pPr>
+            <a:lvl9pPr marL="3886200" indent="-228600" eaLnBrk="0" fontAlgn="base" hangingPunct="0">
+              <a:spcBef>
+                <a:spcPct val="0"/>
+              </a:spcBef>
+              <a:spcAft>
+                <a:spcPct val="0"/>
+              </a:spcAft>
+              <a:defRPr sz="3000">
+                <a:solidFill>
+                  <a:schemeClr val="tx1"/>
+                </a:solidFill>
+                <a:latin typeface="Arial Narrow" panose="020B0606020202030204" pitchFamily="34" charset="0"/>
+              </a:defRPr>
+            </a:lvl9pPr>
+          </a:lstStyle>
+          <a:p>
+            <a:r>
+              <a:rPr lang="en-US" altLang="fr-FR" sz="1800">
+                <a:solidFill>
+                  <a:srgbClr val="000000"/>
+                </a:solidFill>
+              </a:rPr>
+              <a:t>La classe compte</a:t>
+            </a:r>
+            <a:endParaRPr lang="en-GB" altLang="fr-FR" sz="1800"/>
+          </a:p>
+        </p:txBody>
+      </p:sp>
+      <p:sp>
+        <p:nvSpPr>
+          <p:cNvPr id="30735" name="Text Box 24"/>
+          <p:cNvSpPr txBox="1">
+            <a:spLocks noChangeArrowheads="1"/>
+          </p:cNvSpPr>
+          <p:nvPr/>
+        </p:nvSpPr>
+        <p:spPr bwMode="auto">
+          <a:xfrm>
+            <a:off x="1427163" y="5489575"/>
+            <a:ext cx="3373437" cy="641350"/>
+          </a:xfrm>
+          <a:prstGeom prst="rect">
+            <a:avLst/>
+          </a:prstGeom>
+          <a:noFill/>
+          <a:ln>
+            <a:noFill/>
+          </a:ln>
+          <a:effectLst/>
+          <a:extLst>
+            <a:ext uri="{909E8E84-426E-40DD-AFC4-6F175D3DCCD1}">
+              <a14:hiddenFill xmlns:a14="http://schemas.microsoft.com/office/drawing/2010/main">
+                <a:solidFill>
+                  <a:schemeClr val="accent1"/>
+                </a:solidFill>
+              </a14:hiddenFill>
+            </a:ext>
+            <a:ext uri="{91240B29-F687-4F45-9708-019B960494DF}">
+              <a14:hiddenLine xmlns:a14="http://schemas.microsoft.com/office/drawing/2010/main" w="9525">
+                <a:solidFill>
+                  <a:schemeClr val="tx1"/>
+                </a:solidFill>
+                <a:miter lim="800000"/>
+                <a:headEnd/>
+                <a:tailEnd/>
+              </a14:hiddenLine>
+            </a:ext>
+            <a:ext uri="{AF507438-7753-43E0-B8FC-AC1667EBCBE1}">
+              <a14:hiddenEffects xmlns:a14="http://schemas.microsoft.com/office/drawing/2010/main">
+                <a:effectLst>
+                  <a:outerShdw dist="35921" dir="2700000" algn="ctr" rotWithShape="0">
+                    <a:schemeClr val="bg2"/>
+                  </a:outerShdw>
+                </a:effectLst>
+              </a14:hiddenEffects>
+            </a:ext>
+          </a:extLst>
+        </p:spPr>
+        <p:txBody>
+          <a:bodyPr wrap="none">
+            <a:spAutoFit/>
+          </a:bodyPr>
+          <a:lstStyle>
+            <a:lvl1pPr>
+              <a:defRPr sz="3000">
+                <a:solidFill>
+                  <a:schemeClr val="tx1"/>
+                </a:solidFill>
+                <a:latin typeface="Arial Narrow" panose="020B0606020202030204" pitchFamily="34" charset="0"/>
+              </a:defRPr>
+            </a:lvl1pPr>
+            <a:lvl2pPr marL="742950" indent="-285750">
+              <a:defRPr sz="3000">
+                <a:solidFill>
+                  <a:schemeClr val="tx1"/>
+                </a:solidFill>
+                <a:latin typeface="Arial Narrow" panose="020B0606020202030204" pitchFamily="34" charset="0"/>
+              </a:defRPr>
+            </a:lvl2pPr>
+            <a:lvl3pPr marL="1143000" indent="-228600">
+              <a:defRPr sz="3000">
+                <a:solidFill>
+                  <a:schemeClr val="tx1"/>
+                </a:solidFill>
+                <a:latin typeface="Arial Narrow" panose="020B0606020202030204" pitchFamily="34" charset="0"/>
+              </a:defRPr>
+            </a:lvl3pPr>
+            <a:lvl4pPr marL="1600200" indent="-228600">
+              <a:defRPr sz="3000">
+                <a:solidFill>
+                  <a:schemeClr val="tx1"/>
+                </a:solidFill>
+                <a:latin typeface="Arial Narrow" panose="020B0606020202030204" pitchFamily="34" charset="0"/>
+              </a:defRPr>
+            </a:lvl4pPr>
+            <a:lvl5pPr marL="2057400" indent="-228600">
+              <a:defRPr sz="3000">
+                <a:solidFill>
+                  <a:schemeClr val="tx1"/>
+                </a:solidFill>
+                <a:latin typeface="Arial Narrow" panose="020B0606020202030204" pitchFamily="34" charset="0"/>
+              </a:defRPr>
+            </a:lvl5pPr>
+            <a:lvl6pPr marL="2514600" indent="-228600" eaLnBrk="0" fontAlgn="base" hangingPunct="0">
+              <a:spcBef>
+                <a:spcPct val="0"/>
+              </a:spcBef>
+              <a:spcAft>
+                <a:spcPct val="0"/>
+              </a:spcAft>
+              <a:defRPr sz="3000">
+                <a:solidFill>
+                  <a:schemeClr val="tx1"/>
+                </a:solidFill>
+                <a:latin typeface="Arial Narrow" panose="020B0606020202030204" pitchFamily="34" charset="0"/>
+              </a:defRPr>
+            </a:lvl6pPr>
+            <a:lvl7pPr marL="2971800" indent="-228600" eaLnBrk="0" fontAlgn="base" hangingPunct="0">
+              <a:spcBef>
+                <a:spcPct val="0"/>
+              </a:spcBef>
+              <a:spcAft>
+                <a:spcPct val="0"/>
+              </a:spcAft>
+              <a:defRPr sz="3000">
+                <a:solidFill>
+                  <a:schemeClr val="tx1"/>
+                </a:solidFill>
+                <a:latin typeface="Arial Narrow" panose="020B0606020202030204" pitchFamily="34" charset="0"/>
+              </a:defRPr>
+            </a:lvl7pPr>
+            <a:lvl8pPr marL="3429000" indent="-228600" eaLnBrk="0" fontAlgn="base" hangingPunct="0">
+              <a:spcBef>
+                <a:spcPct val="0"/>
+              </a:spcBef>
+              <a:spcAft>
+                <a:spcPct val="0"/>
+              </a:spcAft>
+              <a:defRPr sz="3000">
+                <a:solidFill>
+                  <a:schemeClr val="tx1"/>
+                </a:solidFill>
+                <a:latin typeface="Arial Narrow" panose="020B0606020202030204" pitchFamily="34" charset="0"/>
+              </a:defRPr>
+            </a:lvl8pPr>
+            <a:lvl9pPr marL="3886200" indent="-228600" eaLnBrk="0" fontAlgn="base" hangingPunct="0">
+              <a:spcBef>
+                <a:spcPct val="0"/>
+              </a:spcBef>
+              <a:spcAft>
+                <a:spcPct val="0"/>
+              </a:spcAft>
+              <a:defRPr sz="3000">
+                <a:solidFill>
+                  <a:schemeClr val="tx1"/>
+                </a:solidFill>
+                <a:latin typeface="Arial Narrow" panose="020B0606020202030204" pitchFamily="34" charset="0"/>
+              </a:defRPr>
+            </a:lvl9pPr>
+          </a:lstStyle>
+          <a:p>
+            <a:r>
+              <a:rPr lang="en-US" altLang="fr-FR" sz="1800">
+                <a:solidFill>
+                  <a:srgbClr val="000000"/>
+                </a:solidFill>
+              </a:rPr>
+              <a:t>Les classes contiennent des données </a:t>
+            </a:r>
+            <a:br>
+              <a:rPr lang="en-US" altLang="fr-FR" sz="1800">
+                <a:solidFill>
+                  <a:srgbClr val="000000"/>
+                </a:solidFill>
+              </a:rPr>
+            </a:br>
+            <a:r>
+              <a:rPr lang="en-US" altLang="fr-FR" sz="1800">
+                <a:solidFill>
+                  <a:srgbClr val="000000"/>
+                </a:solidFill>
+              </a:rPr>
+              <a:t>statiques et des méthodes statiques</a:t>
+            </a:r>
+            <a:endParaRPr lang="en-GB" altLang="fr-FR" sz="1800">
+              <a:solidFill>
+                <a:srgbClr val="000000"/>
+              </a:solidFill>
+            </a:endParaRPr>
+          </a:p>
+        </p:txBody>
+      </p:sp>
+      <p:sp>
+        <p:nvSpPr>
+          <p:cNvPr id="30736" name="Text Box 25"/>
+          <p:cNvSpPr txBox="1">
+            <a:spLocks noChangeArrowheads="1"/>
+          </p:cNvSpPr>
+          <p:nvPr/>
+        </p:nvSpPr>
+        <p:spPr bwMode="auto">
+          <a:xfrm>
+            <a:off x="4987925" y="5489575"/>
+            <a:ext cx="3249613" cy="641350"/>
+          </a:xfrm>
+          <a:prstGeom prst="rect">
+            <a:avLst/>
+          </a:prstGeom>
+          <a:noFill/>
+          <a:ln>
+            <a:noFill/>
+          </a:ln>
+          <a:effectLst/>
+          <a:extLst>
+            <a:ext uri="{909E8E84-426E-40DD-AFC4-6F175D3DCCD1}">
+              <a14:hiddenFill xmlns:a14="http://schemas.microsoft.com/office/drawing/2010/main">
+                <a:solidFill>
+                  <a:schemeClr val="accent1"/>
+                </a:solidFill>
+              </a14:hiddenFill>
+            </a:ext>
+            <a:ext uri="{91240B29-F687-4F45-9708-019B960494DF}">
+              <a14:hiddenLine xmlns:a14="http://schemas.microsoft.com/office/drawing/2010/main" w="9525">
+                <a:solidFill>
+                  <a:schemeClr val="tx1"/>
+                </a:solidFill>
+                <a:miter lim="800000"/>
+                <a:headEnd/>
+                <a:tailEnd/>
+              </a14:hiddenLine>
+            </a:ext>
+            <a:ext uri="{AF507438-7753-43E0-B8FC-AC1667EBCBE1}">
+              <a14:hiddenEffects xmlns:a14="http://schemas.microsoft.com/office/drawing/2010/main">
+                <a:effectLst>
+                  <a:outerShdw dist="35921" dir="2700000" algn="ctr" rotWithShape="0">
+                    <a:schemeClr val="bg2"/>
+                  </a:outerShdw>
+                </a:effectLst>
+              </a14:hiddenEffects>
+            </a:ext>
+          </a:extLst>
+        </p:spPr>
+        <p:txBody>
+          <a:bodyPr wrap="none">
+            <a:spAutoFit/>
+          </a:bodyPr>
+          <a:lstStyle>
+            <a:lvl1pPr>
+              <a:defRPr sz="3000">
+                <a:solidFill>
+                  <a:schemeClr val="tx1"/>
+                </a:solidFill>
+                <a:latin typeface="Arial Narrow" panose="020B0606020202030204" pitchFamily="34" charset="0"/>
+              </a:defRPr>
+            </a:lvl1pPr>
+            <a:lvl2pPr marL="742950" indent="-285750">
+              <a:defRPr sz="3000">
+                <a:solidFill>
+                  <a:schemeClr val="tx1"/>
+                </a:solidFill>
+                <a:latin typeface="Arial Narrow" panose="020B0606020202030204" pitchFamily="34" charset="0"/>
+              </a:defRPr>
+            </a:lvl2pPr>
+            <a:lvl3pPr marL="1143000" indent="-228600">
+              <a:defRPr sz="3000">
+                <a:solidFill>
+                  <a:schemeClr val="tx1"/>
+                </a:solidFill>
+                <a:latin typeface="Arial Narrow" panose="020B0606020202030204" pitchFamily="34" charset="0"/>
+              </a:defRPr>
+            </a:lvl3pPr>
+            <a:lvl4pPr marL="1600200" indent="-228600">
+              <a:defRPr sz="3000">
+                <a:solidFill>
+                  <a:schemeClr val="tx1"/>
+                </a:solidFill>
+                <a:latin typeface="Arial Narrow" panose="020B0606020202030204" pitchFamily="34" charset="0"/>
+              </a:defRPr>
+            </a:lvl4pPr>
+            <a:lvl5pPr marL="2057400" indent="-228600">
+              <a:defRPr sz="3000">
+                <a:solidFill>
+                  <a:schemeClr val="tx1"/>
+                </a:solidFill>
+                <a:latin typeface="Arial Narrow" panose="020B0606020202030204" pitchFamily="34" charset="0"/>
+              </a:defRPr>
+            </a:lvl5pPr>
+            <a:lvl6pPr marL="2514600" indent="-228600" eaLnBrk="0" fontAlgn="base" hangingPunct="0">
+              <a:spcBef>
+                <a:spcPct val="0"/>
+              </a:spcBef>
+              <a:spcAft>
+                <a:spcPct val="0"/>
+              </a:spcAft>
+              <a:defRPr sz="3000">
+                <a:solidFill>
+                  <a:schemeClr val="tx1"/>
+                </a:solidFill>
+                <a:latin typeface="Arial Narrow" panose="020B0606020202030204" pitchFamily="34" charset="0"/>
+              </a:defRPr>
+            </a:lvl6pPr>
+            <a:lvl7pPr marL="2971800" indent="-228600" eaLnBrk="0" fontAlgn="base" hangingPunct="0">
+              <a:spcBef>
+                <a:spcPct val="0"/>
+              </a:spcBef>
+              <a:spcAft>
+                <a:spcPct val="0"/>
+              </a:spcAft>
+              <a:defRPr sz="3000">
+                <a:solidFill>
+                  <a:schemeClr val="tx1"/>
+                </a:solidFill>
+                <a:latin typeface="Arial Narrow" panose="020B0606020202030204" pitchFamily="34" charset="0"/>
+              </a:defRPr>
+            </a:lvl7pPr>
+            <a:lvl8pPr marL="3429000" indent="-228600" eaLnBrk="0" fontAlgn="base" hangingPunct="0">
+              <a:spcBef>
+                <a:spcPct val="0"/>
+              </a:spcBef>
+              <a:spcAft>
+                <a:spcPct val="0"/>
+              </a:spcAft>
+              <a:defRPr sz="3000">
+                <a:solidFill>
+                  <a:schemeClr val="tx1"/>
+                </a:solidFill>
+                <a:latin typeface="Arial Narrow" panose="020B0606020202030204" pitchFamily="34" charset="0"/>
+              </a:defRPr>
+            </a:lvl8pPr>
+            <a:lvl9pPr marL="3886200" indent="-228600" eaLnBrk="0" fontAlgn="base" hangingPunct="0">
+              <a:spcBef>
+                <a:spcPct val="0"/>
+              </a:spcBef>
+              <a:spcAft>
+                <a:spcPct val="0"/>
+              </a:spcAft>
+              <a:defRPr sz="3000">
+                <a:solidFill>
+                  <a:schemeClr val="tx1"/>
+                </a:solidFill>
+                <a:latin typeface="Arial Narrow" panose="020B0606020202030204" pitchFamily="34" charset="0"/>
+              </a:defRPr>
+            </a:lvl9pPr>
+          </a:lstStyle>
+          <a:p>
+            <a:r>
+              <a:rPr lang="en-US" altLang="fr-FR" sz="1800">
+                <a:solidFill>
+                  <a:srgbClr val="000000"/>
+                </a:solidFill>
+              </a:rPr>
+              <a:t>Les objets contiennent des données </a:t>
+            </a:r>
+            <a:br>
+              <a:rPr lang="en-US" altLang="fr-FR" sz="1800">
+                <a:solidFill>
+                  <a:srgbClr val="000000"/>
+                </a:solidFill>
+              </a:rPr>
+            </a:br>
+            <a:r>
+              <a:rPr lang="en-US" altLang="fr-FR" sz="1800">
+                <a:solidFill>
+                  <a:srgbClr val="000000"/>
+                </a:solidFill>
+              </a:rPr>
+              <a:t>d'objet et des méthodes d'objet</a:t>
+            </a:r>
+            <a:endParaRPr lang="en-GB" altLang="fr-FR" sz="1800">
+              <a:solidFill>
+                <a:srgbClr val="000000"/>
+              </a:solidFill>
+            </a:endParaRPr>
+          </a:p>
+        </p:txBody>
+      </p:sp>
+      <p:sp>
+        <p:nvSpPr>
+          <p:cNvPr id="30737" name="Line 26"/>
+          <p:cNvSpPr>
+            <a:spLocks noChangeShapeType="1"/>
+          </p:cNvSpPr>
+          <p:nvPr/>
+        </p:nvSpPr>
+        <p:spPr bwMode="auto">
+          <a:xfrm>
+            <a:off x="2514600" y="4191000"/>
+            <a:ext cx="0" cy="533400"/>
+          </a:xfrm>
+          <a:prstGeom prst="line">
+            <a:avLst/>
+          </a:prstGeom>
+          <a:noFill/>
+          <a:ln w="9525">
+            <a:solidFill>
+              <a:srgbClr val="000000"/>
+            </a:solidFill>
+            <a:round/>
+            <a:headEnd/>
+            <a:tailEnd type="triangle" w="med" len="med"/>
+          </a:ln>
+          <a:effectLst/>
+          <a:extLst>
+            <a:ext uri="{909E8E84-426E-40DD-AFC4-6F175D3DCCD1}">
+              <a14:hiddenFill xmlns:a14="http://schemas.microsoft.com/office/drawing/2010/main">
+                <a:noFill/>
+              </a14:hiddenFill>
+            </a:ext>
+            <a:ext uri="{AF507438-7753-43E0-B8FC-AC1667EBCBE1}">
+              <a14:hiddenEffects xmlns:a14="http://schemas.microsoft.com/office/drawing/2010/main">
+                <a:effectLst>
+                  <a:outerShdw dist="35921" dir="2700000" algn="ctr" rotWithShape="0">
+                    <a:srgbClr val="808080"/>
+                  </a:outerShdw>
+                </a:effectLst>
+              </a14:hiddenEffects>
+            </a:ext>
+          </a:extLst>
+        </p:spPr>
+        <p:txBody>
+          <a:bodyPr/>
+          <a:lstStyle/>
+          <a:p>
+            <a:endParaRPr lang="fr-FR"/>
+          </a:p>
+        </p:txBody>
+      </p:sp>
+      <p:sp>
+        <p:nvSpPr>
+          <p:cNvPr id="14363" name="Rectangle 27"/>
+          <p:cNvSpPr>
+            <a:spLocks noChangeArrowheads="1"/>
+          </p:cNvSpPr>
+          <p:nvPr/>
+        </p:nvSpPr>
+        <p:spPr bwMode="auto">
+          <a:xfrm>
+            <a:off x="4267200" y="4572000"/>
+            <a:ext cx="539750" cy="762000"/>
+          </a:xfrm>
+          <a:prstGeom prst="rect">
+            <a:avLst/>
+          </a:prstGeom>
+          <a:noFill/>
+          <a:ln>
+            <a:noFill/>
+          </a:ln>
+          <a:effectLst/>
+          <a:extLst>
+            <a:ext uri="{909E8E84-426E-40DD-AFC4-6F175D3DCCD1}">
+              <a14:hiddenFill xmlns:a14="http://schemas.microsoft.com/office/drawing/2010/main">
+                <a:solidFill>
+                  <a:schemeClr val="accent1"/>
+                </a:solidFill>
+              </a14:hiddenFill>
+            </a:ext>
+            <a:ext uri="{91240B29-F687-4F45-9708-019B960494DF}">
+              <a14:hiddenLine xmlns:a14="http://schemas.microsoft.com/office/drawing/2010/main" w="9525">
+                <a:solidFill>
+                  <a:schemeClr val="tx1"/>
+                </a:solidFill>
+                <a:miter lim="800000"/>
+                <a:headEnd/>
+                <a:tailEnd/>
+              </a14:hiddenLine>
+            </a:ext>
+            <a:ext uri="{AF507438-7753-43E0-B8FC-AC1667EBCBE1}">
+              <a14:hiddenEffects xmlns:a14="http://schemas.microsoft.com/office/drawing/2010/main">
+                <a:effectLst>
+                  <a:outerShdw dist="35921" dir="2700000" algn="ctr" rotWithShape="0">
+                    <a:schemeClr val="bg2"/>
+                  </a:outerShdw>
+                </a:effectLst>
+              </a14:hiddenEffects>
+            </a:ext>
+          </a:extLst>
+        </p:spPr>
+        <p:txBody>
+          <a:bodyPr wrap="none" lIns="92075" tIns="46038" rIns="92075" bIns="46038">
+            <a:spAutoFit/>
+          </a:bodyPr>
+          <a:lstStyle>
+            <a:lvl1pPr defTabSz="739775">
+              <a:defRPr sz="2400">
+                <a:solidFill>
+                  <a:schemeClr val="tx1"/>
+                </a:solidFill>
+                <a:latin typeface="Times New Roman" panose="02020603050405020304" pitchFamily="18" charset="0"/>
+              </a:defRPr>
+            </a:lvl1pPr>
+            <a:lvl2pPr marL="571500" defTabSz="739775">
+              <a:defRPr sz="2400">
+                <a:solidFill>
+                  <a:schemeClr val="tx1"/>
+                </a:solidFill>
+                <a:latin typeface="Times New Roman" panose="02020603050405020304" pitchFamily="18" charset="0"/>
+              </a:defRPr>
+            </a:lvl2pPr>
+            <a:lvl3pPr marL="1143000" defTabSz="739775">
+              <a:defRPr sz="2400">
+                <a:solidFill>
+                  <a:schemeClr val="tx1"/>
+                </a:solidFill>
+                <a:latin typeface="Times New Roman" panose="02020603050405020304" pitchFamily="18" charset="0"/>
+              </a:defRPr>
+            </a:lvl3pPr>
+            <a:lvl4pPr marL="1714500" defTabSz="739775">
+              <a:defRPr sz="2400">
+                <a:solidFill>
+                  <a:schemeClr val="tx1"/>
+                </a:solidFill>
+                <a:latin typeface="Times New Roman" panose="02020603050405020304" pitchFamily="18" charset="0"/>
+              </a:defRPr>
+            </a:lvl4pPr>
+            <a:lvl5pPr marL="2286000" defTabSz="739775">
+              <a:defRPr sz="2400">
+                <a:solidFill>
+                  <a:schemeClr val="tx1"/>
+                </a:solidFill>
+                <a:latin typeface="Times New Roman" panose="02020603050405020304" pitchFamily="18" charset="0"/>
+              </a:defRPr>
+            </a:lvl5pPr>
+            <a:lvl6pPr marL="2743200" defTabSz="739775" fontAlgn="base">
+              <a:spcBef>
+                <a:spcPct val="0"/>
+              </a:spcBef>
+              <a:spcAft>
+                <a:spcPct val="0"/>
+              </a:spcAft>
+              <a:defRPr sz="2400">
+                <a:solidFill>
+                  <a:schemeClr val="tx1"/>
+                </a:solidFill>
+                <a:latin typeface="Times New Roman" panose="02020603050405020304" pitchFamily="18" charset="0"/>
+              </a:defRPr>
+            </a:lvl6pPr>
+            <a:lvl7pPr marL="3200400" defTabSz="739775" fontAlgn="base">
+              <a:spcBef>
+                <a:spcPct val="0"/>
+              </a:spcBef>
+              <a:spcAft>
+                <a:spcPct val="0"/>
+              </a:spcAft>
+              <a:defRPr sz="2400">
+                <a:solidFill>
+                  <a:schemeClr val="tx1"/>
+                </a:solidFill>
+                <a:latin typeface="Times New Roman" panose="02020603050405020304" pitchFamily="18" charset="0"/>
+              </a:defRPr>
+            </a:lvl7pPr>
+            <a:lvl8pPr marL="3657600" defTabSz="739775" fontAlgn="base">
+              <a:spcBef>
+                <a:spcPct val="0"/>
+              </a:spcBef>
+              <a:spcAft>
+                <a:spcPct val="0"/>
+              </a:spcAft>
+              <a:defRPr sz="2400">
+                <a:solidFill>
+                  <a:schemeClr val="tx1"/>
+                </a:solidFill>
+                <a:latin typeface="Times New Roman" panose="02020603050405020304" pitchFamily="18" charset="0"/>
+              </a:defRPr>
+            </a:lvl8pPr>
+            <a:lvl9pPr marL="4114800" defTabSz="739775" fontAlgn="base">
+              <a:spcBef>
+                <a:spcPct val="0"/>
+              </a:spcBef>
+              <a:spcAft>
+                <a:spcPct val="0"/>
+              </a:spcAft>
+              <a:defRPr sz="2400">
+                <a:solidFill>
+                  <a:schemeClr val="tx1"/>
+                </a:solidFill>
+                <a:latin typeface="Times New Roman" panose="02020603050405020304" pitchFamily="18" charset="0"/>
+              </a:defRPr>
+            </a:lvl9pPr>
+          </a:lstStyle>
+          <a:p>
+            <a:pPr>
+              <a:defRPr/>
+            </a:pPr>
+            <a:r>
+              <a:rPr lang="en-US" altLang="fr-FR" sz="4400">
+                <a:solidFill>
+                  <a:srgbClr val="FF0033"/>
+                </a:solidFill>
+                <a:effectLst>
+                  <a:outerShdw blurRad="38100" dist="38100" dir="2700000" algn="tl">
+                    <a:srgbClr val="C0C0C0"/>
+                  </a:outerShdw>
+                </a:effectLst>
+                <a:latin typeface="Wingdings" panose="05000000000000000000" pitchFamily="2" charset="2"/>
+              </a:rPr>
+              <a:t>û</a:t>
+            </a:r>
+          </a:p>
+        </p:txBody>
+      </p:sp>
+      <p:sp>
+        <p:nvSpPr>
+          <p:cNvPr id="30739" name="Line 28"/>
+          <p:cNvSpPr>
+            <a:spLocks noChangeShapeType="1"/>
+          </p:cNvSpPr>
+          <p:nvPr/>
+        </p:nvSpPr>
+        <p:spPr bwMode="auto">
+          <a:xfrm flipV="1">
+            <a:off x="3505200" y="3733800"/>
+            <a:ext cx="1371600" cy="228600"/>
+          </a:xfrm>
+          <a:prstGeom prst="line">
+            <a:avLst/>
+          </a:prstGeom>
+          <a:noFill/>
+          <a:ln w="9525">
+            <a:solidFill>
+              <a:srgbClr val="000000"/>
+            </a:solidFill>
+            <a:round/>
+            <a:headEnd/>
+            <a:tailEnd type="triangle" w="med" len="med"/>
+          </a:ln>
+          <a:effectLst/>
+          <a:extLst>
+            <a:ext uri="{909E8E84-426E-40DD-AFC4-6F175D3DCCD1}">
+              <a14:hiddenFill xmlns:a14="http://schemas.microsoft.com/office/drawing/2010/main">
+                <a:noFill/>
+              </a14:hiddenFill>
+            </a:ext>
+            <a:ext uri="{AF507438-7753-43E0-B8FC-AC1667EBCBE1}">
+              <a14:hiddenEffects xmlns:a14="http://schemas.microsoft.com/office/drawing/2010/main">
+                <a:effectLst>
+                  <a:outerShdw dist="35921" dir="2700000" algn="ctr" rotWithShape="0">
+                    <a:srgbClr val="808080"/>
+                  </a:outerShdw>
+                </a:effectLst>
+              </a14:hiddenEffects>
+            </a:ext>
+          </a:extLst>
+        </p:spPr>
+        <p:txBody>
+          <a:bodyPr/>
+          <a:lstStyle/>
+          <a:p>
+            <a:endParaRPr lang="fr-FR"/>
+          </a:p>
+        </p:txBody>
+      </p:sp>
+      <p:sp>
+        <p:nvSpPr>
+          <p:cNvPr id="30740" name="Line 29"/>
+          <p:cNvSpPr>
+            <a:spLocks noChangeShapeType="1"/>
+          </p:cNvSpPr>
+          <p:nvPr/>
+        </p:nvSpPr>
+        <p:spPr bwMode="auto">
+          <a:xfrm>
+            <a:off x="3505200" y="4114800"/>
+            <a:ext cx="1752600" cy="990600"/>
+          </a:xfrm>
+          <a:prstGeom prst="line">
+            <a:avLst/>
+          </a:prstGeom>
+          <a:noFill/>
+          <a:ln w="9525">
+            <a:solidFill>
+              <a:srgbClr val="000000"/>
+            </a:solidFill>
+            <a:round/>
+            <a:headEnd/>
+            <a:tailEnd type="triangle" w="med" len="med"/>
+          </a:ln>
+          <a:effectLst/>
+          <a:extLst>
+            <a:ext uri="{909E8E84-426E-40DD-AFC4-6F175D3DCCD1}">
+              <a14:hiddenFill xmlns:a14="http://schemas.microsoft.com/office/drawing/2010/main">
+                <a:noFill/>
+              </a14:hiddenFill>
+            </a:ext>
+            <a:ext uri="{AF507438-7753-43E0-B8FC-AC1667EBCBE1}">
+              <a14:hiddenEffects xmlns:a14="http://schemas.microsoft.com/office/drawing/2010/main">
+                <a:effectLst>
+                  <a:outerShdw dist="35921" dir="2700000" algn="ctr" rotWithShape="0">
+                    <a:srgbClr val="808080"/>
+                  </a:outerShdw>
+                </a:effectLst>
+              </a14:hiddenEffects>
+            </a:ext>
+          </a:extLst>
+        </p:spPr>
+        <p:txBody>
+          <a:bodyPr/>
+          <a:lstStyle/>
+          <a:p>
+            <a:endParaRPr lang="fr-FR"/>
+          </a:p>
+        </p:txBody>
+      </p:sp>
+      <p:sp>
+        <p:nvSpPr>
+          <p:cNvPr id="14366" name="Rectangle 30"/>
+          <p:cNvSpPr>
+            <a:spLocks noChangeArrowheads="1"/>
+          </p:cNvSpPr>
+          <p:nvPr/>
+        </p:nvSpPr>
+        <p:spPr bwMode="auto">
+          <a:xfrm>
+            <a:off x="4260850" y="3657600"/>
+            <a:ext cx="539750" cy="762000"/>
+          </a:xfrm>
+          <a:prstGeom prst="rect">
+            <a:avLst/>
+          </a:prstGeom>
+          <a:noFill/>
+          <a:ln>
+            <a:noFill/>
+          </a:ln>
+          <a:effectLst/>
+          <a:extLst>
+            <a:ext uri="{909E8E84-426E-40DD-AFC4-6F175D3DCCD1}">
+              <a14:hiddenFill xmlns:a14="http://schemas.microsoft.com/office/drawing/2010/main">
+                <a:solidFill>
+                  <a:schemeClr val="accent1"/>
+                </a:solidFill>
+              </a14:hiddenFill>
+            </a:ext>
+            <a:ext uri="{91240B29-F687-4F45-9708-019B960494DF}">
+              <a14:hiddenLine xmlns:a14="http://schemas.microsoft.com/office/drawing/2010/main" w="9525">
+                <a:solidFill>
+                  <a:schemeClr val="tx1"/>
+                </a:solidFill>
+                <a:miter lim="800000"/>
+                <a:headEnd/>
+                <a:tailEnd/>
+              </a14:hiddenLine>
+            </a:ext>
+            <a:ext uri="{AF507438-7753-43E0-B8FC-AC1667EBCBE1}">
+              <a14:hiddenEffects xmlns:a14="http://schemas.microsoft.com/office/drawing/2010/main">
+                <a:effectLst>
+                  <a:outerShdw dist="35921" dir="2700000" algn="ctr" rotWithShape="0">
+                    <a:schemeClr val="bg2"/>
+                  </a:outerShdw>
+                </a:effectLst>
+              </a14:hiddenEffects>
+            </a:ext>
+          </a:extLst>
+        </p:spPr>
+        <p:txBody>
+          <a:bodyPr wrap="none" lIns="92075" tIns="46038" rIns="92075" bIns="46038">
+            <a:spAutoFit/>
+          </a:bodyPr>
+          <a:lstStyle>
+            <a:lvl1pPr defTabSz="739775">
+              <a:defRPr sz="2400">
+                <a:solidFill>
+                  <a:schemeClr val="tx1"/>
+                </a:solidFill>
+                <a:latin typeface="Times New Roman" panose="02020603050405020304" pitchFamily="18" charset="0"/>
+              </a:defRPr>
+            </a:lvl1pPr>
+            <a:lvl2pPr marL="571500" defTabSz="739775">
+              <a:defRPr sz="2400">
+                <a:solidFill>
+                  <a:schemeClr val="tx1"/>
+                </a:solidFill>
+                <a:latin typeface="Times New Roman" panose="02020603050405020304" pitchFamily="18" charset="0"/>
+              </a:defRPr>
+            </a:lvl2pPr>
+            <a:lvl3pPr marL="1143000" defTabSz="739775">
+              <a:defRPr sz="2400">
+                <a:solidFill>
+                  <a:schemeClr val="tx1"/>
+                </a:solidFill>
+                <a:latin typeface="Times New Roman" panose="02020603050405020304" pitchFamily="18" charset="0"/>
+              </a:defRPr>
+            </a:lvl3pPr>
+            <a:lvl4pPr marL="1714500" defTabSz="739775">
+              <a:defRPr sz="2400">
+                <a:solidFill>
+                  <a:schemeClr val="tx1"/>
+                </a:solidFill>
+                <a:latin typeface="Times New Roman" panose="02020603050405020304" pitchFamily="18" charset="0"/>
+              </a:defRPr>
+            </a:lvl4pPr>
+            <a:lvl5pPr marL="2286000" defTabSz="739775">
+              <a:defRPr sz="2400">
+                <a:solidFill>
+                  <a:schemeClr val="tx1"/>
+                </a:solidFill>
+                <a:latin typeface="Times New Roman" panose="02020603050405020304" pitchFamily="18" charset="0"/>
+              </a:defRPr>
+            </a:lvl5pPr>
+            <a:lvl6pPr marL="2743200" defTabSz="739775" fontAlgn="base">
+              <a:spcBef>
+                <a:spcPct val="0"/>
+              </a:spcBef>
+              <a:spcAft>
+                <a:spcPct val="0"/>
+              </a:spcAft>
+              <a:defRPr sz="2400">
+                <a:solidFill>
+                  <a:schemeClr val="tx1"/>
+                </a:solidFill>
+                <a:latin typeface="Times New Roman" panose="02020603050405020304" pitchFamily="18" charset="0"/>
+              </a:defRPr>
+            </a:lvl6pPr>
+            <a:lvl7pPr marL="3200400" defTabSz="739775" fontAlgn="base">
+              <a:spcBef>
+                <a:spcPct val="0"/>
+              </a:spcBef>
+              <a:spcAft>
+                <a:spcPct val="0"/>
+              </a:spcAft>
+              <a:defRPr sz="2400">
+                <a:solidFill>
+                  <a:schemeClr val="tx1"/>
+                </a:solidFill>
+                <a:latin typeface="Times New Roman" panose="02020603050405020304" pitchFamily="18" charset="0"/>
+              </a:defRPr>
+            </a:lvl7pPr>
+            <a:lvl8pPr marL="3657600" defTabSz="739775" fontAlgn="base">
+              <a:spcBef>
+                <a:spcPct val="0"/>
+              </a:spcBef>
+              <a:spcAft>
+                <a:spcPct val="0"/>
+              </a:spcAft>
+              <a:defRPr sz="2400">
+                <a:solidFill>
+                  <a:schemeClr val="tx1"/>
+                </a:solidFill>
+                <a:latin typeface="Times New Roman" panose="02020603050405020304" pitchFamily="18" charset="0"/>
+              </a:defRPr>
+            </a:lvl8pPr>
+            <a:lvl9pPr marL="4114800" defTabSz="739775" fontAlgn="base">
+              <a:spcBef>
+                <a:spcPct val="0"/>
+              </a:spcBef>
+              <a:spcAft>
+                <a:spcPct val="0"/>
+              </a:spcAft>
+              <a:defRPr sz="2400">
+                <a:solidFill>
+                  <a:schemeClr val="tx1"/>
+                </a:solidFill>
+                <a:latin typeface="Times New Roman" panose="02020603050405020304" pitchFamily="18" charset="0"/>
+              </a:defRPr>
+            </a:lvl9pPr>
+          </a:lstStyle>
+          <a:p>
+            <a:pPr>
+              <a:defRPr/>
+            </a:pPr>
+            <a:r>
+              <a:rPr lang="en-US" altLang="fr-FR" sz="4400">
+                <a:solidFill>
+                  <a:srgbClr val="FF0033"/>
+                </a:solidFill>
+                <a:effectLst>
+                  <a:outerShdw blurRad="38100" dist="38100" dir="2700000" algn="tl">
+                    <a:srgbClr val="C0C0C0"/>
+                  </a:outerShdw>
+                </a:effectLst>
+                <a:latin typeface="Wingdings" panose="05000000000000000000" pitchFamily="2" charset="2"/>
+              </a:rPr>
+              <a:t>û</a:t>
+            </a:r>
+          </a:p>
+        </p:txBody>
+      </p:sp>
+      <p:sp>
+        <p:nvSpPr>
+          <p:cNvPr id="14367" name="Rectangle 31"/>
+          <p:cNvSpPr>
+            <a:spLocks noChangeArrowheads="1"/>
+          </p:cNvSpPr>
+          <p:nvPr>
+            <p:custDataLst>
+              <p:tags r:id="rId1"/>
+            </p:custDataLst>
+          </p:nvPr>
+        </p:nvSpPr>
+        <p:spPr bwMode="auto">
+          <a:xfrm>
+            <a:off x="2514600" y="4191000"/>
+            <a:ext cx="539750" cy="638175"/>
+          </a:xfrm>
+          <a:prstGeom prst="rect">
+            <a:avLst/>
+          </a:prstGeom>
+          <a:noFill/>
+          <a:ln>
+            <a:noFill/>
+          </a:ln>
+          <a:effectLst/>
+          <a:extLst>
+            <a:ext uri="{909E8E84-426E-40DD-AFC4-6F175D3DCCD1}">
+              <a14:hiddenFill xmlns:a14="http://schemas.microsoft.com/office/drawing/2010/main">
+                <a:solidFill>
+                  <a:schemeClr val="bg1"/>
+                </a:solidFill>
+              </a14:hiddenFill>
+            </a:ext>
+            <a:ext uri="{91240B29-F687-4F45-9708-019B960494DF}">
+              <a14:hiddenLine xmlns:a14="http://schemas.microsoft.com/office/drawing/2010/main" w="12700">
+                <a:solidFill>
+                  <a:schemeClr val="tx1"/>
+                </a:solidFill>
+                <a:miter lim="800000"/>
+                <a:headEnd/>
+                <a:tailEnd/>
+              </a14:hiddenLine>
+            </a:ext>
+            <a:ext uri="{AF507438-7753-43E0-B8FC-AC1667EBCBE1}">
+              <a14:hiddenEffects xmlns:a14="http://schemas.microsoft.com/office/drawing/2010/main">
+                <a:effectLst>
+                  <a:outerShdw dist="35921" dir="2700000" algn="ctr" rotWithShape="0">
+                    <a:schemeClr val="bg2"/>
+                  </a:outerShdw>
+                </a:effectLst>
+              </a14:hiddenEffects>
+            </a:ext>
+          </a:extLst>
+        </p:spPr>
+        <p:txBody>
+          <a:bodyPr wrap="none" lIns="90488" tIns="44450" rIns="90488" bIns="44450">
+            <a:spAutoFit/>
+          </a:bodyPr>
+          <a:lstStyle>
+            <a:lvl1pPr defTabSz="739775">
+              <a:defRPr sz="2400">
+                <a:solidFill>
+                  <a:schemeClr val="tx1"/>
+                </a:solidFill>
+                <a:latin typeface="Times New Roman" panose="02020603050405020304" pitchFamily="18" charset="0"/>
+              </a:defRPr>
+            </a:lvl1pPr>
+            <a:lvl2pPr marL="571500" defTabSz="739775">
+              <a:defRPr sz="2400">
+                <a:solidFill>
+                  <a:schemeClr val="tx1"/>
+                </a:solidFill>
+                <a:latin typeface="Times New Roman" panose="02020603050405020304" pitchFamily="18" charset="0"/>
+              </a:defRPr>
+            </a:lvl2pPr>
+            <a:lvl3pPr marL="1143000" defTabSz="739775">
+              <a:defRPr sz="2400">
+                <a:solidFill>
+                  <a:schemeClr val="tx1"/>
+                </a:solidFill>
+                <a:latin typeface="Times New Roman" panose="02020603050405020304" pitchFamily="18" charset="0"/>
+              </a:defRPr>
+            </a:lvl3pPr>
+            <a:lvl4pPr marL="1714500" defTabSz="739775">
+              <a:defRPr sz="2400">
+                <a:solidFill>
+                  <a:schemeClr val="tx1"/>
+                </a:solidFill>
+                <a:latin typeface="Times New Roman" panose="02020603050405020304" pitchFamily="18" charset="0"/>
+              </a:defRPr>
+            </a:lvl4pPr>
+            <a:lvl5pPr marL="2286000" defTabSz="739775">
+              <a:defRPr sz="2400">
+                <a:solidFill>
+                  <a:schemeClr val="tx1"/>
+                </a:solidFill>
+                <a:latin typeface="Times New Roman" panose="02020603050405020304" pitchFamily="18" charset="0"/>
+              </a:defRPr>
+            </a:lvl5pPr>
+            <a:lvl6pPr marL="2743200" defTabSz="739775" fontAlgn="base">
+              <a:spcBef>
+                <a:spcPct val="0"/>
+              </a:spcBef>
+              <a:spcAft>
+                <a:spcPct val="0"/>
+              </a:spcAft>
+              <a:defRPr sz="2400">
+                <a:solidFill>
+                  <a:schemeClr val="tx1"/>
+                </a:solidFill>
+                <a:latin typeface="Times New Roman" panose="02020603050405020304" pitchFamily="18" charset="0"/>
+              </a:defRPr>
+            </a:lvl6pPr>
+            <a:lvl7pPr marL="3200400" defTabSz="739775" fontAlgn="base">
+              <a:spcBef>
+                <a:spcPct val="0"/>
+              </a:spcBef>
+              <a:spcAft>
+                <a:spcPct val="0"/>
+              </a:spcAft>
+              <a:defRPr sz="2400">
+                <a:solidFill>
+                  <a:schemeClr val="tx1"/>
+                </a:solidFill>
+                <a:latin typeface="Times New Roman" panose="02020603050405020304" pitchFamily="18" charset="0"/>
+              </a:defRPr>
+            </a:lvl7pPr>
+            <a:lvl8pPr marL="3657600" defTabSz="739775" fontAlgn="base">
+              <a:spcBef>
+                <a:spcPct val="0"/>
+              </a:spcBef>
+              <a:spcAft>
+                <a:spcPct val="0"/>
+              </a:spcAft>
+              <a:defRPr sz="2400">
+                <a:solidFill>
+                  <a:schemeClr val="tx1"/>
+                </a:solidFill>
+                <a:latin typeface="Times New Roman" panose="02020603050405020304" pitchFamily="18" charset="0"/>
+              </a:defRPr>
+            </a:lvl8pPr>
+            <a:lvl9pPr marL="4114800" defTabSz="739775" fontAlgn="base">
+              <a:spcBef>
+                <a:spcPct val="0"/>
+              </a:spcBef>
+              <a:spcAft>
+                <a:spcPct val="0"/>
+              </a:spcAft>
+              <a:defRPr sz="2400">
+                <a:solidFill>
+                  <a:schemeClr val="tx1"/>
+                </a:solidFill>
+                <a:latin typeface="Times New Roman" panose="02020603050405020304" pitchFamily="18" charset="0"/>
+              </a:defRPr>
+            </a:lvl9pPr>
+          </a:lstStyle>
+          <a:p>
+            <a:pPr>
+              <a:defRPr/>
+            </a:pPr>
+            <a:r>
+              <a:rPr lang="en-US" altLang="fr-FR" sz="3600">
+                <a:solidFill>
+                  <a:srgbClr val="FF3300"/>
+                </a:solidFill>
+                <a:effectLst>
+                  <a:outerShdw blurRad="38100" dist="38100" dir="2700000" algn="tl">
+                    <a:srgbClr val="C0C0C0"/>
+                  </a:outerShdw>
+                </a:effectLst>
+                <a:latin typeface="Wingdings" panose="05000000000000000000" pitchFamily="2" charset="2"/>
+              </a:rPr>
+              <a:t></a:t>
+            </a:r>
+          </a:p>
+        </p:txBody>
+      </p:sp>
+    </p:spTree>
+    <p:extLst>
+      <p:ext uri="{BB962C8B-B14F-4D97-AF65-F5344CB8AC3E}">
+        <p14:creationId xmlns:p14="http://schemas.microsoft.com/office/powerpoint/2010/main" val="3153744736"/>
+      </p:ext>
+    </p:extLst>
+  </p:cSld>
+  <p:clrMapOvr>
+    <a:masterClrMapping/>
+  </p:clrMapOvr>
+</p:sld>
+</file>
+
+<file path=ppt/slides/slide31.xml><?xml version="1.0" encoding="utf-8"?>
+<p:sld xmlns:a="http://schemas.openxmlformats.org/drawingml/2006/main" xmlns:r="http://schemas.openxmlformats.org/officeDocument/2006/relationships" xmlns:p="http://schemas.openxmlformats.org/presentationml/2006/main">
+  <p:cSld>
+    <p:spTree>
+      <p:nvGrpSpPr>
+        <p:cNvPr id="1" name=""/>
+        <p:cNvGrpSpPr/>
+        <p:nvPr/>
+      </p:nvGrpSpPr>
+      <p:grpSpPr>
+        <a:xfrm>
+          <a:off x="0" y="0"/>
+          <a:ext cx="0" cy="0"/>
+          <a:chOff x="0" y="0"/>
+          <a:chExt cx="0" cy="0"/>
+        </a:xfrm>
+      </p:grpSpPr>
+      <p:sp>
+        <p:nvSpPr>
+          <p:cNvPr id="2" name="Titre 1"/>
+          <p:cNvSpPr>
+            <a:spLocks noGrp="1"/>
+          </p:cNvSpPr>
+          <p:nvPr>
+            <p:ph type="title"/>
+          </p:nvPr>
+        </p:nvSpPr>
+        <p:spPr/>
+        <p:txBody>
+          <a:bodyPr/>
+          <a:lstStyle/>
+          <a:p>
+            <a:r>
+              <a:rPr lang="fr-FR" dirty="0"/>
+              <a:t>Méthodes statiques</a:t>
+            </a:r>
+          </a:p>
+        </p:txBody>
+      </p:sp>
+      <p:sp>
+        <p:nvSpPr>
+          <p:cNvPr id="3" name="Espace réservé du contenu 2"/>
+          <p:cNvSpPr>
+            <a:spLocks noGrp="1"/>
+          </p:cNvSpPr>
+          <p:nvPr>
+            <p:ph idx="1"/>
+          </p:nvPr>
+        </p:nvSpPr>
+        <p:spPr/>
+        <p:txBody>
+          <a:bodyPr/>
+          <a:lstStyle/>
+          <a:p>
+            <a:r>
+              <a:rPr lang="fr-FR" dirty="0"/>
+              <a:t>En Python, les méthodes statiques sont des méthodes de la classe sans self</a:t>
+            </a:r>
+          </a:p>
+          <a:p>
+            <a:pPr lvl="1"/>
+            <a:r>
+              <a:rPr lang="fr-FR" dirty="0"/>
+              <a:t>Décoration @</a:t>
+            </a:r>
+            <a:r>
+              <a:rPr lang="fr-FR" dirty="0" err="1"/>
+              <a:t>staticmethod</a:t>
+            </a:r>
+            <a:r>
+              <a:rPr lang="fr-FR" dirty="0"/>
+              <a:t> ou @</a:t>
+            </a:r>
+            <a:r>
+              <a:rPr lang="fr-FR" dirty="0" err="1"/>
+              <a:t>classmethod</a:t>
+            </a:r>
+            <a:endParaRPr lang="fr-FR" dirty="0"/>
+          </a:p>
+          <a:p>
+            <a:pPr lvl="1"/>
+            <a:r>
+              <a:rPr lang="fr-FR" dirty="0"/>
+              <a:t>@</a:t>
+            </a:r>
+            <a:r>
+              <a:rPr lang="fr-FR" dirty="0" err="1"/>
+              <a:t>classmethod</a:t>
+            </a:r>
+            <a:r>
+              <a:rPr lang="fr-FR" dirty="0"/>
+              <a:t> prend comme premier argument la classe</a:t>
+            </a:r>
+          </a:p>
+        </p:txBody>
+      </p:sp>
+      <p:pic>
+        <p:nvPicPr>
+          <p:cNvPr id="4" name="Image 3"/>
+          <p:cNvPicPr>
+            <a:picLocks noChangeAspect="1"/>
+          </p:cNvPicPr>
+          <p:nvPr/>
+        </p:nvPicPr>
+        <p:blipFill>
+          <a:blip r:embed="rId2"/>
+          <a:stretch>
+            <a:fillRect/>
+          </a:stretch>
+        </p:blipFill>
+        <p:spPr>
+          <a:xfrm>
+            <a:off x="2771800" y="3356992"/>
+            <a:ext cx="3257354" cy="3096344"/>
+          </a:xfrm>
+          <a:prstGeom prst="rect">
+            <a:avLst/>
+          </a:prstGeom>
+        </p:spPr>
+      </p:pic>
+    </p:spTree>
+    <p:extLst>
+      <p:ext uri="{BB962C8B-B14F-4D97-AF65-F5344CB8AC3E}">
+        <p14:creationId xmlns:p14="http://schemas.microsoft.com/office/powerpoint/2010/main" val="1800326302"/>
+      </p:ext>
+    </p:extLst>
+  </p:cSld>
+  <p:clrMapOvr>
+    <a:masterClrMapping/>
+  </p:clrMapOvr>
+</p:sld>
+</file>
+
+<file path=ppt/slides/slide32.xml><?xml version="1.0" encoding="utf-8"?>
+<p:sld xmlns:a="http://schemas.openxmlformats.org/drawingml/2006/main" xmlns:r="http://schemas.openxmlformats.org/officeDocument/2006/relationships" xmlns:p="http://schemas.openxmlformats.org/presentationml/2006/main">
+  <p:cSld>
+    <p:spTree>
+      <p:nvGrpSpPr>
+        <p:cNvPr id="1" name=""/>
+        <p:cNvGrpSpPr/>
+        <p:nvPr/>
+      </p:nvGrpSpPr>
+      <p:grpSpPr>
+        <a:xfrm>
+          <a:off x="0" y="0"/>
+          <a:ext cx="0" cy="0"/>
+          <a:chOff x="0" y="0"/>
+          <a:chExt cx="0" cy="0"/>
+        </a:xfrm>
+      </p:grpSpPr>
+      <p:sp>
+        <p:nvSpPr>
+          <p:cNvPr id="2" name="Titre 1"/>
+          <p:cNvSpPr>
+            <a:spLocks noGrp="1"/>
+          </p:cNvSpPr>
+          <p:nvPr>
+            <p:ph type="title"/>
+          </p:nvPr>
+        </p:nvSpPr>
+        <p:spPr/>
+        <p:txBody>
+          <a:bodyPr/>
+          <a:lstStyle/>
+          <a:p>
+            <a:r>
+              <a:rPr lang="fr-FR" dirty="0"/>
+              <a:t>Associations</a:t>
+            </a:r>
+          </a:p>
+        </p:txBody>
+      </p:sp>
+      <p:sp>
+        <p:nvSpPr>
+          <p:cNvPr id="3" name="Espace réservé du contenu 2"/>
+          <p:cNvSpPr>
+            <a:spLocks noGrp="1"/>
+          </p:cNvSpPr>
+          <p:nvPr>
+            <p:ph idx="1"/>
+          </p:nvPr>
+        </p:nvSpPr>
+        <p:spPr/>
+        <p:txBody>
+          <a:bodyPr/>
+          <a:lstStyle/>
+          <a:p>
+            <a:r>
+              <a:rPr lang="fr-FR" dirty="0"/>
+              <a:t>Les classes peuvent être liées par association</a:t>
+            </a:r>
+          </a:p>
+          <a:p>
+            <a:r>
+              <a:rPr lang="fr-FR" dirty="0"/>
+              <a:t>Relation 1</a:t>
+            </a:r>
+          </a:p>
+          <a:p>
+            <a:pPr lvl="1"/>
+            <a:r>
+              <a:rPr lang="fr-FR" dirty="0"/>
+              <a:t>Attribut du type de la classe lié</a:t>
+            </a:r>
+          </a:p>
+          <a:p>
+            <a:r>
+              <a:rPr lang="fr-FR" dirty="0"/>
+              <a:t>Relation *</a:t>
+            </a:r>
+          </a:p>
+          <a:p>
+            <a:pPr lvl="1"/>
+            <a:r>
+              <a:rPr lang="fr-FR" dirty="0"/>
+              <a:t>Attribut du type </a:t>
+            </a:r>
+            <a:r>
+              <a:rPr lang="fr-FR" dirty="0" err="1"/>
+              <a:t>list</a:t>
+            </a:r>
+            <a:endParaRPr lang="fr-FR" dirty="0"/>
+          </a:p>
+        </p:txBody>
+      </p:sp>
+    </p:spTree>
+    <p:extLst>
+      <p:ext uri="{BB962C8B-B14F-4D97-AF65-F5344CB8AC3E}">
+        <p14:creationId xmlns:p14="http://schemas.microsoft.com/office/powerpoint/2010/main" val="62270567"/>
+      </p:ext>
+    </p:extLst>
+  </p:cSld>
+  <p:clrMapOvr>
+    <a:masterClrMapping/>
+  </p:clrMapOvr>
+</p:sld>
+</file>
+
+<file path=ppt/slides/slide33.xml><?xml version="1.0" encoding="utf-8"?>
+<p:sld xmlns:a="http://schemas.openxmlformats.org/drawingml/2006/main" xmlns:r="http://schemas.openxmlformats.org/officeDocument/2006/relationships" xmlns:p="http://schemas.openxmlformats.org/presentationml/2006/main">
+  <p:cSld>
+    <p:spTree>
+      <p:nvGrpSpPr>
+        <p:cNvPr id="1" name=""/>
+        <p:cNvGrpSpPr/>
+        <p:nvPr/>
+      </p:nvGrpSpPr>
+      <p:grpSpPr>
+        <a:xfrm>
+          <a:off x="0" y="0"/>
+          <a:ext cx="0" cy="0"/>
+          <a:chOff x="0" y="0"/>
+          <a:chExt cx="0" cy="0"/>
+        </a:xfrm>
+      </p:grpSpPr>
+      <p:sp>
+        <p:nvSpPr>
+          <p:cNvPr id="2" name="Titre 1"/>
+          <p:cNvSpPr>
+            <a:spLocks noGrp="1"/>
+          </p:cNvSpPr>
+          <p:nvPr>
+            <p:ph type="title"/>
+          </p:nvPr>
+        </p:nvSpPr>
+        <p:spPr/>
+        <p:txBody>
+          <a:bodyPr/>
+          <a:lstStyle/>
+          <a:p>
+            <a:r>
+              <a:rPr lang="fr-FR" dirty="0"/>
+              <a:t>Annotations des types complexe</a:t>
+            </a:r>
+          </a:p>
+        </p:txBody>
+      </p:sp>
+      <p:sp>
+        <p:nvSpPr>
+          <p:cNvPr id="3" name="Espace réservé du contenu 2"/>
+          <p:cNvSpPr>
+            <a:spLocks noGrp="1"/>
+          </p:cNvSpPr>
+          <p:nvPr>
+            <p:ph idx="1"/>
+          </p:nvPr>
+        </p:nvSpPr>
+        <p:spPr/>
+        <p:txBody>
+          <a:bodyPr/>
+          <a:lstStyle/>
+          <a:p>
+            <a:r>
+              <a:rPr lang="fr-FR" dirty="0"/>
+              <a:t>Nouveau en Python 3.6</a:t>
+            </a:r>
+          </a:p>
+          <a:p>
+            <a:r>
+              <a:rPr lang="fr-FR" dirty="0"/>
+              <a:t>Possibilité de typer les types complexes</a:t>
+            </a:r>
+          </a:p>
+          <a:p>
+            <a:pPr lvl="1"/>
+            <a:r>
+              <a:rPr lang="fr-FR" dirty="0" err="1"/>
+              <a:t>my_list</a:t>
+            </a:r>
+            <a:r>
+              <a:rPr lang="fr-FR" dirty="0"/>
+              <a:t> : List[</a:t>
+            </a:r>
+            <a:r>
+              <a:rPr lang="fr-FR" dirty="0" err="1"/>
+              <a:t>int</a:t>
+            </a:r>
+            <a:r>
+              <a:rPr lang="fr-FR" dirty="0"/>
+              <a:t>] = []</a:t>
+            </a:r>
+          </a:p>
+          <a:p>
+            <a:pPr lvl="1"/>
+            <a:r>
+              <a:rPr lang="fr-FR" dirty="0" err="1"/>
+              <a:t>my_dict</a:t>
+            </a:r>
+            <a:r>
+              <a:rPr lang="fr-FR" dirty="0"/>
+              <a:t> = Dict[</a:t>
+            </a:r>
+            <a:r>
+              <a:rPr lang="fr-FR" dirty="0" err="1"/>
+              <a:t>str</a:t>
+            </a:r>
+            <a:r>
+              <a:rPr lang="fr-FR" dirty="0"/>
+              <a:t>, </a:t>
+            </a:r>
+            <a:r>
+              <a:rPr lang="fr-FR" dirty="0" err="1"/>
+              <a:t>int</a:t>
+            </a:r>
+            <a:r>
+              <a:rPr lang="fr-FR" dirty="0"/>
+              <a:t>] = {}</a:t>
+            </a:r>
+          </a:p>
+          <a:p>
+            <a:pPr lvl="1"/>
+            <a:r>
+              <a:rPr lang="fr-FR" dirty="0"/>
+              <a:t>Il ne s’agit pas d’un typage fort</a:t>
+            </a:r>
+          </a:p>
+          <a:p>
+            <a:pPr lvl="1"/>
+            <a:r>
+              <a:rPr lang="fr-FR" dirty="0"/>
+              <a:t>C’est juste une annotation</a:t>
+            </a:r>
+          </a:p>
+          <a:p>
+            <a:pPr lvl="1"/>
+            <a:endParaRPr lang="fr-FR" dirty="0"/>
+          </a:p>
+        </p:txBody>
+      </p:sp>
+    </p:spTree>
+    <p:extLst>
+      <p:ext uri="{BB962C8B-B14F-4D97-AF65-F5344CB8AC3E}">
+        <p14:creationId xmlns:p14="http://schemas.microsoft.com/office/powerpoint/2010/main" val="806311911"/>
       </p:ext>
     </p:extLst>
   </p:cSld>
@@ -36430,7 +41658,7 @@
                   <a:schemeClr val="accent2"/>
                 </a:solidFill>
               </a:rPr>
-              <a:t>Nomclasse</a:t>
+              <a:t>NomClasse</a:t>
             </a:r>
             <a:r>
               <a:rPr lang="fr-BE" altLang="fr-FR" dirty="0">
@@ -36587,7 +41815,31 @@
           <a:bodyPr/>
           <a:lstStyle/>
           <a:p>
-            <a:endParaRPr lang="fr-FR"/>
+            <a:endParaRPr lang="fr-FR" dirty="0"/>
+          </a:p>
+          <a:p>
+            <a:endParaRPr lang="fr-FR" dirty="0"/>
+          </a:p>
+          <a:p>
+            <a:endParaRPr lang="fr-FR" dirty="0"/>
+          </a:p>
+          <a:p>
+            <a:endParaRPr lang="fr-FR" dirty="0"/>
+          </a:p>
+          <a:p>
+            <a:endParaRPr lang="fr-FR" dirty="0"/>
+          </a:p>
+          <a:p>
+            <a:r>
+              <a:rPr lang="fr-FR" dirty="0"/>
+              <a:t>Classe = DATA</a:t>
+            </a:r>
+          </a:p>
+          <a:p>
+            <a:r>
+              <a:rPr lang="fr-FR" dirty="0"/>
+              <a:t>Classe = Quoi ?</a:t>
+            </a:r>
           </a:p>
         </p:txBody>
       </p:sp>
@@ -39345,6 +44597,18 @@
 </file>
 
 <file path=ppt/tags/tag40.xml><?xml version="1.0" encoding="utf-8"?>
+<p:tagLst xmlns:a="http://schemas.openxmlformats.org/drawingml/2006/main" xmlns:r="http://schemas.openxmlformats.org/officeDocument/2006/relationships" xmlns:p="http://schemas.openxmlformats.org/presentationml/2006/main">
+  <p:tag name="PPWINTOTALSEGMENTS" val="0"/>
+</p:tagLst>
+</file>
+
+<file path=ppt/tags/tag41.xml><?xml version="1.0" encoding="utf-8"?>
+<p:tagLst xmlns:a="http://schemas.openxmlformats.org/drawingml/2006/main" xmlns:r="http://schemas.openxmlformats.org/officeDocument/2006/relationships" xmlns:p="http://schemas.openxmlformats.org/presentationml/2006/main">
+  <p:tag name="PPWINTOTALSEGMENTS" val="0"/>
+</p:tagLst>
+</file>
+
+<file path=ppt/tags/tag42.xml><?xml version="1.0" encoding="utf-8"?>
 <p:tagLst xmlns:a="http://schemas.openxmlformats.org/drawingml/2006/main" xmlns:r="http://schemas.openxmlformats.org/officeDocument/2006/relationships" xmlns:p="http://schemas.openxmlformats.org/presentationml/2006/main">
   <p:tag name="PPWINTOTALSEGMENTS" val="0"/>
 </p:tagLst>
